--- a/502projectPresentation.pptx
+++ b/502projectPresentation.pptx
@@ -8,12 +8,17 @@
     <p:sldId id="256" r:id="rId2"/>
     <p:sldId id="260" r:id="rId3"/>
     <p:sldId id="262" r:id="rId4"/>
-    <p:sldId id="261" r:id="rId5"/>
-    <p:sldId id="269" r:id="rId6"/>
-    <p:sldId id="270" r:id="rId7"/>
-    <p:sldId id="271" r:id="rId8"/>
-    <p:sldId id="272" r:id="rId9"/>
-    <p:sldId id="273" r:id="rId10"/>
+    <p:sldId id="277" r:id="rId5"/>
+    <p:sldId id="261" r:id="rId6"/>
+    <p:sldId id="275" r:id="rId7"/>
+    <p:sldId id="269" r:id="rId8"/>
+    <p:sldId id="270" r:id="rId9"/>
+    <p:sldId id="271" r:id="rId10"/>
+    <p:sldId id="272" r:id="rId11"/>
+    <p:sldId id="273" r:id="rId12"/>
+    <p:sldId id="278" r:id="rId13"/>
+    <p:sldId id="279" r:id="rId14"/>
+    <p:sldId id="280" r:id="rId15"/>
   </p:sldIdLst>
   <p:sldSz cx="12192000" cy="6858000"/>
   <p:notesSz cx="6858000" cy="9144000"/>
@@ -6180,6 +6185,1060 @@
 </p:sld>
 </file>
 
+<file path=ppt/slides/slide10.xml><?xml version="1.0" encoding="utf-8"?>
+<p:sld xmlns:a="http://schemas.openxmlformats.org/drawingml/2006/main" xmlns:r="http://schemas.openxmlformats.org/officeDocument/2006/relationships" xmlns:p="http://schemas.openxmlformats.org/presentationml/2006/main">
+  <p:cSld>
+    <p:spTree>
+      <p:nvGrpSpPr>
+        <p:cNvPr id="1" name=""/>
+        <p:cNvGrpSpPr/>
+        <p:nvPr/>
+      </p:nvGrpSpPr>
+      <p:grpSpPr>
+        <a:xfrm>
+          <a:off x="0" y="0"/>
+          <a:ext cx="0" cy="0"/>
+          <a:chOff x="0" y="0"/>
+          <a:chExt cx="0" cy="0"/>
+        </a:xfrm>
+      </p:grpSpPr>
+      <p:sp>
+        <p:nvSpPr>
+          <p:cNvPr id="2" name="Title 1">
+            <a:extLst>
+              <a:ext uri="{FF2B5EF4-FFF2-40B4-BE49-F238E27FC236}">
+                <a16:creationId xmlns:a16="http://schemas.microsoft.com/office/drawing/2014/main" id="{FB047358-2DA0-4EBD-A009-371F287CBFA5}"/>
+              </a:ext>
+            </a:extLst>
+          </p:cNvPr>
+          <p:cNvSpPr>
+            <a:spLocks noGrp="1"/>
+          </p:cNvSpPr>
+          <p:nvPr>
+            <p:ph type="title"/>
+          </p:nvPr>
+        </p:nvSpPr>
+        <p:spPr/>
+        <p:txBody>
+          <a:bodyPr/>
+          <a:lstStyle/>
+          <a:p>
+            <a:r>
+              <a:rPr lang="en-US" dirty="0"/>
+              <a:t>Has-company-logo</a:t>
+            </a:r>
+          </a:p>
+        </p:txBody>
+      </p:sp>
+      <p:sp>
+        <p:nvSpPr>
+          <p:cNvPr id="3" name="Content Placeholder 2">
+            <a:extLst>
+              <a:ext uri="{FF2B5EF4-FFF2-40B4-BE49-F238E27FC236}">
+                <a16:creationId xmlns:a16="http://schemas.microsoft.com/office/drawing/2014/main" id="{8C9ECEE2-509A-48AD-84FE-5552C88B6F1B}"/>
+              </a:ext>
+            </a:extLst>
+          </p:cNvPr>
+          <p:cNvSpPr>
+            <a:spLocks noGrp="1"/>
+          </p:cNvSpPr>
+          <p:nvPr>
+            <p:ph sz="quarter" idx="13"/>
+          </p:nvPr>
+        </p:nvSpPr>
+        <p:spPr/>
+        <p:txBody>
+          <a:bodyPr/>
+          <a:lstStyle/>
+          <a:p>
+            <a:r>
+              <a:rPr lang="en-US" dirty="0"/>
+              <a:t>Correlation coefficient to the target variable: -0.25</a:t>
+            </a:r>
+          </a:p>
+          <a:p>
+            <a:r>
+              <a:rPr lang="en-US" dirty="0"/>
+              <a:t>Moderate negative correlation</a:t>
+            </a:r>
+          </a:p>
+          <a:p>
+            <a:endParaRPr lang="en-US" dirty="0"/>
+          </a:p>
+          <a:p>
+            <a:endParaRPr lang="en-US" dirty="0"/>
+          </a:p>
+          <a:p>
+            <a:endParaRPr lang="en-US" dirty="0"/>
+          </a:p>
+          <a:p>
+            <a:endParaRPr lang="en-US" dirty="0"/>
+          </a:p>
+          <a:p>
+            <a:endParaRPr lang="en-US" dirty="0"/>
+          </a:p>
+        </p:txBody>
+      </p:sp>
+      <p:pic>
+        <p:nvPicPr>
+          <p:cNvPr id="6" name="Content Placeholder 5">
+            <a:extLst>
+              <a:ext uri="{FF2B5EF4-FFF2-40B4-BE49-F238E27FC236}">
+                <a16:creationId xmlns:a16="http://schemas.microsoft.com/office/drawing/2014/main" id="{807D7759-7A50-4E5C-AA33-082B45705902}"/>
+              </a:ext>
+            </a:extLst>
+          </p:cNvPr>
+          <p:cNvPicPr>
+            <a:picLocks noGrp="1" noChangeAspect="1"/>
+          </p:cNvPicPr>
+          <p:nvPr>
+            <p:ph sz="quarter" idx="14"/>
+          </p:nvPr>
+        </p:nvPicPr>
+        <p:blipFill>
+          <a:blip r:embed="rId2"/>
+          <a:stretch>
+            <a:fillRect/>
+          </a:stretch>
+        </p:blipFill>
+        <p:spPr>
+          <a:xfrm>
+            <a:off x="6305550" y="2436019"/>
+            <a:ext cx="4838700" cy="3286125"/>
+          </a:xfrm>
+          <a:prstGeom prst="rect">
+            <a:avLst/>
+          </a:prstGeom>
+        </p:spPr>
+      </p:pic>
+      <p:pic>
+        <p:nvPicPr>
+          <p:cNvPr id="5" name="Picture 4">
+            <a:extLst>
+              <a:ext uri="{FF2B5EF4-FFF2-40B4-BE49-F238E27FC236}">
+                <a16:creationId xmlns:a16="http://schemas.microsoft.com/office/drawing/2014/main" id="{57651EA2-BE20-41B5-A5F7-82DF8ABEFE6E}"/>
+              </a:ext>
+            </a:extLst>
+          </p:cNvPr>
+          <p:cNvPicPr>
+            <a:picLocks noChangeAspect="1"/>
+          </p:cNvPicPr>
+          <p:nvPr/>
+        </p:nvPicPr>
+        <p:blipFill>
+          <a:blip r:embed="rId3"/>
+          <a:stretch>
+            <a:fillRect/>
+          </a:stretch>
+        </p:blipFill>
+        <p:spPr>
+          <a:xfrm>
+            <a:off x="1512611" y="3883507"/>
+            <a:ext cx="2447925" cy="1476375"/>
+          </a:xfrm>
+          <a:prstGeom prst="rect">
+            <a:avLst/>
+          </a:prstGeom>
+        </p:spPr>
+      </p:pic>
+    </p:spTree>
+    <p:extLst>
+      <p:ext uri="{BB962C8B-B14F-4D97-AF65-F5344CB8AC3E}">
+        <p14:creationId xmlns:p14="http://schemas.microsoft.com/office/powerpoint/2010/main" val="2657199537"/>
+      </p:ext>
+    </p:extLst>
+  </p:cSld>
+  <p:clrMapOvr>
+    <a:masterClrMapping/>
+  </p:clrMapOvr>
+</p:sld>
+</file>
+
+<file path=ppt/slides/slide11.xml><?xml version="1.0" encoding="utf-8"?>
+<p:sld xmlns:a="http://schemas.openxmlformats.org/drawingml/2006/main" xmlns:r="http://schemas.openxmlformats.org/officeDocument/2006/relationships" xmlns:p="http://schemas.openxmlformats.org/presentationml/2006/main">
+  <p:cSld>
+    <p:spTree>
+      <p:nvGrpSpPr>
+        <p:cNvPr id="1" name=""/>
+        <p:cNvGrpSpPr/>
+        <p:nvPr/>
+      </p:nvGrpSpPr>
+      <p:grpSpPr>
+        <a:xfrm>
+          <a:off x="0" y="0"/>
+          <a:ext cx="0" cy="0"/>
+          <a:chOff x="0" y="0"/>
+          <a:chExt cx="0" cy="0"/>
+        </a:xfrm>
+      </p:grpSpPr>
+      <p:sp>
+        <p:nvSpPr>
+          <p:cNvPr id="2" name="Title 1">
+            <a:extLst>
+              <a:ext uri="{FF2B5EF4-FFF2-40B4-BE49-F238E27FC236}">
+                <a16:creationId xmlns:a16="http://schemas.microsoft.com/office/drawing/2014/main" id="{8C1667CE-6146-4996-A275-E70D08A3DA7E}"/>
+              </a:ext>
+            </a:extLst>
+          </p:cNvPr>
+          <p:cNvSpPr>
+            <a:spLocks noGrp="1"/>
+          </p:cNvSpPr>
+          <p:nvPr>
+            <p:ph type="title"/>
+          </p:nvPr>
+        </p:nvSpPr>
+        <p:spPr/>
+        <p:txBody>
+          <a:bodyPr/>
+          <a:lstStyle/>
+          <a:p>
+            <a:r>
+              <a:rPr lang="en-US" dirty="0"/>
+              <a:t>Models and metrics</a:t>
+            </a:r>
+          </a:p>
+        </p:txBody>
+      </p:sp>
+      <p:sp>
+        <p:nvSpPr>
+          <p:cNvPr id="3" name="Content Placeholder 2">
+            <a:extLst>
+              <a:ext uri="{FF2B5EF4-FFF2-40B4-BE49-F238E27FC236}">
+                <a16:creationId xmlns:a16="http://schemas.microsoft.com/office/drawing/2014/main" id="{0EDF38FC-AA73-47FC-BD1D-3BDA1034344D}"/>
+              </a:ext>
+            </a:extLst>
+          </p:cNvPr>
+          <p:cNvSpPr>
+            <a:spLocks noGrp="1"/>
+          </p:cNvSpPr>
+          <p:nvPr>
+            <p:ph sz="quarter" idx="13"/>
+          </p:nvPr>
+        </p:nvSpPr>
+        <p:spPr/>
+        <p:txBody>
+          <a:bodyPr/>
+          <a:lstStyle/>
+          <a:p>
+            <a:r>
+              <a:rPr lang="en-US" dirty="0"/>
+              <a:t>Naïve </a:t>
+            </a:r>
+            <a:r>
+              <a:rPr lang="en-US" dirty="0" err="1"/>
+              <a:t>bayes</a:t>
+            </a:r>
+            <a:r>
+              <a:rPr lang="en-US" dirty="0"/>
+              <a:t> model</a:t>
+            </a:r>
+          </a:p>
+          <a:p>
+            <a:r>
+              <a:rPr lang="en-US" dirty="0"/>
+              <a:t>Decision tree classifier</a:t>
+            </a:r>
+          </a:p>
+          <a:p>
+            <a:r>
+              <a:rPr lang="en-US" dirty="0"/>
+              <a:t>K-nearest neighbors</a:t>
+            </a:r>
+          </a:p>
+          <a:p>
+            <a:r>
+              <a:rPr lang="en-US" dirty="0"/>
+              <a:t>Random forest</a:t>
+            </a:r>
+          </a:p>
+          <a:p>
+            <a:pPr marL="0" indent="0">
+              <a:buNone/>
+            </a:pPr>
+            <a:endParaRPr lang="en-US" dirty="0"/>
+          </a:p>
+        </p:txBody>
+      </p:sp>
+      <p:sp>
+        <p:nvSpPr>
+          <p:cNvPr id="4" name="Content Placeholder 3">
+            <a:extLst>
+              <a:ext uri="{FF2B5EF4-FFF2-40B4-BE49-F238E27FC236}">
+                <a16:creationId xmlns:a16="http://schemas.microsoft.com/office/drawing/2014/main" id="{6BFDE3A1-C0EC-4376-AFFE-4708B6FFA693}"/>
+              </a:ext>
+            </a:extLst>
+          </p:cNvPr>
+          <p:cNvSpPr>
+            <a:spLocks noGrp="1"/>
+          </p:cNvSpPr>
+          <p:nvPr>
+            <p:ph sz="quarter" idx="14"/>
+          </p:nvPr>
+        </p:nvSpPr>
+        <p:spPr/>
+        <p:txBody>
+          <a:bodyPr/>
+          <a:lstStyle/>
+          <a:p>
+            <a:r>
+              <a:rPr lang="en-US" dirty="0"/>
+              <a:t>ACCURACY</a:t>
+            </a:r>
+          </a:p>
+          <a:p>
+            <a:r>
+              <a:rPr lang="en-US" dirty="0"/>
+              <a:t>F1 SCORE</a:t>
+            </a:r>
+          </a:p>
+          <a:p>
+            <a:r>
+              <a:rPr lang="en-US" dirty="0"/>
+              <a:t>PRECISION</a:t>
+            </a:r>
+          </a:p>
+          <a:p>
+            <a:r>
+              <a:rPr lang="en-US" dirty="0"/>
+              <a:t>RECALL</a:t>
+            </a:r>
+          </a:p>
+          <a:p>
+            <a:r>
+              <a:rPr lang="en-US" dirty="0"/>
+              <a:t>Sensitivity</a:t>
+            </a:r>
+          </a:p>
+          <a:p>
+            <a:r>
+              <a:rPr lang="en-US" dirty="0"/>
+              <a:t>specificity</a:t>
+            </a:r>
+          </a:p>
+        </p:txBody>
+      </p:sp>
+    </p:spTree>
+    <p:extLst>
+      <p:ext uri="{BB962C8B-B14F-4D97-AF65-F5344CB8AC3E}">
+        <p14:creationId xmlns:p14="http://schemas.microsoft.com/office/powerpoint/2010/main" val="242248369"/>
+      </p:ext>
+    </p:extLst>
+  </p:cSld>
+  <p:clrMapOvr>
+    <a:masterClrMapping/>
+  </p:clrMapOvr>
+</p:sld>
+</file>
+
+<file path=ppt/slides/slide12.xml><?xml version="1.0" encoding="utf-8"?>
+<p:sld xmlns:a="http://schemas.openxmlformats.org/drawingml/2006/main" xmlns:r="http://schemas.openxmlformats.org/officeDocument/2006/relationships" xmlns:p="http://schemas.openxmlformats.org/presentationml/2006/main">
+  <p:cSld>
+    <p:spTree>
+      <p:nvGrpSpPr>
+        <p:cNvPr id="1" name=""/>
+        <p:cNvGrpSpPr/>
+        <p:nvPr/>
+      </p:nvGrpSpPr>
+      <p:grpSpPr>
+        <a:xfrm>
+          <a:off x="0" y="0"/>
+          <a:ext cx="0" cy="0"/>
+          <a:chOff x="0" y="0"/>
+          <a:chExt cx="0" cy="0"/>
+        </a:xfrm>
+      </p:grpSpPr>
+      <p:sp>
+        <p:nvSpPr>
+          <p:cNvPr id="2" name="Title 1">
+            <a:extLst>
+              <a:ext uri="{FF2B5EF4-FFF2-40B4-BE49-F238E27FC236}">
+                <a16:creationId xmlns:a16="http://schemas.microsoft.com/office/drawing/2014/main" id="{99337987-53D2-4514-9860-289E40CE40A2}"/>
+              </a:ext>
+            </a:extLst>
+          </p:cNvPr>
+          <p:cNvSpPr>
+            <a:spLocks noGrp="1"/>
+          </p:cNvSpPr>
+          <p:nvPr>
+            <p:ph type="title"/>
+          </p:nvPr>
+        </p:nvSpPr>
+        <p:spPr/>
+        <p:txBody>
+          <a:bodyPr/>
+          <a:lstStyle/>
+          <a:p>
+            <a:r>
+              <a:rPr lang="en-US" dirty="0"/>
+              <a:t>Model metrics</a:t>
+            </a:r>
+          </a:p>
+        </p:txBody>
+      </p:sp>
+      <p:sp>
+        <p:nvSpPr>
+          <p:cNvPr id="3" name="Text Placeholder 2">
+            <a:extLst>
+              <a:ext uri="{FF2B5EF4-FFF2-40B4-BE49-F238E27FC236}">
+                <a16:creationId xmlns:a16="http://schemas.microsoft.com/office/drawing/2014/main" id="{940F640B-798F-443D-A624-834B413040C7}"/>
+              </a:ext>
+            </a:extLst>
+          </p:cNvPr>
+          <p:cNvSpPr>
+            <a:spLocks noGrp="1"/>
+          </p:cNvSpPr>
+          <p:nvPr>
+            <p:ph type="body" idx="1"/>
+          </p:nvPr>
+        </p:nvSpPr>
+        <p:spPr>
+          <a:xfrm>
+            <a:off x="1146328" y="1988598"/>
+            <a:ext cx="4873474" cy="790113"/>
+          </a:xfrm>
+        </p:spPr>
+        <p:txBody>
+          <a:bodyPr/>
+          <a:lstStyle/>
+          <a:p>
+            <a:r>
+              <a:rPr lang="en-US" dirty="0"/>
+              <a:t>Naïve </a:t>
+            </a:r>
+            <a:r>
+              <a:rPr lang="en-US" dirty="0" err="1"/>
+              <a:t>bayes</a:t>
+            </a:r>
+            <a:r>
+              <a:rPr lang="en-US" dirty="0"/>
+              <a:t> model</a:t>
+            </a:r>
+          </a:p>
+        </p:txBody>
+      </p:sp>
+      <p:sp>
+        <p:nvSpPr>
+          <p:cNvPr id="4" name="Content Placeholder 3">
+            <a:extLst>
+              <a:ext uri="{FF2B5EF4-FFF2-40B4-BE49-F238E27FC236}">
+                <a16:creationId xmlns:a16="http://schemas.microsoft.com/office/drawing/2014/main" id="{7B0E05C6-4767-4000-8612-616A845A8892}"/>
+              </a:ext>
+            </a:extLst>
+          </p:cNvPr>
+          <p:cNvSpPr>
+            <a:spLocks noGrp="1"/>
+          </p:cNvSpPr>
+          <p:nvPr>
+            <p:ph sz="quarter" idx="13"/>
+          </p:nvPr>
+        </p:nvSpPr>
+        <p:spPr/>
+        <p:txBody>
+          <a:bodyPr>
+            <a:normAutofit lnSpcReduction="10000"/>
+          </a:bodyPr>
+          <a:lstStyle/>
+          <a:p>
+            <a:r>
+              <a:rPr lang="en-US" dirty="0"/>
+              <a:t>Accuracy   – 0.94</a:t>
+            </a:r>
+          </a:p>
+          <a:p>
+            <a:r>
+              <a:rPr lang="en-US" dirty="0"/>
+              <a:t>F1 score     – 0.97</a:t>
+            </a:r>
+          </a:p>
+          <a:p>
+            <a:r>
+              <a:rPr lang="en-US" dirty="0"/>
+              <a:t>Precision    – 0.94</a:t>
+            </a:r>
+          </a:p>
+          <a:p>
+            <a:r>
+              <a:rPr lang="en-US" dirty="0"/>
+              <a:t>Recall          – 1.00</a:t>
+            </a:r>
+          </a:p>
+          <a:p>
+            <a:r>
+              <a:rPr lang="en-US" dirty="0"/>
+              <a:t>Sensitivity    - 1.00</a:t>
+            </a:r>
+          </a:p>
+          <a:p>
+            <a:r>
+              <a:rPr lang="en-US" dirty="0"/>
+              <a:t>Specificity    - 0.00</a:t>
+            </a:r>
+          </a:p>
+        </p:txBody>
+      </p:sp>
+      <p:sp>
+        <p:nvSpPr>
+          <p:cNvPr id="5" name="Text Placeholder 4">
+            <a:extLst>
+              <a:ext uri="{FF2B5EF4-FFF2-40B4-BE49-F238E27FC236}">
+                <a16:creationId xmlns:a16="http://schemas.microsoft.com/office/drawing/2014/main" id="{A59BA660-0E7F-467A-B616-B4BCA92A2E39}"/>
+              </a:ext>
+            </a:extLst>
+          </p:cNvPr>
+          <p:cNvSpPr>
+            <a:spLocks noGrp="1"/>
+          </p:cNvSpPr>
+          <p:nvPr>
+            <p:ph type="body" sz="quarter" idx="3"/>
+          </p:nvPr>
+        </p:nvSpPr>
+        <p:spPr>
+          <a:xfrm>
+            <a:off x="6396423" y="2104008"/>
+            <a:ext cx="4881804" cy="674703"/>
+          </a:xfrm>
+        </p:spPr>
+        <p:txBody>
+          <a:bodyPr/>
+          <a:lstStyle/>
+          <a:p>
+            <a:r>
+              <a:rPr lang="en-US" dirty="0"/>
+              <a:t>Decision tree classifier</a:t>
+            </a:r>
+          </a:p>
+        </p:txBody>
+      </p:sp>
+      <p:sp>
+        <p:nvSpPr>
+          <p:cNvPr id="6" name="Content Placeholder 5">
+            <a:extLst>
+              <a:ext uri="{FF2B5EF4-FFF2-40B4-BE49-F238E27FC236}">
+                <a16:creationId xmlns:a16="http://schemas.microsoft.com/office/drawing/2014/main" id="{BF9CDF7E-490D-4640-A334-A6E89F213C18}"/>
+              </a:ext>
+            </a:extLst>
+          </p:cNvPr>
+          <p:cNvSpPr>
+            <a:spLocks noGrp="1"/>
+          </p:cNvSpPr>
+          <p:nvPr>
+            <p:ph sz="quarter" idx="14"/>
+          </p:nvPr>
+        </p:nvSpPr>
+        <p:spPr/>
+        <p:txBody>
+          <a:bodyPr>
+            <a:normAutofit lnSpcReduction="10000"/>
+          </a:bodyPr>
+          <a:lstStyle/>
+          <a:p>
+            <a:r>
+              <a:rPr lang="en-US" dirty="0"/>
+              <a:t>Accuracy   – 0.93</a:t>
+            </a:r>
+          </a:p>
+          <a:p>
+            <a:r>
+              <a:rPr lang="en-US" dirty="0"/>
+              <a:t>F1 score     – </a:t>
+            </a:r>
+          </a:p>
+          <a:p>
+            <a:r>
+              <a:rPr lang="en-US" dirty="0"/>
+              <a:t>Precision    – </a:t>
+            </a:r>
+          </a:p>
+          <a:p>
+            <a:r>
+              <a:rPr lang="en-US" dirty="0"/>
+              <a:t>Recall          – </a:t>
+            </a:r>
+          </a:p>
+          <a:p>
+            <a:r>
+              <a:rPr lang="en-US" dirty="0"/>
+              <a:t>Sensitivity    - 0.99</a:t>
+            </a:r>
+          </a:p>
+          <a:p>
+            <a:r>
+              <a:rPr lang="en-US" dirty="0"/>
+              <a:t>Specificity    - 0.03</a:t>
+            </a:r>
+          </a:p>
+          <a:p>
+            <a:endParaRPr lang="en-US" dirty="0"/>
+          </a:p>
+        </p:txBody>
+      </p:sp>
+    </p:spTree>
+    <p:extLst>
+      <p:ext uri="{BB962C8B-B14F-4D97-AF65-F5344CB8AC3E}">
+        <p14:creationId xmlns:p14="http://schemas.microsoft.com/office/powerpoint/2010/main" val="4181313595"/>
+      </p:ext>
+    </p:extLst>
+  </p:cSld>
+  <p:clrMapOvr>
+    <a:masterClrMapping/>
+  </p:clrMapOvr>
+</p:sld>
+</file>
+
+<file path=ppt/slides/slide13.xml><?xml version="1.0" encoding="utf-8"?>
+<p:sld xmlns:a="http://schemas.openxmlformats.org/drawingml/2006/main" xmlns:r="http://schemas.openxmlformats.org/officeDocument/2006/relationships" xmlns:p="http://schemas.openxmlformats.org/presentationml/2006/main">
+  <p:cSld>
+    <p:spTree>
+      <p:nvGrpSpPr>
+        <p:cNvPr id="1" name=""/>
+        <p:cNvGrpSpPr/>
+        <p:nvPr/>
+      </p:nvGrpSpPr>
+      <p:grpSpPr>
+        <a:xfrm>
+          <a:off x="0" y="0"/>
+          <a:ext cx="0" cy="0"/>
+          <a:chOff x="0" y="0"/>
+          <a:chExt cx="0" cy="0"/>
+        </a:xfrm>
+      </p:grpSpPr>
+      <p:sp>
+        <p:nvSpPr>
+          <p:cNvPr id="2" name="Title 1">
+            <a:extLst>
+              <a:ext uri="{FF2B5EF4-FFF2-40B4-BE49-F238E27FC236}">
+                <a16:creationId xmlns:a16="http://schemas.microsoft.com/office/drawing/2014/main" id="{6AF10020-8D1E-490F-BB92-270914E71716}"/>
+              </a:ext>
+            </a:extLst>
+          </p:cNvPr>
+          <p:cNvSpPr>
+            <a:spLocks noGrp="1"/>
+          </p:cNvSpPr>
+          <p:nvPr>
+            <p:ph type="title"/>
+          </p:nvPr>
+        </p:nvSpPr>
+        <p:spPr/>
+        <p:txBody>
+          <a:bodyPr/>
+          <a:lstStyle/>
+          <a:p>
+            <a:r>
+              <a:rPr lang="en-US" dirty="0"/>
+              <a:t>Model metrics</a:t>
+            </a:r>
+          </a:p>
+        </p:txBody>
+      </p:sp>
+      <p:sp>
+        <p:nvSpPr>
+          <p:cNvPr id="3" name="Text Placeholder 2">
+            <a:extLst>
+              <a:ext uri="{FF2B5EF4-FFF2-40B4-BE49-F238E27FC236}">
+                <a16:creationId xmlns:a16="http://schemas.microsoft.com/office/drawing/2014/main" id="{B235C4A0-2902-488E-80CA-3421F9F6F246}"/>
+              </a:ext>
+            </a:extLst>
+          </p:cNvPr>
+          <p:cNvSpPr>
+            <a:spLocks noGrp="1"/>
+          </p:cNvSpPr>
+          <p:nvPr>
+            <p:ph type="body" idx="1"/>
+          </p:nvPr>
+        </p:nvSpPr>
+        <p:spPr>
+          <a:xfrm>
+            <a:off x="1146328" y="1961966"/>
+            <a:ext cx="4873474" cy="763480"/>
+          </a:xfrm>
+        </p:spPr>
+        <p:txBody>
+          <a:bodyPr/>
+          <a:lstStyle/>
+          <a:p>
+            <a:r>
+              <a:rPr lang="en-US" dirty="0"/>
+              <a:t>K-nearest neighbor</a:t>
+            </a:r>
+          </a:p>
+        </p:txBody>
+      </p:sp>
+      <p:sp>
+        <p:nvSpPr>
+          <p:cNvPr id="4" name="Content Placeholder 3">
+            <a:extLst>
+              <a:ext uri="{FF2B5EF4-FFF2-40B4-BE49-F238E27FC236}">
+                <a16:creationId xmlns:a16="http://schemas.microsoft.com/office/drawing/2014/main" id="{E804492C-77D5-4379-BD86-7239D54280C4}"/>
+              </a:ext>
+            </a:extLst>
+          </p:cNvPr>
+          <p:cNvSpPr>
+            <a:spLocks noGrp="1"/>
+          </p:cNvSpPr>
+          <p:nvPr>
+            <p:ph sz="quarter" idx="13"/>
+          </p:nvPr>
+        </p:nvSpPr>
+        <p:spPr/>
+        <p:txBody>
+          <a:bodyPr>
+            <a:normAutofit lnSpcReduction="10000"/>
+          </a:bodyPr>
+          <a:lstStyle/>
+          <a:p>
+            <a:r>
+              <a:rPr lang="en-US" dirty="0"/>
+              <a:t>Accuracy   – 0.92</a:t>
+            </a:r>
+          </a:p>
+          <a:p>
+            <a:r>
+              <a:rPr lang="en-US" dirty="0"/>
+              <a:t>F1 score     – </a:t>
+            </a:r>
+          </a:p>
+          <a:p>
+            <a:r>
+              <a:rPr lang="en-US" dirty="0"/>
+              <a:t>Precision    – </a:t>
+            </a:r>
+          </a:p>
+          <a:p>
+            <a:r>
+              <a:rPr lang="en-US" dirty="0"/>
+              <a:t>Recall          –</a:t>
+            </a:r>
+          </a:p>
+          <a:p>
+            <a:r>
+              <a:rPr lang="en-US" dirty="0"/>
+              <a:t>Sensitivity    -0.96</a:t>
+            </a:r>
+          </a:p>
+          <a:p>
+            <a:r>
+              <a:rPr lang="en-US" dirty="0"/>
+              <a:t>Specificity    -0.17</a:t>
+            </a:r>
+          </a:p>
+          <a:p>
+            <a:endParaRPr lang="en-US" dirty="0"/>
+          </a:p>
+        </p:txBody>
+      </p:sp>
+      <p:sp>
+        <p:nvSpPr>
+          <p:cNvPr id="5" name="Text Placeholder 4">
+            <a:extLst>
+              <a:ext uri="{FF2B5EF4-FFF2-40B4-BE49-F238E27FC236}">
+                <a16:creationId xmlns:a16="http://schemas.microsoft.com/office/drawing/2014/main" id="{E96F494F-2251-48AA-B6B7-AFA0A669EED3}"/>
+              </a:ext>
+            </a:extLst>
+          </p:cNvPr>
+          <p:cNvSpPr>
+            <a:spLocks noGrp="1"/>
+          </p:cNvSpPr>
+          <p:nvPr>
+            <p:ph type="body" sz="quarter" idx="3"/>
+          </p:nvPr>
+        </p:nvSpPr>
+        <p:spPr>
+          <a:xfrm>
+            <a:off x="6396423" y="1961966"/>
+            <a:ext cx="4881804" cy="763480"/>
+          </a:xfrm>
+        </p:spPr>
+        <p:txBody>
+          <a:bodyPr/>
+          <a:lstStyle/>
+          <a:p>
+            <a:r>
+              <a:rPr lang="en-US" dirty="0"/>
+              <a:t>Random forest</a:t>
+            </a:r>
+          </a:p>
+        </p:txBody>
+      </p:sp>
+      <p:sp>
+        <p:nvSpPr>
+          <p:cNvPr id="6" name="Content Placeholder 5">
+            <a:extLst>
+              <a:ext uri="{FF2B5EF4-FFF2-40B4-BE49-F238E27FC236}">
+                <a16:creationId xmlns:a16="http://schemas.microsoft.com/office/drawing/2014/main" id="{5F12A429-9BE1-411C-A9F1-6E9D0FEF5C20}"/>
+              </a:ext>
+            </a:extLst>
+          </p:cNvPr>
+          <p:cNvSpPr>
+            <a:spLocks noGrp="1"/>
+          </p:cNvSpPr>
+          <p:nvPr>
+            <p:ph sz="quarter" idx="14"/>
+          </p:nvPr>
+        </p:nvSpPr>
+        <p:spPr/>
+        <p:txBody>
+          <a:bodyPr>
+            <a:normAutofit lnSpcReduction="10000"/>
+          </a:bodyPr>
+          <a:lstStyle/>
+          <a:p>
+            <a:r>
+              <a:rPr lang="en-US" dirty="0"/>
+              <a:t>Accuracy   – 0.94 </a:t>
+            </a:r>
+          </a:p>
+          <a:p>
+            <a:r>
+              <a:rPr lang="en-US" dirty="0"/>
+              <a:t>F1 score     – </a:t>
+            </a:r>
+          </a:p>
+          <a:p>
+            <a:r>
+              <a:rPr lang="en-US" dirty="0"/>
+              <a:t>Precision    – </a:t>
+            </a:r>
+          </a:p>
+          <a:p>
+            <a:r>
+              <a:rPr lang="en-US" dirty="0"/>
+              <a:t>Recall          –</a:t>
+            </a:r>
+          </a:p>
+          <a:p>
+            <a:r>
+              <a:rPr lang="en-US" dirty="0"/>
+              <a:t>Sensitivity    - 0.99</a:t>
+            </a:r>
+          </a:p>
+          <a:p>
+            <a:r>
+              <a:rPr lang="en-US" dirty="0"/>
+              <a:t>Specificity    - 0.02</a:t>
+            </a:r>
+          </a:p>
+          <a:p>
+            <a:endParaRPr lang="en-US" dirty="0"/>
+          </a:p>
+        </p:txBody>
+      </p:sp>
+    </p:spTree>
+    <p:extLst>
+      <p:ext uri="{BB962C8B-B14F-4D97-AF65-F5344CB8AC3E}">
+        <p14:creationId xmlns:p14="http://schemas.microsoft.com/office/powerpoint/2010/main" val="844643070"/>
+      </p:ext>
+    </p:extLst>
+  </p:cSld>
+  <p:clrMapOvr>
+    <a:masterClrMapping/>
+  </p:clrMapOvr>
+</p:sld>
+</file>
+
+<file path=ppt/slides/slide14.xml><?xml version="1.0" encoding="utf-8"?>
+<p:sld xmlns:a="http://schemas.openxmlformats.org/drawingml/2006/main" xmlns:r="http://schemas.openxmlformats.org/officeDocument/2006/relationships" xmlns:p="http://schemas.openxmlformats.org/presentationml/2006/main">
+  <p:cSld>
+    <p:spTree>
+      <p:nvGrpSpPr>
+        <p:cNvPr id="1" name=""/>
+        <p:cNvGrpSpPr/>
+        <p:nvPr/>
+      </p:nvGrpSpPr>
+      <p:grpSpPr>
+        <a:xfrm>
+          <a:off x="0" y="0"/>
+          <a:ext cx="0" cy="0"/>
+          <a:chOff x="0" y="0"/>
+          <a:chExt cx="0" cy="0"/>
+        </a:xfrm>
+      </p:grpSpPr>
+      <p:sp>
+        <p:nvSpPr>
+          <p:cNvPr id="2" name="Title 1">
+            <a:extLst>
+              <a:ext uri="{FF2B5EF4-FFF2-40B4-BE49-F238E27FC236}">
+                <a16:creationId xmlns:a16="http://schemas.microsoft.com/office/drawing/2014/main" id="{D80B8323-A94D-44D7-9382-8B16D48355A0}"/>
+              </a:ext>
+            </a:extLst>
+          </p:cNvPr>
+          <p:cNvSpPr>
+            <a:spLocks noGrp="1"/>
+          </p:cNvSpPr>
+          <p:nvPr>
+            <p:ph type="title"/>
+          </p:nvPr>
+        </p:nvSpPr>
+        <p:spPr/>
+        <p:txBody>
+          <a:bodyPr/>
+          <a:lstStyle/>
+          <a:p>
+            <a:r>
+              <a:rPr lang="en-US" dirty="0"/>
+              <a:t>Models and metrics</a:t>
+            </a:r>
+          </a:p>
+        </p:txBody>
+      </p:sp>
+      <p:sp>
+        <p:nvSpPr>
+          <p:cNvPr id="3" name="Text Placeholder 2">
+            <a:extLst>
+              <a:ext uri="{FF2B5EF4-FFF2-40B4-BE49-F238E27FC236}">
+                <a16:creationId xmlns:a16="http://schemas.microsoft.com/office/drawing/2014/main" id="{4D96C128-FA21-4A3E-BFCC-F6D349773D10}"/>
+              </a:ext>
+            </a:extLst>
+          </p:cNvPr>
+          <p:cNvSpPr>
+            <a:spLocks noGrp="1"/>
+          </p:cNvSpPr>
+          <p:nvPr>
+            <p:ph type="body" idx="1"/>
+          </p:nvPr>
+        </p:nvSpPr>
+        <p:spPr>
+          <a:xfrm>
+            <a:off x="1146328" y="2024109"/>
+            <a:ext cx="4873474" cy="763479"/>
+          </a:xfrm>
+        </p:spPr>
+        <p:txBody>
+          <a:bodyPr/>
+          <a:lstStyle/>
+          <a:p>
+            <a:r>
+              <a:rPr lang="en-US" dirty="0"/>
+              <a:t>Logistic regression</a:t>
+            </a:r>
+          </a:p>
+        </p:txBody>
+      </p:sp>
+      <p:sp>
+        <p:nvSpPr>
+          <p:cNvPr id="4" name="Content Placeholder 3">
+            <a:extLst>
+              <a:ext uri="{FF2B5EF4-FFF2-40B4-BE49-F238E27FC236}">
+                <a16:creationId xmlns:a16="http://schemas.microsoft.com/office/drawing/2014/main" id="{C2890C4C-1F16-4CA2-8A72-8691EBAEB654}"/>
+              </a:ext>
+            </a:extLst>
+          </p:cNvPr>
+          <p:cNvSpPr>
+            <a:spLocks noGrp="1"/>
+          </p:cNvSpPr>
+          <p:nvPr>
+            <p:ph sz="quarter" idx="13"/>
+          </p:nvPr>
+        </p:nvSpPr>
+        <p:spPr/>
+        <p:txBody>
+          <a:bodyPr>
+            <a:normAutofit lnSpcReduction="10000"/>
+          </a:bodyPr>
+          <a:lstStyle/>
+          <a:p>
+            <a:r>
+              <a:rPr lang="en-US" dirty="0"/>
+              <a:t>Accuracy   –  0.94 </a:t>
+            </a:r>
+          </a:p>
+          <a:p>
+            <a:r>
+              <a:rPr lang="en-US" dirty="0"/>
+              <a:t>F1 score     – </a:t>
+            </a:r>
+          </a:p>
+          <a:p>
+            <a:r>
+              <a:rPr lang="en-US" dirty="0"/>
+              <a:t>Precision    – </a:t>
+            </a:r>
+          </a:p>
+          <a:p>
+            <a:r>
+              <a:rPr lang="en-US" dirty="0"/>
+              <a:t>Recall          –</a:t>
+            </a:r>
+          </a:p>
+          <a:p>
+            <a:r>
+              <a:rPr lang="en-US" dirty="0"/>
+              <a:t>Sensitivity    - 1.00</a:t>
+            </a:r>
+          </a:p>
+          <a:p>
+            <a:r>
+              <a:rPr lang="en-US" dirty="0"/>
+              <a:t>Specificity    -0.00</a:t>
+            </a:r>
+          </a:p>
+          <a:p>
+            <a:endParaRPr lang="en-US" dirty="0"/>
+          </a:p>
+        </p:txBody>
+      </p:sp>
+      <p:sp>
+        <p:nvSpPr>
+          <p:cNvPr id="5" name="Text Placeholder 4">
+            <a:extLst>
+              <a:ext uri="{FF2B5EF4-FFF2-40B4-BE49-F238E27FC236}">
+                <a16:creationId xmlns:a16="http://schemas.microsoft.com/office/drawing/2014/main" id="{EE1976D3-042E-41A7-9EB9-70E9D26B0548}"/>
+              </a:ext>
+            </a:extLst>
+          </p:cNvPr>
+          <p:cNvSpPr>
+            <a:spLocks noGrp="1"/>
+          </p:cNvSpPr>
+          <p:nvPr>
+            <p:ph type="body" sz="quarter" idx="3"/>
+          </p:nvPr>
+        </p:nvSpPr>
+        <p:spPr/>
+        <p:txBody>
+          <a:bodyPr/>
+          <a:lstStyle/>
+          <a:p>
+            <a:endParaRPr lang="en-US"/>
+          </a:p>
+        </p:txBody>
+      </p:sp>
+      <p:sp>
+        <p:nvSpPr>
+          <p:cNvPr id="6" name="Content Placeholder 5">
+            <a:extLst>
+              <a:ext uri="{FF2B5EF4-FFF2-40B4-BE49-F238E27FC236}">
+                <a16:creationId xmlns:a16="http://schemas.microsoft.com/office/drawing/2014/main" id="{D1DD77DE-5419-43D9-B961-F75BE1F6E340}"/>
+              </a:ext>
+            </a:extLst>
+          </p:cNvPr>
+          <p:cNvSpPr>
+            <a:spLocks noGrp="1"/>
+          </p:cNvSpPr>
+          <p:nvPr>
+            <p:ph sz="quarter" idx="14"/>
+          </p:nvPr>
+        </p:nvSpPr>
+        <p:spPr/>
+        <p:txBody>
+          <a:bodyPr/>
+          <a:lstStyle/>
+          <a:p>
+            <a:endParaRPr lang="en-US"/>
+          </a:p>
+        </p:txBody>
+      </p:sp>
+    </p:spTree>
+    <p:extLst>
+      <p:ext uri="{BB962C8B-B14F-4D97-AF65-F5344CB8AC3E}">
+        <p14:creationId xmlns:p14="http://schemas.microsoft.com/office/powerpoint/2010/main" val="1175157030"/>
+      </p:ext>
+    </p:extLst>
+  </p:cSld>
+  <p:clrMapOvr>
+    <a:masterClrMapping/>
+  </p:clrMapOvr>
+</p:sld>
+</file>
+
 <file path=ppt/slides/slide2.xml><?xml version="1.0" encoding="utf-8"?>
 <p:sld xmlns:a="http://schemas.openxmlformats.org/drawingml/2006/main" xmlns:r="http://schemas.openxmlformats.org/officeDocument/2006/relationships" xmlns:p="http://schemas.openxmlformats.org/presentationml/2006/main">
   <p:cSld>
@@ -6572,7 +7631,7 @@
           <p:cNvPr id="2" name="Title 1">
             <a:extLst>
               <a:ext uri="{FF2B5EF4-FFF2-40B4-BE49-F238E27FC236}">
-                <a16:creationId xmlns:a16="http://schemas.microsoft.com/office/drawing/2014/main" id="{37C5577F-C58C-407B-B0CE-8818A029A070}"/>
+                <a16:creationId xmlns:a16="http://schemas.microsoft.com/office/drawing/2014/main" id="{849A27B7-650C-44FE-86A0-E42D6706C3BE}"/>
               </a:ext>
             </a:extLst>
           </p:cNvPr>
@@ -6590,7 +7649,7 @@
           <a:p>
             <a:r>
               <a:rPr lang="en-US" dirty="0"/>
-              <a:t>Data pre-processing</a:t>
+              <a:t>Interested attributes</a:t>
             </a:r>
           </a:p>
         </p:txBody>
@@ -6600,7 +7659,7 @@
           <p:cNvPr id="3" name="Content Placeholder 2">
             <a:extLst>
               <a:ext uri="{FF2B5EF4-FFF2-40B4-BE49-F238E27FC236}">
-                <a16:creationId xmlns:a16="http://schemas.microsoft.com/office/drawing/2014/main" id="{52D5CF02-FF2F-4723-989C-D273EDE04151}"/>
+                <a16:creationId xmlns:a16="http://schemas.microsoft.com/office/drawing/2014/main" id="{7BD7826E-42C4-44DF-885D-E2FD14D2611D}"/>
               </a:ext>
             </a:extLst>
           </p:cNvPr>
@@ -6618,47 +7677,45 @@
           <a:p>
             <a:r>
               <a:rPr lang="en-US" dirty="0"/>
-              <a:t>Replace nan to “   “ to specify they are missing values</a:t>
-            </a:r>
-          </a:p>
-          <a:p>
-            <a:r>
-              <a:rPr lang="en-US" dirty="0"/>
-              <a:t>From the location attribute separate country, state and city</a:t>
-            </a:r>
-          </a:p>
-          <a:p>
-            <a:r>
-              <a:rPr lang="en-US" dirty="0"/>
-              <a:t>Separate the united states </a:t>
-            </a:r>
-            <a:r>
-              <a:rPr lang="en-US" dirty="0" err="1"/>
-              <a:t>datas</a:t>
-            </a:r>
-            <a:r>
-              <a:rPr lang="en-US" dirty="0"/>
-              <a:t> from the dataset </a:t>
-            </a:r>
-          </a:p>
-          <a:p>
-            <a:r>
-              <a:rPr lang="en-US" dirty="0"/>
-              <a:t>10593 records in the us dataset</a:t>
-            </a:r>
-          </a:p>
-          <a:p>
-            <a:endParaRPr lang="en-US" dirty="0"/>
-          </a:p>
-          <a:p>
-            <a:endParaRPr lang="en-US" dirty="0"/>
+              <a:t>Employment-type</a:t>
+            </a:r>
+          </a:p>
+          <a:p>
+            <a:r>
+              <a:rPr lang="en-US" dirty="0"/>
+              <a:t>Required-education</a:t>
+            </a:r>
+          </a:p>
+          <a:p>
+            <a:r>
+              <a:rPr lang="en-US" dirty="0"/>
+              <a:t>Required-experience</a:t>
+            </a:r>
+          </a:p>
+          <a:p>
+            <a:r>
+              <a:rPr lang="en-US" dirty="0"/>
+              <a:t>Has-company-logo</a:t>
+            </a:r>
+          </a:p>
+          <a:p>
+            <a:r>
+              <a:rPr lang="en-US" dirty="0"/>
+              <a:t>Fraudulent</a:t>
+            </a:r>
+          </a:p>
+          <a:p>
+            <a:r>
+              <a:rPr lang="en-US" dirty="0"/>
+              <a:t>location – to select data only from united states</a:t>
+            </a:r>
           </a:p>
         </p:txBody>
       </p:sp>
     </p:spTree>
     <p:extLst>
       <p:ext uri="{BB962C8B-B14F-4D97-AF65-F5344CB8AC3E}">
-        <p14:creationId xmlns:p14="http://schemas.microsoft.com/office/powerpoint/2010/main" val="3238387152"/>
+        <p14:creationId xmlns:p14="http://schemas.microsoft.com/office/powerpoint/2010/main" val="2276361983"/>
       </p:ext>
     </p:extLst>
   </p:cSld>
@@ -6690,7 +7747,7 @@
           <p:cNvPr id="2" name="Title 1">
             <a:extLst>
               <a:ext uri="{FF2B5EF4-FFF2-40B4-BE49-F238E27FC236}">
-                <a16:creationId xmlns:a16="http://schemas.microsoft.com/office/drawing/2014/main" id="{B03391D8-86BB-4302-A4B9-DE8A2E662226}"/>
+                <a16:creationId xmlns:a16="http://schemas.microsoft.com/office/drawing/2014/main" id="{37C5577F-C58C-407B-B0CE-8818A029A070}"/>
               </a:ext>
             </a:extLst>
           </p:cNvPr>
@@ -6708,7 +7765,7 @@
           <a:p>
             <a:r>
               <a:rPr lang="en-US" dirty="0"/>
-              <a:t>Employment-type</a:t>
+              <a:t>Data pre-processing</a:t>
             </a:r>
           </a:p>
         </p:txBody>
@@ -6718,7 +7775,7 @@
           <p:cNvPr id="3" name="Content Placeholder 2">
             <a:extLst>
               <a:ext uri="{FF2B5EF4-FFF2-40B4-BE49-F238E27FC236}">
-                <a16:creationId xmlns:a16="http://schemas.microsoft.com/office/drawing/2014/main" id="{2330F26D-24A0-45AC-8835-ADDFF22D93E1}"/>
+                <a16:creationId xmlns:a16="http://schemas.microsoft.com/office/drawing/2014/main" id="{52D5CF02-FF2F-4723-989C-D273EDE04151}"/>
               </a:ext>
             </a:extLst>
           </p:cNvPr>
@@ -6729,87 +7786,68 @@
             <p:ph sz="quarter" idx="13"/>
           </p:nvPr>
         </p:nvSpPr>
-        <p:spPr/>
-        <p:txBody>
-          <a:bodyPr/>
-          <a:lstStyle/>
-          <a:p>
-            <a:r>
-              <a:rPr lang="en-US" dirty="0"/>
-              <a:t>Employment-type spreads from full-time to temporary</a:t>
-            </a:r>
-          </a:p>
-          <a:p>
-            <a:endParaRPr lang="en-US" dirty="0"/>
-          </a:p>
-        </p:txBody>
-      </p:sp>
-      <p:pic>
-        <p:nvPicPr>
-          <p:cNvPr id="7" name="Content Placeholder 6">
-            <a:extLst>
-              <a:ext uri="{FF2B5EF4-FFF2-40B4-BE49-F238E27FC236}">
-                <a16:creationId xmlns:a16="http://schemas.microsoft.com/office/drawing/2014/main" id="{D15D1497-497F-4412-A435-0A98CE057DE7}"/>
-              </a:ext>
-            </a:extLst>
-          </p:cNvPr>
-          <p:cNvPicPr>
-            <a:picLocks noGrp="1" noChangeAspect="1"/>
-          </p:cNvPicPr>
-          <p:nvPr>
-            <p:ph sz="quarter" idx="14"/>
-          </p:nvPr>
-        </p:nvPicPr>
-        <p:blipFill>
-          <a:blip r:embed="rId2"/>
-          <a:stretch>
-            <a:fillRect/>
-          </a:stretch>
-        </p:blipFill>
-        <p:spPr>
-          <a:xfrm>
-            <a:off x="6172199" y="2389310"/>
-            <a:ext cx="5317435" cy="3424107"/>
-          </a:xfrm>
-          <a:prstGeom prst="rect">
-            <a:avLst/>
-          </a:prstGeom>
-        </p:spPr>
-      </p:pic>
-      <p:pic>
-        <p:nvPicPr>
-          <p:cNvPr id="9" name="Picture 8">
-            <a:extLst>
-              <a:ext uri="{FF2B5EF4-FFF2-40B4-BE49-F238E27FC236}">
-                <a16:creationId xmlns:a16="http://schemas.microsoft.com/office/drawing/2014/main" id="{C84389F2-CB41-421B-B21E-B62DB5D49DB2}"/>
-              </a:ext>
-            </a:extLst>
-          </p:cNvPr>
-          <p:cNvPicPr>
-            <a:picLocks noChangeAspect="1"/>
-          </p:cNvPicPr>
-          <p:nvPr/>
-        </p:nvPicPr>
-        <p:blipFill>
-          <a:blip r:embed="rId3"/>
-          <a:stretch>
-            <a:fillRect/>
-          </a:stretch>
-        </p:blipFill>
-        <p:spPr>
-          <a:xfrm>
-            <a:off x="1508469" y="3243884"/>
-            <a:ext cx="3182801" cy="2569533"/>
-          </a:xfrm>
-          <a:prstGeom prst="rect">
-            <a:avLst/>
-          </a:prstGeom>
-        </p:spPr>
-      </p:pic>
+        <p:spPr>
+          <a:xfrm>
+            <a:off x="913774" y="2015232"/>
+            <a:ext cx="10363826" cy="3775968"/>
+          </a:xfrm>
+        </p:spPr>
+        <p:txBody>
+          <a:bodyPr/>
+          <a:lstStyle/>
+          <a:p>
+            <a:r>
+              <a:rPr lang="en-US" dirty="0"/>
+              <a:t>Replace nan to “   “ to specify they are missing values</a:t>
+            </a:r>
+          </a:p>
+          <a:p>
+            <a:r>
+              <a:rPr lang="en-US" dirty="0"/>
+              <a:t>From the location attribute separate country, state and city</a:t>
+            </a:r>
+          </a:p>
+          <a:p>
+            <a:r>
+              <a:rPr lang="en-US" dirty="0"/>
+              <a:t>Separate the united states data from the dataset </a:t>
+            </a:r>
+          </a:p>
+          <a:p>
+            <a:r>
+              <a:rPr lang="en-US" dirty="0"/>
+              <a:t>10593 records in the us dataset</a:t>
+            </a:r>
+          </a:p>
+          <a:p>
+            <a:r>
+              <a:rPr lang="en-US" dirty="0"/>
+              <a:t>Replaced missing values with the mode of the attributes</a:t>
+            </a:r>
+          </a:p>
+          <a:p>
+            <a:r>
+              <a:rPr lang="en-US" dirty="0"/>
+              <a:t>Converting the categorical variables to numeric with </a:t>
+            </a:r>
+            <a:r>
+              <a:rPr lang="en-US" dirty="0" err="1"/>
+              <a:t>cat.code</a:t>
+            </a:r>
+            <a:endParaRPr lang="en-US" dirty="0"/>
+          </a:p>
+          <a:p>
+            <a:endParaRPr lang="en-US" dirty="0"/>
+          </a:p>
+          <a:p>
+            <a:endParaRPr lang="en-US" dirty="0"/>
+          </a:p>
+        </p:txBody>
+      </p:sp>
     </p:spTree>
     <p:extLst>
       <p:ext uri="{BB962C8B-B14F-4D97-AF65-F5344CB8AC3E}">
-        <p14:creationId xmlns:p14="http://schemas.microsoft.com/office/powerpoint/2010/main" val="2918409995"/>
+        <p14:creationId xmlns:p14="http://schemas.microsoft.com/office/powerpoint/2010/main" val="3238387152"/>
       </p:ext>
     </p:extLst>
   </p:cSld>
@@ -6841,7 +7879,7 @@
           <p:cNvPr id="2" name="Title 1">
             <a:extLst>
               <a:ext uri="{FF2B5EF4-FFF2-40B4-BE49-F238E27FC236}">
-                <a16:creationId xmlns:a16="http://schemas.microsoft.com/office/drawing/2014/main" id="{2E8B028C-9658-4689-BE2F-F6A90021F243}"/>
+                <a16:creationId xmlns:a16="http://schemas.microsoft.com/office/drawing/2014/main" id="{7047F360-A800-4B9C-805A-F1D5E17D8AF2}"/>
               </a:ext>
             </a:extLst>
           </p:cNvPr>
@@ -6859,79 +7897,78 @@
           <a:p>
             <a:r>
               <a:rPr lang="en-US" dirty="0"/>
-              <a:t>Required experience</a:t>
-            </a:r>
-          </a:p>
-        </p:txBody>
-      </p:sp>
-      <p:pic>
-        <p:nvPicPr>
-          <p:cNvPr id="7" name="Content Placeholder 6">
+              <a:t>Missing values</a:t>
+            </a:r>
+          </a:p>
+        </p:txBody>
+      </p:sp>
+      <p:sp>
+        <p:nvSpPr>
+          <p:cNvPr id="3" name="Content Placeholder 2">
             <a:extLst>
               <a:ext uri="{FF2B5EF4-FFF2-40B4-BE49-F238E27FC236}">
-                <a16:creationId xmlns:a16="http://schemas.microsoft.com/office/drawing/2014/main" id="{C8ABECBE-BC89-44AC-AFD8-808163AC93BA}"/>
+                <a16:creationId xmlns:a16="http://schemas.microsoft.com/office/drawing/2014/main" id="{B20EC234-9AFC-4CE6-93A5-E290CEA90F11}"/>
               </a:ext>
             </a:extLst>
           </p:cNvPr>
-          <p:cNvPicPr>
-            <a:picLocks noGrp="1" noChangeAspect="1"/>
-          </p:cNvPicPr>
+          <p:cNvSpPr>
+            <a:spLocks noGrp="1"/>
+          </p:cNvSpPr>
           <p:nvPr>
             <p:ph sz="quarter" idx="13"/>
           </p:nvPr>
-        </p:nvPicPr>
-        <p:blipFill>
-          <a:blip r:embed="rId2"/>
-          <a:stretch>
-            <a:fillRect/>
-          </a:stretch>
-        </p:blipFill>
-        <p:spPr>
-          <a:xfrm>
-            <a:off x="2176462" y="2421731"/>
-            <a:ext cx="2581275" cy="3314700"/>
-          </a:xfrm>
-          <a:prstGeom prst="rect">
-            <a:avLst/>
-          </a:prstGeom>
-        </p:spPr>
-      </p:pic>
-      <p:pic>
-        <p:nvPicPr>
-          <p:cNvPr id="5" name="Content Placeholder 4">
-            <a:extLst>
-              <a:ext uri="{FF2B5EF4-FFF2-40B4-BE49-F238E27FC236}">
-                <a16:creationId xmlns:a16="http://schemas.microsoft.com/office/drawing/2014/main" id="{987C1412-DFD0-4302-9180-A617CB62F198}"/>
-              </a:ext>
-            </a:extLst>
-          </p:cNvPr>
-          <p:cNvPicPr>
-            <a:picLocks noGrp="1" noChangeAspect="1"/>
-          </p:cNvPicPr>
-          <p:nvPr>
-            <p:ph sz="quarter" idx="14"/>
-          </p:nvPr>
-        </p:nvPicPr>
-        <p:blipFill>
-          <a:blip r:embed="rId3"/>
-          <a:stretch>
-            <a:fillRect/>
-          </a:stretch>
-        </p:blipFill>
-        <p:spPr>
-          <a:xfrm>
-            <a:off x="6774336" y="2366963"/>
-            <a:ext cx="3901128" cy="3424237"/>
-          </a:xfrm>
-          <a:prstGeom prst="rect">
-            <a:avLst/>
-          </a:prstGeom>
-        </p:spPr>
-      </p:pic>
+        </p:nvSpPr>
+        <p:spPr/>
+        <p:txBody>
+          <a:bodyPr/>
+          <a:lstStyle/>
+          <a:p>
+            <a:r>
+              <a:rPr lang="en-US" dirty="0"/>
+              <a:t>Replaced missing values with the modes of those attributes</a:t>
+            </a:r>
+          </a:p>
+          <a:p>
+            <a:pPr lvl="1"/>
+            <a:r>
+              <a:rPr lang="en-US" dirty="0"/>
+              <a:t>Missing data in employment type with other</a:t>
+            </a:r>
+          </a:p>
+          <a:p>
+            <a:pPr lvl="1"/>
+            <a:r>
+              <a:rPr lang="en-US" dirty="0"/>
+              <a:t>Missing data in required-experience with not-applicable</a:t>
+            </a:r>
+          </a:p>
+          <a:p>
+            <a:pPr lvl="1"/>
+            <a:r>
+              <a:rPr lang="en-US" dirty="0"/>
+              <a:t>Missing data in required-education with unspecified</a:t>
+            </a:r>
+          </a:p>
+          <a:p>
+            <a:r>
+              <a:rPr lang="en-US" dirty="0"/>
+              <a:t>Dropped missing values in locations</a:t>
+            </a:r>
+          </a:p>
+          <a:p>
+            <a:pPr lvl="1"/>
+            <a:endParaRPr lang="en-US" dirty="0"/>
+          </a:p>
+          <a:p>
+            <a:pPr lvl="1"/>
+            <a:endParaRPr lang="en-US" dirty="0"/>
+          </a:p>
+        </p:txBody>
+      </p:sp>
     </p:spTree>
     <p:extLst>
       <p:ext uri="{BB962C8B-B14F-4D97-AF65-F5344CB8AC3E}">
-        <p14:creationId xmlns:p14="http://schemas.microsoft.com/office/powerpoint/2010/main" val="345195931"/>
+        <p14:creationId xmlns:p14="http://schemas.microsoft.com/office/powerpoint/2010/main" val="4065138355"/>
       </p:ext>
     </p:extLst>
   </p:cSld>
@@ -6963,7 +8000,7 @@
           <p:cNvPr id="2" name="Title 1">
             <a:extLst>
               <a:ext uri="{FF2B5EF4-FFF2-40B4-BE49-F238E27FC236}">
-                <a16:creationId xmlns:a16="http://schemas.microsoft.com/office/drawing/2014/main" id="{07C823FD-67D4-455B-8E16-8582589D6AE4}"/>
+                <a16:creationId xmlns:a16="http://schemas.microsoft.com/office/drawing/2014/main" id="{B03391D8-86BB-4302-A4B9-DE8A2E662226}"/>
               </a:ext>
             </a:extLst>
           </p:cNvPr>
@@ -6981,17 +8018,48 @@
           <a:p>
             <a:r>
               <a:rPr lang="en-US" dirty="0"/>
-              <a:t>Required-education</a:t>
-            </a:r>
+              <a:t>Employment-type</a:t>
+            </a:r>
+          </a:p>
+        </p:txBody>
+      </p:sp>
+      <p:sp>
+        <p:nvSpPr>
+          <p:cNvPr id="3" name="Content Placeholder 2">
+            <a:extLst>
+              <a:ext uri="{FF2B5EF4-FFF2-40B4-BE49-F238E27FC236}">
+                <a16:creationId xmlns:a16="http://schemas.microsoft.com/office/drawing/2014/main" id="{2330F26D-24A0-45AC-8835-ADDFF22D93E1}"/>
+              </a:ext>
+            </a:extLst>
+          </p:cNvPr>
+          <p:cNvSpPr>
+            <a:spLocks noGrp="1"/>
+          </p:cNvSpPr>
+          <p:nvPr>
+            <p:ph sz="quarter" idx="13"/>
+          </p:nvPr>
+        </p:nvSpPr>
+        <p:spPr/>
+        <p:txBody>
+          <a:bodyPr/>
+          <a:lstStyle/>
+          <a:p>
+            <a:r>
+              <a:rPr lang="en-US" dirty="0"/>
+              <a:t>Employment-type spreads from full-time to temporary</a:t>
+            </a:r>
+          </a:p>
+          <a:p>
+            <a:endParaRPr lang="en-US" dirty="0"/>
           </a:p>
         </p:txBody>
       </p:sp>
       <p:pic>
         <p:nvPicPr>
-          <p:cNvPr id="6" name="Content Placeholder 5">
+          <p:cNvPr id="7" name="Content Placeholder 6">
             <a:extLst>
               <a:ext uri="{FF2B5EF4-FFF2-40B4-BE49-F238E27FC236}">
-                <a16:creationId xmlns:a16="http://schemas.microsoft.com/office/drawing/2014/main" id="{E20BCBB8-C652-47A1-B2D4-5D477957E554}"/>
+                <a16:creationId xmlns:a16="http://schemas.microsoft.com/office/drawing/2014/main" id="{D15D1497-497F-4412-A435-0A98CE057DE7}"/>
               </a:ext>
             </a:extLst>
           </p:cNvPr>
@@ -6999,7 +8067,7 @@
             <a:picLocks noGrp="1" noChangeAspect="1"/>
           </p:cNvPicPr>
           <p:nvPr>
-            <p:ph sz="quarter" idx="13"/>
+            <p:ph sz="quarter" idx="14"/>
           </p:nvPr>
         </p:nvPicPr>
         <p:blipFill>
@@ -7010,8 +8078,8 @@
         </p:blipFill>
         <p:spPr>
           <a:xfrm>
-            <a:off x="1202635" y="1908313"/>
-            <a:ext cx="4224130" cy="4532244"/>
+            <a:off x="6172199" y="2389310"/>
+            <a:ext cx="5317435" cy="3424107"/>
           </a:xfrm>
           <a:prstGeom prst="rect">
             <a:avLst/>
@@ -7020,19 +8088,17 @@
       </p:pic>
       <p:pic>
         <p:nvPicPr>
-          <p:cNvPr id="5" name="Content Placeholder 4">
+          <p:cNvPr id="9" name="Picture 8">
             <a:extLst>
               <a:ext uri="{FF2B5EF4-FFF2-40B4-BE49-F238E27FC236}">
-                <a16:creationId xmlns:a16="http://schemas.microsoft.com/office/drawing/2014/main" id="{BF6EDF20-EBA1-4D38-9C86-95226BAC035B}"/>
+                <a16:creationId xmlns:a16="http://schemas.microsoft.com/office/drawing/2014/main" id="{C84389F2-CB41-421B-B21E-B62DB5D49DB2}"/>
               </a:ext>
             </a:extLst>
           </p:cNvPr>
           <p:cNvPicPr>
-            <a:picLocks noGrp="1" noChangeAspect="1"/>
+            <a:picLocks noChangeAspect="1"/>
           </p:cNvPicPr>
-          <p:nvPr>
-            <p:ph sz="quarter" idx="14"/>
-          </p:nvPr>
+          <p:nvPr/>
         </p:nvPicPr>
         <p:blipFill>
           <a:blip r:embed="rId3"/>
@@ -7042,8 +8108,8 @@
         </p:blipFill>
         <p:spPr>
           <a:xfrm>
-            <a:off x="6096000" y="1908313"/>
-            <a:ext cx="5443329" cy="4532244"/>
+            <a:off x="1508469" y="3243884"/>
+            <a:ext cx="3182801" cy="2569533"/>
           </a:xfrm>
           <a:prstGeom prst="rect">
             <a:avLst/>
@@ -7053,7 +8119,7 @@
     </p:spTree>
     <p:extLst>
       <p:ext uri="{BB962C8B-B14F-4D97-AF65-F5344CB8AC3E}">
-        <p14:creationId xmlns:p14="http://schemas.microsoft.com/office/powerpoint/2010/main" val="3140331604"/>
+        <p14:creationId xmlns:p14="http://schemas.microsoft.com/office/powerpoint/2010/main" val="2918409995"/>
       </p:ext>
     </p:extLst>
   </p:cSld>
@@ -7085,7 +8151,7 @@
           <p:cNvPr id="2" name="Title 1">
             <a:extLst>
               <a:ext uri="{FF2B5EF4-FFF2-40B4-BE49-F238E27FC236}">
-                <a16:creationId xmlns:a16="http://schemas.microsoft.com/office/drawing/2014/main" id="{FB047358-2DA0-4EBD-A009-371F287CBFA5}"/>
+                <a16:creationId xmlns:a16="http://schemas.microsoft.com/office/drawing/2014/main" id="{2E8B028C-9658-4689-BE2F-F6A90021F243}"/>
               </a:ext>
             </a:extLst>
           </p:cNvPr>
@@ -7103,66 +8169,17 @@
           <a:p>
             <a:r>
               <a:rPr lang="en-US" dirty="0"/>
-              <a:t>Has-company-logo</a:t>
-            </a:r>
-          </a:p>
-        </p:txBody>
-      </p:sp>
-      <p:sp>
-        <p:nvSpPr>
-          <p:cNvPr id="3" name="Content Placeholder 2">
+              <a:t>Required experience</a:t>
+            </a:r>
+          </a:p>
+        </p:txBody>
+      </p:sp>
+      <p:pic>
+        <p:nvPicPr>
+          <p:cNvPr id="7" name="Content Placeholder 6">
             <a:extLst>
               <a:ext uri="{FF2B5EF4-FFF2-40B4-BE49-F238E27FC236}">
-                <a16:creationId xmlns:a16="http://schemas.microsoft.com/office/drawing/2014/main" id="{8C9ECEE2-509A-48AD-84FE-5552C88B6F1B}"/>
-              </a:ext>
-            </a:extLst>
-          </p:cNvPr>
-          <p:cNvSpPr>
-            <a:spLocks noGrp="1"/>
-          </p:cNvSpPr>
-          <p:nvPr>
-            <p:ph sz="quarter" idx="13"/>
-          </p:nvPr>
-        </p:nvSpPr>
-        <p:spPr/>
-        <p:txBody>
-          <a:bodyPr/>
-          <a:lstStyle/>
-          <a:p>
-            <a:r>
-              <a:rPr lang="en-US" dirty="0"/>
-              <a:t>Correlation coefficient to the target variable: -0.25</a:t>
-            </a:r>
-          </a:p>
-          <a:p>
-            <a:r>
-              <a:rPr lang="en-US" dirty="0"/>
-              <a:t>Moderate negative correlation</a:t>
-            </a:r>
-          </a:p>
-          <a:p>
-            <a:endParaRPr lang="en-US" dirty="0"/>
-          </a:p>
-          <a:p>
-            <a:endParaRPr lang="en-US" dirty="0"/>
-          </a:p>
-          <a:p>
-            <a:endParaRPr lang="en-US" dirty="0"/>
-          </a:p>
-          <a:p>
-            <a:endParaRPr lang="en-US" dirty="0"/>
-          </a:p>
-          <a:p>
-            <a:endParaRPr lang="en-US" dirty="0"/>
-          </a:p>
-        </p:txBody>
-      </p:sp>
-      <p:pic>
-        <p:nvPicPr>
-          <p:cNvPr id="6" name="Content Placeholder 5">
-            <a:extLst>
-              <a:ext uri="{FF2B5EF4-FFF2-40B4-BE49-F238E27FC236}">
-                <a16:creationId xmlns:a16="http://schemas.microsoft.com/office/drawing/2014/main" id="{807D7759-7A50-4E5C-AA33-082B45705902}"/>
+                <a16:creationId xmlns:a16="http://schemas.microsoft.com/office/drawing/2014/main" id="{C8ABECBE-BC89-44AC-AFD8-808163AC93BA}"/>
               </a:ext>
             </a:extLst>
           </p:cNvPr>
@@ -7170,7 +8187,7 @@
             <a:picLocks noGrp="1" noChangeAspect="1"/>
           </p:cNvPicPr>
           <p:nvPr>
-            <p:ph sz="quarter" idx="14"/>
+            <p:ph sz="quarter" idx="13"/>
           </p:nvPr>
         </p:nvPicPr>
         <p:blipFill>
@@ -7181,8 +8198,8 @@
         </p:blipFill>
         <p:spPr>
           <a:xfrm>
-            <a:off x="6305550" y="2436019"/>
-            <a:ext cx="4838700" cy="3286125"/>
+            <a:off x="2176462" y="2421731"/>
+            <a:ext cx="2581275" cy="3314700"/>
           </a:xfrm>
           <a:prstGeom prst="rect">
             <a:avLst/>
@@ -7191,17 +8208,19 @@
       </p:pic>
       <p:pic>
         <p:nvPicPr>
-          <p:cNvPr id="5" name="Picture 4">
+          <p:cNvPr id="5" name="Content Placeholder 4">
             <a:extLst>
               <a:ext uri="{FF2B5EF4-FFF2-40B4-BE49-F238E27FC236}">
-                <a16:creationId xmlns:a16="http://schemas.microsoft.com/office/drawing/2014/main" id="{57651EA2-BE20-41B5-A5F7-82DF8ABEFE6E}"/>
+                <a16:creationId xmlns:a16="http://schemas.microsoft.com/office/drawing/2014/main" id="{987C1412-DFD0-4302-9180-A617CB62F198}"/>
               </a:ext>
             </a:extLst>
           </p:cNvPr>
           <p:cNvPicPr>
-            <a:picLocks noChangeAspect="1"/>
+            <a:picLocks noGrp="1" noChangeAspect="1"/>
           </p:cNvPicPr>
-          <p:nvPr/>
+          <p:nvPr>
+            <p:ph sz="quarter" idx="14"/>
+          </p:nvPr>
         </p:nvPicPr>
         <p:blipFill>
           <a:blip r:embed="rId3"/>
@@ -7211,8 +8230,8 @@
         </p:blipFill>
         <p:spPr>
           <a:xfrm>
-            <a:off x="1512611" y="3883507"/>
-            <a:ext cx="2447925" cy="1476375"/>
+            <a:off x="6774336" y="2366963"/>
+            <a:ext cx="3901128" cy="3424237"/>
           </a:xfrm>
           <a:prstGeom prst="rect">
             <a:avLst/>
@@ -7222,7 +8241,7 @@
     </p:spTree>
     <p:extLst>
       <p:ext uri="{BB962C8B-B14F-4D97-AF65-F5344CB8AC3E}">
-        <p14:creationId xmlns:p14="http://schemas.microsoft.com/office/powerpoint/2010/main" val="2657199537"/>
+        <p14:creationId xmlns:p14="http://schemas.microsoft.com/office/powerpoint/2010/main" val="345195931"/>
       </p:ext>
     </p:extLst>
   </p:cSld>
@@ -7254,7 +8273,7 @@
           <p:cNvPr id="2" name="Title 1">
             <a:extLst>
               <a:ext uri="{FF2B5EF4-FFF2-40B4-BE49-F238E27FC236}">
-                <a16:creationId xmlns:a16="http://schemas.microsoft.com/office/drawing/2014/main" id="{8C1667CE-6146-4996-A275-E70D08A3DA7E}"/>
+                <a16:creationId xmlns:a16="http://schemas.microsoft.com/office/drawing/2014/main" id="{07C823FD-67D4-455B-8E16-8582589D6AE4}"/>
               </a:ext>
             </a:extLst>
           </p:cNvPr>
@@ -7272,121 +8291,79 @@
           <a:p>
             <a:r>
               <a:rPr lang="en-US" dirty="0"/>
-              <a:t>Models and metrics</a:t>
-            </a:r>
-          </a:p>
-        </p:txBody>
-      </p:sp>
-      <p:sp>
-        <p:nvSpPr>
-          <p:cNvPr id="3" name="Content Placeholder 2">
+              <a:t>Required-education</a:t>
+            </a:r>
+          </a:p>
+        </p:txBody>
+      </p:sp>
+      <p:pic>
+        <p:nvPicPr>
+          <p:cNvPr id="6" name="Content Placeholder 5">
             <a:extLst>
               <a:ext uri="{FF2B5EF4-FFF2-40B4-BE49-F238E27FC236}">
-                <a16:creationId xmlns:a16="http://schemas.microsoft.com/office/drawing/2014/main" id="{0EDF38FC-AA73-47FC-BD1D-3BDA1034344D}"/>
+                <a16:creationId xmlns:a16="http://schemas.microsoft.com/office/drawing/2014/main" id="{E20BCBB8-C652-47A1-B2D4-5D477957E554}"/>
               </a:ext>
             </a:extLst>
           </p:cNvPr>
-          <p:cNvSpPr>
-            <a:spLocks noGrp="1"/>
-          </p:cNvSpPr>
+          <p:cNvPicPr>
+            <a:picLocks noGrp="1" noChangeAspect="1"/>
+          </p:cNvPicPr>
           <p:nvPr>
             <p:ph sz="quarter" idx="13"/>
           </p:nvPr>
-        </p:nvSpPr>
-        <p:spPr/>
-        <p:txBody>
-          <a:bodyPr/>
-          <a:lstStyle/>
-          <a:p>
-            <a:r>
-              <a:rPr lang="en-US" dirty="0"/>
-              <a:t>Naïve </a:t>
-            </a:r>
-            <a:r>
-              <a:rPr lang="en-US" dirty="0" err="1"/>
-              <a:t>bayes</a:t>
-            </a:r>
-            <a:r>
-              <a:rPr lang="en-US" dirty="0"/>
-              <a:t> model</a:t>
-            </a:r>
-          </a:p>
-          <a:p>
-            <a:r>
-              <a:rPr lang="en-US" dirty="0"/>
-              <a:t>Decision tree classifier</a:t>
-            </a:r>
-          </a:p>
-          <a:p>
-            <a:r>
-              <a:rPr lang="en-US" dirty="0"/>
-              <a:t>K-nearest neighbors</a:t>
-            </a:r>
-          </a:p>
-          <a:p>
-            <a:r>
-              <a:rPr lang="en-US" dirty="0"/>
-              <a:t>Random forest</a:t>
-            </a:r>
-          </a:p>
-          <a:p>
-            <a:pPr marL="0" indent="0">
-              <a:buNone/>
-            </a:pPr>
-            <a:endParaRPr lang="en-US" dirty="0"/>
-          </a:p>
-        </p:txBody>
-      </p:sp>
-      <p:sp>
-        <p:nvSpPr>
-          <p:cNvPr id="4" name="Content Placeholder 3">
+        </p:nvPicPr>
+        <p:blipFill>
+          <a:blip r:embed="rId2"/>
+          <a:stretch>
+            <a:fillRect/>
+          </a:stretch>
+        </p:blipFill>
+        <p:spPr>
+          <a:xfrm>
+            <a:off x="1202635" y="1908313"/>
+            <a:ext cx="4224130" cy="4532244"/>
+          </a:xfrm>
+          <a:prstGeom prst="rect">
+            <a:avLst/>
+          </a:prstGeom>
+        </p:spPr>
+      </p:pic>
+      <p:pic>
+        <p:nvPicPr>
+          <p:cNvPr id="5" name="Content Placeholder 4">
             <a:extLst>
               <a:ext uri="{FF2B5EF4-FFF2-40B4-BE49-F238E27FC236}">
-                <a16:creationId xmlns:a16="http://schemas.microsoft.com/office/drawing/2014/main" id="{6BFDE3A1-C0EC-4376-AFFE-4708B6FFA693}"/>
+                <a16:creationId xmlns:a16="http://schemas.microsoft.com/office/drawing/2014/main" id="{BF6EDF20-EBA1-4D38-9C86-95226BAC035B}"/>
               </a:ext>
             </a:extLst>
           </p:cNvPr>
-          <p:cNvSpPr>
-            <a:spLocks noGrp="1"/>
-          </p:cNvSpPr>
+          <p:cNvPicPr>
+            <a:picLocks noGrp="1" noChangeAspect="1"/>
+          </p:cNvPicPr>
           <p:nvPr>
             <p:ph sz="quarter" idx="14"/>
           </p:nvPr>
-        </p:nvSpPr>
-        <p:spPr/>
-        <p:txBody>
-          <a:bodyPr/>
-          <a:lstStyle/>
-          <a:p>
-            <a:r>
-              <a:rPr lang="en-US" dirty="0"/>
-              <a:t>ACCURACY</a:t>
-            </a:r>
-          </a:p>
-          <a:p>
-            <a:r>
-              <a:rPr lang="en-US" dirty="0"/>
-              <a:t>F1 SCORE</a:t>
-            </a:r>
-          </a:p>
-          <a:p>
-            <a:r>
-              <a:rPr lang="en-US" dirty="0"/>
-              <a:t>PRECISION</a:t>
-            </a:r>
-          </a:p>
-          <a:p>
-            <a:r>
-              <a:rPr lang="en-US" dirty="0"/>
-              <a:t>RECALL</a:t>
-            </a:r>
-          </a:p>
-        </p:txBody>
-      </p:sp>
+        </p:nvPicPr>
+        <p:blipFill>
+          <a:blip r:embed="rId3"/>
+          <a:stretch>
+            <a:fillRect/>
+          </a:stretch>
+        </p:blipFill>
+        <p:spPr>
+          <a:xfrm>
+            <a:off x="6096000" y="1908313"/>
+            <a:ext cx="5443329" cy="4532244"/>
+          </a:xfrm>
+          <a:prstGeom prst="rect">
+            <a:avLst/>
+          </a:prstGeom>
+        </p:spPr>
+      </p:pic>
     </p:spTree>
     <p:extLst>
       <p:ext uri="{BB962C8B-B14F-4D97-AF65-F5344CB8AC3E}">
-        <p14:creationId xmlns:p14="http://schemas.microsoft.com/office/powerpoint/2010/main" val="242248369"/>
+        <p14:creationId xmlns:p14="http://schemas.microsoft.com/office/powerpoint/2010/main" val="3140331604"/>
       </p:ext>
     </p:extLst>
   </p:cSld>

--- a/502projectPresentation.pptx
+++ b/502projectPresentation.pptx
@@ -6,19 +6,18 @@
   </p:sldMasterIdLst>
   <p:sldIdLst>
     <p:sldId id="256" r:id="rId2"/>
-    <p:sldId id="260" r:id="rId3"/>
-    <p:sldId id="262" r:id="rId4"/>
-    <p:sldId id="277" r:id="rId5"/>
-    <p:sldId id="261" r:id="rId6"/>
-    <p:sldId id="275" r:id="rId7"/>
-    <p:sldId id="269" r:id="rId8"/>
-    <p:sldId id="270" r:id="rId9"/>
-    <p:sldId id="271" r:id="rId10"/>
-    <p:sldId id="272" r:id="rId11"/>
-    <p:sldId id="273" r:id="rId12"/>
-    <p:sldId id="278" r:id="rId13"/>
-    <p:sldId id="279" r:id="rId14"/>
-    <p:sldId id="280" r:id="rId15"/>
+    <p:sldId id="281" r:id="rId3"/>
+    <p:sldId id="260" r:id="rId4"/>
+    <p:sldId id="262" r:id="rId5"/>
+    <p:sldId id="277" r:id="rId6"/>
+    <p:sldId id="261" r:id="rId7"/>
+    <p:sldId id="275" r:id="rId8"/>
+    <p:sldId id="269" r:id="rId9"/>
+    <p:sldId id="270" r:id="rId10"/>
+    <p:sldId id="271" r:id="rId11"/>
+    <p:sldId id="272" r:id="rId12"/>
+    <p:sldId id="273" r:id="rId13"/>
+    <p:sldId id="283" r:id="rId14"/>
   </p:sldIdLst>
   <p:sldSz cx="12192000" cy="6858000"/>
   <p:notesSz cx="6858000" cy="9144000"/>
@@ -6085,7 +6084,14 @@
           <a:p>
             <a:r>
               <a:rPr lang="en-US" dirty="0"/>
-              <a:t>Predictive Analysis of fake job postings in the us</a:t>
+              <a:t>Analysis and predictions on fraudulent job postings </a:t>
+            </a:r>
+            <a:br>
+              <a:rPr lang="en-US" dirty="0"/>
+            </a:br>
+            <a:r>
+              <a:rPr lang="en-US" dirty="0"/>
+              <a:t>in the us</a:t>
             </a:r>
           </a:p>
         </p:txBody>
@@ -6207,7 +6213,7 @@
           <p:cNvPr id="2" name="Title 1">
             <a:extLst>
               <a:ext uri="{FF2B5EF4-FFF2-40B4-BE49-F238E27FC236}">
-                <a16:creationId xmlns:a16="http://schemas.microsoft.com/office/drawing/2014/main" id="{FB047358-2DA0-4EBD-A009-371F287CBFA5}"/>
+                <a16:creationId xmlns:a16="http://schemas.microsoft.com/office/drawing/2014/main" id="{07C823FD-67D4-455B-8E16-8582589D6AE4}"/>
               </a:ext>
             </a:extLst>
           </p:cNvPr>
@@ -6225,57 +6231,8 @@
           <a:p>
             <a:r>
               <a:rPr lang="en-US" dirty="0"/>
-              <a:t>Has-company-logo</a:t>
-            </a:r>
-          </a:p>
-        </p:txBody>
-      </p:sp>
-      <p:sp>
-        <p:nvSpPr>
-          <p:cNvPr id="3" name="Content Placeholder 2">
-            <a:extLst>
-              <a:ext uri="{FF2B5EF4-FFF2-40B4-BE49-F238E27FC236}">
-                <a16:creationId xmlns:a16="http://schemas.microsoft.com/office/drawing/2014/main" id="{8C9ECEE2-509A-48AD-84FE-5552C88B6F1B}"/>
-              </a:ext>
-            </a:extLst>
-          </p:cNvPr>
-          <p:cNvSpPr>
-            <a:spLocks noGrp="1"/>
-          </p:cNvSpPr>
-          <p:nvPr>
-            <p:ph sz="quarter" idx="13"/>
-          </p:nvPr>
-        </p:nvSpPr>
-        <p:spPr/>
-        <p:txBody>
-          <a:bodyPr/>
-          <a:lstStyle/>
-          <a:p>
-            <a:r>
-              <a:rPr lang="en-US" dirty="0"/>
-              <a:t>Correlation coefficient to the target variable: -0.25</a:t>
-            </a:r>
-          </a:p>
-          <a:p>
-            <a:r>
-              <a:rPr lang="en-US" dirty="0"/>
-              <a:t>Moderate negative correlation</a:t>
-            </a:r>
-          </a:p>
-          <a:p>
-            <a:endParaRPr lang="en-US" dirty="0"/>
-          </a:p>
-          <a:p>
-            <a:endParaRPr lang="en-US" dirty="0"/>
-          </a:p>
-          <a:p>
-            <a:endParaRPr lang="en-US" dirty="0"/>
-          </a:p>
-          <a:p>
-            <a:endParaRPr lang="en-US" dirty="0"/>
-          </a:p>
-          <a:p>
-            <a:endParaRPr lang="en-US" dirty="0"/>
+              <a:t>Required-education</a:t>
+            </a:r>
           </a:p>
         </p:txBody>
       </p:sp>
@@ -6284,7 +6241,7 @@
           <p:cNvPr id="6" name="Content Placeholder 5">
             <a:extLst>
               <a:ext uri="{FF2B5EF4-FFF2-40B4-BE49-F238E27FC236}">
-                <a16:creationId xmlns:a16="http://schemas.microsoft.com/office/drawing/2014/main" id="{807D7759-7A50-4E5C-AA33-082B45705902}"/>
+                <a16:creationId xmlns:a16="http://schemas.microsoft.com/office/drawing/2014/main" id="{E20BCBB8-C652-47A1-B2D4-5D477957E554}"/>
               </a:ext>
             </a:extLst>
           </p:cNvPr>
@@ -6292,7 +6249,7 @@
             <a:picLocks noGrp="1" noChangeAspect="1"/>
           </p:cNvPicPr>
           <p:nvPr>
-            <p:ph sz="quarter" idx="14"/>
+            <p:ph sz="quarter" idx="13"/>
           </p:nvPr>
         </p:nvPicPr>
         <p:blipFill>
@@ -6303,8 +6260,8 @@
         </p:blipFill>
         <p:spPr>
           <a:xfrm>
-            <a:off x="6305550" y="2436019"/>
-            <a:ext cx="4838700" cy="3286125"/>
+            <a:off x="1202635" y="1908313"/>
+            <a:ext cx="4224130" cy="4532244"/>
           </a:xfrm>
           <a:prstGeom prst="rect">
             <a:avLst/>
@@ -6313,17 +6270,19 @@
       </p:pic>
       <p:pic>
         <p:nvPicPr>
-          <p:cNvPr id="5" name="Picture 4">
+          <p:cNvPr id="5" name="Content Placeholder 4">
             <a:extLst>
               <a:ext uri="{FF2B5EF4-FFF2-40B4-BE49-F238E27FC236}">
-                <a16:creationId xmlns:a16="http://schemas.microsoft.com/office/drawing/2014/main" id="{57651EA2-BE20-41B5-A5F7-82DF8ABEFE6E}"/>
+                <a16:creationId xmlns:a16="http://schemas.microsoft.com/office/drawing/2014/main" id="{BF6EDF20-EBA1-4D38-9C86-95226BAC035B}"/>
               </a:ext>
             </a:extLst>
           </p:cNvPr>
           <p:cNvPicPr>
-            <a:picLocks noChangeAspect="1"/>
+            <a:picLocks noGrp="1" noChangeAspect="1"/>
           </p:cNvPicPr>
-          <p:nvPr/>
+          <p:nvPr>
+            <p:ph sz="quarter" idx="14"/>
+          </p:nvPr>
         </p:nvPicPr>
         <p:blipFill>
           <a:blip r:embed="rId3"/>
@@ -6333,8 +6292,8 @@
         </p:blipFill>
         <p:spPr>
           <a:xfrm>
-            <a:off x="1512611" y="3883507"/>
-            <a:ext cx="2447925" cy="1476375"/>
+            <a:off x="6096000" y="1908313"/>
+            <a:ext cx="5443329" cy="4532244"/>
           </a:xfrm>
           <a:prstGeom prst="rect">
             <a:avLst/>
@@ -6344,7 +6303,7 @@
     </p:spTree>
     <p:extLst>
       <p:ext uri="{BB962C8B-B14F-4D97-AF65-F5344CB8AC3E}">
-        <p14:creationId xmlns:p14="http://schemas.microsoft.com/office/powerpoint/2010/main" val="2657199537"/>
+        <p14:creationId xmlns:p14="http://schemas.microsoft.com/office/powerpoint/2010/main" val="3140331604"/>
       </p:ext>
     </p:extLst>
   </p:cSld>
@@ -6376,7 +6335,7 @@
           <p:cNvPr id="2" name="Title 1">
             <a:extLst>
               <a:ext uri="{FF2B5EF4-FFF2-40B4-BE49-F238E27FC236}">
-                <a16:creationId xmlns:a16="http://schemas.microsoft.com/office/drawing/2014/main" id="{8C1667CE-6146-4996-A275-E70D08A3DA7E}"/>
+                <a16:creationId xmlns:a16="http://schemas.microsoft.com/office/drawing/2014/main" id="{FB047358-2DA0-4EBD-A009-371F287CBFA5}"/>
               </a:ext>
             </a:extLst>
           </p:cNvPr>
@@ -6394,7 +6353,7 @@
           <a:p>
             <a:r>
               <a:rPr lang="en-US" dirty="0"/>
-              <a:t>Models and metrics</a:t>
+              <a:t>Has-company-logo</a:t>
             </a:r>
           </a:p>
         </p:txBody>
@@ -6404,7 +6363,7 @@
           <p:cNvPr id="3" name="Content Placeholder 2">
             <a:extLst>
               <a:ext uri="{FF2B5EF4-FFF2-40B4-BE49-F238E27FC236}">
-                <a16:creationId xmlns:a16="http://schemas.microsoft.com/office/drawing/2014/main" id="{0EDF38FC-AA73-47FC-BD1D-3BDA1034344D}"/>
+                <a16:creationId xmlns:a16="http://schemas.microsoft.com/office/drawing/2014/main" id="{8C9ECEE2-509A-48AD-84FE-5552C88B6F1B}"/>
               </a:ext>
             </a:extLst>
           </p:cNvPr>
@@ -6422,105 +6381,98 @@
           <a:p>
             <a:r>
               <a:rPr lang="en-US" dirty="0"/>
-              <a:t>Naïve </a:t>
-            </a:r>
-            <a:r>
-              <a:rPr lang="en-US" dirty="0" err="1"/>
-              <a:t>bayes</a:t>
-            </a:r>
-            <a:r>
-              <a:rPr lang="en-US" dirty="0"/>
-              <a:t> model</a:t>
-            </a:r>
-          </a:p>
-          <a:p>
-            <a:r>
-              <a:rPr lang="en-US" dirty="0"/>
-              <a:t>Decision tree classifier</a:t>
-            </a:r>
-          </a:p>
-          <a:p>
-            <a:r>
-              <a:rPr lang="en-US" dirty="0"/>
-              <a:t>K-nearest neighbors</a:t>
-            </a:r>
-          </a:p>
-          <a:p>
-            <a:r>
-              <a:rPr lang="en-US" dirty="0"/>
-              <a:t>Random forest</a:t>
-            </a:r>
-          </a:p>
-          <a:p>
-            <a:pPr marL="0" indent="0">
-              <a:buNone/>
-            </a:pPr>
-            <a:endParaRPr lang="en-US" dirty="0"/>
-          </a:p>
-        </p:txBody>
-      </p:sp>
-      <p:sp>
-        <p:nvSpPr>
-          <p:cNvPr id="4" name="Content Placeholder 3">
+              <a:t>Correlation coefficient to the target variable: -0.25</a:t>
+            </a:r>
+          </a:p>
+          <a:p>
+            <a:r>
+              <a:rPr lang="en-US" dirty="0"/>
+              <a:t>Moderate negative correlation</a:t>
+            </a:r>
+          </a:p>
+          <a:p>
+            <a:endParaRPr lang="en-US" dirty="0"/>
+          </a:p>
+          <a:p>
+            <a:endParaRPr lang="en-US" dirty="0"/>
+          </a:p>
+          <a:p>
+            <a:endParaRPr lang="en-US" dirty="0"/>
+          </a:p>
+          <a:p>
+            <a:endParaRPr lang="en-US" dirty="0"/>
+          </a:p>
+          <a:p>
+            <a:endParaRPr lang="en-US" dirty="0"/>
+          </a:p>
+        </p:txBody>
+      </p:sp>
+      <p:pic>
+        <p:nvPicPr>
+          <p:cNvPr id="6" name="Content Placeholder 5">
             <a:extLst>
               <a:ext uri="{FF2B5EF4-FFF2-40B4-BE49-F238E27FC236}">
-                <a16:creationId xmlns:a16="http://schemas.microsoft.com/office/drawing/2014/main" id="{6BFDE3A1-C0EC-4376-AFFE-4708B6FFA693}"/>
+                <a16:creationId xmlns:a16="http://schemas.microsoft.com/office/drawing/2014/main" id="{807D7759-7A50-4E5C-AA33-082B45705902}"/>
               </a:ext>
             </a:extLst>
           </p:cNvPr>
-          <p:cNvSpPr>
-            <a:spLocks noGrp="1"/>
-          </p:cNvSpPr>
+          <p:cNvPicPr>
+            <a:picLocks noGrp="1" noChangeAspect="1"/>
+          </p:cNvPicPr>
           <p:nvPr>
             <p:ph sz="quarter" idx="14"/>
           </p:nvPr>
-        </p:nvSpPr>
-        <p:spPr/>
-        <p:txBody>
-          <a:bodyPr/>
-          <a:lstStyle/>
-          <a:p>
-            <a:r>
-              <a:rPr lang="en-US" dirty="0"/>
-              <a:t>ACCURACY</a:t>
-            </a:r>
-          </a:p>
-          <a:p>
-            <a:r>
-              <a:rPr lang="en-US" dirty="0"/>
-              <a:t>F1 SCORE</a:t>
-            </a:r>
-          </a:p>
-          <a:p>
-            <a:r>
-              <a:rPr lang="en-US" dirty="0"/>
-              <a:t>PRECISION</a:t>
-            </a:r>
-          </a:p>
-          <a:p>
-            <a:r>
-              <a:rPr lang="en-US" dirty="0"/>
-              <a:t>RECALL</a:t>
-            </a:r>
-          </a:p>
-          <a:p>
-            <a:r>
-              <a:rPr lang="en-US" dirty="0"/>
-              <a:t>Sensitivity</a:t>
-            </a:r>
-          </a:p>
-          <a:p>
-            <a:r>
-              <a:rPr lang="en-US" dirty="0"/>
-              <a:t>specificity</a:t>
-            </a:r>
-          </a:p>
-        </p:txBody>
-      </p:sp>
+        </p:nvPicPr>
+        <p:blipFill>
+          <a:blip r:embed="rId2"/>
+          <a:stretch>
+            <a:fillRect/>
+          </a:stretch>
+        </p:blipFill>
+        <p:spPr>
+          <a:xfrm>
+            <a:off x="6305550" y="2436019"/>
+            <a:ext cx="4838700" cy="3286125"/>
+          </a:xfrm>
+          <a:prstGeom prst="rect">
+            <a:avLst/>
+          </a:prstGeom>
+        </p:spPr>
+      </p:pic>
+      <p:pic>
+        <p:nvPicPr>
+          <p:cNvPr id="5" name="Picture 4">
+            <a:extLst>
+              <a:ext uri="{FF2B5EF4-FFF2-40B4-BE49-F238E27FC236}">
+                <a16:creationId xmlns:a16="http://schemas.microsoft.com/office/drawing/2014/main" id="{57651EA2-BE20-41B5-A5F7-82DF8ABEFE6E}"/>
+              </a:ext>
+            </a:extLst>
+          </p:cNvPr>
+          <p:cNvPicPr>
+            <a:picLocks noChangeAspect="1"/>
+          </p:cNvPicPr>
+          <p:nvPr/>
+        </p:nvPicPr>
+        <p:blipFill>
+          <a:blip r:embed="rId3"/>
+          <a:stretch>
+            <a:fillRect/>
+          </a:stretch>
+        </p:blipFill>
+        <p:spPr>
+          <a:xfrm>
+            <a:off x="1512611" y="3883507"/>
+            <a:ext cx="2447925" cy="1476375"/>
+          </a:xfrm>
+          <a:prstGeom prst="rect">
+            <a:avLst/>
+          </a:prstGeom>
+        </p:spPr>
+      </p:pic>
     </p:spTree>
     <p:extLst>
       <p:ext uri="{BB962C8B-B14F-4D97-AF65-F5344CB8AC3E}">
-        <p14:creationId xmlns:p14="http://schemas.microsoft.com/office/powerpoint/2010/main" val="242248369"/>
+        <p14:creationId xmlns:p14="http://schemas.microsoft.com/office/powerpoint/2010/main" val="2657199537"/>
       </p:ext>
     </p:extLst>
   </p:cSld>
@@ -6552,7 +6504,7 @@
           <p:cNvPr id="2" name="Title 1">
             <a:extLst>
               <a:ext uri="{FF2B5EF4-FFF2-40B4-BE49-F238E27FC236}">
-                <a16:creationId xmlns:a16="http://schemas.microsoft.com/office/drawing/2014/main" id="{99337987-53D2-4514-9860-289E40CE40A2}"/>
+                <a16:creationId xmlns:a16="http://schemas.microsoft.com/office/drawing/2014/main" id="{8C1667CE-6146-4996-A275-E70D08A3DA7E}"/>
               </a:ext>
             </a:extLst>
           </p:cNvPr>
@@ -6570,17 +6522,17 @@
           <a:p>
             <a:r>
               <a:rPr lang="en-US" dirty="0"/>
-              <a:t>Model metrics</a:t>
-            </a:r>
-          </a:p>
-        </p:txBody>
-      </p:sp>
-      <p:sp>
-        <p:nvSpPr>
-          <p:cNvPr id="3" name="Text Placeholder 2">
+              <a:t>Models and metrics</a:t>
+            </a:r>
+          </a:p>
+        </p:txBody>
+      </p:sp>
+      <p:sp>
+        <p:nvSpPr>
+          <p:cNvPr id="3" name="Content Placeholder 2">
             <a:extLst>
               <a:ext uri="{FF2B5EF4-FFF2-40B4-BE49-F238E27FC236}">
-                <a16:creationId xmlns:a16="http://schemas.microsoft.com/office/drawing/2014/main" id="{940F640B-798F-443D-A624-834B413040C7}"/>
+                <a16:creationId xmlns:a16="http://schemas.microsoft.com/office/drawing/2014/main" id="{0EDF38FC-AA73-47FC-BD1D-3BDA1034344D}"/>
               </a:ext>
             </a:extLst>
           </p:cNvPr>
@@ -6588,15 +6540,10 @@
             <a:spLocks noGrp="1"/>
           </p:cNvSpPr>
           <p:nvPr>
-            <p:ph type="body" idx="1"/>
-          </p:nvPr>
-        </p:nvSpPr>
-        <p:spPr>
-          <a:xfrm>
-            <a:off x="1146328" y="1988598"/>
-            <a:ext cx="4873474" cy="790113"/>
-          </a:xfrm>
-        </p:spPr>
+            <p:ph sz="quarter" idx="13"/>
+          </p:nvPr>
+        </p:nvSpPr>
+        <p:spPr/>
         <p:txBody>
           <a:bodyPr/>
           <a:lstStyle/>
@@ -6613,6 +6560,30 @@
               <a:rPr lang="en-US" dirty="0"/>
               <a:t> model</a:t>
             </a:r>
+          </a:p>
+          <a:p>
+            <a:r>
+              <a:rPr lang="en-US" dirty="0"/>
+              <a:t>Decision tree classifier</a:t>
+            </a:r>
+          </a:p>
+          <a:p>
+            <a:r>
+              <a:rPr lang="en-US" dirty="0"/>
+              <a:t>K-nearest neighbors</a:t>
+            </a:r>
+          </a:p>
+          <a:p>
+            <a:r>
+              <a:rPr lang="en-US" dirty="0"/>
+              <a:t>Random forest</a:t>
+            </a:r>
+          </a:p>
+          <a:p>
+            <a:pPr marL="0" indent="0">
+              <a:buNone/>
+            </a:pPr>
+            <a:endParaRPr lang="en-US" dirty="0"/>
           </a:p>
         </p:txBody>
       </p:sp>
@@ -6621,7 +6592,7 @@
           <p:cNvPr id="4" name="Content Placeholder 3">
             <a:extLst>
               <a:ext uri="{FF2B5EF4-FFF2-40B4-BE49-F238E27FC236}">
-                <a16:creationId xmlns:a16="http://schemas.microsoft.com/office/drawing/2014/main" id="{7B0E05C6-4767-4000-8612-616A845A8892}"/>
+                <a16:creationId xmlns:a16="http://schemas.microsoft.com/office/drawing/2014/main" id="{6BFDE3A1-C0EC-4376-AFFE-4708B6FFA693}"/>
               </a:ext>
             </a:extLst>
           </p:cNvPr>
@@ -6629,153 +6600,55 @@
             <a:spLocks noGrp="1"/>
           </p:cNvSpPr>
           <p:nvPr>
-            <p:ph sz="quarter" idx="13"/>
+            <p:ph sz="quarter" idx="14"/>
           </p:nvPr>
         </p:nvSpPr>
         <p:spPr/>
         <p:txBody>
-          <a:bodyPr>
-            <a:normAutofit lnSpcReduction="10000"/>
-          </a:bodyPr>
-          <a:lstStyle/>
-          <a:p>
-            <a:r>
-              <a:rPr lang="en-US" dirty="0"/>
-              <a:t>Accuracy   – 0.94</a:t>
-            </a:r>
-          </a:p>
-          <a:p>
-            <a:r>
-              <a:rPr lang="en-US" dirty="0"/>
-              <a:t>F1 score     – 0.97</a:t>
-            </a:r>
-          </a:p>
-          <a:p>
-            <a:r>
-              <a:rPr lang="en-US" dirty="0"/>
-              <a:t>Precision    – 0.94</a:t>
-            </a:r>
-          </a:p>
-          <a:p>
-            <a:r>
-              <a:rPr lang="en-US" dirty="0"/>
-              <a:t>Recall          – 1.00</a:t>
-            </a:r>
-          </a:p>
-          <a:p>
-            <a:r>
-              <a:rPr lang="en-US" dirty="0"/>
-              <a:t>Sensitivity    - 1.00</a:t>
-            </a:r>
-          </a:p>
-          <a:p>
-            <a:r>
-              <a:rPr lang="en-US" dirty="0"/>
-              <a:t>Specificity    - 0.00</a:t>
-            </a:r>
-          </a:p>
-        </p:txBody>
-      </p:sp>
-      <p:sp>
-        <p:nvSpPr>
-          <p:cNvPr id="5" name="Text Placeholder 4">
-            <a:extLst>
-              <a:ext uri="{FF2B5EF4-FFF2-40B4-BE49-F238E27FC236}">
-                <a16:creationId xmlns:a16="http://schemas.microsoft.com/office/drawing/2014/main" id="{A59BA660-0E7F-467A-B616-B4BCA92A2E39}"/>
-              </a:ext>
-            </a:extLst>
-          </p:cNvPr>
-          <p:cNvSpPr>
-            <a:spLocks noGrp="1"/>
-          </p:cNvSpPr>
-          <p:nvPr>
-            <p:ph type="body" sz="quarter" idx="3"/>
-          </p:nvPr>
-        </p:nvSpPr>
-        <p:spPr>
-          <a:xfrm>
-            <a:off x="6396423" y="2104008"/>
-            <a:ext cx="4881804" cy="674703"/>
-          </a:xfrm>
-        </p:spPr>
-        <p:txBody>
-          <a:bodyPr/>
-          <a:lstStyle/>
-          <a:p>
-            <a:r>
-              <a:rPr lang="en-US" dirty="0"/>
-              <a:t>Decision tree classifier</a:t>
-            </a:r>
-          </a:p>
-        </p:txBody>
-      </p:sp>
-      <p:sp>
-        <p:nvSpPr>
-          <p:cNvPr id="6" name="Content Placeholder 5">
-            <a:extLst>
-              <a:ext uri="{FF2B5EF4-FFF2-40B4-BE49-F238E27FC236}">
-                <a16:creationId xmlns:a16="http://schemas.microsoft.com/office/drawing/2014/main" id="{BF9CDF7E-490D-4640-A334-A6E89F213C18}"/>
-              </a:ext>
-            </a:extLst>
-          </p:cNvPr>
-          <p:cNvSpPr>
-            <a:spLocks noGrp="1"/>
-          </p:cNvSpPr>
-          <p:nvPr>
-            <p:ph sz="quarter" idx="14"/>
-          </p:nvPr>
-        </p:nvSpPr>
-        <p:spPr/>
-        <p:txBody>
-          <a:bodyPr>
-            <a:normAutofit lnSpcReduction="10000"/>
-          </a:bodyPr>
-          <a:lstStyle/>
-          <a:p>
-            <a:r>
-              <a:rPr lang="en-US" dirty="0"/>
-              <a:t>Accuracy   – 0.93</a:t>
-            </a:r>
-          </a:p>
-          <a:p>
-            <a:r>
-              <a:rPr lang="en-US" dirty="0"/>
-              <a:t>F1 score     – </a:t>
-            </a:r>
-          </a:p>
-          <a:p>
-            <a:r>
-              <a:rPr lang="en-US" dirty="0"/>
-              <a:t>Precision    – </a:t>
-            </a:r>
-          </a:p>
-          <a:p>
-            <a:r>
-              <a:rPr lang="en-US" dirty="0"/>
-              <a:t>Recall          – </a:t>
-            </a:r>
-          </a:p>
-          <a:p>
-            <a:r>
-              <a:rPr lang="en-US" dirty="0"/>
-              <a:t>Sensitivity    - 0.99</a:t>
-            </a:r>
-          </a:p>
-          <a:p>
-            <a:r>
-              <a:rPr lang="en-US" dirty="0"/>
-              <a:t>Specificity    - 0.03</a:t>
-            </a:r>
-          </a:p>
-          <a:p>
-            <a:endParaRPr lang="en-US" dirty="0"/>
+          <a:bodyPr/>
+          <a:lstStyle/>
+          <a:p>
+            <a:r>
+              <a:rPr lang="en-US" dirty="0"/>
+              <a:t>ACCURACY</a:t>
+            </a:r>
+          </a:p>
+          <a:p>
+            <a:r>
+              <a:rPr lang="en-US" dirty="0"/>
+              <a:t>F1 SCORE</a:t>
+            </a:r>
+          </a:p>
+          <a:p>
+            <a:r>
+              <a:rPr lang="en-US" dirty="0"/>
+              <a:t>PRECISION</a:t>
+            </a:r>
+          </a:p>
+          <a:p>
+            <a:r>
+              <a:rPr lang="en-US" dirty="0"/>
+              <a:t>RECALL</a:t>
+            </a:r>
+          </a:p>
+          <a:p>
+            <a:r>
+              <a:rPr lang="en-US" dirty="0"/>
+              <a:t>Sensitivity</a:t>
+            </a:r>
+          </a:p>
+          <a:p>
+            <a:r>
+              <a:rPr lang="en-US" dirty="0"/>
+              <a:t>specificity</a:t>
+            </a:r>
           </a:p>
         </p:txBody>
       </p:sp>
     </p:spTree>
     <p:extLst>
       <p:ext uri="{BB962C8B-B14F-4D97-AF65-F5344CB8AC3E}">
-        <p14:creationId xmlns:p14="http://schemas.microsoft.com/office/powerpoint/2010/main" val="4181313595"/>
+        <p14:creationId xmlns:p14="http://schemas.microsoft.com/office/powerpoint/2010/main" val="242248369"/>
       </p:ext>
     </p:extLst>
   </p:cSld>
@@ -6807,7 +6680,7 @@
           <p:cNvPr id="2" name="Title 1">
             <a:extLst>
               <a:ext uri="{FF2B5EF4-FFF2-40B4-BE49-F238E27FC236}">
-                <a16:creationId xmlns:a16="http://schemas.microsoft.com/office/drawing/2014/main" id="{6AF10020-8D1E-490F-BB92-270914E71716}"/>
+                <a16:creationId xmlns:a16="http://schemas.microsoft.com/office/drawing/2014/main" id="{9CDD20C7-9FB2-4A8C-8DA1-63C13BA750A4}"/>
               </a:ext>
             </a:extLst>
           </p:cNvPr>
@@ -6825,411 +6698,47 @@
           <a:p>
             <a:r>
               <a:rPr lang="en-US" dirty="0"/>
-              <a:t>Model metrics</a:t>
-            </a:r>
-          </a:p>
-        </p:txBody>
-      </p:sp>
-      <p:sp>
-        <p:nvSpPr>
-          <p:cNvPr id="3" name="Text Placeholder 2">
+              <a:t>Models evaluation </a:t>
+            </a:r>
+          </a:p>
+        </p:txBody>
+      </p:sp>
+      <p:pic>
+        <p:nvPicPr>
+          <p:cNvPr id="4" name="Content Placeholder 3">
             <a:extLst>
               <a:ext uri="{FF2B5EF4-FFF2-40B4-BE49-F238E27FC236}">
-                <a16:creationId xmlns:a16="http://schemas.microsoft.com/office/drawing/2014/main" id="{B235C4A0-2902-488E-80CA-3421F9F6F246}"/>
+                <a16:creationId xmlns:a16="http://schemas.microsoft.com/office/drawing/2014/main" id="{D8601364-B70C-48BB-B86A-BE91E7108B15}"/>
               </a:ext>
             </a:extLst>
           </p:cNvPr>
-          <p:cNvSpPr>
-            <a:spLocks noGrp="1"/>
-          </p:cNvSpPr>
-          <p:nvPr>
-            <p:ph type="body" idx="1"/>
-          </p:nvPr>
-        </p:nvSpPr>
-        <p:spPr>
-          <a:xfrm>
-            <a:off x="1146328" y="1961966"/>
-            <a:ext cx="4873474" cy="763480"/>
-          </a:xfrm>
-        </p:spPr>
-        <p:txBody>
-          <a:bodyPr/>
-          <a:lstStyle/>
-          <a:p>
-            <a:r>
-              <a:rPr lang="en-US" dirty="0"/>
-              <a:t>K-nearest neighbor</a:t>
-            </a:r>
-          </a:p>
-        </p:txBody>
-      </p:sp>
-      <p:sp>
-        <p:nvSpPr>
-          <p:cNvPr id="4" name="Content Placeholder 3">
-            <a:extLst>
-              <a:ext uri="{FF2B5EF4-FFF2-40B4-BE49-F238E27FC236}">
-                <a16:creationId xmlns:a16="http://schemas.microsoft.com/office/drawing/2014/main" id="{E804492C-77D5-4379-BD86-7239D54280C4}"/>
-              </a:ext>
-            </a:extLst>
-          </p:cNvPr>
-          <p:cNvSpPr>
-            <a:spLocks noGrp="1"/>
-          </p:cNvSpPr>
+          <p:cNvPicPr>
+            <a:picLocks noGrp="1" noChangeAspect="1"/>
+          </p:cNvPicPr>
           <p:nvPr>
             <p:ph sz="quarter" idx="13"/>
           </p:nvPr>
-        </p:nvSpPr>
-        <p:spPr/>
-        <p:txBody>
-          <a:bodyPr>
-            <a:normAutofit lnSpcReduction="10000"/>
-          </a:bodyPr>
-          <a:lstStyle/>
-          <a:p>
-            <a:r>
-              <a:rPr lang="en-US" dirty="0"/>
-              <a:t>Accuracy   – 0.92</a:t>
-            </a:r>
-          </a:p>
-          <a:p>
-            <a:r>
-              <a:rPr lang="en-US" dirty="0"/>
-              <a:t>F1 score     – </a:t>
-            </a:r>
-          </a:p>
-          <a:p>
-            <a:r>
-              <a:rPr lang="en-US" dirty="0"/>
-              <a:t>Precision    – </a:t>
-            </a:r>
-          </a:p>
-          <a:p>
-            <a:r>
-              <a:rPr lang="en-US" dirty="0"/>
-              <a:t>Recall          –</a:t>
-            </a:r>
-          </a:p>
-          <a:p>
-            <a:r>
-              <a:rPr lang="en-US" dirty="0"/>
-              <a:t>Sensitivity    -0.96</a:t>
-            </a:r>
-          </a:p>
-          <a:p>
-            <a:r>
-              <a:rPr lang="en-US" dirty="0"/>
-              <a:t>Specificity    -0.17</a:t>
-            </a:r>
-          </a:p>
-          <a:p>
-            <a:endParaRPr lang="en-US" dirty="0"/>
-          </a:p>
-        </p:txBody>
-      </p:sp>
-      <p:sp>
-        <p:nvSpPr>
-          <p:cNvPr id="5" name="Text Placeholder 4">
-            <a:extLst>
-              <a:ext uri="{FF2B5EF4-FFF2-40B4-BE49-F238E27FC236}">
-                <a16:creationId xmlns:a16="http://schemas.microsoft.com/office/drawing/2014/main" id="{E96F494F-2251-48AA-B6B7-AFA0A669EED3}"/>
-              </a:ext>
-            </a:extLst>
-          </p:cNvPr>
-          <p:cNvSpPr>
-            <a:spLocks noGrp="1"/>
-          </p:cNvSpPr>
-          <p:nvPr>
-            <p:ph type="body" sz="quarter" idx="3"/>
-          </p:nvPr>
-        </p:nvSpPr>
-        <p:spPr>
-          <a:xfrm>
-            <a:off x="6396423" y="1961966"/>
-            <a:ext cx="4881804" cy="763480"/>
-          </a:xfrm>
-        </p:spPr>
-        <p:txBody>
-          <a:bodyPr/>
-          <a:lstStyle/>
-          <a:p>
-            <a:r>
-              <a:rPr lang="en-US" dirty="0"/>
-              <a:t>Random forest</a:t>
-            </a:r>
-          </a:p>
-        </p:txBody>
-      </p:sp>
-      <p:sp>
-        <p:nvSpPr>
-          <p:cNvPr id="6" name="Content Placeholder 5">
-            <a:extLst>
-              <a:ext uri="{FF2B5EF4-FFF2-40B4-BE49-F238E27FC236}">
-                <a16:creationId xmlns:a16="http://schemas.microsoft.com/office/drawing/2014/main" id="{5F12A429-9BE1-411C-A9F1-6E9D0FEF5C20}"/>
-              </a:ext>
-            </a:extLst>
-          </p:cNvPr>
-          <p:cNvSpPr>
-            <a:spLocks noGrp="1"/>
-          </p:cNvSpPr>
-          <p:nvPr>
-            <p:ph sz="quarter" idx="14"/>
-          </p:nvPr>
-        </p:nvSpPr>
-        <p:spPr/>
-        <p:txBody>
-          <a:bodyPr>
-            <a:normAutofit lnSpcReduction="10000"/>
-          </a:bodyPr>
-          <a:lstStyle/>
-          <a:p>
-            <a:r>
-              <a:rPr lang="en-US" dirty="0"/>
-              <a:t>Accuracy   – 0.94 </a:t>
-            </a:r>
-          </a:p>
-          <a:p>
-            <a:r>
-              <a:rPr lang="en-US" dirty="0"/>
-              <a:t>F1 score     – </a:t>
-            </a:r>
-          </a:p>
-          <a:p>
-            <a:r>
-              <a:rPr lang="en-US" dirty="0"/>
-              <a:t>Precision    – </a:t>
-            </a:r>
-          </a:p>
-          <a:p>
-            <a:r>
-              <a:rPr lang="en-US" dirty="0"/>
-              <a:t>Recall          –</a:t>
-            </a:r>
-          </a:p>
-          <a:p>
-            <a:r>
-              <a:rPr lang="en-US" dirty="0"/>
-              <a:t>Sensitivity    - 0.99</a:t>
-            </a:r>
-          </a:p>
-          <a:p>
-            <a:r>
-              <a:rPr lang="en-US" dirty="0"/>
-              <a:t>Specificity    - 0.02</a:t>
-            </a:r>
-          </a:p>
-          <a:p>
-            <a:endParaRPr lang="en-US" dirty="0"/>
-          </a:p>
-        </p:txBody>
-      </p:sp>
+        </p:nvPicPr>
+        <p:blipFill>
+          <a:blip r:embed="rId2"/>
+          <a:stretch>
+            <a:fillRect/>
+          </a:stretch>
+        </p:blipFill>
+        <p:spPr>
+          <a:xfrm>
+            <a:off x="1251752" y="2366963"/>
+            <a:ext cx="9507984" cy="3872520"/>
+          </a:xfrm>
+          <a:prstGeom prst="rect">
+            <a:avLst/>
+          </a:prstGeom>
+        </p:spPr>
+      </p:pic>
     </p:spTree>
     <p:extLst>
       <p:ext uri="{BB962C8B-B14F-4D97-AF65-F5344CB8AC3E}">
-        <p14:creationId xmlns:p14="http://schemas.microsoft.com/office/powerpoint/2010/main" val="844643070"/>
-      </p:ext>
-    </p:extLst>
-  </p:cSld>
-  <p:clrMapOvr>
-    <a:masterClrMapping/>
-  </p:clrMapOvr>
-</p:sld>
-</file>
-
-<file path=ppt/slides/slide14.xml><?xml version="1.0" encoding="utf-8"?>
-<p:sld xmlns:a="http://schemas.openxmlformats.org/drawingml/2006/main" xmlns:r="http://schemas.openxmlformats.org/officeDocument/2006/relationships" xmlns:p="http://schemas.openxmlformats.org/presentationml/2006/main">
-  <p:cSld>
-    <p:spTree>
-      <p:nvGrpSpPr>
-        <p:cNvPr id="1" name=""/>
-        <p:cNvGrpSpPr/>
-        <p:nvPr/>
-      </p:nvGrpSpPr>
-      <p:grpSpPr>
-        <a:xfrm>
-          <a:off x="0" y="0"/>
-          <a:ext cx="0" cy="0"/>
-          <a:chOff x="0" y="0"/>
-          <a:chExt cx="0" cy="0"/>
-        </a:xfrm>
-      </p:grpSpPr>
-      <p:sp>
-        <p:nvSpPr>
-          <p:cNvPr id="2" name="Title 1">
-            <a:extLst>
-              <a:ext uri="{FF2B5EF4-FFF2-40B4-BE49-F238E27FC236}">
-                <a16:creationId xmlns:a16="http://schemas.microsoft.com/office/drawing/2014/main" id="{D80B8323-A94D-44D7-9382-8B16D48355A0}"/>
-              </a:ext>
-            </a:extLst>
-          </p:cNvPr>
-          <p:cNvSpPr>
-            <a:spLocks noGrp="1"/>
-          </p:cNvSpPr>
-          <p:nvPr>
-            <p:ph type="title"/>
-          </p:nvPr>
-        </p:nvSpPr>
-        <p:spPr/>
-        <p:txBody>
-          <a:bodyPr/>
-          <a:lstStyle/>
-          <a:p>
-            <a:r>
-              <a:rPr lang="en-US" dirty="0"/>
-              <a:t>Models and metrics</a:t>
-            </a:r>
-          </a:p>
-        </p:txBody>
-      </p:sp>
-      <p:sp>
-        <p:nvSpPr>
-          <p:cNvPr id="3" name="Text Placeholder 2">
-            <a:extLst>
-              <a:ext uri="{FF2B5EF4-FFF2-40B4-BE49-F238E27FC236}">
-                <a16:creationId xmlns:a16="http://schemas.microsoft.com/office/drawing/2014/main" id="{4D96C128-FA21-4A3E-BFCC-F6D349773D10}"/>
-              </a:ext>
-            </a:extLst>
-          </p:cNvPr>
-          <p:cNvSpPr>
-            <a:spLocks noGrp="1"/>
-          </p:cNvSpPr>
-          <p:nvPr>
-            <p:ph type="body" idx="1"/>
-          </p:nvPr>
-        </p:nvSpPr>
-        <p:spPr>
-          <a:xfrm>
-            <a:off x="1146328" y="2024109"/>
-            <a:ext cx="4873474" cy="763479"/>
-          </a:xfrm>
-        </p:spPr>
-        <p:txBody>
-          <a:bodyPr/>
-          <a:lstStyle/>
-          <a:p>
-            <a:r>
-              <a:rPr lang="en-US" dirty="0"/>
-              <a:t>Logistic regression</a:t>
-            </a:r>
-          </a:p>
-        </p:txBody>
-      </p:sp>
-      <p:sp>
-        <p:nvSpPr>
-          <p:cNvPr id="4" name="Content Placeholder 3">
-            <a:extLst>
-              <a:ext uri="{FF2B5EF4-FFF2-40B4-BE49-F238E27FC236}">
-                <a16:creationId xmlns:a16="http://schemas.microsoft.com/office/drawing/2014/main" id="{C2890C4C-1F16-4CA2-8A72-8691EBAEB654}"/>
-              </a:ext>
-            </a:extLst>
-          </p:cNvPr>
-          <p:cNvSpPr>
-            <a:spLocks noGrp="1"/>
-          </p:cNvSpPr>
-          <p:nvPr>
-            <p:ph sz="quarter" idx="13"/>
-          </p:nvPr>
-        </p:nvSpPr>
-        <p:spPr/>
-        <p:txBody>
-          <a:bodyPr>
-            <a:normAutofit lnSpcReduction="10000"/>
-          </a:bodyPr>
-          <a:lstStyle/>
-          <a:p>
-            <a:r>
-              <a:rPr lang="en-US" dirty="0"/>
-              <a:t>Accuracy   –  0.94 </a:t>
-            </a:r>
-          </a:p>
-          <a:p>
-            <a:r>
-              <a:rPr lang="en-US" dirty="0"/>
-              <a:t>F1 score     – </a:t>
-            </a:r>
-          </a:p>
-          <a:p>
-            <a:r>
-              <a:rPr lang="en-US" dirty="0"/>
-              <a:t>Precision    – </a:t>
-            </a:r>
-          </a:p>
-          <a:p>
-            <a:r>
-              <a:rPr lang="en-US" dirty="0"/>
-              <a:t>Recall          –</a:t>
-            </a:r>
-          </a:p>
-          <a:p>
-            <a:r>
-              <a:rPr lang="en-US" dirty="0"/>
-              <a:t>Sensitivity    - 1.00</a:t>
-            </a:r>
-          </a:p>
-          <a:p>
-            <a:r>
-              <a:rPr lang="en-US" dirty="0"/>
-              <a:t>Specificity    -0.00</a:t>
-            </a:r>
-          </a:p>
-          <a:p>
-            <a:endParaRPr lang="en-US" dirty="0"/>
-          </a:p>
-        </p:txBody>
-      </p:sp>
-      <p:sp>
-        <p:nvSpPr>
-          <p:cNvPr id="5" name="Text Placeholder 4">
-            <a:extLst>
-              <a:ext uri="{FF2B5EF4-FFF2-40B4-BE49-F238E27FC236}">
-                <a16:creationId xmlns:a16="http://schemas.microsoft.com/office/drawing/2014/main" id="{EE1976D3-042E-41A7-9EB9-70E9D26B0548}"/>
-              </a:ext>
-            </a:extLst>
-          </p:cNvPr>
-          <p:cNvSpPr>
-            <a:spLocks noGrp="1"/>
-          </p:cNvSpPr>
-          <p:nvPr>
-            <p:ph type="body" sz="quarter" idx="3"/>
-          </p:nvPr>
-        </p:nvSpPr>
-        <p:spPr/>
-        <p:txBody>
-          <a:bodyPr/>
-          <a:lstStyle/>
-          <a:p>
-            <a:endParaRPr lang="en-US"/>
-          </a:p>
-        </p:txBody>
-      </p:sp>
-      <p:sp>
-        <p:nvSpPr>
-          <p:cNvPr id="6" name="Content Placeholder 5">
-            <a:extLst>
-              <a:ext uri="{FF2B5EF4-FFF2-40B4-BE49-F238E27FC236}">
-                <a16:creationId xmlns:a16="http://schemas.microsoft.com/office/drawing/2014/main" id="{D1DD77DE-5419-43D9-B961-F75BE1F6E340}"/>
-              </a:ext>
-            </a:extLst>
-          </p:cNvPr>
-          <p:cNvSpPr>
-            <a:spLocks noGrp="1"/>
-          </p:cNvSpPr>
-          <p:nvPr>
-            <p:ph sz="quarter" idx="14"/>
-          </p:nvPr>
-        </p:nvSpPr>
-        <p:spPr/>
-        <p:txBody>
-          <a:bodyPr/>
-          <a:lstStyle/>
-          <a:p>
-            <a:endParaRPr lang="en-US"/>
-          </a:p>
-        </p:txBody>
-      </p:sp>
-    </p:spTree>
-    <p:extLst>
-      <p:ext uri="{BB962C8B-B14F-4D97-AF65-F5344CB8AC3E}">
-        <p14:creationId xmlns:p14="http://schemas.microsoft.com/office/powerpoint/2010/main" val="1175157030"/>
+        <p14:creationId xmlns:p14="http://schemas.microsoft.com/office/powerpoint/2010/main" val="388279846"/>
       </p:ext>
     </p:extLst>
   </p:cSld>
@@ -7261,7 +6770,7 @@
           <p:cNvPr id="2" name="Title 1">
             <a:extLst>
               <a:ext uri="{FF2B5EF4-FFF2-40B4-BE49-F238E27FC236}">
-                <a16:creationId xmlns:a16="http://schemas.microsoft.com/office/drawing/2014/main" id="{DEE266BD-3782-4B7F-990A-A24004111E89}"/>
+                <a16:creationId xmlns:a16="http://schemas.microsoft.com/office/drawing/2014/main" id="{0503AAEB-42EE-4D93-B415-1BDB5BD368C1}"/>
               </a:ext>
             </a:extLst>
           </p:cNvPr>
@@ -7279,7 +6788,7 @@
           <a:p>
             <a:r>
               <a:rPr lang="en-US" dirty="0"/>
-              <a:t>Attributes of the Dataset</a:t>
+              <a:t>  dataset objective</a:t>
             </a:r>
           </a:p>
         </p:txBody>
@@ -7289,7 +6798,7 @@
           <p:cNvPr id="3" name="Content Placeholder 2">
             <a:extLst>
               <a:ext uri="{FF2B5EF4-FFF2-40B4-BE49-F238E27FC236}">
-                <a16:creationId xmlns:a16="http://schemas.microsoft.com/office/drawing/2014/main" id="{5C85FC12-A088-4AA8-B622-1AD53A134007}"/>
+                <a16:creationId xmlns:a16="http://schemas.microsoft.com/office/drawing/2014/main" id="{8593799A-E4FD-47BF-BC3C-78187D07974E}"/>
               </a:ext>
             </a:extLst>
           </p:cNvPr>
@@ -7300,182 +6809,88 @@
             <p:ph sz="quarter" idx="13"/>
           </p:nvPr>
         </p:nvSpPr>
-        <p:spPr>
-          <a:xfrm>
-            <a:off x="913774" y="2139518"/>
-            <a:ext cx="4448339" cy="4003830"/>
-          </a:xfrm>
-        </p:spPr>
-        <p:txBody>
-          <a:bodyPr>
-            <a:normAutofit fontScale="92500" lnSpcReduction="10000"/>
-          </a:bodyPr>
-          <a:lstStyle/>
-          <a:p>
-            <a:r>
-              <a:rPr lang="en-US" dirty="0"/>
-              <a:t>JOB-ID                                                                     </a:t>
-            </a:r>
-          </a:p>
-          <a:p>
-            <a:r>
-              <a:rPr lang="en-US" dirty="0"/>
-              <a:t>TITLE                                                                         </a:t>
-            </a:r>
-          </a:p>
-          <a:p>
-            <a:r>
-              <a:rPr lang="en-US" dirty="0"/>
-              <a:t>LOCATION                                                                 </a:t>
-            </a:r>
-          </a:p>
-          <a:p>
-            <a:r>
-              <a:rPr lang="en-US" dirty="0"/>
-              <a:t>DEPARTMENT                                                              </a:t>
-            </a:r>
-          </a:p>
-          <a:p>
-            <a:r>
-              <a:rPr lang="en-US" dirty="0"/>
-              <a:t>SALARY-RANGE                                                         </a:t>
-            </a:r>
-          </a:p>
-          <a:p>
-            <a:r>
-              <a:rPr lang="en-US" dirty="0"/>
-              <a:t>COMPANY-PROFILE                                                    </a:t>
-            </a:r>
-          </a:p>
-          <a:p>
-            <a:r>
-              <a:rPr lang="en-US" dirty="0"/>
-              <a:t>DESCRIPTION                                                             </a:t>
-            </a:r>
-          </a:p>
-          <a:p>
-            <a:r>
-              <a:rPr lang="en-US" dirty="0"/>
-              <a:t>REQUIREMENTS                                                         </a:t>
-            </a:r>
-          </a:p>
-          <a:p>
-            <a:r>
-              <a:rPr lang="en-US" dirty="0"/>
-              <a:t> BENEFITS                                                                 </a:t>
-            </a:r>
-          </a:p>
-        </p:txBody>
-      </p:sp>
-      <p:sp>
-        <p:nvSpPr>
-          <p:cNvPr id="4" name="Content Placeholder 3">
+        <p:spPr/>
+        <p:txBody>
+          <a:bodyPr/>
+          <a:lstStyle/>
+          <a:p>
+            <a:r>
+              <a:rPr lang="en-US" dirty="0"/>
+              <a:t>Online recruitment fraud</a:t>
+            </a:r>
+          </a:p>
+          <a:p>
+            <a:r>
+              <a:rPr lang="en-US" dirty="0"/>
+              <a:t>More traffic in the job market because of </a:t>
+            </a:r>
+            <a:r>
+              <a:rPr lang="en-US" dirty="0" err="1"/>
+              <a:t>covid</a:t>
+            </a:r>
+            <a:endParaRPr lang="en-US" dirty="0"/>
+          </a:p>
+          <a:p>
+            <a:r>
+              <a:rPr lang="en-US" dirty="0"/>
+              <a:t>Not only helps job seekers but also companies </a:t>
+            </a:r>
+          </a:p>
+        </p:txBody>
+      </p:sp>
+      <p:pic>
+        <p:nvPicPr>
+          <p:cNvPr id="1026" name="Picture 2" descr="Are Employers Required to Post Job Openings? - HR Daily Advisor">
             <a:extLst>
               <a:ext uri="{FF2B5EF4-FFF2-40B4-BE49-F238E27FC236}">
-                <a16:creationId xmlns:a16="http://schemas.microsoft.com/office/drawing/2014/main" id="{542E6B94-3D98-4CA9-92F6-8543EBF0EF24}"/>
+                <a16:creationId xmlns:a16="http://schemas.microsoft.com/office/drawing/2014/main" id="{19068998-7533-47CC-81FC-C640C705E6DF}"/>
               </a:ext>
             </a:extLst>
           </p:cNvPr>
-          <p:cNvSpPr>
-            <a:spLocks noGrp="1"/>
-          </p:cNvSpPr>
+          <p:cNvPicPr>
+            <a:picLocks noGrp="1" noChangeAspect="1" noChangeArrowheads="1"/>
+          </p:cNvPicPr>
           <p:nvPr>
             <p:ph sz="quarter" idx="14"/>
           </p:nvPr>
-        </p:nvSpPr>
-        <p:spPr>
-          <a:xfrm>
-            <a:off x="5868140" y="2139518"/>
-            <a:ext cx="5409460" cy="4003830"/>
-          </a:xfrm>
-        </p:spPr>
-        <p:txBody>
-          <a:bodyPr>
-            <a:normAutofit fontScale="92500" lnSpcReduction="10000"/>
-          </a:bodyPr>
-          <a:lstStyle/>
-          <a:p>
-            <a:r>
-              <a:rPr lang="en-US" dirty="0" err="1"/>
-              <a:t>TELECOMMuTING</a:t>
-            </a:r>
-            <a:endParaRPr lang="en-US" dirty="0"/>
-          </a:p>
-          <a:p>
-            <a:r>
-              <a:rPr lang="en-US" dirty="0"/>
-              <a:t>HAS-COMPANY-LOGO</a:t>
-            </a:r>
-          </a:p>
-          <a:p>
-            <a:r>
-              <a:rPr lang="en-US" dirty="0"/>
-              <a:t>HAS-QUESTIONS</a:t>
-            </a:r>
-          </a:p>
-          <a:p>
-            <a:r>
-              <a:rPr lang="en-US" dirty="0"/>
-              <a:t>EMPLOYMENT-TYPE</a:t>
-            </a:r>
-          </a:p>
-          <a:p>
-            <a:r>
-              <a:rPr lang="en-US" dirty="0"/>
-              <a:t>REQUIRED-EXPERIENCE</a:t>
-            </a:r>
-          </a:p>
-          <a:p>
-            <a:r>
-              <a:rPr lang="en-US" dirty="0"/>
-              <a:t>REQUIRED-EDUCATION</a:t>
-            </a:r>
-          </a:p>
-          <a:p>
-            <a:r>
-              <a:rPr lang="en-US" dirty="0"/>
-              <a:t>INDUSTRY</a:t>
-            </a:r>
-          </a:p>
-          <a:p>
-            <a:r>
-              <a:rPr lang="en-US" dirty="0"/>
-              <a:t>FUNCTION</a:t>
-            </a:r>
-          </a:p>
-          <a:p>
-            <a:r>
-              <a:rPr lang="en-US" dirty="0"/>
-              <a:t>FRAUDULENT</a:t>
-            </a:r>
-          </a:p>
-          <a:p>
-            <a:endParaRPr lang="en-US" dirty="0"/>
-          </a:p>
-          <a:p>
-            <a:endParaRPr lang="en-US" dirty="0"/>
-          </a:p>
-          <a:p>
-            <a:endParaRPr lang="en-US" dirty="0"/>
-          </a:p>
-          <a:p>
-            <a:endParaRPr lang="en-US" dirty="0"/>
-          </a:p>
-          <a:p>
-            <a:endParaRPr lang="en-US" dirty="0"/>
-          </a:p>
-          <a:p>
-            <a:endParaRPr lang="en-US" dirty="0"/>
-          </a:p>
-          <a:p>
-            <a:endParaRPr lang="en-US" dirty="0"/>
-          </a:p>
-        </p:txBody>
-      </p:sp>
+        </p:nvPicPr>
+        <p:blipFill>
+          <a:blip r:embed="rId2">
+            <a:extLst>
+              <a:ext uri="{28A0092B-C50C-407E-A947-70E740481C1C}">
+                <a14:useLocalDpi xmlns:a14="http://schemas.microsoft.com/office/drawing/2010/main" val="0"/>
+              </a:ext>
+            </a:extLst>
+          </a:blip>
+          <a:srcRect/>
+          <a:stretch>
+            <a:fillRect/>
+          </a:stretch>
+        </p:blipFill>
+        <p:spPr bwMode="auto">
+          <a:xfrm>
+            <a:off x="6172200" y="2380288"/>
+            <a:ext cx="5105400" cy="3397586"/>
+          </a:xfrm>
+          <a:prstGeom prst="rect">
+            <a:avLst/>
+          </a:prstGeom>
+          <a:noFill/>
+          <a:extLst>
+            <a:ext uri="{909E8E84-426E-40DD-AFC4-6F175D3DCCD1}">
+              <a14:hiddenFill xmlns:a14="http://schemas.microsoft.com/office/drawing/2010/main">
+                <a:solidFill>
+                  <a:srgbClr val="FFFFFF"/>
+                </a:solidFill>
+              </a14:hiddenFill>
+            </a:ext>
+          </a:extLst>
+        </p:spPr>
+      </p:pic>
     </p:spTree>
     <p:extLst>
       <p:ext uri="{BB962C8B-B14F-4D97-AF65-F5344CB8AC3E}">
-        <p14:creationId xmlns:p14="http://schemas.microsoft.com/office/powerpoint/2010/main" val="113368331"/>
+        <p14:creationId xmlns:p14="http://schemas.microsoft.com/office/powerpoint/2010/main" val="2200640131"/>
       </p:ext>
     </p:extLst>
   </p:cSld>
@@ -7507,7 +6922,7 @@
           <p:cNvPr id="2" name="Title 1">
             <a:extLst>
               <a:ext uri="{FF2B5EF4-FFF2-40B4-BE49-F238E27FC236}">
-                <a16:creationId xmlns:a16="http://schemas.microsoft.com/office/drawing/2014/main" id="{39DE830E-E2C3-4278-9F0E-3B46AD0E7A1B}"/>
+                <a16:creationId xmlns:a16="http://schemas.microsoft.com/office/drawing/2014/main" id="{DEE266BD-3782-4B7F-990A-A24004111E89}"/>
               </a:ext>
             </a:extLst>
           </p:cNvPr>
@@ -7525,7 +6940,7 @@
           <a:p>
             <a:r>
               <a:rPr lang="en-US" dirty="0"/>
-              <a:t>Preliminary analysis</a:t>
+              <a:t>Attributes of the Dataset</a:t>
             </a:r>
           </a:p>
         </p:txBody>
@@ -7535,7 +6950,7 @@
           <p:cNvPr id="3" name="Content Placeholder 2">
             <a:extLst>
               <a:ext uri="{FF2B5EF4-FFF2-40B4-BE49-F238E27FC236}">
-                <a16:creationId xmlns:a16="http://schemas.microsoft.com/office/drawing/2014/main" id="{AA8A9778-8A76-45C3-9497-4B2E44B42CF5}"/>
+                <a16:creationId xmlns:a16="http://schemas.microsoft.com/office/drawing/2014/main" id="{5C85FC12-A088-4AA8-B622-1AD53A134007}"/>
               </a:ext>
             </a:extLst>
           </p:cNvPr>
@@ -7546,50 +6961,172 @@
             <p:ph sz="quarter" idx="13"/>
           </p:nvPr>
         </p:nvSpPr>
-        <p:spPr/>
-        <p:txBody>
-          <a:bodyPr/>
-          <a:lstStyle/>
-          <a:p>
-            <a:r>
-              <a:rPr lang="en-US" dirty="0"/>
-              <a:t>17880 records with 18 attributes</a:t>
-            </a:r>
-          </a:p>
-          <a:p>
-            <a:r>
-              <a:rPr lang="en-US" dirty="0"/>
-              <a:t>Location of records spread across the world including us and </a:t>
-            </a:r>
+        <p:spPr>
+          <a:xfrm>
+            <a:off x="913774" y="2139518"/>
+            <a:ext cx="4448339" cy="4003830"/>
+          </a:xfrm>
+        </p:spPr>
+        <p:txBody>
+          <a:bodyPr>
+            <a:normAutofit fontScale="92500" lnSpcReduction="10000"/>
+          </a:bodyPr>
+          <a:lstStyle/>
+          <a:p>
+            <a:r>
+              <a:rPr lang="en-US" dirty="0"/>
+              <a:t>JOB-ID                                                                     </a:t>
+            </a:r>
+          </a:p>
+          <a:p>
+            <a:r>
+              <a:rPr lang="en-US" dirty="0"/>
+              <a:t>TITLE                                                                         </a:t>
+            </a:r>
+          </a:p>
+          <a:p>
+            <a:r>
+              <a:rPr lang="en-US" dirty="0"/>
+              <a:t>LOCATION                                                                 </a:t>
+            </a:r>
+          </a:p>
+          <a:p>
+            <a:r>
+              <a:rPr lang="en-US" dirty="0"/>
+              <a:t>DEPARTMENT                                                              </a:t>
+            </a:r>
+          </a:p>
+          <a:p>
+            <a:r>
+              <a:rPr lang="en-US" dirty="0"/>
+              <a:t>SALARY-RANGE                                                         </a:t>
+            </a:r>
+          </a:p>
+          <a:p>
+            <a:r>
+              <a:rPr lang="en-US" dirty="0"/>
+              <a:t>COMPANY-PROFILE                                                    </a:t>
+            </a:r>
+          </a:p>
+          <a:p>
+            <a:r>
+              <a:rPr lang="en-US" dirty="0"/>
+              <a:t>DESCRIPTION                                                             </a:t>
+            </a:r>
+          </a:p>
+          <a:p>
+            <a:r>
+              <a:rPr lang="en-US" dirty="0"/>
+              <a:t>REQUIREMENTS                                                         </a:t>
+            </a:r>
+          </a:p>
+          <a:p>
+            <a:r>
+              <a:rPr lang="en-US" dirty="0"/>
+              <a:t> BENEFITS                                                                 </a:t>
+            </a:r>
+          </a:p>
+        </p:txBody>
+      </p:sp>
+      <p:sp>
+        <p:nvSpPr>
+          <p:cNvPr id="4" name="Content Placeholder 3">
+            <a:extLst>
+              <a:ext uri="{FF2B5EF4-FFF2-40B4-BE49-F238E27FC236}">
+                <a16:creationId xmlns:a16="http://schemas.microsoft.com/office/drawing/2014/main" id="{542E6B94-3D98-4CA9-92F6-8543EBF0EF24}"/>
+              </a:ext>
+            </a:extLst>
+          </p:cNvPr>
+          <p:cNvSpPr>
+            <a:spLocks noGrp="1"/>
+          </p:cNvSpPr>
+          <p:nvPr>
+            <p:ph sz="quarter" idx="14"/>
+          </p:nvPr>
+        </p:nvSpPr>
+        <p:spPr>
+          <a:xfrm>
+            <a:off x="5868140" y="2139518"/>
+            <a:ext cx="5409460" cy="4003830"/>
+          </a:xfrm>
+        </p:spPr>
+        <p:txBody>
+          <a:bodyPr>
+            <a:normAutofit fontScale="92500" lnSpcReduction="10000"/>
+          </a:bodyPr>
+          <a:lstStyle/>
+          <a:p>
             <a:r>
               <a:rPr lang="en-US" dirty="0" err="1"/>
-              <a:t>nz</a:t>
-            </a:r>
-            <a:endParaRPr lang="en-US" dirty="0"/>
-          </a:p>
-          <a:p>
-            <a:r>
-              <a:rPr lang="en-US" dirty="0"/>
-              <a:t>Target attribute – fraudulent</a:t>
-            </a:r>
-          </a:p>
-          <a:p>
-            <a:r>
-              <a:rPr lang="en-US" dirty="0"/>
-              <a:t>More missing values in salary-range and department</a:t>
-            </a:r>
-          </a:p>
-          <a:p>
-            <a:r>
-              <a:rPr lang="en-US" dirty="0"/>
-              <a:t>No missing values in the target variable</a:t>
-            </a:r>
-          </a:p>
-          <a:p>
-            <a:r>
-              <a:rPr lang="en-US" dirty="0"/>
-              <a:t>Data types of the records are integers and objects</a:t>
-            </a:r>
+              <a:t>TELECOMMuTING</a:t>
+            </a:r>
+            <a:endParaRPr lang="en-US" dirty="0"/>
+          </a:p>
+          <a:p>
+            <a:r>
+              <a:rPr lang="en-US" dirty="0"/>
+              <a:t>HAS-COMPANY-LOGO</a:t>
+            </a:r>
+          </a:p>
+          <a:p>
+            <a:r>
+              <a:rPr lang="en-US" dirty="0"/>
+              <a:t>HAS-QUESTIONS</a:t>
+            </a:r>
+          </a:p>
+          <a:p>
+            <a:r>
+              <a:rPr lang="en-US" dirty="0"/>
+              <a:t>EMPLOYMENT-TYPE</a:t>
+            </a:r>
+          </a:p>
+          <a:p>
+            <a:r>
+              <a:rPr lang="en-US" dirty="0"/>
+              <a:t>REQUIRED-EXPERIENCE</a:t>
+            </a:r>
+          </a:p>
+          <a:p>
+            <a:r>
+              <a:rPr lang="en-US" dirty="0"/>
+              <a:t>REQUIRED-EDUCATION</a:t>
+            </a:r>
+          </a:p>
+          <a:p>
+            <a:r>
+              <a:rPr lang="en-US" dirty="0"/>
+              <a:t>INDUSTRY</a:t>
+            </a:r>
+          </a:p>
+          <a:p>
+            <a:r>
+              <a:rPr lang="en-US" dirty="0"/>
+              <a:t>FUNCTION</a:t>
+            </a:r>
+          </a:p>
+          <a:p>
+            <a:r>
+              <a:rPr lang="en-US" dirty="0"/>
+              <a:t>FRAUDULENT</a:t>
+            </a:r>
+          </a:p>
+          <a:p>
+            <a:endParaRPr lang="en-US" dirty="0"/>
+          </a:p>
+          <a:p>
+            <a:endParaRPr lang="en-US" dirty="0"/>
+          </a:p>
+          <a:p>
+            <a:endParaRPr lang="en-US" dirty="0"/>
+          </a:p>
+          <a:p>
+            <a:endParaRPr lang="en-US" dirty="0"/>
+          </a:p>
+          <a:p>
+            <a:endParaRPr lang="en-US" dirty="0"/>
+          </a:p>
+          <a:p>
+            <a:endParaRPr lang="en-US" dirty="0"/>
           </a:p>
           <a:p>
             <a:endParaRPr lang="en-US" dirty="0"/>
@@ -7599,7 +7136,7 @@
     </p:spTree>
     <p:extLst>
       <p:ext uri="{BB962C8B-B14F-4D97-AF65-F5344CB8AC3E}">
-        <p14:creationId xmlns:p14="http://schemas.microsoft.com/office/powerpoint/2010/main" val="3378125380"/>
+        <p14:creationId xmlns:p14="http://schemas.microsoft.com/office/powerpoint/2010/main" val="113368331"/>
       </p:ext>
     </p:extLst>
   </p:cSld>
@@ -7631,7 +7168,7 @@
           <p:cNvPr id="2" name="Title 1">
             <a:extLst>
               <a:ext uri="{FF2B5EF4-FFF2-40B4-BE49-F238E27FC236}">
-                <a16:creationId xmlns:a16="http://schemas.microsoft.com/office/drawing/2014/main" id="{849A27B7-650C-44FE-86A0-E42D6706C3BE}"/>
+                <a16:creationId xmlns:a16="http://schemas.microsoft.com/office/drawing/2014/main" id="{39DE830E-E2C3-4278-9F0E-3B46AD0E7A1B}"/>
               </a:ext>
             </a:extLst>
           </p:cNvPr>
@@ -7649,7 +7186,7 @@
           <a:p>
             <a:r>
               <a:rPr lang="en-US" dirty="0"/>
-              <a:t>Interested attributes</a:t>
+              <a:t>Preliminary analysis</a:t>
             </a:r>
           </a:p>
         </p:txBody>
@@ -7659,7 +7196,7 @@
           <p:cNvPr id="3" name="Content Placeholder 2">
             <a:extLst>
               <a:ext uri="{FF2B5EF4-FFF2-40B4-BE49-F238E27FC236}">
-                <a16:creationId xmlns:a16="http://schemas.microsoft.com/office/drawing/2014/main" id="{7BD7826E-42C4-44DF-885D-E2FD14D2611D}"/>
+                <a16:creationId xmlns:a16="http://schemas.microsoft.com/office/drawing/2014/main" id="{AA8A9778-8A76-45C3-9497-4B2E44B42CF5}"/>
               </a:ext>
             </a:extLst>
           </p:cNvPr>
@@ -7677,45 +7214,53 @@
           <a:p>
             <a:r>
               <a:rPr lang="en-US" dirty="0"/>
-              <a:t>Employment-type</a:t>
-            </a:r>
-          </a:p>
-          <a:p>
-            <a:r>
-              <a:rPr lang="en-US" dirty="0"/>
-              <a:t>Required-education</a:t>
-            </a:r>
-          </a:p>
-          <a:p>
-            <a:r>
-              <a:rPr lang="en-US" dirty="0"/>
-              <a:t>Required-experience</a:t>
-            </a:r>
-          </a:p>
-          <a:p>
-            <a:r>
-              <a:rPr lang="en-US" dirty="0"/>
-              <a:t>Has-company-logo</a:t>
-            </a:r>
-          </a:p>
-          <a:p>
-            <a:r>
-              <a:rPr lang="en-US" dirty="0"/>
-              <a:t>Fraudulent</a:t>
-            </a:r>
-          </a:p>
-          <a:p>
-            <a:r>
-              <a:rPr lang="en-US" dirty="0"/>
-              <a:t>location – to select data only from united states</a:t>
-            </a:r>
+              <a:t>17880 records with 18 attributes</a:t>
+            </a:r>
+          </a:p>
+          <a:p>
+            <a:r>
+              <a:rPr lang="en-US" dirty="0"/>
+              <a:t>Location of records spread across the world including us and </a:t>
+            </a:r>
+            <a:r>
+              <a:rPr lang="en-US" dirty="0" err="1"/>
+              <a:t>nz</a:t>
+            </a:r>
+            <a:endParaRPr lang="en-US" dirty="0"/>
+          </a:p>
+          <a:p>
+            <a:r>
+              <a:rPr lang="en-US" dirty="0"/>
+              <a:t>Target attribute – fraudulent</a:t>
+            </a:r>
+          </a:p>
+          <a:p>
+            <a:r>
+              <a:rPr lang="en-US" dirty="0"/>
+              <a:t>More missing values in salary-range and department</a:t>
+            </a:r>
+          </a:p>
+          <a:p>
+            <a:r>
+              <a:rPr lang="en-US" dirty="0"/>
+              <a:t>No missing values in the target variable</a:t>
+            </a:r>
+          </a:p>
+          <a:p>
+            <a:r>
+              <a:rPr lang="en-US" dirty="0"/>
+              <a:t>Data types of the records are integers and objects</a:t>
+            </a:r>
+          </a:p>
+          <a:p>
+            <a:endParaRPr lang="en-US" dirty="0"/>
           </a:p>
         </p:txBody>
       </p:sp>
     </p:spTree>
     <p:extLst>
       <p:ext uri="{BB962C8B-B14F-4D97-AF65-F5344CB8AC3E}">
-        <p14:creationId xmlns:p14="http://schemas.microsoft.com/office/powerpoint/2010/main" val="2276361983"/>
+        <p14:creationId xmlns:p14="http://schemas.microsoft.com/office/powerpoint/2010/main" val="3378125380"/>
       </p:ext>
     </p:extLst>
   </p:cSld>
@@ -7747,7 +7292,7 @@
           <p:cNvPr id="2" name="Title 1">
             <a:extLst>
               <a:ext uri="{FF2B5EF4-FFF2-40B4-BE49-F238E27FC236}">
-                <a16:creationId xmlns:a16="http://schemas.microsoft.com/office/drawing/2014/main" id="{37C5577F-C58C-407B-B0CE-8818A029A070}"/>
+                <a16:creationId xmlns:a16="http://schemas.microsoft.com/office/drawing/2014/main" id="{849A27B7-650C-44FE-86A0-E42D6706C3BE}"/>
               </a:ext>
             </a:extLst>
           </p:cNvPr>
@@ -7765,7 +7310,7 @@
           <a:p>
             <a:r>
               <a:rPr lang="en-US" dirty="0"/>
-              <a:t>Data pre-processing</a:t>
+              <a:t>Interested attributes</a:t>
             </a:r>
           </a:p>
         </p:txBody>
@@ -7775,7 +7320,7 @@
           <p:cNvPr id="3" name="Content Placeholder 2">
             <a:extLst>
               <a:ext uri="{FF2B5EF4-FFF2-40B4-BE49-F238E27FC236}">
-                <a16:creationId xmlns:a16="http://schemas.microsoft.com/office/drawing/2014/main" id="{52D5CF02-FF2F-4723-989C-D273EDE04151}"/>
+                <a16:creationId xmlns:a16="http://schemas.microsoft.com/office/drawing/2014/main" id="{7BD7826E-42C4-44DF-885D-E2FD14D2611D}"/>
               </a:ext>
             </a:extLst>
           </p:cNvPr>
@@ -7786,68 +7331,52 @@
             <p:ph sz="quarter" idx="13"/>
           </p:nvPr>
         </p:nvSpPr>
-        <p:spPr>
-          <a:xfrm>
-            <a:off x="913774" y="2015232"/>
-            <a:ext cx="10363826" cy="3775968"/>
-          </a:xfrm>
-        </p:spPr>
-        <p:txBody>
-          <a:bodyPr/>
-          <a:lstStyle/>
-          <a:p>
-            <a:r>
-              <a:rPr lang="en-US" dirty="0"/>
-              <a:t>Replace nan to “   “ to specify they are missing values</a:t>
-            </a:r>
-          </a:p>
-          <a:p>
-            <a:r>
-              <a:rPr lang="en-US" dirty="0"/>
-              <a:t>From the location attribute separate country, state and city</a:t>
-            </a:r>
-          </a:p>
-          <a:p>
-            <a:r>
-              <a:rPr lang="en-US" dirty="0"/>
-              <a:t>Separate the united states data from the dataset </a:t>
-            </a:r>
-          </a:p>
-          <a:p>
-            <a:r>
-              <a:rPr lang="en-US" dirty="0"/>
-              <a:t>10593 records in the us dataset</a:t>
-            </a:r>
-          </a:p>
-          <a:p>
-            <a:r>
-              <a:rPr lang="en-US" dirty="0"/>
-              <a:t>Replaced missing values with the mode of the attributes</a:t>
-            </a:r>
-          </a:p>
-          <a:p>
-            <a:r>
-              <a:rPr lang="en-US" dirty="0"/>
-              <a:t>Converting the categorical variables to numeric with </a:t>
-            </a:r>
-            <a:r>
-              <a:rPr lang="en-US" dirty="0" err="1"/>
-              <a:t>cat.code</a:t>
-            </a:r>
-            <a:endParaRPr lang="en-US" dirty="0"/>
-          </a:p>
-          <a:p>
-            <a:endParaRPr lang="en-US" dirty="0"/>
-          </a:p>
-          <a:p>
-            <a:endParaRPr lang="en-US" dirty="0"/>
+        <p:spPr/>
+        <p:txBody>
+          <a:bodyPr/>
+          <a:lstStyle/>
+          <a:p>
+            <a:r>
+              <a:rPr lang="en-US" dirty="0"/>
+              <a:t>Employment-type</a:t>
+            </a:r>
+          </a:p>
+          <a:p>
+            <a:r>
+              <a:rPr lang="en-US" dirty="0"/>
+              <a:t>Required-education</a:t>
+            </a:r>
+          </a:p>
+          <a:p>
+            <a:r>
+              <a:rPr lang="en-US" dirty="0"/>
+              <a:t>Required-experience</a:t>
+            </a:r>
+          </a:p>
+          <a:p>
+            <a:r>
+              <a:rPr lang="en-US" dirty="0"/>
+              <a:t>Has-company-logo</a:t>
+            </a:r>
+          </a:p>
+          <a:p>
+            <a:r>
+              <a:rPr lang="en-US" dirty="0"/>
+              <a:t>Fraudulent</a:t>
+            </a:r>
+          </a:p>
+          <a:p>
+            <a:r>
+              <a:rPr lang="en-US" dirty="0"/>
+              <a:t>location – to select data only from united states</a:t>
+            </a:r>
           </a:p>
         </p:txBody>
       </p:sp>
     </p:spTree>
     <p:extLst>
       <p:ext uri="{BB962C8B-B14F-4D97-AF65-F5344CB8AC3E}">
-        <p14:creationId xmlns:p14="http://schemas.microsoft.com/office/powerpoint/2010/main" val="3238387152"/>
+        <p14:creationId xmlns:p14="http://schemas.microsoft.com/office/powerpoint/2010/main" val="2276361983"/>
       </p:ext>
     </p:extLst>
   </p:cSld>
@@ -7879,7 +7408,7 @@
           <p:cNvPr id="2" name="Title 1">
             <a:extLst>
               <a:ext uri="{FF2B5EF4-FFF2-40B4-BE49-F238E27FC236}">
-                <a16:creationId xmlns:a16="http://schemas.microsoft.com/office/drawing/2014/main" id="{7047F360-A800-4B9C-805A-F1D5E17D8AF2}"/>
+                <a16:creationId xmlns:a16="http://schemas.microsoft.com/office/drawing/2014/main" id="{37C5577F-C58C-407B-B0CE-8818A029A070}"/>
               </a:ext>
             </a:extLst>
           </p:cNvPr>
@@ -7897,7 +7426,7 @@
           <a:p>
             <a:r>
               <a:rPr lang="en-US" dirty="0"/>
-              <a:t>Missing values</a:t>
+              <a:t>Data pre-processing</a:t>
             </a:r>
           </a:p>
         </p:txBody>
@@ -7907,7 +7436,7 @@
           <p:cNvPr id="3" name="Content Placeholder 2">
             <a:extLst>
               <a:ext uri="{FF2B5EF4-FFF2-40B4-BE49-F238E27FC236}">
-                <a16:creationId xmlns:a16="http://schemas.microsoft.com/office/drawing/2014/main" id="{B20EC234-9AFC-4CE6-93A5-E290CEA90F11}"/>
+                <a16:creationId xmlns:a16="http://schemas.microsoft.com/office/drawing/2014/main" id="{52D5CF02-FF2F-4723-989C-D273EDE04151}"/>
               </a:ext>
             </a:extLst>
           </p:cNvPr>
@@ -7918,49 +7447,60 @@
             <p:ph sz="quarter" idx="13"/>
           </p:nvPr>
         </p:nvSpPr>
-        <p:spPr/>
-        <p:txBody>
-          <a:bodyPr/>
-          <a:lstStyle/>
-          <a:p>
-            <a:r>
-              <a:rPr lang="en-US" dirty="0"/>
-              <a:t>Replaced missing values with the modes of those attributes</a:t>
-            </a:r>
-          </a:p>
-          <a:p>
-            <a:pPr lvl="1"/>
-            <a:r>
-              <a:rPr lang="en-US" dirty="0"/>
-              <a:t>Missing data in employment type with other</a:t>
-            </a:r>
-          </a:p>
-          <a:p>
-            <a:pPr lvl="1"/>
-            <a:r>
-              <a:rPr lang="en-US" dirty="0"/>
-              <a:t>Missing data in required-experience with not-applicable</a:t>
-            </a:r>
-          </a:p>
-          <a:p>
-            <a:pPr lvl="1"/>
-            <a:r>
-              <a:rPr lang="en-US" dirty="0"/>
-              <a:t>Missing data in required-education with unspecified</a:t>
-            </a:r>
-          </a:p>
-          <a:p>
-            <a:r>
-              <a:rPr lang="en-US" dirty="0"/>
-              <a:t>Dropped missing values in locations</a:t>
-            </a:r>
-          </a:p>
-          <a:p>
-            <a:pPr lvl="1"/>
-            <a:endParaRPr lang="en-US" dirty="0"/>
-          </a:p>
-          <a:p>
-            <a:pPr lvl="1"/>
+        <p:spPr>
+          <a:xfrm>
+            <a:off x="913774" y="2015232"/>
+            <a:ext cx="10363826" cy="3775968"/>
+          </a:xfrm>
+        </p:spPr>
+        <p:txBody>
+          <a:bodyPr/>
+          <a:lstStyle/>
+          <a:p>
+            <a:r>
+              <a:rPr lang="en-US" dirty="0"/>
+              <a:t>Replace nan to “   “ to specify they are missing values</a:t>
+            </a:r>
+          </a:p>
+          <a:p>
+            <a:r>
+              <a:rPr lang="en-US" dirty="0"/>
+              <a:t>From the location attribute separate country, state and city</a:t>
+            </a:r>
+          </a:p>
+          <a:p>
+            <a:r>
+              <a:rPr lang="en-US" dirty="0"/>
+              <a:t>Separate the united states data from the dataset </a:t>
+            </a:r>
+          </a:p>
+          <a:p>
+            <a:r>
+              <a:rPr lang="en-US" dirty="0"/>
+              <a:t>10593 records in the us dataset</a:t>
+            </a:r>
+          </a:p>
+          <a:p>
+            <a:r>
+              <a:rPr lang="en-US" dirty="0"/>
+              <a:t>Replaced missing values with the mode of the attributes</a:t>
+            </a:r>
+          </a:p>
+          <a:p>
+            <a:r>
+              <a:rPr lang="en-US" dirty="0"/>
+              <a:t>Converting the categorical variables to numeric with </a:t>
+            </a:r>
+            <a:r>
+              <a:rPr lang="en-US" dirty="0" err="1"/>
+              <a:t>cat.code</a:t>
+            </a:r>
+            <a:endParaRPr lang="en-US" dirty="0"/>
+          </a:p>
+          <a:p>
+            <a:endParaRPr lang="en-US" dirty="0"/>
+          </a:p>
+          <a:p>
             <a:endParaRPr lang="en-US" dirty="0"/>
           </a:p>
         </p:txBody>
@@ -7968,7 +7508,7 @@
     </p:spTree>
     <p:extLst>
       <p:ext uri="{BB962C8B-B14F-4D97-AF65-F5344CB8AC3E}">
-        <p14:creationId xmlns:p14="http://schemas.microsoft.com/office/powerpoint/2010/main" val="4065138355"/>
+        <p14:creationId xmlns:p14="http://schemas.microsoft.com/office/powerpoint/2010/main" val="3238387152"/>
       </p:ext>
     </p:extLst>
   </p:cSld>
@@ -8000,7 +7540,7 @@
           <p:cNvPr id="2" name="Title 1">
             <a:extLst>
               <a:ext uri="{FF2B5EF4-FFF2-40B4-BE49-F238E27FC236}">
-                <a16:creationId xmlns:a16="http://schemas.microsoft.com/office/drawing/2014/main" id="{B03391D8-86BB-4302-A4B9-DE8A2E662226}"/>
+                <a16:creationId xmlns:a16="http://schemas.microsoft.com/office/drawing/2014/main" id="{7047F360-A800-4B9C-805A-F1D5E17D8AF2}"/>
               </a:ext>
             </a:extLst>
           </p:cNvPr>
@@ -8018,7 +7558,7 @@
           <a:p>
             <a:r>
               <a:rPr lang="en-US" dirty="0"/>
-              <a:t>Employment-type</a:t>
+              <a:t>Missing values</a:t>
             </a:r>
           </a:p>
         </p:txBody>
@@ -8028,7 +7568,7 @@
           <p:cNvPr id="3" name="Content Placeholder 2">
             <a:extLst>
               <a:ext uri="{FF2B5EF4-FFF2-40B4-BE49-F238E27FC236}">
-                <a16:creationId xmlns:a16="http://schemas.microsoft.com/office/drawing/2014/main" id="{2330F26D-24A0-45AC-8835-ADDFF22D93E1}"/>
+                <a16:creationId xmlns:a16="http://schemas.microsoft.com/office/drawing/2014/main" id="{B20EC234-9AFC-4CE6-93A5-E290CEA90F11}"/>
               </a:ext>
             </a:extLst>
           </p:cNvPr>
@@ -8046,80 +7586,50 @@
           <a:p>
             <a:r>
               <a:rPr lang="en-US" dirty="0"/>
-              <a:t>Employment-type spreads from full-time to temporary</a:t>
-            </a:r>
-          </a:p>
-          <a:p>
-            <a:endParaRPr lang="en-US" dirty="0"/>
-          </a:p>
-        </p:txBody>
-      </p:sp>
-      <p:pic>
-        <p:nvPicPr>
-          <p:cNvPr id="7" name="Content Placeholder 6">
-            <a:extLst>
-              <a:ext uri="{FF2B5EF4-FFF2-40B4-BE49-F238E27FC236}">
-                <a16:creationId xmlns:a16="http://schemas.microsoft.com/office/drawing/2014/main" id="{D15D1497-497F-4412-A435-0A98CE057DE7}"/>
-              </a:ext>
-            </a:extLst>
-          </p:cNvPr>
-          <p:cNvPicPr>
-            <a:picLocks noGrp="1" noChangeAspect="1"/>
-          </p:cNvPicPr>
-          <p:nvPr>
-            <p:ph sz="quarter" idx="14"/>
-          </p:nvPr>
-        </p:nvPicPr>
-        <p:blipFill>
-          <a:blip r:embed="rId2"/>
-          <a:stretch>
-            <a:fillRect/>
-          </a:stretch>
-        </p:blipFill>
-        <p:spPr>
-          <a:xfrm>
-            <a:off x="6172199" y="2389310"/>
-            <a:ext cx="5317435" cy="3424107"/>
-          </a:xfrm>
-          <a:prstGeom prst="rect">
-            <a:avLst/>
-          </a:prstGeom>
-        </p:spPr>
-      </p:pic>
-      <p:pic>
-        <p:nvPicPr>
-          <p:cNvPr id="9" name="Picture 8">
-            <a:extLst>
-              <a:ext uri="{FF2B5EF4-FFF2-40B4-BE49-F238E27FC236}">
-                <a16:creationId xmlns:a16="http://schemas.microsoft.com/office/drawing/2014/main" id="{C84389F2-CB41-421B-B21E-B62DB5D49DB2}"/>
-              </a:ext>
-            </a:extLst>
-          </p:cNvPr>
-          <p:cNvPicPr>
-            <a:picLocks noChangeAspect="1"/>
-          </p:cNvPicPr>
-          <p:nvPr/>
-        </p:nvPicPr>
-        <p:blipFill>
-          <a:blip r:embed="rId3"/>
-          <a:stretch>
-            <a:fillRect/>
-          </a:stretch>
-        </p:blipFill>
-        <p:spPr>
-          <a:xfrm>
-            <a:off x="1508469" y="3243884"/>
-            <a:ext cx="3182801" cy="2569533"/>
-          </a:xfrm>
-          <a:prstGeom prst="rect">
-            <a:avLst/>
-          </a:prstGeom>
-        </p:spPr>
-      </p:pic>
+              <a:t>Replaced missing values with the modes of those attributes</a:t>
+            </a:r>
+          </a:p>
+          <a:p>
+            <a:pPr lvl="1"/>
+            <a:r>
+              <a:rPr lang="en-US" dirty="0"/>
+              <a:t>Missing data in employment type with other</a:t>
+            </a:r>
+          </a:p>
+          <a:p>
+            <a:pPr lvl="1"/>
+            <a:r>
+              <a:rPr lang="en-US" dirty="0"/>
+              <a:t>Missing data in required-experience with not-applicable</a:t>
+            </a:r>
+          </a:p>
+          <a:p>
+            <a:pPr lvl="1"/>
+            <a:r>
+              <a:rPr lang="en-US" dirty="0"/>
+              <a:t>Missing data in required-education with unspecified</a:t>
+            </a:r>
+          </a:p>
+          <a:p>
+            <a:r>
+              <a:rPr lang="en-US" dirty="0"/>
+              <a:t>Dropped missing values in locations</a:t>
+            </a:r>
+          </a:p>
+          <a:p>
+            <a:pPr lvl="1"/>
+            <a:endParaRPr lang="en-US" dirty="0"/>
+          </a:p>
+          <a:p>
+            <a:pPr lvl="1"/>
+            <a:endParaRPr lang="en-US" dirty="0"/>
+          </a:p>
+        </p:txBody>
+      </p:sp>
     </p:spTree>
     <p:extLst>
       <p:ext uri="{BB962C8B-B14F-4D97-AF65-F5344CB8AC3E}">
-        <p14:creationId xmlns:p14="http://schemas.microsoft.com/office/powerpoint/2010/main" val="2918409995"/>
+        <p14:creationId xmlns:p14="http://schemas.microsoft.com/office/powerpoint/2010/main" val="4065138355"/>
       </p:ext>
     </p:extLst>
   </p:cSld>
@@ -8151,7 +7661,7 @@
           <p:cNvPr id="2" name="Title 1">
             <a:extLst>
               <a:ext uri="{FF2B5EF4-FFF2-40B4-BE49-F238E27FC236}">
-                <a16:creationId xmlns:a16="http://schemas.microsoft.com/office/drawing/2014/main" id="{2E8B028C-9658-4689-BE2F-F6A90021F243}"/>
+                <a16:creationId xmlns:a16="http://schemas.microsoft.com/office/drawing/2014/main" id="{B03391D8-86BB-4302-A4B9-DE8A2E662226}"/>
               </a:ext>
             </a:extLst>
           </p:cNvPr>
@@ -8169,8 +7679,39 @@
           <a:p>
             <a:r>
               <a:rPr lang="en-US" dirty="0"/>
-              <a:t>Required experience</a:t>
-            </a:r>
+              <a:t>Employment-type</a:t>
+            </a:r>
+          </a:p>
+        </p:txBody>
+      </p:sp>
+      <p:sp>
+        <p:nvSpPr>
+          <p:cNvPr id="3" name="Content Placeholder 2">
+            <a:extLst>
+              <a:ext uri="{FF2B5EF4-FFF2-40B4-BE49-F238E27FC236}">
+                <a16:creationId xmlns:a16="http://schemas.microsoft.com/office/drawing/2014/main" id="{2330F26D-24A0-45AC-8835-ADDFF22D93E1}"/>
+              </a:ext>
+            </a:extLst>
+          </p:cNvPr>
+          <p:cNvSpPr>
+            <a:spLocks noGrp="1"/>
+          </p:cNvSpPr>
+          <p:nvPr>
+            <p:ph sz="quarter" idx="13"/>
+          </p:nvPr>
+        </p:nvSpPr>
+        <p:spPr/>
+        <p:txBody>
+          <a:bodyPr/>
+          <a:lstStyle/>
+          <a:p>
+            <a:r>
+              <a:rPr lang="en-US" dirty="0"/>
+              <a:t>Employment-type spreads from full-time to temporary</a:t>
+            </a:r>
+          </a:p>
+          <a:p>
+            <a:endParaRPr lang="en-US" dirty="0"/>
           </a:p>
         </p:txBody>
       </p:sp>
@@ -8179,7 +7720,7 @@
           <p:cNvPr id="7" name="Content Placeholder 6">
             <a:extLst>
               <a:ext uri="{FF2B5EF4-FFF2-40B4-BE49-F238E27FC236}">
-                <a16:creationId xmlns:a16="http://schemas.microsoft.com/office/drawing/2014/main" id="{C8ABECBE-BC89-44AC-AFD8-808163AC93BA}"/>
+                <a16:creationId xmlns:a16="http://schemas.microsoft.com/office/drawing/2014/main" id="{D15D1497-497F-4412-A435-0A98CE057DE7}"/>
               </a:ext>
             </a:extLst>
           </p:cNvPr>
@@ -8187,7 +7728,7 @@
             <a:picLocks noGrp="1" noChangeAspect="1"/>
           </p:cNvPicPr>
           <p:nvPr>
-            <p:ph sz="quarter" idx="13"/>
+            <p:ph sz="quarter" idx="14"/>
           </p:nvPr>
         </p:nvPicPr>
         <p:blipFill>
@@ -8198,8 +7739,8 @@
         </p:blipFill>
         <p:spPr>
           <a:xfrm>
-            <a:off x="2176462" y="2421731"/>
-            <a:ext cx="2581275" cy="3314700"/>
+            <a:off x="6172199" y="2389310"/>
+            <a:ext cx="5317435" cy="3424107"/>
           </a:xfrm>
           <a:prstGeom prst="rect">
             <a:avLst/>
@@ -8208,19 +7749,17 @@
       </p:pic>
       <p:pic>
         <p:nvPicPr>
-          <p:cNvPr id="5" name="Content Placeholder 4">
+          <p:cNvPr id="9" name="Picture 8">
             <a:extLst>
               <a:ext uri="{FF2B5EF4-FFF2-40B4-BE49-F238E27FC236}">
-                <a16:creationId xmlns:a16="http://schemas.microsoft.com/office/drawing/2014/main" id="{987C1412-DFD0-4302-9180-A617CB62F198}"/>
+                <a16:creationId xmlns:a16="http://schemas.microsoft.com/office/drawing/2014/main" id="{C84389F2-CB41-421B-B21E-B62DB5D49DB2}"/>
               </a:ext>
             </a:extLst>
           </p:cNvPr>
           <p:cNvPicPr>
-            <a:picLocks noGrp="1" noChangeAspect="1"/>
+            <a:picLocks noChangeAspect="1"/>
           </p:cNvPicPr>
-          <p:nvPr>
-            <p:ph sz="quarter" idx="14"/>
-          </p:nvPr>
+          <p:nvPr/>
         </p:nvPicPr>
         <p:blipFill>
           <a:blip r:embed="rId3"/>
@@ -8230,8 +7769,8 @@
         </p:blipFill>
         <p:spPr>
           <a:xfrm>
-            <a:off x="6774336" y="2366963"/>
-            <a:ext cx="3901128" cy="3424237"/>
+            <a:off x="1508469" y="3243884"/>
+            <a:ext cx="3182801" cy="2569533"/>
           </a:xfrm>
           <a:prstGeom prst="rect">
             <a:avLst/>
@@ -8241,7 +7780,7 @@
     </p:spTree>
     <p:extLst>
       <p:ext uri="{BB962C8B-B14F-4D97-AF65-F5344CB8AC3E}">
-        <p14:creationId xmlns:p14="http://schemas.microsoft.com/office/powerpoint/2010/main" val="345195931"/>
+        <p14:creationId xmlns:p14="http://schemas.microsoft.com/office/powerpoint/2010/main" val="2918409995"/>
       </p:ext>
     </p:extLst>
   </p:cSld>
@@ -8273,7 +7812,7 @@
           <p:cNvPr id="2" name="Title 1">
             <a:extLst>
               <a:ext uri="{FF2B5EF4-FFF2-40B4-BE49-F238E27FC236}">
-                <a16:creationId xmlns:a16="http://schemas.microsoft.com/office/drawing/2014/main" id="{07C823FD-67D4-455B-8E16-8582589D6AE4}"/>
+                <a16:creationId xmlns:a16="http://schemas.microsoft.com/office/drawing/2014/main" id="{2E8B028C-9658-4689-BE2F-F6A90021F243}"/>
               </a:ext>
             </a:extLst>
           </p:cNvPr>
@@ -8291,17 +7830,17 @@
           <a:p>
             <a:r>
               <a:rPr lang="en-US" dirty="0"/>
-              <a:t>Required-education</a:t>
+              <a:t>Required experience</a:t>
             </a:r>
           </a:p>
         </p:txBody>
       </p:sp>
       <p:pic>
         <p:nvPicPr>
-          <p:cNvPr id="6" name="Content Placeholder 5">
+          <p:cNvPr id="7" name="Content Placeholder 6">
             <a:extLst>
               <a:ext uri="{FF2B5EF4-FFF2-40B4-BE49-F238E27FC236}">
-                <a16:creationId xmlns:a16="http://schemas.microsoft.com/office/drawing/2014/main" id="{E20BCBB8-C652-47A1-B2D4-5D477957E554}"/>
+                <a16:creationId xmlns:a16="http://schemas.microsoft.com/office/drawing/2014/main" id="{C8ABECBE-BC89-44AC-AFD8-808163AC93BA}"/>
               </a:ext>
             </a:extLst>
           </p:cNvPr>
@@ -8320,8 +7859,8 @@
         </p:blipFill>
         <p:spPr>
           <a:xfrm>
-            <a:off x="1202635" y="1908313"/>
-            <a:ext cx="4224130" cy="4532244"/>
+            <a:off x="2176462" y="2421731"/>
+            <a:ext cx="2581275" cy="3314700"/>
           </a:xfrm>
           <a:prstGeom prst="rect">
             <a:avLst/>
@@ -8333,7 +7872,7 @@
           <p:cNvPr id="5" name="Content Placeholder 4">
             <a:extLst>
               <a:ext uri="{FF2B5EF4-FFF2-40B4-BE49-F238E27FC236}">
-                <a16:creationId xmlns:a16="http://schemas.microsoft.com/office/drawing/2014/main" id="{BF6EDF20-EBA1-4D38-9C86-95226BAC035B}"/>
+                <a16:creationId xmlns:a16="http://schemas.microsoft.com/office/drawing/2014/main" id="{987C1412-DFD0-4302-9180-A617CB62F198}"/>
               </a:ext>
             </a:extLst>
           </p:cNvPr>
@@ -8352,8 +7891,8 @@
         </p:blipFill>
         <p:spPr>
           <a:xfrm>
-            <a:off x="6096000" y="1908313"/>
-            <a:ext cx="5443329" cy="4532244"/>
+            <a:off x="6774336" y="2366963"/>
+            <a:ext cx="3901128" cy="3424237"/>
           </a:xfrm>
           <a:prstGeom prst="rect">
             <a:avLst/>
@@ -8363,7 +7902,7 @@
     </p:spTree>
     <p:extLst>
       <p:ext uri="{BB962C8B-B14F-4D97-AF65-F5344CB8AC3E}">
-        <p14:creationId xmlns:p14="http://schemas.microsoft.com/office/powerpoint/2010/main" val="3140331604"/>
+        <p14:creationId xmlns:p14="http://schemas.microsoft.com/office/powerpoint/2010/main" val="345195931"/>
       </p:ext>
     </p:extLst>
   </p:cSld>

--- a/502projectPresentation.pptx
+++ b/502projectPresentation.pptx
@@ -4,20 +4,24 @@
   <p:sldMasterIdLst>
     <p:sldMasterId id="2147483648" r:id="rId1"/>
   </p:sldMasterIdLst>
+  <p:notesMasterIdLst>
+    <p:notesMasterId r:id="rId16"/>
+  </p:notesMasterIdLst>
   <p:sldIdLst>
     <p:sldId id="256" r:id="rId2"/>
-    <p:sldId id="281" r:id="rId3"/>
-    <p:sldId id="260" r:id="rId4"/>
-    <p:sldId id="262" r:id="rId5"/>
-    <p:sldId id="277" r:id="rId6"/>
-    <p:sldId id="261" r:id="rId7"/>
-    <p:sldId id="275" r:id="rId8"/>
-    <p:sldId id="269" r:id="rId9"/>
-    <p:sldId id="270" r:id="rId10"/>
-    <p:sldId id="271" r:id="rId11"/>
-    <p:sldId id="272" r:id="rId12"/>
-    <p:sldId id="273" r:id="rId13"/>
-    <p:sldId id="283" r:id="rId14"/>
+    <p:sldId id="260" r:id="rId3"/>
+    <p:sldId id="262" r:id="rId4"/>
+    <p:sldId id="277" r:id="rId5"/>
+    <p:sldId id="261" r:id="rId6"/>
+    <p:sldId id="275" r:id="rId7"/>
+    <p:sldId id="269" r:id="rId8"/>
+    <p:sldId id="270" r:id="rId9"/>
+    <p:sldId id="271" r:id="rId10"/>
+    <p:sldId id="272" r:id="rId11"/>
+    <p:sldId id="273" r:id="rId12"/>
+    <p:sldId id="278" r:id="rId13"/>
+    <p:sldId id="279" r:id="rId14"/>
+    <p:sldId id="280" r:id="rId15"/>
   </p:sldIdLst>
   <p:sldSz cx="12192000" cy="6858000"/>
   <p:notesSz cx="6858000" cy="9144000"/>
@@ -124,6 +128,1070 @@
 </p:presentation>
 </file>
 
+<file path=ppt/notesMasters/notesMaster1.xml><?xml version="1.0" encoding="utf-8"?>
+<p:notesMaster xmlns:a="http://schemas.openxmlformats.org/drawingml/2006/main" xmlns:r="http://schemas.openxmlformats.org/officeDocument/2006/relationships" xmlns:p="http://schemas.openxmlformats.org/presentationml/2006/main">
+  <p:cSld>
+    <p:bg>
+      <p:bgRef idx="1001">
+        <a:schemeClr val="bg1"/>
+      </p:bgRef>
+    </p:bg>
+    <p:spTree>
+      <p:nvGrpSpPr>
+        <p:cNvPr id="1" name=""/>
+        <p:cNvGrpSpPr/>
+        <p:nvPr/>
+      </p:nvGrpSpPr>
+      <p:grpSpPr>
+        <a:xfrm>
+          <a:off x="0" y="0"/>
+          <a:ext cx="0" cy="0"/>
+          <a:chOff x="0" y="0"/>
+          <a:chExt cx="0" cy="0"/>
+        </a:xfrm>
+      </p:grpSpPr>
+      <p:sp>
+        <p:nvSpPr>
+          <p:cNvPr id="2" name="Header Placeholder 1"/>
+          <p:cNvSpPr>
+            <a:spLocks noGrp="1"/>
+          </p:cNvSpPr>
+          <p:nvPr>
+            <p:ph type="hdr" sz="quarter"/>
+          </p:nvPr>
+        </p:nvSpPr>
+        <p:spPr>
+          <a:xfrm>
+            <a:off x="0" y="0"/>
+            <a:ext cx="2971800" cy="458788"/>
+          </a:xfrm>
+          <a:prstGeom prst="rect">
+            <a:avLst/>
+          </a:prstGeom>
+        </p:spPr>
+        <p:txBody>
+          <a:bodyPr vert="horz" lIns="91440" tIns="45720" rIns="91440" bIns="45720" rtlCol="0"/>
+          <a:lstStyle>
+            <a:lvl1pPr algn="l">
+              <a:defRPr sz="1200"/>
+            </a:lvl1pPr>
+          </a:lstStyle>
+          <a:p>
+            <a:endParaRPr lang="en-US"/>
+          </a:p>
+        </p:txBody>
+      </p:sp>
+      <p:sp>
+        <p:nvSpPr>
+          <p:cNvPr id="3" name="Date Placeholder 2"/>
+          <p:cNvSpPr>
+            <a:spLocks noGrp="1"/>
+          </p:cNvSpPr>
+          <p:nvPr>
+            <p:ph type="dt" idx="1"/>
+          </p:nvPr>
+        </p:nvSpPr>
+        <p:spPr>
+          <a:xfrm>
+            <a:off x="3884613" y="0"/>
+            <a:ext cx="2971800" cy="458788"/>
+          </a:xfrm>
+          <a:prstGeom prst="rect">
+            <a:avLst/>
+          </a:prstGeom>
+        </p:spPr>
+        <p:txBody>
+          <a:bodyPr vert="horz" lIns="91440" tIns="45720" rIns="91440" bIns="45720" rtlCol="0"/>
+          <a:lstStyle>
+            <a:lvl1pPr algn="r">
+              <a:defRPr sz="1200"/>
+            </a:lvl1pPr>
+          </a:lstStyle>
+          <a:p>
+            <a:fld id="{18759216-F91D-3049-91AC-DB46DCEE8D80}" type="datetimeFigureOut">
+              <a:rPr lang="en-US" smtClean="0"/>
+              <a:t>12/12/21</a:t>
+            </a:fld>
+            <a:endParaRPr lang="en-US"/>
+          </a:p>
+        </p:txBody>
+      </p:sp>
+      <p:sp>
+        <p:nvSpPr>
+          <p:cNvPr id="4" name="Slide Image Placeholder 3"/>
+          <p:cNvSpPr>
+            <a:spLocks noGrp="1" noRot="1" noChangeAspect="1"/>
+          </p:cNvSpPr>
+          <p:nvPr>
+            <p:ph type="sldImg" idx="2"/>
+          </p:nvPr>
+        </p:nvSpPr>
+        <p:spPr>
+          <a:xfrm>
+            <a:off x="685800" y="1143000"/>
+            <a:ext cx="5486400" cy="3086100"/>
+          </a:xfrm>
+          <a:prstGeom prst="rect">
+            <a:avLst/>
+          </a:prstGeom>
+          <a:noFill/>
+          <a:ln w="12700">
+            <a:solidFill>
+              <a:prstClr val="black"/>
+            </a:solidFill>
+          </a:ln>
+        </p:spPr>
+        <p:txBody>
+          <a:bodyPr vert="horz" lIns="91440" tIns="45720" rIns="91440" bIns="45720" rtlCol="0" anchor="ctr"/>
+          <a:lstStyle/>
+          <a:p>
+            <a:endParaRPr lang="en-US"/>
+          </a:p>
+        </p:txBody>
+      </p:sp>
+      <p:sp>
+        <p:nvSpPr>
+          <p:cNvPr id="5" name="Notes Placeholder 4"/>
+          <p:cNvSpPr>
+            <a:spLocks noGrp="1"/>
+          </p:cNvSpPr>
+          <p:nvPr>
+            <p:ph type="body" sz="quarter" idx="3"/>
+          </p:nvPr>
+        </p:nvSpPr>
+        <p:spPr>
+          <a:xfrm>
+            <a:off x="685800" y="4400550"/>
+            <a:ext cx="5486400" cy="3600450"/>
+          </a:xfrm>
+          <a:prstGeom prst="rect">
+            <a:avLst/>
+          </a:prstGeom>
+        </p:spPr>
+        <p:txBody>
+          <a:bodyPr vert="horz" lIns="91440" tIns="45720" rIns="91440" bIns="45720" rtlCol="0"/>
+          <a:lstStyle/>
+          <a:p>
+            <a:pPr lvl="0"/>
+            <a:r>
+              <a:rPr lang="en-US"/>
+              <a:t>Click to edit Master text styles</a:t>
+            </a:r>
+          </a:p>
+          <a:p>
+            <a:pPr lvl="1"/>
+            <a:r>
+              <a:rPr lang="en-US"/>
+              <a:t>Second level</a:t>
+            </a:r>
+          </a:p>
+          <a:p>
+            <a:pPr lvl="2"/>
+            <a:r>
+              <a:rPr lang="en-US"/>
+              <a:t>Third level</a:t>
+            </a:r>
+          </a:p>
+          <a:p>
+            <a:pPr lvl="3"/>
+            <a:r>
+              <a:rPr lang="en-US"/>
+              <a:t>Fourth level</a:t>
+            </a:r>
+          </a:p>
+          <a:p>
+            <a:pPr lvl="4"/>
+            <a:r>
+              <a:rPr lang="en-US"/>
+              <a:t>Fifth level</a:t>
+            </a:r>
+          </a:p>
+        </p:txBody>
+      </p:sp>
+      <p:sp>
+        <p:nvSpPr>
+          <p:cNvPr id="6" name="Footer Placeholder 5"/>
+          <p:cNvSpPr>
+            <a:spLocks noGrp="1"/>
+          </p:cNvSpPr>
+          <p:nvPr>
+            <p:ph type="ftr" sz="quarter" idx="4"/>
+          </p:nvPr>
+        </p:nvSpPr>
+        <p:spPr>
+          <a:xfrm>
+            <a:off x="0" y="8685213"/>
+            <a:ext cx="2971800" cy="458787"/>
+          </a:xfrm>
+          <a:prstGeom prst="rect">
+            <a:avLst/>
+          </a:prstGeom>
+        </p:spPr>
+        <p:txBody>
+          <a:bodyPr vert="horz" lIns="91440" tIns="45720" rIns="91440" bIns="45720" rtlCol="0" anchor="b"/>
+          <a:lstStyle>
+            <a:lvl1pPr algn="l">
+              <a:defRPr sz="1200"/>
+            </a:lvl1pPr>
+          </a:lstStyle>
+          <a:p>
+            <a:endParaRPr lang="en-US"/>
+          </a:p>
+        </p:txBody>
+      </p:sp>
+      <p:sp>
+        <p:nvSpPr>
+          <p:cNvPr id="7" name="Slide Number Placeholder 6"/>
+          <p:cNvSpPr>
+            <a:spLocks noGrp="1"/>
+          </p:cNvSpPr>
+          <p:nvPr>
+            <p:ph type="sldNum" sz="quarter" idx="5"/>
+          </p:nvPr>
+        </p:nvSpPr>
+        <p:spPr>
+          <a:xfrm>
+            <a:off x="3884613" y="8685213"/>
+            <a:ext cx="2971800" cy="458787"/>
+          </a:xfrm>
+          <a:prstGeom prst="rect">
+            <a:avLst/>
+          </a:prstGeom>
+        </p:spPr>
+        <p:txBody>
+          <a:bodyPr vert="horz" lIns="91440" tIns="45720" rIns="91440" bIns="45720" rtlCol="0" anchor="b"/>
+          <a:lstStyle>
+            <a:lvl1pPr algn="r">
+              <a:defRPr sz="1200"/>
+            </a:lvl1pPr>
+          </a:lstStyle>
+          <a:p>
+            <a:fld id="{3988BA7C-F53B-5843-BFD1-F2A378DDFB22}" type="slidenum">
+              <a:rPr lang="en-US" smtClean="0"/>
+              <a:t>‹#›</a:t>
+            </a:fld>
+            <a:endParaRPr lang="en-US"/>
+          </a:p>
+        </p:txBody>
+      </p:sp>
+    </p:spTree>
+    <p:extLst>
+      <p:ext uri="{BB962C8B-B14F-4D97-AF65-F5344CB8AC3E}">
+        <p14:creationId xmlns:p14="http://schemas.microsoft.com/office/powerpoint/2010/main" val="484040028"/>
+      </p:ext>
+    </p:extLst>
+  </p:cSld>
+  <p:clrMap bg1="lt1" tx1="dk1" bg2="lt2" tx2="dk2" accent1="accent1" accent2="accent2" accent3="accent3" accent4="accent4" accent5="accent5" accent6="accent6" hlink="hlink" folHlink="folHlink"/>
+  <p:notesStyle>
+    <a:lvl1pPr marL="0" algn="l" defTabSz="914400" rtl="0" eaLnBrk="1" latinLnBrk="0" hangingPunct="1">
+      <a:defRPr sz="1200" kern="1200">
+        <a:solidFill>
+          <a:schemeClr val="tx1"/>
+        </a:solidFill>
+        <a:latin typeface="+mn-lt"/>
+        <a:ea typeface="+mn-ea"/>
+        <a:cs typeface="+mn-cs"/>
+      </a:defRPr>
+    </a:lvl1pPr>
+    <a:lvl2pPr marL="457200" algn="l" defTabSz="914400" rtl="0" eaLnBrk="1" latinLnBrk="0" hangingPunct="1">
+      <a:defRPr sz="1200" kern="1200">
+        <a:solidFill>
+          <a:schemeClr val="tx1"/>
+        </a:solidFill>
+        <a:latin typeface="+mn-lt"/>
+        <a:ea typeface="+mn-ea"/>
+        <a:cs typeface="+mn-cs"/>
+      </a:defRPr>
+    </a:lvl2pPr>
+    <a:lvl3pPr marL="914400" algn="l" defTabSz="914400" rtl="0" eaLnBrk="1" latinLnBrk="0" hangingPunct="1">
+      <a:defRPr sz="1200" kern="1200">
+        <a:solidFill>
+          <a:schemeClr val="tx1"/>
+        </a:solidFill>
+        <a:latin typeface="+mn-lt"/>
+        <a:ea typeface="+mn-ea"/>
+        <a:cs typeface="+mn-cs"/>
+      </a:defRPr>
+    </a:lvl3pPr>
+    <a:lvl4pPr marL="1371600" algn="l" defTabSz="914400" rtl="0" eaLnBrk="1" latinLnBrk="0" hangingPunct="1">
+      <a:defRPr sz="1200" kern="1200">
+        <a:solidFill>
+          <a:schemeClr val="tx1"/>
+        </a:solidFill>
+        <a:latin typeface="+mn-lt"/>
+        <a:ea typeface="+mn-ea"/>
+        <a:cs typeface="+mn-cs"/>
+      </a:defRPr>
+    </a:lvl4pPr>
+    <a:lvl5pPr marL="1828800" algn="l" defTabSz="914400" rtl="0" eaLnBrk="1" latinLnBrk="0" hangingPunct="1">
+      <a:defRPr sz="1200" kern="1200">
+        <a:solidFill>
+          <a:schemeClr val="tx1"/>
+        </a:solidFill>
+        <a:latin typeface="+mn-lt"/>
+        <a:ea typeface="+mn-ea"/>
+        <a:cs typeface="+mn-cs"/>
+      </a:defRPr>
+    </a:lvl5pPr>
+    <a:lvl6pPr marL="2286000" algn="l" defTabSz="914400" rtl="0" eaLnBrk="1" latinLnBrk="0" hangingPunct="1">
+      <a:defRPr sz="1200" kern="1200">
+        <a:solidFill>
+          <a:schemeClr val="tx1"/>
+        </a:solidFill>
+        <a:latin typeface="+mn-lt"/>
+        <a:ea typeface="+mn-ea"/>
+        <a:cs typeface="+mn-cs"/>
+      </a:defRPr>
+    </a:lvl6pPr>
+    <a:lvl7pPr marL="2743200" algn="l" defTabSz="914400" rtl="0" eaLnBrk="1" latinLnBrk="0" hangingPunct="1">
+      <a:defRPr sz="1200" kern="1200">
+        <a:solidFill>
+          <a:schemeClr val="tx1"/>
+        </a:solidFill>
+        <a:latin typeface="+mn-lt"/>
+        <a:ea typeface="+mn-ea"/>
+        <a:cs typeface="+mn-cs"/>
+      </a:defRPr>
+    </a:lvl7pPr>
+    <a:lvl8pPr marL="3200400" algn="l" defTabSz="914400" rtl="0" eaLnBrk="1" latinLnBrk="0" hangingPunct="1">
+      <a:defRPr sz="1200" kern="1200">
+        <a:solidFill>
+          <a:schemeClr val="tx1"/>
+        </a:solidFill>
+        <a:latin typeface="+mn-lt"/>
+        <a:ea typeface="+mn-ea"/>
+        <a:cs typeface="+mn-cs"/>
+      </a:defRPr>
+    </a:lvl8pPr>
+    <a:lvl9pPr marL="3657600" algn="l" defTabSz="914400" rtl="0" eaLnBrk="1" latinLnBrk="0" hangingPunct="1">
+      <a:defRPr sz="1200" kern="1200">
+        <a:solidFill>
+          <a:schemeClr val="tx1"/>
+        </a:solidFill>
+        <a:latin typeface="+mn-lt"/>
+        <a:ea typeface="+mn-ea"/>
+        <a:cs typeface="+mn-cs"/>
+      </a:defRPr>
+    </a:lvl9pPr>
+  </p:notesStyle>
+</p:notesMaster>
+</file>
+
+<file path=ppt/notesSlides/notesSlide1.xml><?xml version="1.0" encoding="utf-8"?>
+<p:notes xmlns:a="http://schemas.openxmlformats.org/drawingml/2006/main" xmlns:r="http://schemas.openxmlformats.org/officeDocument/2006/relationships" xmlns:p="http://schemas.openxmlformats.org/presentationml/2006/main">
+  <p:cSld>
+    <p:spTree>
+      <p:nvGrpSpPr>
+        <p:cNvPr id="1" name=""/>
+        <p:cNvGrpSpPr/>
+        <p:nvPr/>
+      </p:nvGrpSpPr>
+      <p:grpSpPr>
+        <a:xfrm>
+          <a:off x="0" y="0"/>
+          <a:ext cx="0" cy="0"/>
+          <a:chOff x="0" y="0"/>
+          <a:chExt cx="0" cy="0"/>
+        </a:xfrm>
+      </p:grpSpPr>
+      <p:sp>
+        <p:nvSpPr>
+          <p:cNvPr id="2" name="Slide Image Placeholder 1"/>
+          <p:cNvSpPr>
+            <a:spLocks noGrp="1" noRot="1" noChangeAspect="1"/>
+          </p:cNvSpPr>
+          <p:nvPr>
+            <p:ph type="sldImg"/>
+          </p:nvPr>
+        </p:nvSpPr>
+        <p:spPr/>
+      </p:sp>
+      <p:sp>
+        <p:nvSpPr>
+          <p:cNvPr id="3" name="Notes Placeholder 2"/>
+          <p:cNvSpPr>
+            <a:spLocks noGrp="1"/>
+          </p:cNvSpPr>
+          <p:nvPr>
+            <p:ph type="body" idx="1"/>
+          </p:nvPr>
+        </p:nvSpPr>
+        <p:spPr/>
+        <p:txBody>
+          <a:bodyPr/>
+          <a:lstStyle/>
+          <a:p>
+            <a:r>
+              <a:rPr lang="en-US" sz="1200" b="0" i="0" u="none" strike="noStrike" kern="1200" dirty="0">
+                <a:solidFill>
+                  <a:schemeClr val="tx1"/>
+                </a:solidFill>
+                <a:effectLst/>
+                <a:latin typeface="+mn-lt"/>
+                <a:ea typeface="+mn-ea"/>
+                <a:cs typeface="+mn-cs"/>
+              </a:rPr>
+              <a:t>The goal is to see what patterns we can detect on the surface of the data, and to get the data ready for machine learning tools that can unpack the deeper patterns.</a:t>
+            </a:r>
+          </a:p>
+          <a:p>
+            <a:r>
+              <a:rPr lang="en-US" sz="1200" b="0" i="0" u="none" strike="noStrike" kern="1200" dirty="0">
+                <a:solidFill>
+                  <a:schemeClr val="tx1"/>
+                </a:solidFill>
+                <a:effectLst/>
+                <a:latin typeface="+mn-lt"/>
+                <a:ea typeface="+mn-ea"/>
+                <a:cs typeface="+mn-cs"/>
+              </a:rPr>
+              <a:t>First, we will read the data set to the program. We get that there are a lot of null values and textual data which needs to be cleaned. We can see that missing values are present as </a:t>
+            </a:r>
+            <a:r>
+              <a:rPr lang="en-US" sz="1200" b="0" i="1" u="none" strike="noStrike" kern="1200" dirty="0" err="1">
+                <a:solidFill>
+                  <a:schemeClr val="tx1"/>
+                </a:solidFill>
+                <a:effectLst/>
+                <a:latin typeface="+mn-lt"/>
+                <a:ea typeface="+mn-ea"/>
+                <a:cs typeface="+mn-cs"/>
+              </a:rPr>
+              <a:t>NaN</a:t>
+            </a:r>
+            <a:r>
+              <a:rPr lang="en-US" sz="1200" b="0" i="0" u="none" strike="noStrike" kern="1200" dirty="0">
+                <a:solidFill>
+                  <a:schemeClr val="tx1"/>
+                </a:solidFill>
+                <a:effectLst/>
+                <a:latin typeface="+mn-lt"/>
+                <a:ea typeface="+mn-ea"/>
+                <a:cs typeface="+mn-cs"/>
+              </a:rPr>
+              <a:t>. We will check all the Nan values and replace them with blank. </a:t>
+            </a:r>
+          </a:p>
+          <a:p>
+            <a:r>
+              <a:rPr lang="en-US" sz="1200" b="0" i="0" u="none" strike="noStrike" kern="1200" dirty="0">
+                <a:solidFill>
+                  <a:schemeClr val="tx1"/>
+                </a:solidFill>
+                <a:effectLst/>
+                <a:latin typeface="+mn-lt"/>
+                <a:ea typeface="+mn-ea"/>
+                <a:cs typeface="+mn-cs"/>
+              </a:rPr>
+              <a:t>Second, we delete the unnecessary columns such as, </a:t>
+            </a:r>
+            <a:r>
+              <a:rPr lang="en-US" sz="1200" b="0" i="0" u="none" strike="noStrike" kern="1200" dirty="0" err="1">
+                <a:solidFill>
+                  <a:schemeClr val="tx1"/>
+                </a:solidFill>
+                <a:effectLst/>
+                <a:latin typeface="+mn-lt"/>
+                <a:ea typeface="+mn-ea"/>
+                <a:cs typeface="+mn-cs"/>
+              </a:rPr>
+              <a:t>job_id</a:t>
+            </a:r>
+            <a:r>
+              <a:rPr lang="en-US" sz="1200" b="0" i="0" u="none" strike="noStrike" kern="1200" dirty="0">
+                <a:solidFill>
+                  <a:schemeClr val="tx1"/>
+                </a:solidFill>
+                <a:effectLst/>
+                <a:latin typeface="+mn-lt"/>
+                <a:ea typeface="+mn-ea"/>
+                <a:cs typeface="+mn-cs"/>
+              </a:rPr>
+              <a:t>, telecommuting, </a:t>
+            </a:r>
+            <a:r>
+              <a:rPr lang="en-US" sz="1200" b="0" i="0" u="none" strike="noStrike" kern="1200" dirty="0" err="1">
+                <a:solidFill>
+                  <a:schemeClr val="tx1"/>
+                </a:solidFill>
+                <a:effectLst/>
+                <a:latin typeface="+mn-lt"/>
+                <a:ea typeface="+mn-ea"/>
+                <a:cs typeface="+mn-cs"/>
+              </a:rPr>
+              <a:t>has_questions</a:t>
+            </a:r>
+            <a:r>
+              <a:rPr lang="en-US" sz="1200" b="0" i="0" u="none" strike="noStrike" kern="1200" dirty="0">
+                <a:solidFill>
+                  <a:schemeClr val="tx1"/>
+                </a:solidFill>
+                <a:effectLst/>
+                <a:latin typeface="+mn-lt"/>
+                <a:ea typeface="+mn-ea"/>
+                <a:cs typeface="+mn-cs"/>
+              </a:rPr>
+              <a:t>, </a:t>
+            </a:r>
+            <a:r>
+              <a:rPr lang="en-US" sz="1200" b="0" i="0" u="none" strike="noStrike" kern="1200" dirty="0" err="1">
+                <a:solidFill>
+                  <a:schemeClr val="tx1"/>
+                </a:solidFill>
+                <a:effectLst/>
+                <a:latin typeface="+mn-lt"/>
+                <a:ea typeface="+mn-ea"/>
+                <a:cs typeface="+mn-cs"/>
+              </a:rPr>
+              <a:t>salary_range</a:t>
+            </a:r>
+            <a:r>
+              <a:rPr lang="en-US" sz="1200" b="0" i="0" u="none" strike="noStrike" kern="1200" dirty="0">
+                <a:solidFill>
+                  <a:schemeClr val="tx1"/>
+                </a:solidFill>
+                <a:effectLst/>
+                <a:latin typeface="+mn-lt"/>
+                <a:ea typeface="+mn-ea"/>
+                <a:cs typeface="+mn-cs"/>
+              </a:rPr>
+              <a:t>. We want employment type, required experience, required education, and has company logo.</a:t>
+            </a:r>
+          </a:p>
+          <a:p>
+            <a:r>
+              <a:rPr lang="en-US" sz="1200" b="0" i="0" u="none" strike="noStrike" kern="1200" dirty="0">
+                <a:solidFill>
+                  <a:schemeClr val="tx1"/>
+                </a:solidFill>
+                <a:effectLst/>
+                <a:latin typeface="+mn-lt"/>
+                <a:ea typeface="+mn-ea"/>
+                <a:cs typeface="+mn-cs"/>
+              </a:rPr>
+              <a:t>Third, we only need the data set in US, which there are 10,593 records in the US data set. Replaced missing values with the mode of the attributes and converting the categorical variables to numeric with CAT.CODE.</a:t>
+            </a:r>
+            <a:endParaRPr lang="en-US" dirty="0"/>
+          </a:p>
+        </p:txBody>
+      </p:sp>
+      <p:sp>
+        <p:nvSpPr>
+          <p:cNvPr id="4" name="Slide Number Placeholder 3"/>
+          <p:cNvSpPr>
+            <a:spLocks noGrp="1"/>
+          </p:cNvSpPr>
+          <p:nvPr>
+            <p:ph type="sldNum" sz="quarter" idx="5"/>
+          </p:nvPr>
+        </p:nvSpPr>
+        <p:spPr/>
+        <p:txBody>
+          <a:bodyPr/>
+          <a:lstStyle/>
+          <a:p>
+            <a:fld id="{3988BA7C-F53B-5843-BFD1-F2A378DDFB22}" type="slidenum">
+              <a:rPr lang="en-US" smtClean="0"/>
+              <a:t>5</a:t>
+            </a:fld>
+            <a:endParaRPr lang="en-US"/>
+          </a:p>
+        </p:txBody>
+      </p:sp>
+    </p:spTree>
+    <p:extLst>
+      <p:ext uri="{BB962C8B-B14F-4D97-AF65-F5344CB8AC3E}">
+        <p14:creationId xmlns:p14="http://schemas.microsoft.com/office/powerpoint/2010/main" val="3745389797"/>
+      </p:ext>
+    </p:extLst>
+  </p:cSld>
+  <p:clrMapOvr>
+    <a:masterClrMapping/>
+  </p:clrMapOvr>
+</p:notes>
+</file>
+
+<file path=ppt/notesSlides/notesSlide2.xml><?xml version="1.0" encoding="utf-8"?>
+<p:notes xmlns:a="http://schemas.openxmlformats.org/drawingml/2006/main" xmlns:r="http://schemas.openxmlformats.org/officeDocument/2006/relationships" xmlns:p="http://schemas.openxmlformats.org/presentationml/2006/main">
+  <p:cSld>
+    <p:spTree>
+      <p:nvGrpSpPr>
+        <p:cNvPr id="1" name=""/>
+        <p:cNvGrpSpPr/>
+        <p:nvPr/>
+      </p:nvGrpSpPr>
+      <p:grpSpPr>
+        <a:xfrm>
+          <a:off x="0" y="0"/>
+          <a:ext cx="0" cy="0"/>
+          <a:chOff x="0" y="0"/>
+          <a:chExt cx="0" cy="0"/>
+        </a:xfrm>
+      </p:grpSpPr>
+      <p:sp>
+        <p:nvSpPr>
+          <p:cNvPr id="2" name="Slide Image Placeholder 1"/>
+          <p:cNvSpPr>
+            <a:spLocks noGrp="1" noRot="1" noChangeAspect="1"/>
+          </p:cNvSpPr>
+          <p:nvPr>
+            <p:ph type="sldImg"/>
+          </p:nvPr>
+        </p:nvSpPr>
+        <p:spPr/>
+      </p:sp>
+      <p:sp>
+        <p:nvSpPr>
+          <p:cNvPr id="3" name="Notes Placeholder 2"/>
+          <p:cNvSpPr>
+            <a:spLocks noGrp="1"/>
+          </p:cNvSpPr>
+          <p:nvPr>
+            <p:ph type="body" idx="1"/>
+          </p:nvPr>
+        </p:nvSpPr>
+        <p:spPr/>
+        <p:txBody>
+          <a:bodyPr/>
+          <a:lstStyle/>
+          <a:p>
+            <a:r>
+              <a:rPr lang="en-US" dirty="0"/>
+              <a:t>We replace different missing data from different variables to different attributes such as, we replace missing data in employment type with other, missing data in required experience with not-applicable, missing data in required-education with unspecified, and dropped missing values in locations.</a:t>
+            </a:r>
+          </a:p>
+        </p:txBody>
+      </p:sp>
+      <p:sp>
+        <p:nvSpPr>
+          <p:cNvPr id="4" name="Slide Number Placeholder 3"/>
+          <p:cNvSpPr>
+            <a:spLocks noGrp="1"/>
+          </p:cNvSpPr>
+          <p:nvPr>
+            <p:ph type="sldNum" sz="quarter" idx="5"/>
+          </p:nvPr>
+        </p:nvSpPr>
+        <p:spPr/>
+        <p:txBody>
+          <a:bodyPr/>
+          <a:lstStyle/>
+          <a:p>
+            <a:fld id="{3988BA7C-F53B-5843-BFD1-F2A378DDFB22}" type="slidenum">
+              <a:rPr lang="en-US" smtClean="0"/>
+              <a:t>6</a:t>
+            </a:fld>
+            <a:endParaRPr lang="en-US"/>
+          </a:p>
+        </p:txBody>
+      </p:sp>
+    </p:spTree>
+    <p:extLst>
+      <p:ext uri="{BB962C8B-B14F-4D97-AF65-F5344CB8AC3E}">
+        <p14:creationId xmlns:p14="http://schemas.microsoft.com/office/powerpoint/2010/main" val="3251053031"/>
+      </p:ext>
+    </p:extLst>
+  </p:cSld>
+  <p:clrMapOvr>
+    <a:masterClrMapping/>
+  </p:clrMapOvr>
+</p:notes>
+</file>
+
+<file path=ppt/notesSlides/notesSlide3.xml><?xml version="1.0" encoding="utf-8"?>
+<p:notes xmlns:a="http://schemas.openxmlformats.org/drawingml/2006/main" xmlns:r="http://schemas.openxmlformats.org/officeDocument/2006/relationships" xmlns:p="http://schemas.openxmlformats.org/presentationml/2006/main">
+  <p:cSld>
+    <p:spTree>
+      <p:nvGrpSpPr>
+        <p:cNvPr id="1" name=""/>
+        <p:cNvGrpSpPr/>
+        <p:nvPr/>
+      </p:nvGrpSpPr>
+      <p:grpSpPr>
+        <a:xfrm>
+          <a:off x="0" y="0"/>
+          <a:ext cx="0" cy="0"/>
+          <a:chOff x="0" y="0"/>
+          <a:chExt cx="0" cy="0"/>
+        </a:xfrm>
+      </p:grpSpPr>
+      <p:sp>
+        <p:nvSpPr>
+          <p:cNvPr id="2" name="Slide Image Placeholder 1"/>
+          <p:cNvSpPr>
+            <a:spLocks noGrp="1" noRot="1" noChangeAspect="1"/>
+          </p:cNvSpPr>
+          <p:nvPr>
+            <p:ph type="sldImg"/>
+          </p:nvPr>
+        </p:nvSpPr>
+        <p:spPr/>
+      </p:sp>
+      <p:sp>
+        <p:nvSpPr>
+          <p:cNvPr id="3" name="Notes Placeholder 2"/>
+          <p:cNvSpPr>
+            <a:spLocks noGrp="1"/>
+          </p:cNvSpPr>
+          <p:nvPr>
+            <p:ph type="body" idx="1"/>
+          </p:nvPr>
+        </p:nvSpPr>
+        <p:spPr/>
+        <p:txBody>
+          <a:bodyPr/>
+          <a:lstStyle/>
+          <a:p>
+            <a:r>
+              <a:rPr lang="en-US" dirty="0"/>
+              <a:t>The data set is now free from the missing values. Now, we will visualize the number of employment-type. There are two graphs showing employment type. The left graph shows how many real and fake jobs in different type of employments. The right graph shows how many jobs in different type of employments. As you can see from the left graph, there are 725 posting jobs are fake, and 9,871 posting jobs are real. It also shows most fake posting jobs appear in full-time. However, from the ratio rate between real and fake, the “Other” type of employment has 0.12 which is the highest ratio rate in these type of employments.</a:t>
+            </a:r>
+          </a:p>
+        </p:txBody>
+      </p:sp>
+      <p:sp>
+        <p:nvSpPr>
+          <p:cNvPr id="4" name="Slide Number Placeholder 3"/>
+          <p:cNvSpPr>
+            <a:spLocks noGrp="1"/>
+          </p:cNvSpPr>
+          <p:nvPr>
+            <p:ph type="sldNum" sz="quarter" idx="5"/>
+          </p:nvPr>
+        </p:nvSpPr>
+        <p:spPr/>
+        <p:txBody>
+          <a:bodyPr/>
+          <a:lstStyle/>
+          <a:p>
+            <a:fld id="{3988BA7C-F53B-5843-BFD1-F2A378DDFB22}" type="slidenum">
+              <a:rPr lang="en-US" smtClean="0"/>
+              <a:t>7</a:t>
+            </a:fld>
+            <a:endParaRPr lang="en-US"/>
+          </a:p>
+        </p:txBody>
+      </p:sp>
+    </p:spTree>
+    <p:extLst>
+      <p:ext uri="{BB962C8B-B14F-4D97-AF65-F5344CB8AC3E}">
+        <p14:creationId xmlns:p14="http://schemas.microsoft.com/office/powerpoint/2010/main" val="3651896496"/>
+      </p:ext>
+    </p:extLst>
+  </p:cSld>
+  <p:clrMapOvr>
+    <a:masterClrMapping/>
+  </p:clrMapOvr>
+</p:notes>
+</file>
+
+<file path=ppt/notesSlides/notesSlide4.xml><?xml version="1.0" encoding="utf-8"?>
+<p:notes xmlns:a="http://schemas.openxmlformats.org/drawingml/2006/main" xmlns:r="http://schemas.openxmlformats.org/officeDocument/2006/relationships" xmlns:p="http://schemas.openxmlformats.org/presentationml/2006/main">
+  <p:cSld>
+    <p:spTree>
+      <p:nvGrpSpPr>
+        <p:cNvPr id="1" name=""/>
+        <p:cNvGrpSpPr/>
+        <p:nvPr/>
+      </p:nvGrpSpPr>
+      <p:grpSpPr>
+        <a:xfrm>
+          <a:off x="0" y="0"/>
+          <a:ext cx="0" cy="0"/>
+          <a:chOff x="0" y="0"/>
+          <a:chExt cx="0" cy="0"/>
+        </a:xfrm>
+      </p:grpSpPr>
+      <p:sp>
+        <p:nvSpPr>
+          <p:cNvPr id="2" name="Slide Image Placeholder 1"/>
+          <p:cNvSpPr>
+            <a:spLocks noGrp="1" noRot="1" noChangeAspect="1"/>
+          </p:cNvSpPr>
+          <p:nvPr>
+            <p:ph type="sldImg"/>
+          </p:nvPr>
+        </p:nvSpPr>
+        <p:spPr/>
+      </p:sp>
+      <p:sp>
+        <p:nvSpPr>
+          <p:cNvPr id="3" name="Notes Placeholder 2"/>
+          <p:cNvSpPr>
+            <a:spLocks noGrp="1"/>
+          </p:cNvSpPr>
+          <p:nvPr>
+            <p:ph type="body" idx="1"/>
+          </p:nvPr>
+        </p:nvSpPr>
+        <p:spPr/>
+        <p:txBody>
+          <a:bodyPr/>
+          <a:lstStyle/>
+          <a:p>
+            <a:r>
+              <a:rPr lang="en-US" dirty="0"/>
+              <a:t>Visualize the required experience in the jobs. The left graph shows how many real and fake jobs in different working experience, and the right graph shows how many jobs in different working experience. Most fake jobs appear in unspecified experience. But “Not Applicable” has the highest real and fake ratio rate 0.1. Executive has the less real and fake ratio rate which is 0.03.</a:t>
+            </a:r>
+          </a:p>
+        </p:txBody>
+      </p:sp>
+      <p:sp>
+        <p:nvSpPr>
+          <p:cNvPr id="4" name="Slide Number Placeholder 3"/>
+          <p:cNvSpPr>
+            <a:spLocks noGrp="1"/>
+          </p:cNvSpPr>
+          <p:nvPr>
+            <p:ph type="sldNum" sz="quarter" idx="5"/>
+          </p:nvPr>
+        </p:nvSpPr>
+        <p:spPr/>
+        <p:txBody>
+          <a:bodyPr/>
+          <a:lstStyle/>
+          <a:p>
+            <a:fld id="{3988BA7C-F53B-5843-BFD1-F2A378DDFB22}" type="slidenum">
+              <a:rPr lang="en-US" smtClean="0"/>
+              <a:t>8</a:t>
+            </a:fld>
+            <a:endParaRPr lang="en-US"/>
+          </a:p>
+        </p:txBody>
+      </p:sp>
+    </p:spTree>
+    <p:extLst>
+      <p:ext uri="{BB962C8B-B14F-4D97-AF65-F5344CB8AC3E}">
+        <p14:creationId xmlns:p14="http://schemas.microsoft.com/office/powerpoint/2010/main" val="1123765275"/>
+      </p:ext>
+    </p:extLst>
+  </p:cSld>
+  <p:clrMapOvr>
+    <a:masterClrMapping/>
+  </p:clrMapOvr>
+</p:notes>
+</file>
+
+<file path=ppt/notesSlides/notesSlide5.xml><?xml version="1.0" encoding="utf-8"?>
+<p:notes xmlns:a="http://schemas.openxmlformats.org/drawingml/2006/main" xmlns:r="http://schemas.openxmlformats.org/officeDocument/2006/relationships" xmlns:p="http://schemas.openxmlformats.org/presentationml/2006/main">
+  <p:cSld>
+    <p:spTree>
+      <p:nvGrpSpPr>
+        <p:cNvPr id="1" name=""/>
+        <p:cNvGrpSpPr/>
+        <p:nvPr/>
+      </p:nvGrpSpPr>
+      <p:grpSpPr>
+        <a:xfrm>
+          <a:off x="0" y="0"/>
+          <a:ext cx="0" cy="0"/>
+          <a:chOff x="0" y="0"/>
+          <a:chExt cx="0" cy="0"/>
+        </a:xfrm>
+      </p:grpSpPr>
+      <p:sp>
+        <p:nvSpPr>
+          <p:cNvPr id="2" name="Slide Image Placeholder 1"/>
+          <p:cNvSpPr>
+            <a:spLocks noGrp="1" noRot="1" noChangeAspect="1"/>
+          </p:cNvSpPr>
+          <p:nvPr>
+            <p:ph type="sldImg"/>
+          </p:nvPr>
+        </p:nvSpPr>
+        <p:spPr/>
+      </p:sp>
+      <p:sp>
+        <p:nvSpPr>
+          <p:cNvPr id="3" name="Notes Placeholder 2"/>
+          <p:cNvSpPr>
+            <a:spLocks noGrp="1"/>
+          </p:cNvSpPr>
+          <p:nvPr>
+            <p:ph type="body" idx="1"/>
+          </p:nvPr>
+        </p:nvSpPr>
+        <p:spPr/>
+        <p:txBody>
+          <a:bodyPr/>
+          <a:lstStyle/>
+          <a:p>
+            <a:pPr marL="0" marR="0" lvl="0" indent="0" algn="l" defTabSz="914400" rtl="0" eaLnBrk="1" fontAlgn="auto" latinLnBrk="0" hangingPunct="1">
+              <a:lnSpc>
+                <a:spcPct val="100000"/>
+              </a:lnSpc>
+              <a:spcBef>
+                <a:spcPts val="0"/>
+              </a:spcBef>
+              <a:spcAft>
+                <a:spcPts val="0"/>
+              </a:spcAft>
+              <a:buClrTx/>
+              <a:buSzTx/>
+              <a:buFontTx/>
+              <a:buNone/>
+              <a:tabLst/>
+              <a:defRPr/>
+            </a:pPr>
+            <a:r>
+              <a:rPr lang="en-US" dirty="0"/>
+              <a:t>Visualize the required education in the jobs. The right graph shows how many real and fake jobs in different required education, and the left graph shows how many jobs in different required education. The interesting thing is almost half jobs do not require any education. Most fake jobs appear in not applicable, but “some high school coursework” has the highest real and fake ratio rate which is 5. The second highest real and fake ratio rate is “Certification” which is 0.216.</a:t>
+            </a:r>
+          </a:p>
+          <a:p>
+            <a:endParaRPr lang="en-US" dirty="0"/>
+          </a:p>
+        </p:txBody>
+      </p:sp>
+      <p:sp>
+        <p:nvSpPr>
+          <p:cNvPr id="4" name="Slide Number Placeholder 3"/>
+          <p:cNvSpPr>
+            <a:spLocks noGrp="1"/>
+          </p:cNvSpPr>
+          <p:nvPr>
+            <p:ph type="sldNum" sz="quarter" idx="5"/>
+          </p:nvPr>
+        </p:nvSpPr>
+        <p:spPr/>
+        <p:txBody>
+          <a:bodyPr/>
+          <a:lstStyle/>
+          <a:p>
+            <a:fld id="{3988BA7C-F53B-5843-BFD1-F2A378DDFB22}" type="slidenum">
+              <a:rPr lang="en-US" smtClean="0"/>
+              <a:t>9</a:t>
+            </a:fld>
+            <a:endParaRPr lang="en-US"/>
+          </a:p>
+        </p:txBody>
+      </p:sp>
+    </p:spTree>
+    <p:extLst>
+      <p:ext uri="{BB962C8B-B14F-4D97-AF65-F5344CB8AC3E}">
+        <p14:creationId xmlns:p14="http://schemas.microsoft.com/office/powerpoint/2010/main" val="2272921570"/>
+      </p:ext>
+    </p:extLst>
+  </p:cSld>
+  <p:clrMapOvr>
+    <a:masterClrMapping/>
+  </p:clrMapOvr>
+</p:notes>
+</file>
+
+<file path=ppt/notesSlides/notesSlide6.xml><?xml version="1.0" encoding="utf-8"?>
+<p:notes xmlns:a="http://schemas.openxmlformats.org/drawingml/2006/main" xmlns:r="http://schemas.openxmlformats.org/officeDocument/2006/relationships" xmlns:p="http://schemas.openxmlformats.org/presentationml/2006/main">
+  <p:cSld>
+    <p:spTree>
+      <p:nvGrpSpPr>
+        <p:cNvPr id="1" name=""/>
+        <p:cNvGrpSpPr/>
+        <p:nvPr/>
+      </p:nvGrpSpPr>
+      <p:grpSpPr>
+        <a:xfrm>
+          <a:off x="0" y="0"/>
+          <a:ext cx="0" cy="0"/>
+          <a:chOff x="0" y="0"/>
+          <a:chExt cx="0" cy="0"/>
+        </a:xfrm>
+      </p:grpSpPr>
+      <p:sp>
+        <p:nvSpPr>
+          <p:cNvPr id="2" name="Slide Image Placeholder 1"/>
+          <p:cNvSpPr>
+            <a:spLocks noGrp="1" noRot="1" noChangeAspect="1"/>
+          </p:cNvSpPr>
+          <p:nvPr>
+            <p:ph type="sldImg"/>
+          </p:nvPr>
+        </p:nvSpPr>
+        <p:spPr/>
+      </p:sp>
+      <p:sp>
+        <p:nvSpPr>
+          <p:cNvPr id="3" name="Notes Placeholder 2"/>
+          <p:cNvSpPr>
+            <a:spLocks noGrp="1"/>
+          </p:cNvSpPr>
+          <p:nvPr>
+            <p:ph type="body" idx="1"/>
+          </p:nvPr>
+        </p:nvSpPr>
+        <p:spPr/>
+        <p:txBody>
+          <a:bodyPr/>
+          <a:lstStyle/>
+          <a:p>
+            <a:pPr marL="0" marR="0" lvl="0" indent="0" algn="l" defTabSz="914400" rtl="0" eaLnBrk="1" fontAlgn="auto" latinLnBrk="0" hangingPunct="1">
+              <a:lnSpc>
+                <a:spcPct val="100000"/>
+              </a:lnSpc>
+              <a:spcBef>
+                <a:spcPts val="0"/>
+              </a:spcBef>
+              <a:spcAft>
+                <a:spcPts val="0"/>
+              </a:spcAft>
+              <a:buClrTx/>
+              <a:buSzTx/>
+              <a:buFontTx/>
+              <a:buNone/>
+              <a:tabLst/>
+              <a:defRPr/>
+            </a:pPr>
+            <a:r>
+              <a:rPr lang="en-US" dirty="0"/>
+              <a:t>Visualize the has company logo in the jobs. The left graph shows how many real and fake jobs in “has company logo”, and the left graph shows how many jobs in “has company logo”. Most fake jobs appear in no company logo, which it has 0.22 real and fake ratio rate. </a:t>
+            </a:r>
+          </a:p>
+          <a:p>
+            <a:endParaRPr lang="en-US" dirty="0"/>
+          </a:p>
+          <a:p>
+            <a:r>
+              <a:rPr lang="en-US" dirty="0"/>
+              <a:t>Okay, Jonathan is going to talk about what models and metrics we used in the project.</a:t>
+            </a:r>
+          </a:p>
+        </p:txBody>
+      </p:sp>
+      <p:sp>
+        <p:nvSpPr>
+          <p:cNvPr id="4" name="Slide Number Placeholder 3"/>
+          <p:cNvSpPr>
+            <a:spLocks noGrp="1"/>
+          </p:cNvSpPr>
+          <p:nvPr>
+            <p:ph type="sldNum" sz="quarter" idx="5"/>
+          </p:nvPr>
+        </p:nvSpPr>
+        <p:spPr/>
+        <p:txBody>
+          <a:bodyPr/>
+          <a:lstStyle/>
+          <a:p>
+            <a:fld id="{3988BA7C-F53B-5843-BFD1-F2A378DDFB22}" type="slidenum">
+              <a:rPr lang="en-US" smtClean="0"/>
+              <a:t>10</a:t>
+            </a:fld>
+            <a:endParaRPr lang="en-US"/>
+          </a:p>
+        </p:txBody>
+      </p:sp>
+    </p:spTree>
+    <p:extLst>
+      <p:ext uri="{BB962C8B-B14F-4D97-AF65-F5344CB8AC3E}">
+        <p14:creationId xmlns:p14="http://schemas.microsoft.com/office/powerpoint/2010/main" val="424433199"/>
+      </p:ext>
+    </p:extLst>
+  </p:cSld>
+  <p:clrMapOvr>
+    <a:masterClrMapping/>
+  </p:clrMapOvr>
+</p:notes>
+</file>
+
 <file path=ppt/slideLayouts/slideLayout1.xml><?xml version="1.0" encoding="utf-8"?>
 <p:sldLayout xmlns:a="http://schemas.openxmlformats.org/drawingml/2006/main" xmlns:r="http://schemas.openxmlformats.org/officeDocument/2006/relationships" xmlns:p="http://schemas.openxmlformats.org/presentationml/2006/main" type="title" preserve="1">
   <p:cSld name="Title Slide">
@@ -295,7 +1363,7 @@
           <a:p>
             <a:fld id="{48A87A34-81AB-432B-8DAE-1953F412C126}" type="datetimeFigureOut">
               <a:rPr lang="en-US" dirty="0"/>
-              <a:t>12/11/2021</a:t>
+              <a:t>12/12/21</a:t>
             </a:fld>
             <a:endParaRPr lang="en-US" dirty="0"/>
           </a:p>
@@ -602,7 +1670,7 @@
           <a:p>
             <a:fld id="{48A87A34-81AB-432B-8DAE-1953F412C126}" type="datetimeFigureOut">
               <a:rPr lang="en-US" dirty="0"/>
-              <a:t>12/11/2021</a:t>
+              <a:t>12/12/21</a:t>
             </a:fld>
             <a:endParaRPr lang="en-US" dirty="0"/>
           </a:p>
@@ -819,7 +1887,7 @@
           <a:p>
             <a:fld id="{48A87A34-81AB-432B-8DAE-1953F412C126}" type="datetimeFigureOut">
               <a:rPr lang="en-US" dirty="0"/>
-              <a:t>12/11/2021</a:t>
+              <a:t>12/12/21</a:t>
             </a:fld>
             <a:endParaRPr lang="en-US" dirty="0"/>
           </a:p>
@@ -1105,7 +2173,7 @@
           <a:p>
             <a:fld id="{48A87A34-81AB-432B-8DAE-1953F412C126}" type="datetimeFigureOut">
               <a:rPr lang="en-US" dirty="0"/>
-              <a:t>12/11/2021</a:t>
+              <a:t>12/12/21</a:t>
             </a:fld>
             <a:endParaRPr lang="en-US" dirty="0"/>
           </a:p>
@@ -1554,7 +2622,7 @@
           <a:p>
             <a:fld id="{48A87A34-81AB-432B-8DAE-1953F412C126}" type="datetimeFigureOut">
               <a:rPr lang="en-US" dirty="0"/>
-              <a:t>12/11/2021</a:t>
+              <a:t>12/12/21</a:t>
             </a:fld>
             <a:endParaRPr lang="en-US" dirty="0"/>
           </a:p>
@@ -2125,7 +3193,7 @@
           <a:p>
             <a:fld id="{48A87A34-81AB-432B-8DAE-1953F412C126}" type="datetimeFigureOut">
               <a:rPr lang="en-US" dirty="0"/>
-              <a:t>12/11/2021</a:t>
+              <a:t>12/12/21</a:t>
             </a:fld>
             <a:endParaRPr lang="en-US" dirty="0"/>
           </a:p>
@@ -2972,7 +4040,7 @@
           <a:p>
             <a:fld id="{48A87A34-81AB-432B-8DAE-1953F412C126}" type="datetimeFigureOut">
               <a:rPr lang="en-US" dirty="0"/>
-              <a:t>12/11/2021</a:t>
+              <a:t>12/12/21</a:t>
             </a:fld>
             <a:endParaRPr lang="en-US" dirty="0"/>
           </a:p>
@@ -3172,7 +4240,7 @@
           <a:p>
             <a:fld id="{48A87A34-81AB-432B-8DAE-1953F412C126}" type="datetimeFigureOut">
               <a:rPr lang="en-US" dirty="0"/>
-              <a:t>12/11/2021</a:t>
+              <a:t>12/12/21</a:t>
             </a:fld>
             <a:endParaRPr lang="en-US" dirty="0"/>
           </a:p>
@@ -3381,7 +4449,7 @@
           <a:p>
             <a:fld id="{48A87A34-81AB-432B-8DAE-1953F412C126}" type="datetimeFigureOut">
               <a:rPr lang="en-US" dirty="0"/>
-              <a:t>12/11/2021</a:t>
+              <a:t>12/12/21</a:t>
             </a:fld>
             <a:endParaRPr lang="en-US" dirty="0"/>
           </a:p>
@@ -3581,7 +4649,7 @@
           <a:p>
             <a:fld id="{48A87A34-81AB-432B-8DAE-1953F412C126}" type="datetimeFigureOut">
               <a:rPr lang="en-US" dirty="0"/>
-              <a:t>12/11/2021</a:t>
+              <a:t>12/12/21</a:t>
             </a:fld>
             <a:endParaRPr lang="en-US" dirty="0"/>
           </a:p>
@@ -3856,7 +4924,7 @@
           <a:p>
             <a:fld id="{48A87A34-81AB-432B-8DAE-1953F412C126}" type="datetimeFigureOut">
               <a:rPr lang="en-US" dirty="0"/>
-              <a:t>12/11/2021</a:t>
+              <a:t>12/12/21</a:t>
             </a:fld>
             <a:endParaRPr lang="en-US" dirty="0"/>
           </a:p>
@@ -4118,7 +5186,7 @@
           <a:p>
             <a:fld id="{48A87A34-81AB-432B-8DAE-1953F412C126}" type="datetimeFigureOut">
               <a:rPr lang="en-US" dirty="0"/>
-              <a:t>12/11/2021</a:t>
+              <a:t>12/12/21</a:t>
             </a:fld>
             <a:endParaRPr lang="en-US" dirty="0"/>
           </a:p>
@@ -4528,7 +5596,7 @@
           <a:p>
             <a:fld id="{48A87A34-81AB-432B-8DAE-1953F412C126}" type="datetimeFigureOut">
               <a:rPr lang="en-US" dirty="0"/>
-              <a:t>12/11/2021</a:t>
+              <a:t>12/12/21</a:t>
             </a:fld>
             <a:endParaRPr lang="en-US" dirty="0"/>
           </a:p>
@@ -4671,7 +5739,7 @@
           <a:p>
             <a:fld id="{48A87A34-81AB-432B-8DAE-1953F412C126}" type="datetimeFigureOut">
               <a:rPr lang="en-US" dirty="0"/>
-              <a:t>12/11/2021</a:t>
+              <a:t>12/12/21</a:t>
             </a:fld>
             <a:endParaRPr lang="en-US" dirty="0"/>
           </a:p>
@@ -4791,7 +5859,7 @@
           <a:p>
             <a:fld id="{48A87A34-81AB-432B-8DAE-1953F412C126}" type="datetimeFigureOut">
               <a:rPr lang="en-US" dirty="0"/>
-              <a:t>12/11/2021</a:t>
+              <a:t>12/12/21</a:t>
             </a:fld>
             <a:endParaRPr lang="en-US" dirty="0"/>
           </a:p>
@@ -5065,7 +6133,7 @@
           <a:p>
             <a:fld id="{48A87A34-81AB-432B-8DAE-1953F412C126}" type="datetimeFigureOut">
               <a:rPr lang="en-US" dirty="0"/>
-              <a:t>12/11/2021</a:t>
+              <a:t>12/12/21</a:t>
             </a:fld>
             <a:endParaRPr lang="en-US" dirty="0"/>
           </a:p>
@@ -5372,7 +6440,7 @@
           <a:p>
             <a:fld id="{48A87A34-81AB-432B-8DAE-1953F412C126}" type="datetimeFigureOut">
               <a:rPr lang="en-US" dirty="0"/>
-              <a:t>12/11/2021</a:t>
+              <a:t>12/12/21</a:t>
             </a:fld>
             <a:endParaRPr lang="en-US" dirty="0"/>
           </a:p>
@@ -5621,7 +6689,7 @@
             <a:fld id="{48A87A34-81AB-432B-8DAE-1953F412C126}" type="datetimeFigureOut">
               <a:rPr lang="en-US" dirty="0"/>
               <a:pPr/>
-              <a:t>12/11/2021</a:t>
+              <a:t>12/12/21</a:t>
             </a:fld>
             <a:endParaRPr lang="en-US" dirty="0"/>
           </a:p>
@@ -6084,14 +7152,7 @@
           <a:p>
             <a:r>
               <a:rPr lang="en-US" dirty="0"/>
-              <a:t>Analysis and predictions on fraudulent job postings </a:t>
-            </a:r>
-            <a:br>
-              <a:rPr lang="en-US" dirty="0"/>
-            </a:br>
-            <a:r>
-              <a:rPr lang="en-US" dirty="0"/>
-              <a:t>in the us</a:t>
+              <a:t>Predictive Analysis of fake job postings in the us</a:t>
             </a:r>
           </a:p>
         </p:txBody>
@@ -6213,128 +7274,6 @@
           <p:cNvPr id="2" name="Title 1">
             <a:extLst>
               <a:ext uri="{FF2B5EF4-FFF2-40B4-BE49-F238E27FC236}">
-                <a16:creationId xmlns:a16="http://schemas.microsoft.com/office/drawing/2014/main" id="{07C823FD-67D4-455B-8E16-8582589D6AE4}"/>
-              </a:ext>
-            </a:extLst>
-          </p:cNvPr>
-          <p:cNvSpPr>
-            <a:spLocks noGrp="1"/>
-          </p:cNvSpPr>
-          <p:nvPr>
-            <p:ph type="title"/>
-          </p:nvPr>
-        </p:nvSpPr>
-        <p:spPr/>
-        <p:txBody>
-          <a:bodyPr/>
-          <a:lstStyle/>
-          <a:p>
-            <a:r>
-              <a:rPr lang="en-US" dirty="0"/>
-              <a:t>Required-education</a:t>
-            </a:r>
-          </a:p>
-        </p:txBody>
-      </p:sp>
-      <p:pic>
-        <p:nvPicPr>
-          <p:cNvPr id="6" name="Content Placeholder 5">
-            <a:extLst>
-              <a:ext uri="{FF2B5EF4-FFF2-40B4-BE49-F238E27FC236}">
-                <a16:creationId xmlns:a16="http://schemas.microsoft.com/office/drawing/2014/main" id="{E20BCBB8-C652-47A1-B2D4-5D477957E554}"/>
-              </a:ext>
-            </a:extLst>
-          </p:cNvPr>
-          <p:cNvPicPr>
-            <a:picLocks noGrp="1" noChangeAspect="1"/>
-          </p:cNvPicPr>
-          <p:nvPr>
-            <p:ph sz="quarter" idx="13"/>
-          </p:nvPr>
-        </p:nvPicPr>
-        <p:blipFill>
-          <a:blip r:embed="rId2"/>
-          <a:stretch>
-            <a:fillRect/>
-          </a:stretch>
-        </p:blipFill>
-        <p:spPr>
-          <a:xfrm>
-            <a:off x="1202635" y="1908313"/>
-            <a:ext cx="4224130" cy="4532244"/>
-          </a:xfrm>
-          <a:prstGeom prst="rect">
-            <a:avLst/>
-          </a:prstGeom>
-        </p:spPr>
-      </p:pic>
-      <p:pic>
-        <p:nvPicPr>
-          <p:cNvPr id="5" name="Content Placeholder 4">
-            <a:extLst>
-              <a:ext uri="{FF2B5EF4-FFF2-40B4-BE49-F238E27FC236}">
-                <a16:creationId xmlns:a16="http://schemas.microsoft.com/office/drawing/2014/main" id="{BF6EDF20-EBA1-4D38-9C86-95226BAC035B}"/>
-              </a:ext>
-            </a:extLst>
-          </p:cNvPr>
-          <p:cNvPicPr>
-            <a:picLocks noGrp="1" noChangeAspect="1"/>
-          </p:cNvPicPr>
-          <p:nvPr>
-            <p:ph sz="quarter" idx="14"/>
-          </p:nvPr>
-        </p:nvPicPr>
-        <p:blipFill>
-          <a:blip r:embed="rId3"/>
-          <a:stretch>
-            <a:fillRect/>
-          </a:stretch>
-        </p:blipFill>
-        <p:spPr>
-          <a:xfrm>
-            <a:off x="6096000" y="1908313"/>
-            <a:ext cx="5443329" cy="4532244"/>
-          </a:xfrm>
-          <a:prstGeom prst="rect">
-            <a:avLst/>
-          </a:prstGeom>
-        </p:spPr>
-      </p:pic>
-    </p:spTree>
-    <p:extLst>
-      <p:ext uri="{BB962C8B-B14F-4D97-AF65-F5344CB8AC3E}">
-        <p14:creationId xmlns:p14="http://schemas.microsoft.com/office/powerpoint/2010/main" val="3140331604"/>
-      </p:ext>
-    </p:extLst>
-  </p:cSld>
-  <p:clrMapOvr>
-    <a:masterClrMapping/>
-  </p:clrMapOvr>
-</p:sld>
-</file>
-
-<file path=ppt/slides/slide11.xml><?xml version="1.0" encoding="utf-8"?>
-<p:sld xmlns:a="http://schemas.openxmlformats.org/drawingml/2006/main" xmlns:r="http://schemas.openxmlformats.org/officeDocument/2006/relationships" xmlns:p="http://schemas.openxmlformats.org/presentationml/2006/main">
-  <p:cSld>
-    <p:spTree>
-      <p:nvGrpSpPr>
-        <p:cNvPr id="1" name=""/>
-        <p:cNvGrpSpPr/>
-        <p:nvPr/>
-      </p:nvGrpSpPr>
-      <p:grpSpPr>
-        <a:xfrm>
-          <a:off x="0" y="0"/>
-          <a:ext cx="0" cy="0"/>
-          <a:chOff x="0" y="0"/>
-          <a:chExt cx="0" cy="0"/>
-        </a:xfrm>
-      </p:grpSpPr>
-      <p:sp>
-        <p:nvSpPr>
-          <p:cNvPr id="2" name="Title 1">
-            <a:extLst>
-              <a:ext uri="{FF2B5EF4-FFF2-40B4-BE49-F238E27FC236}">
                 <a16:creationId xmlns:a16="http://schemas.microsoft.com/office/drawing/2014/main" id="{FB047358-2DA0-4EBD-A009-371F287CBFA5}"/>
               </a:ext>
             </a:extLst>
@@ -6424,7 +7363,7 @@
           </p:nvPr>
         </p:nvPicPr>
         <p:blipFill>
-          <a:blip r:embed="rId2"/>
+          <a:blip r:embed="rId5"/>
           <a:stretch>
             <a:fillRect/>
           </a:stretch>
@@ -6454,7 +7393,7 @@
           <p:nvPr/>
         </p:nvPicPr>
         <p:blipFill>
-          <a:blip r:embed="rId3"/>
+          <a:blip r:embed="rId6"/>
           <a:stretch>
             <a:fillRect/>
           </a:stretch>
@@ -6469,10 +7408,319 @@
           </a:prstGeom>
         </p:spPr>
       </p:pic>
+      <p:pic>
+        <p:nvPicPr>
+          <p:cNvPr id="4" name="Audio 3">
+            <a:hlinkClick r:id="" action="ppaction://media"/>
+            <a:extLst>
+              <a:ext uri="{FF2B5EF4-FFF2-40B4-BE49-F238E27FC236}">
+                <a16:creationId xmlns:a16="http://schemas.microsoft.com/office/drawing/2014/main" id="{2867ADE3-C1D6-2947-A140-E1EA888A29FF}"/>
+              </a:ext>
+            </a:extLst>
+          </p:cNvPr>
+          <p:cNvPicPr>
+            <a:picLocks noChangeAspect="1"/>
+          </p:cNvPicPr>
+          <p:nvPr>
+            <a:audioFile r:link="rId2"/>
+            <p:extLst>
+              <p:ext uri="{DAA4B4D4-6D71-4841-9C94-3DE7FCFB9230}">
+                <p14:media xmlns:p14="http://schemas.microsoft.com/office/powerpoint/2010/main" r:embed="rId1"/>
+              </p:ext>
+            </p:extLst>
+          </p:nvPr>
+        </p:nvPicPr>
+        <p:blipFill>
+          <a:blip r:embed="rId7"/>
+          <a:stretch>
+            <a:fillRect/>
+          </a:stretch>
+        </p:blipFill>
+        <p:spPr>
+          <a:xfrm>
+            <a:off x="11226800" y="5892800"/>
+            <a:ext cx="812800" cy="812800"/>
+          </a:xfrm>
+          <a:prstGeom prst="rect">
+            <a:avLst/>
+          </a:prstGeom>
+        </p:spPr>
+      </p:pic>
     </p:spTree>
     <p:extLst>
       <p:ext uri="{BB962C8B-B14F-4D97-AF65-F5344CB8AC3E}">
         <p14:creationId xmlns:p14="http://schemas.microsoft.com/office/powerpoint/2010/main" val="2657199537"/>
+      </p:ext>
+    </p:extLst>
+  </p:cSld>
+  <p:clrMapOvr>
+    <a:masterClrMapping/>
+  </p:clrMapOvr>
+  <mc:AlternateContent xmlns:mc="http://schemas.openxmlformats.org/markup-compatibility/2006">
+    <mc:Choice xmlns:p14="http://schemas.microsoft.com/office/powerpoint/2010/main" Requires="p14">
+      <p:transition spd="slow" p14:dur="2000" advTm="32650"/>
+    </mc:Choice>
+    <mc:Fallback>
+      <p:transition spd="slow" advTm="32650"/>
+    </mc:Fallback>
+  </mc:AlternateContent>
+  <p:timing>
+    <p:tnLst>
+      <p:par>
+        <p:cTn id="1" dur="indefinite" restart="never" nodeType="tmRoot">
+          <p:childTnLst>
+            <p:seq concurrent="1" nextAc="seek">
+              <p:cTn id="2" dur="indefinite" nodeType="mainSeq">
+                <p:childTnLst>
+                  <p:par>
+                    <p:cTn id="3" fill="hold">
+                      <p:stCondLst>
+                        <p:cond delay="indefinite"/>
+                        <p:cond evt="onBegin" delay="0">
+                          <p:tn val="2"/>
+                        </p:cond>
+                      </p:stCondLst>
+                      <p:childTnLst>
+                        <p:par>
+                          <p:cTn id="4" fill="hold">
+                            <p:stCondLst>
+                              <p:cond delay="0"/>
+                            </p:stCondLst>
+                            <p:childTnLst>
+                              <p:par>
+                                <p:cTn id="5" presetID="1" presetClass="mediacall" presetSubtype="0" fill="hold" nodeType="afterEffect">
+                                  <p:stCondLst>
+                                    <p:cond delay="0"/>
+                                  </p:stCondLst>
+                                  <p:childTnLst>
+                                    <p:cmd type="call" cmd="playFrom(0.0)">
+                                      <p:cBhvr>
+                                        <p:cTn id="6" dur="1" fill="hold"/>
+                                        <p:tgtEl>
+                                          <p:spTgt spid="4"/>
+                                        </p:tgtEl>
+                                      </p:cBhvr>
+                                    </p:cmd>
+                                  </p:childTnLst>
+                                </p:cTn>
+                              </p:par>
+                            </p:childTnLst>
+                          </p:cTn>
+                        </p:par>
+                      </p:childTnLst>
+                    </p:cTn>
+                  </p:par>
+                </p:childTnLst>
+              </p:cTn>
+              <p:prevCondLst>
+                <p:cond evt="onPrev" delay="0">
+                  <p:tgtEl>
+                    <p:sldTgt/>
+                  </p:tgtEl>
+                </p:cond>
+              </p:prevCondLst>
+              <p:nextCondLst>
+                <p:cond evt="onNext" delay="0">
+                  <p:tgtEl>
+                    <p:sldTgt/>
+                  </p:tgtEl>
+                </p:cond>
+              </p:nextCondLst>
+            </p:seq>
+            <p:audio isNarration="1">
+              <p:cMediaNode vol="80000" showWhenStopped="0">
+                <p:cTn id="7" fill="hold" display="0">
+                  <p:stCondLst>
+                    <p:cond delay="indefinite"/>
+                  </p:stCondLst>
+                  <p:endCondLst>
+                    <p:cond evt="onStopAudio" delay="0">
+                      <p:tgtEl>
+                        <p:sldTgt/>
+                      </p:tgtEl>
+                    </p:cond>
+                  </p:endCondLst>
+                </p:cTn>
+                <p:tgtEl>
+                  <p:spTgt spid="4"/>
+                </p:tgtEl>
+              </p:cMediaNode>
+            </p:audio>
+          </p:childTnLst>
+        </p:cTn>
+      </p:par>
+    </p:tnLst>
+  </p:timing>
+</p:sld>
+</file>
+
+<file path=ppt/slides/slide11.xml><?xml version="1.0" encoding="utf-8"?>
+<p:sld xmlns:a="http://schemas.openxmlformats.org/drawingml/2006/main" xmlns:r="http://schemas.openxmlformats.org/officeDocument/2006/relationships" xmlns:p="http://schemas.openxmlformats.org/presentationml/2006/main">
+  <p:cSld>
+    <p:spTree>
+      <p:nvGrpSpPr>
+        <p:cNvPr id="1" name=""/>
+        <p:cNvGrpSpPr/>
+        <p:nvPr/>
+      </p:nvGrpSpPr>
+      <p:grpSpPr>
+        <a:xfrm>
+          <a:off x="0" y="0"/>
+          <a:ext cx="0" cy="0"/>
+          <a:chOff x="0" y="0"/>
+          <a:chExt cx="0" cy="0"/>
+        </a:xfrm>
+      </p:grpSpPr>
+      <p:sp>
+        <p:nvSpPr>
+          <p:cNvPr id="2" name="Title 1">
+            <a:extLst>
+              <a:ext uri="{FF2B5EF4-FFF2-40B4-BE49-F238E27FC236}">
+                <a16:creationId xmlns:a16="http://schemas.microsoft.com/office/drawing/2014/main" id="{8C1667CE-6146-4996-A275-E70D08A3DA7E}"/>
+              </a:ext>
+            </a:extLst>
+          </p:cNvPr>
+          <p:cNvSpPr>
+            <a:spLocks noGrp="1"/>
+          </p:cNvSpPr>
+          <p:nvPr>
+            <p:ph type="title"/>
+          </p:nvPr>
+        </p:nvSpPr>
+        <p:spPr/>
+        <p:txBody>
+          <a:bodyPr/>
+          <a:lstStyle/>
+          <a:p>
+            <a:r>
+              <a:rPr lang="en-US" dirty="0"/>
+              <a:t>Models and metrics</a:t>
+            </a:r>
+          </a:p>
+        </p:txBody>
+      </p:sp>
+      <p:sp>
+        <p:nvSpPr>
+          <p:cNvPr id="3" name="Content Placeholder 2">
+            <a:extLst>
+              <a:ext uri="{FF2B5EF4-FFF2-40B4-BE49-F238E27FC236}">
+                <a16:creationId xmlns:a16="http://schemas.microsoft.com/office/drawing/2014/main" id="{0EDF38FC-AA73-47FC-BD1D-3BDA1034344D}"/>
+              </a:ext>
+            </a:extLst>
+          </p:cNvPr>
+          <p:cNvSpPr>
+            <a:spLocks noGrp="1"/>
+          </p:cNvSpPr>
+          <p:nvPr>
+            <p:ph sz="quarter" idx="13"/>
+          </p:nvPr>
+        </p:nvSpPr>
+        <p:spPr/>
+        <p:txBody>
+          <a:bodyPr/>
+          <a:lstStyle/>
+          <a:p>
+            <a:r>
+              <a:rPr lang="en-US" dirty="0"/>
+              <a:t>Naïve </a:t>
+            </a:r>
+            <a:r>
+              <a:rPr lang="en-US" dirty="0" err="1"/>
+              <a:t>bayes</a:t>
+            </a:r>
+            <a:r>
+              <a:rPr lang="en-US" dirty="0"/>
+              <a:t> model</a:t>
+            </a:r>
+          </a:p>
+          <a:p>
+            <a:r>
+              <a:rPr lang="en-US" dirty="0"/>
+              <a:t>Decision tree classifier</a:t>
+            </a:r>
+          </a:p>
+          <a:p>
+            <a:r>
+              <a:rPr lang="en-US" dirty="0"/>
+              <a:t>K-nearest neighbors</a:t>
+            </a:r>
+          </a:p>
+          <a:p>
+            <a:r>
+              <a:rPr lang="en-US" dirty="0"/>
+              <a:t>Random forest</a:t>
+            </a:r>
+          </a:p>
+          <a:p>
+            <a:pPr marL="0" indent="0">
+              <a:buNone/>
+            </a:pPr>
+            <a:endParaRPr lang="en-US" dirty="0"/>
+          </a:p>
+        </p:txBody>
+      </p:sp>
+      <p:sp>
+        <p:nvSpPr>
+          <p:cNvPr id="4" name="Content Placeholder 3">
+            <a:extLst>
+              <a:ext uri="{FF2B5EF4-FFF2-40B4-BE49-F238E27FC236}">
+                <a16:creationId xmlns:a16="http://schemas.microsoft.com/office/drawing/2014/main" id="{6BFDE3A1-C0EC-4376-AFFE-4708B6FFA693}"/>
+              </a:ext>
+            </a:extLst>
+          </p:cNvPr>
+          <p:cNvSpPr>
+            <a:spLocks noGrp="1"/>
+          </p:cNvSpPr>
+          <p:nvPr>
+            <p:ph sz="quarter" idx="14"/>
+          </p:nvPr>
+        </p:nvSpPr>
+        <p:spPr/>
+        <p:txBody>
+          <a:bodyPr/>
+          <a:lstStyle/>
+          <a:p>
+            <a:r>
+              <a:rPr lang="en-US" dirty="0"/>
+              <a:t>ACCURACY</a:t>
+            </a:r>
+          </a:p>
+          <a:p>
+            <a:r>
+              <a:rPr lang="en-US" dirty="0"/>
+              <a:t>F1 SCORE</a:t>
+            </a:r>
+          </a:p>
+          <a:p>
+            <a:r>
+              <a:rPr lang="en-US" dirty="0"/>
+              <a:t>PRECISION</a:t>
+            </a:r>
+          </a:p>
+          <a:p>
+            <a:r>
+              <a:rPr lang="en-US" dirty="0"/>
+              <a:t>RECALL</a:t>
+            </a:r>
+          </a:p>
+          <a:p>
+            <a:r>
+              <a:rPr lang="en-US" dirty="0"/>
+              <a:t>Sensitivity</a:t>
+            </a:r>
+          </a:p>
+          <a:p>
+            <a:r>
+              <a:rPr lang="en-US" dirty="0"/>
+              <a:t>specificity</a:t>
+            </a:r>
+          </a:p>
+        </p:txBody>
+      </p:sp>
+    </p:spTree>
+    <p:extLst>
+      <p:ext uri="{BB962C8B-B14F-4D97-AF65-F5344CB8AC3E}">
+        <p14:creationId xmlns:p14="http://schemas.microsoft.com/office/powerpoint/2010/main" val="242248369"/>
       </p:ext>
     </p:extLst>
   </p:cSld>
@@ -6504,7 +7752,7 @@
           <p:cNvPr id="2" name="Title 1">
             <a:extLst>
               <a:ext uri="{FF2B5EF4-FFF2-40B4-BE49-F238E27FC236}">
-                <a16:creationId xmlns:a16="http://schemas.microsoft.com/office/drawing/2014/main" id="{8C1667CE-6146-4996-A275-E70D08A3DA7E}"/>
+                <a16:creationId xmlns:a16="http://schemas.microsoft.com/office/drawing/2014/main" id="{99337987-53D2-4514-9860-289E40CE40A2}"/>
               </a:ext>
             </a:extLst>
           </p:cNvPr>
@@ -6522,17 +7770,17 @@
           <a:p>
             <a:r>
               <a:rPr lang="en-US" dirty="0"/>
-              <a:t>Models and metrics</a:t>
-            </a:r>
-          </a:p>
-        </p:txBody>
-      </p:sp>
-      <p:sp>
-        <p:nvSpPr>
-          <p:cNvPr id="3" name="Content Placeholder 2">
+              <a:t>Model metrics</a:t>
+            </a:r>
+          </a:p>
+        </p:txBody>
+      </p:sp>
+      <p:sp>
+        <p:nvSpPr>
+          <p:cNvPr id="3" name="Text Placeholder 2">
             <a:extLst>
               <a:ext uri="{FF2B5EF4-FFF2-40B4-BE49-F238E27FC236}">
-                <a16:creationId xmlns:a16="http://schemas.microsoft.com/office/drawing/2014/main" id="{0EDF38FC-AA73-47FC-BD1D-3BDA1034344D}"/>
+                <a16:creationId xmlns:a16="http://schemas.microsoft.com/office/drawing/2014/main" id="{940F640B-798F-443D-A624-834B413040C7}"/>
               </a:ext>
             </a:extLst>
           </p:cNvPr>
@@ -6540,10 +7788,15 @@
             <a:spLocks noGrp="1"/>
           </p:cNvSpPr>
           <p:nvPr>
-            <p:ph sz="quarter" idx="13"/>
-          </p:nvPr>
-        </p:nvSpPr>
-        <p:spPr/>
+            <p:ph type="body" idx="1"/>
+          </p:nvPr>
+        </p:nvSpPr>
+        <p:spPr>
+          <a:xfrm>
+            <a:off x="1146328" y="1988598"/>
+            <a:ext cx="4873474" cy="790113"/>
+          </a:xfrm>
+        </p:spPr>
         <p:txBody>
           <a:bodyPr/>
           <a:lstStyle/>
@@ -6560,30 +7813,6 @@
               <a:rPr lang="en-US" dirty="0"/>
               <a:t> model</a:t>
             </a:r>
-          </a:p>
-          <a:p>
-            <a:r>
-              <a:rPr lang="en-US" dirty="0"/>
-              <a:t>Decision tree classifier</a:t>
-            </a:r>
-          </a:p>
-          <a:p>
-            <a:r>
-              <a:rPr lang="en-US" dirty="0"/>
-              <a:t>K-nearest neighbors</a:t>
-            </a:r>
-          </a:p>
-          <a:p>
-            <a:r>
-              <a:rPr lang="en-US" dirty="0"/>
-              <a:t>Random forest</a:t>
-            </a:r>
-          </a:p>
-          <a:p>
-            <a:pPr marL="0" indent="0">
-              <a:buNone/>
-            </a:pPr>
-            <a:endParaRPr lang="en-US" dirty="0"/>
           </a:p>
         </p:txBody>
       </p:sp>
@@ -6592,7 +7821,7 @@
           <p:cNvPr id="4" name="Content Placeholder 3">
             <a:extLst>
               <a:ext uri="{FF2B5EF4-FFF2-40B4-BE49-F238E27FC236}">
-                <a16:creationId xmlns:a16="http://schemas.microsoft.com/office/drawing/2014/main" id="{6BFDE3A1-C0EC-4376-AFFE-4708B6FFA693}"/>
+                <a16:creationId xmlns:a16="http://schemas.microsoft.com/office/drawing/2014/main" id="{7B0E05C6-4767-4000-8612-616A845A8892}"/>
               </a:ext>
             </a:extLst>
           </p:cNvPr>
@@ -6600,55 +7829,153 @@
             <a:spLocks noGrp="1"/>
           </p:cNvSpPr>
           <p:nvPr>
+            <p:ph sz="quarter" idx="13"/>
+          </p:nvPr>
+        </p:nvSpPr>
+        <p:spPr/>
+        <p:txBody>
+          <a:bodyPr>
+            <a:normAutofit lnSpcReduction="10000"/>
+          </a:bodyPr>
+          <a:lstStyle/>
+          <a:p>
+            <a:r>
+              <a:rPr lang="en-US" dirty="0"/>
+              <a:t>Accuracy   – 0.94</a:t>
+            </a:r>
+          </a:p>
+          <a:p>
+            <a:r>
+              <a:rPr lang="en-US" dirty="0"/>
+              <a:t>F1 score     – 0.97</a:t>
+            </a:r>
+          </a:p>
+          <a:p>
+            <a:r>
+              <a:rPr lang="en-US" dirty="0"/>
+              <a:t>Precision    – 0.94</a:t>
+            </a:r>
+          </a:p>
+          <a:p>
+            <a:r>
+              <a:rPr lang="en-US" dirty="0"/>
+              <a:t>Recall          – 1.00</a:t>
+            </a:r>
+          </a:p>
+          <a:p>
+            <a:r>
+              <a:rPr lang="en-US" dirty="0"/>
+              <a:t>Sensitivity    - 1.00</a:t>
+            </a:r>
+          </a:p>
+          <a:p>
+            <a:r>
+              <a:rPr lang="en-US" dirty="0"/>
+              <a:t>Specificity    - 0.00</a:t>
+            </a:r>
+          </a:p>
+        </p:txBody>
+      </p:sp>
+      <p:sp>
+        <p:nvSpPr>
+          <p:cNvPr id="5" name="Text Placeholder 4">
+            <a:extLst>
+              <a:ext uri="{FF2B5EF4-FFF2-40B4-BE49-F238E27FC236}">
+                <a16:creationId xmlns:a16="http://schemas.microsoft.com/office/drawing/2014/main" id="{A59BA660-0E7F-467A-B616-B4BCA92A2E39}"/>
+              </a:ext>
+            </a:extLst>
+          </p:cNvPr>
+          <p:cNvSpPr>
+            <a:spLocks noGrp="1"/>
+          </p:cNvSpPr>
+          <p:nvPr>
+            <p:ph type="body" sz="quarter" idx="3"/>
+          </p:nvPr>
+        </p:nvSpPr>
+        <p:spPr>
+          <a:xfrm>
+            <a:off x="6396423" y="2104008"/>
+            <a:ext cx="4881804" cy="674703"/>
+          </a:xfrm>
+        </p:spPr>
+        <p:txBody>
+          <a:bodyPr/>
+          <a:lstStyle/>
+          <a:p>
+            <a:r>
+              <a:rPr lang="en-US" dirty="0"/>
+              <a:t>Decision tree classifier</a:t>
+            </a:r>
+          </a:p>
+        </p:txBody>
+      </p:sp>
+      <p:sp>
+        <p:nvSpPr>
+          <p:cNvPr id="6" name="Content Placeholder 5">
+            <a:extLst>
+              <a:ext uri="{FF2B5EF4-FFF2-40B4-BE49-F238E27FC236}">
+                <a16:creationId xmlns:a16="http://schemas.microsoft.com/office/drawing/2014/main" id="{BF9CDF7E-490D-4640-A334-A6E89F213C18}"/>
+              </a:ext>
+            </a:extLst>
+          </p:cNvPr>
+          <p:cNvSpPr>
+            <a:spLocks noGrp="1"/>
+          </p:cNvSpPr>
+          <p:nvPr>
             <p:ph sz="quarter" idx="14"/>
           </p:nvPr>
         </p:nvSpPr>
         <p:spPr/>
         <p:txBody>
-          <a:bodyPr/>
-          <a:lstStyle/>
-          <a:p>
-            <a:r>
-              <a:rPr lang="en-US" dirty="0"/>
-              <a:t>ACCURACY</a:t>
-            </a:r>
-          </a:p>
-          <a:p>
-            <a:r>
-              <a:rPr lang="en-US" dirty="0"/>
-              <a:t>F1 SCORE</a:t>
-            </a:r>
-          </a:p>
-          <a:p>
-            <a:r>
-              <a:rPr lang="en-US" dirty="0"/>
-              <a:t>PRECISION</a:t>
-            </a:r>
-          </a:p>
-          <a:p>
-            <a:r>
-              <a:rPr lang="en-US" dirty="0"/>
-              <a:t>RECALL</a:t>
-            </a:r>
-          </a:p>
-          <a:p>
-            <a:r>
-              <a:rPr lang="en-US" dirty="0"/>
-              <a:t>Sensitivity</a:t>
-            </a:r>
-          </a:p>
-          <a:p>
-            <a:r>
-              <a:rPr lang="en-US" dirty="0"/>
-              <a:t>specificity</a:t>
-            </a:r>
+          <a:bodyPr>
+            <a:normAutofit lnSpcReduction="10000"/>
+          </a:bodyPr>
+          <a:lstStyle/>
+          <a:p>
+            <a:r>
+              <a:rPr lang="en-US" dirty="0"/>
+              <a:t>Accuracy   – 0.93</a:t>
+            </a:r>
+          </a:p>
+          <a:p>
+            <a:r>
+              <a:rPr lang="en-US" dirty="0"/>
+              <a:t>F1 score     – </a:t>
+            </a:r>
+          </a:p>
+          <a:p>
+            <a:r>
+              <a:rPr lang="en-US" dirty="0"/>
+              <a:t>Precision    – </a:t>
+            </a:r>
+          </a:p>
+          <a:p>
+            <a:r>
+              <a:rPr lang="en-US" dirty="0"/>
+              <a:t>Recall          – </a:t>
+            </a:r>
+          </a:p>
+          <a:p>
+            <a:r>
+              <a:rPr lang="en-US" dirty="0"/>
+              <a:t>Sensitivity    - 0.99</a:t>
+            </a:r>
+          </a:p>
+          <a:p>
+            <a:r>
+              <a:rPr lang="en-US" dirty="0"/>
+              <a:t>Specificity    - 0.03</a:t>
+            </a:r>
+          </a:p>
+          <a:p>
+            <a:endParaRPr lang="en-US" dirty="0"/>
           </a:p>
         </p:txBody>
       </p:sp>
     </p:spTree>
     <p:extLst>
       <p:ext uri="{BB962C8B-B14F-4D97-AF65-F5344CB8AC3E}">
-        <p14:creationId xmlns:p14="http://schemas.microsoft.com/office/powerpoint/2010/main" val="242248369"/>
+        <p14:creationId xmlns:p14="http://schemas.microsoft.com/office/powerpoint/2010/main" val="4181313595"/>
       </p:ext>
     </p:extLst>
   </p:cSld>
@@ -6680,7 +8007,7 @@
           <p:cNvPr id="2" name="Title 1">
             <a:extLst>
               <a:ext uri="{FF2B5EF4-FFF2-40B4-BE49-F238E27FC236}">
-                <a16:creationId xmlns:a16="http://schemas.microsoft.com/office/drawing/2014/main" id="{9CDD20C7-9FB2-4A8C-8DA1-63C13BA750A4}"/>
+                <a16:creationId xmlns:a16="http://schemas.microsoft.com/office/drawing/2014/main" id="{6AF10020-8D1E-490F-BB92-270914E71716}"/>
               </a:ext>
             </a:extLst>
           </p:cNvPr>
@@ -6698,47 +8025,411 @@
           <a:p>
             <a:r>
               <a:rPr lang="en-US" dirty="0"/>
-              <a:t>Models evaluation </a:t>
-            </a:r>
-          </a:p>
-        </p:txBody>
-      </p:sp>
-      <p:pic>
-        <p:nvPicPr>
+              <a:t>Model metrics</a:t>
+            </a:r>
+          </a:p>
+        </p:txBody>
+      </p:sp>
+      <p:sp>
+        <p:nvSpPr>
+          <p:cNvPr id="3" name="Text Placeholder 2">
+            <a:extLst>
+              <a:ext uri="{FF2B5EF4-FFF2-40B4-BE49-F238E27FC236}">
+                <a16:creationId xmlns:a16="http://schemas.microsoft.com/office/drawing/2014/main" id="{B235C4A0-2902-488E-80CA-3421F9F6F246}"/>
+              </a:ext>
+            </a:extLst>
+          </p:cNvPr>
+          <p:cNvSpPr>
+            <a:spLocks noGrp="1"/>
+          </p:cNvSpPr>
+          <p:nvPr>
+            <p:ph type="body" idx="1"/>
+          </p:nvPr>
+        </p:nvSpPr>
+        <p:spPr>
+          <a:xfrm>
+            <a:off x="1146328" y="1961966"/>
+            <a:ext cx="4873474" cy="763480"/>
+          </a:xfrm>
+        </p:spPr>
+        <p:txBody>
+          <a:bodyPr/>
+          <a:lstStyle/>
+          <a:p>
+            <a:r>
+              <a:rPr lang="en-US" dirty="0"/>
+              <a:t>K-nearest neighbor</a:t>
+            </a:r>
+          </a:p>
+        </p:txBody>
+      </p:sp>
+      <p:sp>
+        <p:nvSpPr>
           <p:cNvPr id="4" name="Content Placeholder 3">
             <a:extLst>
               <a:ext uri="{FF2B5EF4-FFF2-40B4-BE49-F238E27FC236}">
-                <a16:creationId xmlns:a16="http://schemas.microsoft.com/office/drawing/2014/main" id="{D8601364-B70C-48BB-B86A-BE91E7108B15}"/>
+                <a16:creationId xmlns:a16="http://schemas.microsoft.com/office/drawing/2014/main" id="{E804492C-77D5-4379-BD86-7239D54280C4}"/>
               </a:ext>
             </a:extLst>
           </p:cNvPr>
-          <p:cNvPicPr>
-            <a:picLocks noGrp="1" noChangeAspect="1"/>
-          </p:cNvPicPr>
+          <p:cNvSpPr>
+            <a:spLocks noGrp="1"/>
+          </p:cNvSpPr>
           <p:nvPr>
             <p:ph sz="quarter" idx="13"/>
           </p:nvPr>
-        </p:nvPicPr>
-        <p:blipFill>
-          <a:blip r:embed="rId2"/>
-          <a:stretch>
-            <a:fillRect/>
-          </a:stretch>
-        </p:blipFill>
+        </p:nvSpPr>
+        <p:spPr/>
+        <p:txBody>
+          <a:bodyPr>
+            <a:normAutofit lnSpcReduction="10000"/>
+          </a:bodyPr>
+          <a:lstStyle/>
+          <a:p>
+            <a:r>
+              <a:rPr lang="en-US" dirty="0"/>
+              <a:t>Accuracy   – 0.92</a:t>
+            </a:r>
+          </a:p>
+          <a:p>
+            <a:r>
+              <a:rPr lang="en-US" dirty="0"/>
+              <a:t>F1 score     – </a:t>
+            </a:r>
+          </a:p>
+          <a:p>
+            <a:r>
+              <a:rPr lang="en-US" dirty="0"/>
+              <a:t>Precision    – </a:t>
+            </a:r>
+          </a:p>
+          <a:p>
+            <a:r>
+              <a:rPr lang="en-US" dirty="0"/>
+              <a:t>Recall          –</a:t>
+            </a:r>
+          </a:p>
+          <a:p>
+            <a:r>
+              <a:rPr lang="en-US" dirty="0"/>
+              <a:t>Sensitivity    -0.96</a:t>
+            </a:r>
+          </a:p>
+          <a:p>
+            <a:r>
+              <a:rPr lang="en-US" dirty="0"/>
+              <a:t>Specificity    -0.17</a:t>
+            </a:r>
+          </a:p>
+          <a:p>
+            <a:endParaRPr lang="en-US" dirty="0"/>
+          </a:p>
+        </p:txBody>
+      </p:sp>
+      <p:sp>
+        <p:nvSpPr>
+          <p:cNvPr id="5" name="Text Placeholder 4">
+            <a:extLst>
+              <a:ext uri="{FF2B5EF4-FFF2-40B4-BE49-F238E27FC236}">
+                <a16:creationId xmlns:a16="http://schemas.microsoft.com/office/drawing/2014/main" id="{E96F494F-2251-48AA-B6B7-AFA0A669EED3}"/>
+              </a:ext>
+            </a:extLst>
+          </p:cNvPr>
+          <p:cNvSpPr>
+            <a:spLocks noGrp="1"/>
+          </p:cNvSpPr>
+          <p:nvPr>
+            <p:ph type="body" sz="quarter" idx="3"/>
+          </p:nvPr>
+        </p:nvSpPr>
         <p:spPr>
           <a:xfrm>
-            <a:off x="1251752" y="2366963"/>
-            <a:ext cx="9507984" cy="3872520"/>
+            <a:off x="6396423" y="1961966"/>
+            <a:ext cx="4881804" cy="763480"/>
           </a:xfrm>
-          <a:prstGeom prst="rect">
-            <a:avLst/>
-          </a:prstGeom>
         </p:spPr>
-      </p:pic>
+        <p:txBody>
+          <a:bodyPr/>
+          <a:lstStyle/>
+          <a:p>
+            <a:r>
+              <a:rPr lang="en-US" dirty="0"/>
+              <a:t>Random forest</a:t>
+            </a:r>
+          </a:p>
+        </p:txBody>
+      </p:sp>
+      <p:sp>
+        <p:nvSpPr>
+          <p:cNvPr id="6" name="Content Placeholder 5">
+            <a:extLst>
+              <a:ext uri="{FF2B5EF4-FFF2-40B4-BE49-F238E27FC236}">
+                <a16:creationId xmlns:a16="http://schemas.microsoft.com/office/drawing/2014/main" id="{5F12A429-9BE1-411C-A9F1-6E9D0FEF5C20}"/>
+              </a:ext>
+            </a:extLst>
+          </p:cNvPr>
+          <p:cNvSpPr>
+            <a:spLocks noGrp="1"/>
+          </p:cNvSpPr>
+          <p:nvPr>
+            <p:ph sz="quarter" idx="14"/>
+          </p:nvPr>
+        </p:nvSpPr>
+        <p:spPr/>
+        <p:txBody>
+          <a:bodyPr>
+            <a:normAutofit lnSpcReduction="10000"/>
+          </a:bodyPr>
+          <a:lstStyle/>
+          <a:p>
+            <a:r>
+              <a:rPr lang="en-US" dirty="0"/>
+              <a:t>Accuracy   – 0.94 </a:t>
+            </a:r>
+          </a:p>
+          <a:p>
+            <a:r>
+              <a:rPr lang="en-US" dirty="0"/>
+              <a:t>F1 score     – </a:t>
+            </a:r>
+          </a:p>
+          <a:p>
+            <a:r>
+              <a:rPr lang="en-US" dirty="0"/>
+              <a:t>Precision    – </a:t>
+            </a:r>
+          </a:p>
+          <a:p>
+            <a:r>
+              <a:rPr lang="en-US" dirty="0"/>
+              <a:t>Recall          –</a:t>
+            </a:r>
+          </a:p>
+          <a:p>
+            <a:r>
+              <a:rPr lang="en-US" dirty="0"/>
+              <a:t>Sensitivity    - 0.99</a:t>
+            </a:r>
+          </a:p>
+          <a:p>
+            <a:r>
+              <a:rPr lang="en-US" dirty="0"/>
+              <a:t>Specificity    - 0.02</a:t>
+            </a:r>
+          </a:p>
+          <a:p>
+            <a:endParaRPr lang="en-US" dirty="0"/>
+          </a:p>
+        </p:txBody>
+      </p:sp>
     </p:spTree>
     <p:extLst>
       <p:ext uri="{BB962C8B-B14F-4D97-AF65-F5344CB8AC3E}">
-        <p14:creationId xmlns:p14="http://schemas.microsoft.com/office/powerpoint/2010/main" val="388279846"/>
+        <p14:creationId xmlns:p14="http://schemas.microsoft.com/office/powerpoint/2010/main" val="844643070"/>
+      </p:ext>
+    </p:extLst>
+  </p:cSld>
+  <p:clrMapOvr>
+    <a:masterClrMapping/>
+  </p:clrMapOvr>
+</p:sld>
+</file>
+
+<file path=ppt/slides/slide14.xml><?xml version="1.0" encoding="utf-8"?>
+<p:sld xmlns:a="http://schemas.openxmlformats.org/drawingml/2006/main" xmlns:r="http://schemas.openxmlformats.org/officeDocument/2006/relationships" xmlns:p="http://schemas.openxmlformats.org/presentationml/2006/main">
+  <p:cSld>
+    <p:spTree>
+      <p:nvGrpSpPr>
+        <p:cNvPr id="1" name=""/>
+        <p:cNvGrpSpPr/>
+        <p:nvPr/>
+      </p:nvGrpSpPr>
+      <p:grpSpPr>
+        <a:xfrm>
+          <a:off x="0" y="0"/>
+          <a:ext cx="0" cy="0"/>
+          <a:chOff x="0" y="0"/>
+          <a:chExt cx="0" cy="0"/>
+        </a:xfrm>
+      </p:grpSpPr>
+      <p:sp>
+        <p:nvSpPr>
+          <p:cNvPr id="2" name="Title 1">
+            <a:extLst>
+              <a:ext uri="{FF2B5EF4-FFF2-40B4-BE49-F238E27FC236}">
+                <a16:creationId xmlns:a16="http://schemas.microsoft.com/office/drawing/2014/main" id="{D80B8323-A94D-44D7-9382-8B16D48355A0}"/>
+              </a:ext>
+            </a:extLst>
+          </p:cNvPr>
+          <p:cNvSpPr>
+            <a:spLocks noGrp="1"/>
+          </p:cNvSpPr>
+          <p:nvPr>
+            <p:ph type="title"/>
+          </p:nvPr>
+        </p:nvSpPr>
+        <p:spPr/>
+        <p:txBody>
+          <a:bodyPr/>
+          <a:lstStyle/>
+          <a:p>
+            <a:r>
+              <a:rPr lang="en-US" dirty="0"/>
+              <a:t>Models and metrics</a:t>
+            </a:r>
+          </a:p>
+        </p:txBody>
+      </p:sp>
+      <p:sp>
+        <p:nvSpPr>
+          <p:cNvPr id="3" name="Text Placeholder 2">
+            <a:extLst>
+              <a:ext uri="{FF2B5EF4-FFF2-40B4-BE49-F238E27FC236}">
+                <a16:creationId xmlns:a16="http://schemas.microsoft.com/office/drawing/2014/main" id="{4D96C128-FA21-4A3E-BFCC-F6D349773D10}"/>
+              </a:ext>
+            </a:extLst>
+          </p:cNvPr>
+          <p:cNvSpPr>
+            <a:spLocks noGrp="1"/>
+          </p:cNvSpPr>
+          <p:nvPr>
+            <p:ph type="body" idx="1"/>
+          </p:nvPr>
+        </p:nvSpPr>
+        <p:spPr>
+          <a:xfrm>
+            <a:off x="1146328" y="2024109"/>
+            <a:ext cx="4873474" cy="763479"/>
+          </a:xfrm>
+        </p:spPr>
+        <p:txBody>
+          <a:bodyPr/>
+          <a:lstStyle/>
+          <a:p>
+            <a:r>
+              <a:rPr lang="en-US" dirty="0"/>
+              <a:t>Logistic regression</a:t>
+            </a:r>
+          </a:p>
+        </p:txBody>
+      </p:sp>
+      <p:sp>
+        <p:nvSpPr>
+          <p:cNvPr id="4" name="Content Placeholder 3">
+            <a:extLst>
+              <a:ext uri="{FF2B5EF4-FFF2-40B4-BE49-F238E27FC236}">
+                <a16:creationId xmlns:a16="http://schemas.microsoft.com/office/drawing/2014/main" id="{C2890C4C-1F16-4CA2-8A72-8691EBAEB654}"/>
+              </a:ext>
+            </a:extLst>
+          </p:cNvPr>
+          <p:cNvSpPr>
+            <a:spLocks noGrp="1"/>
+          </p:cNvSpPr>
+          <p:nvPr>
+            <p:ph sz="quarter" idx="13"/>
+          </p:nvPr>
+        </p:nvSpPr>
+        <p:spPr/>
+        <p:txBody>
+          <a:bodyPr>
+            <a:normAutofit lnSpcReduction="10000"/>
+          </a:bodyPr>
+          <a:lstStyle/>
+          <a:p>
+            <a:r>
+              <a:rPr lang="en-US" dirty="0"/>
+              <a:t>Accuracy   –  0.94 </a:t>
+            </a:r>
+          </a:p>
+          <a:p>
+            <a:r>
+              <a:rPr lang="en-US" dirty="0"/>
+              <a:t>F1 score     – </a:t>
+            </a:r>
+          </a:p>
+          <a:p>
+            <a:r>
+              <a:rPr lang="en-US" dirty="0"/>
+              <a:t>Precision    – </a:t>
+            </a:r>
+          </a:p>
+          <a:p>
+            <a:r>
+              <a:rPr lang="en-US" dirty="0"/>
+              <a:t>Recall          –</a:t>
+            </a:r>
+          </a:p>
+          <a:p>
+            <a:r>
+              <a:rPr lang="en-US" dirty="0"/>
+              <a:t>Sensitivity    - 1.00</a:t>
+            </a:r>
+          </a:p>
+          <a:p>
+            <a:r>
+              <a:rPr lang="en-US" dirty="0"/>
+              <a:t>Specificity    -0.00</a:t>
+            </a:r>
+          </a:p>
+          <a:p>
+            <a:endParaRPr lang="en-US" dirty="0"/>
+          </a:p>
+        </p:txBody>
+      </p:sp>
+      <p:sp>
+        <p:nvSpPr>
+          <p:cNvPr id="5" name="Text Placeholder 4">
+            <a:extLst>
+              <a:ext uri="{FF2B5EF4-FFF2-40B4-BE49-F238E27FC236}">
+                <a16:creationId xmlns:a16="http://schemas.microsoft.com/office/drawing/2014/main" id="{EE1976D3-042E-41A7-9EB9-70E9D26B0548}"/>
+              </a:ext>
+            </a:extLst>
+          </p:cNvPr>
+          <p:cNvSpPr>
+            <a:spLocks noGrp="1"/>
+          </p:cNvSpPr>
+          <p:nvPr>
+            <p:ph type="body" sz="quarter" idx="3"/>
+          </p:nvPr>
+        </p:nvSpPr>
+        <p:spPr/>
+        <p:txBody>
+          <a:bodyPr/>
+          <a:lstStyle/>
+          <a:p>
+            <a:endParaRPr lang="en-US"/>
+          </a:p>
+        </p:txBody>
+      </p:sp>
+      <p:sp>
+        <p:nvSpPr>
+          <p:cNvPr id="6" name="Content Placeholder 5">
+            <a:extLst>
+              <a:ext uri="{FF2B5EF4-FFF2-40B4-BE49-F238E27FC236}">
+                <a16:creationId xmlns:a16="http://schemas.microsoft.com/office/drawing/2014/main" id="{D1DD77DE-5419-43D9-B961-F75BE1F6E340}"/>
+              </a:ext>
+            </a:extLst>
+          </p:cNvPr>
+          <p:cNvSpPr>
+            <a:spLocks noGrp="1"/>
+          </p:cNvSpPr>
+          <p:nvPr>
+            <p:ph sz="quarter" idx="14"/>
+          </p:nvPr>
+        </p:nvSpPr>
+        <p:spPr/>
+        <p:txBody>
+          <a:bodyPr/>
+          <a:lstStyle/>
+          <a:p>
+            <a:endParaRPr lang="en-US"/>
+          </a:p>
+        </p:txBody>
+      </p:sp>
+    </p:spTree>
+    <p:extLst>
+      <p:ext uri="{BB962C8B-B14F-4D97-AF65-F5344CB8AC3E}">
+        <p14:creationId xmlns:p14="http://schemas.microsoft.com/office/powerpoint/2010/main" val="1175157030"/>
       </p:ext>
     </p:extLst>
   </p:cSld>
@@ -6770,7 +8461,7 @@
           <p:cNvPr id="2" name="Title 1">
             <a:extLst>
               <a:ext uri="{FF2B5EF4-FFF2-40B4-BE49-F238E27FC236}">
-                <a16:creationId xmlns:a16="http://schemas.microsoft.com/office/drawing/2014/main" id="{0503AAEB-42EE-4D93-B415-1BDB5BD368C1}"/>
+                <a16:creationId xmlns:a16="http://schemas.microsoft.com/office/drawing/2014/main" id="{DEE266BD-3782-4B7F-990A-A24004111E89}"/>
               </a:ext>
             </a:extLst>
           </p:cNvPr>
@@ -6788,7 +8479,7 @@
           <a:p>
             <a:r>
               <a:rPr lang="en-US" dirty="0"/>
-              <a:t>  dataset objective</a:t>
+              <a:t>Attributes of the Dataset</a:t>
             </a:r>
           </a:p>
         </p:txBody>
@@ -6798,7 +8489,7 @@
           <p:cNvPr id="3" name="Content Placeholder 2">
             <a:extLst>
               <a:ext uri="{FF2B5EF4-FFF2-40B4-BE49-F238E27FC236}">
-                <a16:creationId xmlns:a16="http://schemas.microsoft.com/office/drawing/2014/main" id="{8593799A-E4FD-47BF-BC3C-78187D07974E}"/>
+                <a16:creationId xmlns:a16="http://schemas.microsoft.com/office/drawing/2014/main" id="{5C85FC12-A088-4AA8-B622-1AD53A134007}"/>
               </a:ext>
             </a:extLst>
           </p:cNvPr>
@@ -6809,88 +8500,182 @@
             <p:ph sz="quarter" idx="13"/>
           </p:nvPr>
         </p:nvSpPr>
-        <p:spPr/>
-        <p:txBody>
-          <a:bodyPr/>
-          <a:lstStyle/>
-          <a:p>
-            <a:r>
-              <a:rPr lang="en-US" dirty="0"/>
-              <a:t>Online recruitment fraud</a:t>
-            </a:r>
-          </a:p>
-          <a:p>
-            <a:r>
-              <a:rPr lang="en-US" dirty="0"/>
-              <a:t>More traffic in the job market because of </a:t>
-            </a:r>
-            <a:r>
-              <a:rPr lang="en-US" dirty="0" err="1"/>
-              <a:t>covid</a:t>
-            </a:r>
-            <a:endParaRPr lang="en-US" dirty="0"/>
-          </a:p>
-          <a:p>
-            <a:r>
-              <a:rPr lang="en-US" dirty="0"/>
-              <a:t>Not only helps job seekers but also companies </a:t>
-            </a:r>
-          </a:p>
-        </p:txBody>
-      </p:sp>
-      <p:pic>
-        <p:nvPicPr>
-          <p:cNvPr id="1026" name="Picture 2" descr="Are Employers Required to Post Job Openings? - HR Daily Advisor">
+        <p:spPr>
+          <a:xfrm>
+            <a:off x="913774" y="2139518"/>
+            <a:ext cx="4448339" cy="4003830"/>
+          </a:xfrm>
+        </p:spPr>
+        <p:txBody>
+          <a:bodyPr>
+            <a:normAutofit fontScale="92500" lnSpcReduction="10000"/>
+          </a:bodyPr>
+          <a:lstStyle/>
+          <a:p>
+            <a:r>
+              <a:rPr lang="en-US" dirty="0"/>
+              <a:t>JOB-ID                                                                     </a:t>
+            </a:r>
+          </a:p>
+          <a:p>
+            <a:r>
+              <a:rPr lang="en-US" dirty="0"/>
+              <a:t>TITLE                                                                         </a:t>
+            </a:r>
+          </a:p>
+          <a:p>
+            <a:r>
+              <a:rPr lang="en-US" dirty="0"/>
+              <a:t>LOCATION                                                                 </a:t>
+            </a:r>
+          </a:p>
+          <a:p>
+            <a:r>
+              <a:rPr lang="en-US" dirty="0"/>
+              <a:t>DEPARTMENT                                                              </a:t>
+            </a:r>
+          </a:p>
+          <a:p>
+            <a:r>
+              <a:rPr lang="en-US" dirty="0"/>
+              <a:t>SALARY-RANGE                                                         </a:t>
+            </a:r>
+          </a:p>
+          <a:p>
+            <a:r>
+              <a:rPr lang="en-US" dirty="0"/>
+              <a:t>COMPANY-PROFILE                                                    </a:t>
+            </a:r>
+          </a:p>
+          <a:p>
+            <a:r>
+              <a:rPr lang="en-US" dirty="0"/>
+              <a:t>DESCRIPTION                                                             </a:t>
+            </a:r>
+          </a:p>
+          <a:p>
+            <a:r>
+              <a:rPr lang="en-US" dirty="0"/>
+              <a:t>REQUIREMENTS                                                         </a:t>
+            </a:r>
+          </a:p>
+          <a:p>
+            <a:r>
+              <a:rPr lang="en-US" dirty="0"/>
+              <a:t> BENEFITS                                                                 </a:t>
+            </a:r>
+          </a:p>
+        </p:txBody>
+      </p:sp>
+      <p:sp>
+        <p:nvSpPr>
+          <p:cNvPr id="4" name="Content Placeholder 3">
             <a:extLst>
               <a:ext uri="{FF2B5EF4-FFF2-40B4-BE49-F238E27FC236}">
-                <a16:creationId xmlns:a16="http://schemas.microsoft.com/office/drawing/2014/main" id="{19068998-7533-47CC-81FC-C640C705E6DF}"/>
+                <a16:creationId xmlns:a16="http://schemas.microsoft.com/office/drawing/2014/main" id="{542E6B94-3D98-4CA9-92F6-8543EBF0EF24}"/>
               </a:ext>
             </a:extLst>
           </p:cNvPr>
-          <p:cNvPicPr>
-            <a:picLocks noGrp="1" noChangeAspect="1" noChangeArrowheads="1"/>
-          </p:cNvPicPr>
+          <p:cNvSpPr>
+            <a:spLocks noGrp="1"/>
+          </p:cNvSpPr>
           <p:nvPr>
             <p:ph sz="quarter" idx="14"/>
           </p:nvPr>
-        </p:nvPicPr>
-        <p:blipFill>
-          <a:blip r:embed="rId2">
-            <a:extLst>
-              <a:ext uri="{28A0092B-C50C-407E-A947-70E740481C1C}">
-                <a14:useLocalDpi xmlns:a14="http://schemas.microsoft.com/office/drawing/2010/main" val="0"/>
-              </a:ext>
-            </a:extLst>
-          </a:blip>
-          <a:srcRect/>
-          <a:stretch>
-            <a:fillRect/>
-          </a:stretch>
-        </p:blipFill>
-        <p:spPr bwMode="auto">
+        </p:nvSpPr>
+        <p:spPr>
           <a:xfrm>
-            <a:off x="6172200" y="2380288"/>
-            <a:ext cx="5105400" cy="3397586"/>
+            <a:off x="5868140" y="2139518"/>
+            <a:ext cx="5409460" cy="4003830"/>
           </a:xfrm>
-          <a:prstGeom prst="rect">
-            <a:avLst/>
-          </a:prstGeom>
-          <a:noFill/>
-          <a:extLst>
-            <a:ext uri="{909E8E84-426E-40DD-AFC4-6F175D3DCCD1}">
-              <a14:hiddenFill xmlns:a14="http://schemas.microsoft.com/office/drawing/2010/main">
-                <a:solidFill>
-                  <a:srgbClr val="FFFFFF"/>
-                </a:solidFill>
-              </a14:hiddenFill>
-            </a:ext>
-          </a:extLst>
         </p:spPr>
-      </p:pic>
+        <p:txBody>
+          <a:bodyPr>
+            <a:normAutofit fontScale="92500" lnSpcReduction="10000"/>
+          </a:bodyPr>
+          <a:lstStyle/>
+          <a:p>
+            <a:r>
+              <a:rPr lang="en-US" dirty="0" err="1"/>
+              <a:t>TELECOMMuTING</a:t>
+            </a:r>
+            <a:endParaRPr lang="en-US" dirty="0"/>
+          </a:p>
+          <a:p>
+            <a:r>
+              <a:rPr lang="en-US" dirty="0"/>
+              <a:t>HAS-COMPANY-LOGO</a:t>
+            </a:r>
+          </a:p>
+          <a:p>
+            <a:r>
+              <a:rPr lang="en-US" dirty="0"/>
+              <a:t>HAS-QUESTIONS</a:t>
+            </a:r>
+          </a:p>
+          <a:p>
+            <a:r>
+              <a:rPr lang="en-US" dirty="0"/>
+              <a:t>EMPLOYMENT-TYPE</a:t>
+            </a:r>
+          </a:p>
+          <a:p>
+            <a:r>
+              <a:rPr lang="en-US" dirty="0"/>
+              <a:t>REQUIRED-EXPERIENCE</a:t>
+            </a:r>
+          </a:p>
+          <a:p>
+            <a:r>
+              <a:rPr lang="en-US" dirty="0"/>
+              <a:t>REQUIRED-EDUCATION</a:t>
+            </a:r>
+          </a:p>
+          <a:p>
+            <a:r>
+              <a:rPr lang="en-US" dirty="0"/>
+              <a:t>INDUSTRY</a:t>
+            </a:r>
+          </a:p>
+          <a:p>
+            <a:r>
+              <a:rPr lang="en-US" dirty="0"/>
+              <a:t>FUNCTION</a:t>
+            </a:r>
+          </a:p>
+          <a:p>
+            <a:r>
+              <a:rPr lang="en-US" dirty="0"/>
+              <a:t>FRAUDULENT</a:t>
+            </a:r>
+          </a:p>
+          <a:p>
+            <a:endParaRPr lang="en-US" dirty="0"/>
+          </a:p>
+          <a:p>
+            <a:endParaRPr lang="en-US" dirty="0"/>
+          </a:p>
+          <a:p>
+            <a:endParaRPr lang="en-US" dirty="0"/>
+          </a:p>
+          <a:p>
+            <a:endParaRPr lang="en-US" dirty="0"/>
+          </a:p>
+          <a:p>
+            <a:endParaRPr lang="en-US" dirty="0"/>
+          </a:p>
+          <a:p>
+            <a:endParaRPr lang="en-US" dirty="0"/>
+          </a:p>
+          <a:p>
+            <a:endParaRPr lang="en-US" dirty="0"/>
+          </a:p>
+        </p:txBody>
+      </p:sp>
     </p:spTree>
     <p:extLst>
       <p:ext uri="{BB962C8B-B14F-4D97-AF65-F5344CB8AC3E}">
-        <p14:creationId xmlns:p14="http://schemas.microsoft.com/office/powerpoint/2010/main" val="2200640131"/>
+        <p14:creationId xmlns:p14="http://schemas.microsoft.com/office/powerpoint/2010/main" val="113368331"/>
       </p:ext>
     </p:extLst>
   </p:cSld>
@@ -6922,7 +8707,7 @@
           <p:cNvPr id="2" name="Title 1">
             <a:extLst>
               <a:ext uri="{FF2B5EF4-FFF2-40B4-BE49-F238E27FC236}">
-                <a16:creationId xmlns:a16="http://schemas.microsoft.com/office/drawing/2014/main" id="{DEE266BD-3782-4B7F-990A-A24004111E89}"/>
+                <a16:creationId xmlns:a16="http://schemas.microsoft.com/office/drawing/2014/main" id="{39DE830E-E2C3-4278-9F0E-3B46AD0E7A1B}"/>
               </a:ext>
             </a:extLst>
           </p:cNvPr>
@@ -6940,7 +8725,7 @@
           <a:p>
             <a:r>
               <a:rPr lang="en-US" dirty="0"/>
-              <a:t>Attributes of the Dataset</a:t>
+              <a:t>Preliminary analysis</a:t>
             </a:r>
           </a:p>
         </p:txBody>
@@ -6950,7 +8735,7 @@
           <p:cNvPr id="3" name="Content Placeholder 2">
             <a:extLst>
               <a:ext uri="{FF2B5EF4-FFF2-40B4-BE49-F238E27FC236}">
-                <a16:creationId xmlns:a16="http://schemas.microsoft.com/office/drawing/2014/main" id="{5C85FC12-A088-4AA8-B622-1AD53A134007}"/>
+                <a16:creationId xmlns:a16="http://schemas.microsoft.com/office/drawing/2014/main" id="{AA8A9778-8A76-45C3-9497-4B2E44B42CF5}"/>
               </a:ext>
             </a:extLst>
           </p:cNvPr>
@@ -6961,172 +8746,50 @@
             <p:ph sz="quarter" idx="13"/>
           </p:nvPr>
         </p:nvSpPr>
-        <p:spPr>
-          <a:xfrm>
-            <a:off x="913774" y="2139518"/>
-            <a:ext cx="4448339" cy="4003830"/>
-          </a:xfrm>
-        </p:spPr>
-        <p:txBody>
-          <a:bodyPr>
-            <a:normAutofit fontScale="92500" lnSpcReduction="10000"/>
-          </a:bodyPr>
-          <a:lstStyle/>
-          <a:p>
-            <a:r>
-              <a:rPr lang="en-US" dirty="0"/>
-              <a:t>JOB-ID                                                                     </a:t>
-            </a:r>
-          </a:p>
-          <a:p>
-            <a:r>
-              <a:rPr lang="en-US" dirty="0"/>
-              <a:t>TITLE                                                                         </a:t>
-            </a:r>
-          </a:p>
-          <a:p>
-            <a:r>
-              <a:rPr lang="en-US" dirty="0"/>
-              <a:t>LOCATION                                                                 </a:t>
-            </a:r>
-          </a:p>
-          <a:p>
-            <a:r>
-              <a:rPr lang="en-US" dirty="0"/>
-              <a:t>DEPARTMENT                                                              </a:t>
-            </a:r>
-          </a:p>
-          <a:p>
-            <a:r>
-              <a:rPr lang="en-US" dirty="0"/>
-              <a:t>SALARY-RANGE                                                         </a:t>
-            </a:r>
-          </a:p>
-          <a:p>
-            <a:r>
-              <a:rPr lang="en-US" dirty="0"/>
-              <a:t>COMPANY-PROFILE                                                    </a:t>
-            </a:r>
-          </a:p>
-          <a:p>
-            <a:r>
-              <a:rPr lang="en-US" dirty="0"/>
-              <a:t>DESCRIPTION                                                             </a:t>
-            </a:r>
-          </a:p>
-          <a:p>
-            <a:r>
-              <a:rPr lang="en-US" dirty="0"/>
-              <a:t>REQUIREMENTS                                                         </a:t>
-            </a:r>
-          </a:p>
-          <a:p>
-            <a:r>
-              <a:rPr lang="en-US" dirty="0"/>
-              <a:t> BENEFITS                                                                 </a:t>
-            </a:r>
-          </a:p>
-        </p:txBody>
-      </p:sp>
-      <p:sp>
-        <p:nvSpPr>
-          <p:cNvPr id="4" name="Content Placeholder 3">
-            <a:extLst>
-              <a:ext uri="{FF2B5EF4-FFF2-40B4-BE49-F238E27FC236}">
-                <a16:creationId xmlns:a16="http://schemas.microsoft.com/office/drawing/2014/main" id="{542E6B94-3D98-4CA9-92F6-8543EBF0EF24}"/>
-              </a:ext>
-            </a:extLst>
-          </p:cNvPr>
-          <p:cNvSpPr>
-            <a:spLocks noGrp="1"/>
-          </p:cNvSpPr>
-          <p:nvPr>
-            <p:ph sz="quarter" idx="14"/>
-          </p:nvPr>
-        </p:nvSpPr>
-        <p:spPr>
-          <a:xfrm>
-            <a:off x="5868140" y="2139518"/>
-            <a:ext cx="5409460" cy="4003830"/>
-          </a:xfrm>
-        </p:spPr>
-        <p:txBody>
-          <a:bodyPr>
-            <a:normAutofit fontScale="92500" lnSpcReduction="10000"/>
-          </a:bodyPr>
-          <a:lstStyle/>
-          <a:p>
+        <p:spPr/>
+        <p:txBody>
+          <a:bodyPr/>
+          <a:lstStyle/>
+          <a:p>
+            <a:r>
+              <a:rPr lang="en-US" dirty="0"/>
+              <a:t>17880 records with 18 attributes</a:t>
+            </a:r>
+          </a:p>
+          <a:p>
+            <a:r>
+              <a:rPr lang="en-US" dirty="0"/>
+              <a:t>Location of records spread across the world including us and </a:t>
+            </a:r>
             <a:r>
               <a:rPr lang="en-US" dirty="0" err="1"/>
-              <a:t>TELECOMMuTING</a:t>
-            </a:r>
-            <a:endParaRPr lang="en-US" dirty="0"/>
-          </a:p>
-          <a:p>
-            <a:r>
-              <a:rPr lang="en-US" dirty="0"/>
-              <a:t>HAS-COMPANY-LOGO</a:t>
-            </a:r>
-          </a:p>
-          <a:p>
-            <a:r>
-              <a:rPr lang="en-US" dirty="0"/>
-              <a:t>HAS-QUESTIONS</a:t>
-            </a:r>
-          </a:p>
-          <a:p>
-            <a:r>
-              <a:rPr lang="en-US" dirty="0"/>
-              <a:t>EMPLOYMENT-TYPE</a:t>
-            </a:r>
-          </a:p>
-          <a:p>
-            <a:r>
-              <a:rPr lang="en-US" dirty="0"/>
-              <a:t>REQUIRED-EXPERIENCE</a:t>
-            </a:r>
-          </a:p>
-          <a:p>
-            <a:r>
-              <a:rPr lang="en-US" dirty="0"/>
-              <a:t>REQUIRED-EDUCATION</a:t>
-            </a:r>
-          </a:p>
-          <a:p>
-            <a:r>
-              <a:rPr lang="en-US" dirty="0"/>
-              <a:t>INDUSTRY</a:t>
-            </a:r>
-          </a:p>
-          <a:p>
-            <a:r>
-              <a:rPr lang="en-US" dirty="0"/>
-              <a:t>FUNCTION</a:t>
-            </a:r>
-          </a:p>
-          <a:p>
-            <a:r>
-              <a:rPr lang="en-US" dirty="0"/>
-              <a:t>FRAUDULENT</a:t>
-            </a:r>
-          </a:p>
-          <a:p>
-            <a:endParaRPr lang="en-US" dirty="0"/>
-          </a:p>
-          <a:p>
-            <a:endParaRPr lang="en-US" dirty="0"/>
-          </a:p>
-          <a:p>
-            <a:endParaRPr lang="en-US" dirty="0"/>
-          </a:p>
-          <a:p>
-            <a:endParaRPr lang="en-US" dirty="0"/>
-          </a:p>
-          <a:p>
-            <a:endParaRPr lang="en-US" dirty="0"/>
-          </a:p>
-          <a:p>
-            <a:endParaRPr lang="en-US" dirty="0"/>
+              <a:t>nz</a:t>
+            </a:r>
+            <a:endParaRPr lang="en-US" dirty="0"/>
+          </a:p>
+          <a:p>
+            <a:r>
+              <a:rPr lang="en-US" dirty="0"/>
+              <a:t>Target attribute – fraudulent</a:t>
+            </a:r>
+          </a:p>
+          <a:p>
+            <a:r>
+              <a:rPr lang="en-US" dirty="0"/>
+              <a:t>More missing values in salary-range and department</a:t>
+            </a:r>
+          </a:p>
+          <a:p>
+            <a:r>
+              <a:rPr lang="en-US" dirty="0"/>
+              <a:t>No missing values in the target variable</a:t>
+            </a:r>
+          </a:p>
+          <a:p>
+            <a:r>
+              <a:rPr lang="en-US" dirty="0"/>
+              <a:t>Data types of the records are integers and objects</a:t>
+            </a:r>
           </a:p>
           <a:p>
             <a:endParaRPr lang="en-US" dirty="0"/>
@@ -7136,7 +8799,7 @@
     </p:spTree>
     <p:extLst>
       <p:ext uri="{BB962C8B-B14F-4D97-AF65-F5344CB8AC3E}">
-        <p14:creationId xmlns:p14="http://schemas.microsoft.com/office/powerpoint/2010/main" val="113368331"/>
+        <p14:creationId xmlns:p14="http://schemas.microsoft.com/office/powerpoint/2010/main" val="3378125380"/>
       </p:ext>
     </p:extLst>
   </p:cSld>
@@ -7168,7 +8831,7 @@
           <p:cNvPr id="2" name="Title 1">
             <a:extLst>
               <a:ext uri="{FF2B5EF4-FFF2-40B4-BE49-F238E27FC236}">
-                <a16:creationId xmlns:a16="http://schemas.microsoft.com/office/drawing/2014/main" id="{39DE830E-E2C3-4278-9F0E-3B46AD0E7A1B}"/>
+                <a16:creationId xmlns:a16="http://schemas.microsoft.com/office/drawing/2014/main" id="{849A27B7-650C-44FE-86A0-E42D6706C3BE}"/>
               </a:ext>
             </a:extLst>
           </p:cNvPr>
@@ -7186,7 +8849,7 @@
           <a:p>
             <a:r>
               <a:rPr lang="en-US" dirty="0"/>
-              <a:t>Preliminary analysis</a:t>
+              <a:t>Interested attributes</a:t>
             </a:r>
           </a:p>
         </p:txBody>
@@ -7196,7 +8859,7 @@
           <p:cNvPr id="3" name="Content Placeholder 2">
             <a:extLst>
               <a:ext uri="{FF2B5EF4-FFF2-40B4-BE49-F238E27FC236}">
-                <a16:creationId xmlns:a16="http://schemas.microsoft.com/office/drawing/2014/main" id="{AA8A9778-8A76-45C3-9497-4B2E44B42CF5}"/>
+                <a16:creationId xmlns:a16="http://schemas.microsoft.com/office/drawing/2014/main" id="{7BD7826E-42C4-44DF-885D-E2FD14D2611D}"/>
               </a:ext>
             </a:extLst>
           </p:cNvPr>
@@ -7214,53 +8877,45 @@
           <a:p>
             <a:r>
               <a:rPr lang="en-US" dirty="0"/>
-              <a:t>17880 records with 18 attributes</a:t>
-            </a:r>
-          </a:p>
-          <a:p>
-            <a:r>
-              <a:rPr lang="en-US" dirty="0"/>
-              <a:t>Location of records spread across the world including us and </a:t>
-            </a:r>
-            <a:r>
-              <a:rPr lang="en-US" dirty="0" err="1"/>
-              <a:t>nz</a:t>
-            </a:r>
-            <a:endParaRPr lang="en-US" dirty="0"/>
-          </a:p>
-          <a:p>
-            <a:r>
-              <a:rPr lang="en-US" dirty="0"/>
-              <a:t>Target attribute – fraudulent</a:t>
-            </a:r>
-          </a:p>
-          <a:p>
-            <a:r>
-              <a:rPr lang="en-US" dirty="0"/>
-              <a:t>More missing values in salary-range and department</a:t>
-            </a:r>
-          </a:p>
-          <a:p>
-            <a:r>
-              <a:rPr lang="en-US" dirty="0"/>
-              <a:t>No missing values in the target variable</a:t>
-            </a:r>
-          </a:p>
-          <a:p>
-            <a:r>
-              <a:rPr lang="en-US" dirty="0"/>
-              <a:t>Data types of the records are integers and objects</a:t>
-            </a:r>
-          </a:p>
-          <a:p>
-            <a:endParaRPr lang="en-US" dirty="0"/>
+              <a:t>Employment-type</a:t>
+            </a:r>
+          </a:p>
+          <a:p>
+            <a:r>
+              <a:rPr lang="en-US" dirty="0"/>
+              <a:t>Required-education</a:t>
+            </a:r>
+          </a:p>
+          <a:p>
+            <a:r>
+              <a:rPr lang="en-US" dirty="0"/>
+              <a:t>Required-experience</a:t>
+            </a:r>
+          </a:p>
+          <a:p>
+            <a:r>
+              <a:rPr lang="en-US" dirty="0"/>
+              <a:t>Has-company-logo</a:t>
+            </a:r>
+          </a:p>
+          <a:p>
+            <a:r>
+              <a:rPr lang="en-US" dirty="0"/>
+              <a:t>Fraudulent</a:t>
+            </a:r>
+          </a:p>
+          <a:p>
+            <a:r>
+              <a:rPr lang="en-US" dirty="0"/>
+              <a:t>location – to select data only from united states</a:t>
+            </a:r>
           </a:p>
         </p:txBody>
       </p:sp>
     </p:spTree>
     <p:extLst>
       <p:ext uri="{BB962C8B-B14F-4D97-AF65-F5344CB8AC3E}">
-        <p14:creationId xmlns:p14="http://schemas.microsoft.com/office/powerpoint/2010/main" val="3378125380"/>
+        <p14:creationId xmlns:p14="http://schemas.microsoft.com/office/powerpoint/2010/main" val="2276361983"/>
       </p:ext>
     </p:extLst>
   </p:cSld>
@@ -7292,7 +8947,7 @@
           <p:cNvPr id="2" name="Title 1">
             <a:extLst>
               <a:ext uri="{FF2B5EF4-FFF2-40B4-BE49-F238E27FC236}">
-                <a16:creationId xmlns:a16="http://schemas.microsoft.com/office/drawing/2014/main" id="{849A27B7-650C-44FE-86A0-E42D6706C3BE}"/>
+                <a16:creationId xmlns:a16="http://schemas.microsoft.com/office/drawing/2014/main" id="{37C5577F-C58C-407B-B0CE-8818A029A070}"/>
               </a:ext>
             </a:extLst>
           </p:cNvPr>
@@ -7310,7 +8965,7 @@
           <a:p>
             <a:r>
               <a:rPr lang="en-US" dirty="0"/>
-              <a:t>Interested attributes</a:t>
+              <a:t>Data pre-processing</a:t>
             </a:r>
           </a:p>
         </p:txBody>
@@ -7320,7 +8975,7 @@
           <p:cNvPr id="3" name="Content Placeholder 2">
             <a:extLst>
               <a:ext uri="{FF2B5EF4-FFF2-40B4-BE49-F238E27FC236}">
-                <a16:creationId xmlns:a16="http://schemas.microsoft.com/office/drawing/2014/main" id="{7BD7826E-42C4-44DF-885D-E2FD14D2611D}"/>
+                <a16:creationId xmlns:a16="http://schemas.microsoft.com/office/drawing/2014/main" id="{52D5CF02-FF2F-4723-989C-D273EDE04151}"/>
               </a:ext>
             </a:extLst>
           </p:cNvPr>
@@ -7331,58 +8986,207 @@
             <p:ph sz="quarter" idx="13"/>
           </p:nvPr>
         </p:nvSpPr>
-        <p:spPr/>
+        <p:spPr>
+          <a:xfrm>
+            <a:off x="913774" y="2015232"/>
+            <a:ext cx="10363826" cy="3775968"/>
+          </a:xfrm>
+        </p:spPr>
         <p:txBody>
           <a:bodyPr/>
           <a:lstStyle/>
           <a:p>
             <a:r>
               <a:rPr lang="en-US" dirty="0"/>
-              <a:t>Employment-type</a:t>
-            </a:r>
-          </a:p>
-          <a:p>
-            <a:r>
-              <a:rPr lang="en-US" dirty="0"/>
-              <a:t>Required-education</a:t>
-            </a:r>
-          </a:p>
-          <a:p>
-            <a:r>
-              <a:rPr lang="en-US" dirty="0"/>
-              <a:t>Required-experience</a:t>
-            </a:r>
-          </a:p>
-          <a:p>
-            <a:r>
-              <a:rPr lang="en-US" dirty="0"/>
-              <a:t>Has-company-logo</a:t>
-            </a:r>
-          </a:p>
-          <a:p>
-            <a:r>
-              <a:rPr lang="en-US" dirty="0"/>
-              <a:t>Fraudulent</a:t>
-            </a:r>
-          </a:p>
-          <a:p>
-            <a:r>
-              <a:rPr lang="en-US" dirty="0"/>
-              <a:t>location – to select data only from united states</a:t>
-            </a:r>
-          </a:p>
-        </p:txBody>
-      </p:sp>
+              <a:t>Replace nan to “   “ to specify they are missing values</a:t>
+            </a:r>
+          </a:p>
+          <a:p>
+            <a:r>
+              <a:rPr lang="en-US" dirty="0"/>
+              <a:t>From the location attribute separate country, state and city</a:t>
+            </a:r>
+          </a:p>
+          <a:p>
+            <a:r>
+              <a:rPr lang="en-US" dirty="0"/>
+              <a:t>Separate the united states data from the dataset </a:t>
+            </a:r>
+          </a:p>
+          <a:p>
+            <a:r>
+              <a:rPr lang="en-US" dirty="0"/>
+              <a:t>10593 records in the us dataset</a:t>
+            </a:r>
+          </a:p>
+          <a:p>
+            <a:r>
+              <a:rPr lang="en-US" dirty="0"/>
+              <a:t>Replaced missing values with the mode of the attributes</a:t>
+            </a:r>
+          </a:p>
+          <a:p>
+            <a:r>
+              <a:rPr lang="en-US" dirty="0"/>
+              <a:t>Converting the categorical variables to numeric with </a:t>
+            </a:r>
+            <a:r>
+              <a:rPr lang="en-US" dirty="0" err="1"/>
+              <a:t>cat.code</a:t>
+            </a:r>
+            <a:endParaRPr lang="en-US" dirty="0"/>
+          </a:p>
+          <a:p>
+            <a:endParaRPr lang="en-US" dirty="0"/>
+          </a:p>
+          <a:p>
+            <a:endParaRPr lang="en-US" dirty="0"/>
+          </a:p>
+        </p:txBody>
+      </p:sp>
+      <p:pic>
+        <p:nvPicPr>
+          <p:cNvPr id="4" name="Audio 3">
+            <a:hlinkClick r:id="" action="ppaction://media"/>
+            <a:extLst>
+              <a:ext uri="{FF2B5EF4-FFF2-40B4-BE49-F238E27FC236}">
+                <a16:creationId xmlns:a16="http://schemas.microsoft.com/office/drawing/2014/main" id="{71C3DC99-E6E4-244D-AD4C-B8499FBAA649}"/>
+              </a:ext>
+            </a:extLst>
+          </p:cNvPr>
+          <p:cNvPicPr>
+            <a:picLocks noChangeAspect="1"/>
+          </p:cNvPicPr>
+          <p:nvPr>
+            <a:audioFile r:link="rId2"/>
+            <p:extLst>
+              <p:ext uri="{DAA4B4D4-6D71-4841-9C94-3DE7FCFB9230}">
+                <p14:media xmlns:p14="http://schemas.microsoft.com/office/powerpoint/2010/main" r:embed="rId1"/>
+              </p:ext>
+            </p:extLst>
+          </p:nvPr>
+        </p:nvPicPr>
+        <p:blipFill>
+          <a:blip r:embed="rId5"/>
+          <a:stretch>
+            <a:fillRect/>
+          </a:stretch>
+        </p:blipFill>
+        <p:spPr>
+          <a:xfrm>
+            <a:off x="11226800" y="5892800"/>
+            <a:ext cx="812800" cy="812800"/>
+          </a:xfrm>
+          <a:prstGeom prst="rect">
+            <a:avLst/>
+          </a:prstGeom>
+        </p:spPr>
+      </p:pic>
     </p:spTree>
     <p:extLst>
       <p:ext uri="{BB962C8B-B14F-4D97-AF65-F5344CB8AC3E}">
-        <p14:creationId xmlns:p14="http://schemas.microsoft.com/office/powerpoint/2010/main" val="2276361983"/>
+        <p14:creationId xmlns:p14="http://schemas.microsoft.com/office/powerpoint/2010/main" val="3238387152"/>
       </p:ext>
     </p:extLst>
   </p:cSld>
   <p:clrMapOvr>
     <a:masterClrMapping/>
   </p:clrMapOvr>
+  <mc:AlternateContent xmlns:mc="http://schemas.openxmlformats.org/markup-compatibility/2006">
+    <mc:Choice xmlns:p14="http://schemas.microsoft.com/office/powerpoint/2010/main" Requires="p14">
+      <p:transition spd="slow" p14:dur="2000" advTm="64790"/>
+    </mc:Choice>
+    <mc:Fallback>
+      <p:transition spd="slow" advTm="64790"/>
+    </mc:Fallback>
+  </mc:AlternateContent>
+  <p:timing>
+    <p:tnLst>
+      <p:par>
+        <p:cTn id="1" dur="indefinite" restart="never" nodeType="tmRoot">
+          <p:childTnLst>
+            <p:seq concurrent="1" nextAc="seek">
+              <p:cTn id="2" dur="indefinite" nodeType="mainSeq">
+                <p:childTnLst>
+                  <p:par>
+                    <p:cTn id="3" fill="hold">
+                      <p:stCondLst>
+                        <p:cond delay="indefinite"/>
+                        <p:cond evt="onBegin" delay="0">
+                          <p:tn val="2"/>
+                        </p:cond>
+                      </p:stCondLst>
+                      <p:childTnLst>
+                        <p:par>
+                          <p:cTn id="4" fill="hold">
+                            <p:stCondLst>
+                              <p:cond delay="0"/>
+                            </p:stCondLst>
+                            <p:childTnLst>
+                              <p:par>
+                                <p:cTn id="5" presetID="1" presetClass="mediacall" presetSubtype="0" fill="hold" nodeType="afterEffect">
+                                  <p:stCondLst>
+                                    <p:cond delay="0"/>
+                                  </p:stCondLst>
+                                  <p:childTnLst>
+                                    <p:cmd type="call" cmd="playFrom(0.0)">
+                                      <p:cBhvr>
+                                        <p:cTn id="6" dur="1" fill="hold"/>
+                                        <p:tgtEl>
+                                          <p:spTgt spid="4"/>
+                                        </p:tgtEl>
+                                      </p:cBhvr>
+                                    </p:cmd>
+                                  </p:childTnLst>
+                                </p:cTn>
+                              </p:par>
+                            </p:childTnLst>
+                          </p:cTn>
+                        </p:par>
+                      </p:childTnLst>
+                    </p:cTn>
+                  </p:par>
+                </p:childTnLst>
+              </p:cTn>
+              <p:prevCondLst>
+                <p:cond evt="onPrev" delay="0">
+                  <p:tgtEl>
+                    <p:sldTgt/>
+                  </p:tgtEl>
+                </p:cond>
+              </p:prevCondLst>
+              <p:nextCondLst>
+                <p:cond evt="onNext" delay="0">
+                  <p:tgtEl>
+                    <p:sldTgt/>
+                  </p:tgtEl>
+                </p:cond>
+              </p:nextCondLst>
+            </p:seq>
+            <p:audio isNarration="1">
+              <p:cMediaNode vol="80000" showWhenStopped="0">
+                <p:cTn id="7" fill="hold" display="0">
+                  <p:stCondLst>
+                    <p:cond delay="indefinite"/>
+                  </p:stCondLst>
+                  <p:endCondLst>
+                    <p:cond evt="onStopAudio" delay="0">
+                      <p:tgtEl>
+                        <p:sldTgt/>
+                      </p:tgtEl>
+                    </p:cond>
+                  </p:endCondLst>
+                </p:cTn>
+                <p:tgtEl>
+                  <p:spTgt spid="4"/>
+                </p:tgtEl>
+              </p:cMediaNode>
+            </p:audio>
+          </p:childTnLst>
+        </p:cTn>
+      </p:par>
+    </p:tnLst>
+  </p:timing>
 </p:sld>
 </file>
 
@@ -7408,7 +9212,7 @@
           <p:cNvPr id="2" name="Title 1">
             <a:extLst>
               <a:ext uri="{FF2B5EF4-FFF2-40B4-BE49-F238E27FC236}">
-                <a16:creationId xmlns:a16="http://schemas.microsoft.com/office/drawing/2014/main" id="{37C5577F-C58C-407B-B0CE-8818A029A070}"/>
+                <a16:creationId xmlns:a16="http://schemas.microsoft.com/office/drawing/2014/main" id="{7047F360-A800-4B9C-805A-F1D5E17D8AF2}"/>
               </a:ext>
             </a:extLst>
           </p:cNvPr>
@@ -7426,7 +9230,7 @@
           <a:p>
             <a:r>
               <a:rPr lang="en-US" dirty="0"/>
-              <a:t>Data pre-processing</a:t>
+              <a:t>Missing values</a:t>
             </a:r>
           </a:p>
         </p:txBody>
@@ -7436,7 +9240,7 @@
           <p:cNvPr id="3" name="Content Placeholder 2">
             <a:extLst>
               <a:ext uri="{FF2B5EF4-FFF2-40B4-BE49-F238E27FC236}">
-                <a16:creationId xmlns:a16="http://schemas.microsoft.com/office/drawing/2014/main" id="{52D5CF02-FF2F-4723-989C-D273EDE04151}"/>
+                <a16:creationId xmlns:a16="http://schemas.microsoft.com/office/drawing/2014/main" id="{B20EC234-9AFC-4CE6-93A5-E290CEA90F11}"/>
               </a:ext>
             </a:extLst>
           </p:cNvPr>
@@ -7447,74 +9251,196 @@
             <p:ph sz="quarter" idx="13"/>
           </p:nvPr>
         </p:nvSpPr>
+        <p:spPr/>
+        <p:txBody>
+          <a:bodyPr/>
+          <a:lstStyle/>
+          <a:p>
+            <a:r>
+              <a:rPr lang="en-US" dirty="0"/>
+              <a:t>Replaced missing values with the modes of those attributes</a:t>
+            </a:r>
+          </a:p>
+          <a:p>
+            <a:pPr lvl="1"/>
+            <a:r>
+              <a:rPr lang="en-US" dirty="0"/>
+              <a:t>Missing data in employment type with other</a:t>
+            </a:r>
+          </a:p>
+          <a:p>
+            <a:pPr lvl="1"/>
+            <a:r>
+              <a:rPr lang="en-US" dirty="0"/>
+              <a:t>Missing data in required-experience with not-applicable</a:t>
+            </a:r>
+          </a:p>
+          <a:p>
+            <a:pPr lvl="1"/>
+            <a:r>
+              <a:rPr lang="en-US" dirty="0"/>
+              <a:t>Missing data in required-education with unspecified</a:t>
+            </a:r>
+          </a:p>
+          <a:p>
+            <a:r>
+              <a:rPr lang="en-US" dirty="0"/>
+              <a:t>Dropped missing values in locations</a:t>
+            </a:r>
+          </a:p>
+          <a:p>
+            <a:pPr lvl="1"/>
+            <a:endParaRPr lang="en-US" dirty="0"/>
+          </a:p>
+          <a:p>
+            <a:pPr lvl="1"/>
+            <a:endParaRPr lang="en-US" dirty="0"/>
+          </a:p>
+        </p:txBody>
+      </p:sp>
+      <p:pic>
+        <p:nvPicPr>
+          <p:cNvPr id="4" name="Audio 3">
+            <a:hlinkClick r:id="" action="ppaction://media"/>
+            <a:extLst>
+              <a:ext uri="{FF2B5EF4-FFF2-40B4-BE49-F238E27FC236}">
+                <a16:creationId xmlns:a16="http://schemas.microsoft.com/office/drawing/2014/main" id="{CFC9C0F3-0DF6-A040-88FC-EAC44A96D0A7}"/>
+              </a:ext>
+            </a:extLst>
+          </p:cNvPr>
+          <p:cNvPicPr>
+            <a:picLocks noChangeAspect="1"/>
+          </p:cNvPicPr>
+          <p:nvPr>
+            <a:audioFile r:link="rId2"/>
+            <p:extLst>
+              <p:ext uri="{DAA4B4D4-6D71-4841-9C94-3DE7FCFB9230}">
+                <p14:media xmlns:p14="http://schemas.microsoft.com/office/powerpoint/2010/main" r:embed="rId1"/>
+              </p:ext>
+            </p:extLst>
+          </p:nvPr>
+        </p:nvPicPr>
+        <p:blipFill>
+          <a:blip r:embed="rId5"/>
+          <a:stretch>
+            <a:fillRect/>
+          </a:stretch>
+        </p:blipFill>
         <p:spPr>
           <a:xfrm>
-            <a:off x="913774" y="2015232"/>
-            <a:ext cx="10363826" cy="3775968"/>
+            <a:off x="11226800" y="5892800"/>
+            <a:ext cx="812800" cy="812800"/>
           </a:xfrm>
+          <a:prstGeom prst="rect">
+            <a:avLst/>
+          </a:prstGeom>
         </p:spPr>
-        <p:txBody>
-          <a:bodyPr/>
-          <a:lstStyle/>
-          <a:p>
-            <a:r>
-              <a:rPr lang="en-US" dirty="0"/>
-              <a:t>Replace nan to “   “ to specify they are missing values</a:t>
-            </a:r>
-          </a:p>
-          <a:p>
-            <a:r>
-              <a:rPr lang="en-US" dirty="0"/>
-              <a:t>From the location attribute separate country, state and city</a:t>
-            </a:r>
-          </a:p>
-          <a:p>
-            <a:r>
-              <a:rPr lang="en-US" dirty="0"/>
-              <a:t>Separate the united states data from the dataset </a:t>
-            </a:r>
-          </a:p>
-          <a:p>
-            <a:r>
-              <a:rPr lang="en-US" dirty="0"/>
-              <a:t>10593 records in the us dataset</a:t>
-            </a:r>
-          </a:p>
-          <a:p>
-            <a:r>
-              <a:rPr lang="en-US" dirty="0"/>
-              <a:t>Replaced missing values with the mode of the attributes</a:t>
-            </a:r>
-          </a:p>
-          <a:p>
-            <a:r>
-              <a:rPr lang="en-US" dirty="0"/>
-              <a:t>Converting the categorical variables to numeric with </a:t>
-            </a:r>
-            <a:r>
-              <a:rPr lang="en-US" dirty="0" err="1"/>
-              <a:t>cat.code</a:t>
-            </a:r>
-            <a:endParaRPr lang="en-US" dirty="0"/>
-          </a:p>
-          <a:p>
-            <a:endParaRPr lang="en-US" dirty="0"/>
-          </a:p>
-          <a:p>
-            <a:endParaRPr lang="en-US" dirty="0"/>
-          </a:p>
-        </p:txBody>
-      </p:sp>
+      </p:pic>
     </p:spTree>
     <p:extLst>
       <p:ext uri="{BB962C8B-B14F-4D97-AF65-F5344CB8AC3E}">
-        <p14:creationId xmlns:p14="http://schemas.microsoft.com/office/powerpoint/2010/main" val="3238387152"/>
+        <p14:creationId xmlns:p14="http://schemas.microsoft.com/office/powerpoint/2010/main" val="4065138355"/>
       </p:ext>
     </p:extLst>
   </p:cSld>
   <p:clrMapOvr>
     <a:masterClrMapping/>
   </p:clrMapOvr>
+  <mc:AlternateContent xmlns:mc="http://schemas.openxmlformats.org/markup-compatibility/2006">
+    <mc:Choice xmlns:p14="http://schemas.microsoft.com/office/powerpoint/2010/main" Requires="p14">
+      <p:transition spd="slow" p14:dur="2000" advTm="24548"/>
+    </mc:Choice>
+    <mc:Fallback>
+      <p:transition spd="slow" advTm="24548"/>
+    </mc:Fallback>
+  </mc:AlternateContent>
+  <p:timing>
+    <p:tnLst>
+      <p:par>
+        <p:cTn id="1" dur="indefinite" restart="never" nodeType="tmRoot">
+          <p:childTnLst>
+            <p:seq concurrent="1" nextAc="seek">
+              <p:cTn id="2" dur="indefinite" nodeType="mainSeq">
+                <p:childTnLst>
+                  <p:par>
+                    <p:cTn id="3" fill="hold">
+                      <p:stCondLst>
+                        <p:cond delay="indefinite"/>
+                        <p:cond evt="onBegin" delay="0">
+                          <p:tn val="2"/>
+                        </p:cond>
+                      </p:stCondLst>
+                      <p:childTnLst>
+                        <p:par>
+                          <p:cTn id="4" fill="hold">
+                            <p:stCondLst>
+                              <p:cond delay="0"/>
+                            </p:stCondLst>
+                            <p:childTnLst>
+                              <p:par>
+                                <p:cTn id="5" presetID="1" presetClass="mediacall" presetSubtype="0" fill="hold" nodeType="afterEffect">
+                                  <p:stCondLst>
+                                    <p:cond delay="0"/>
+                                  </p:stCondLst>
+                                  <p:childTnLst>
+                                    <p:cmd type="call" cmd="playFrom(0.0)">
+                                      <p:cBhvr>
+                                        <p:cTn id="6" dur="1" fill="hold"/>
+                                        <p:tgtEl>
+                                          <p:spTgt spid="4"/>
+                                        </p:tgtEl>
+                                      </p:cBhvr>
+                                    </p:cmd>
+                                  </p:childTnLst>
+                                </p:cTn>
+                              </p:par>
+                            </p:childTnLst>
+                          </p:cTn>
+                        </p:par>
+                      </p:childTnLst>
+                    </p:cTn>
+                  </p:par>
+                </p:childTnLst>
+              </p:cTn>
+              <p:prevCondLst>
+                <p:cond evt="onPrev" delay="0">
+                  <p:tgtEl>
+                    <p:sldTgt/>
+                  </p:tgtEl>
+                </p:cond>
+              </p:prevCondLst>
+              <p:nextCondLst>
+                <p:cond evt="onNext" delay="0">
+                  <p:tgtEl>
+                    <p:sldTgt/>
+                  </p:tgtEl>
+                </p:cond>
+              </p:nextCondLst>
+            </p:seq>
+            <p:audio isNarration="1">
+              <p:cMediaNode vol="80000" showWhenStopped="0">
+                <p:cTn id="7" fill="hold" display="0">
+                  <p:stCondLst>
+                    <p:cond delay="indefinite"/>
+                  </p:stCondLst>
+                  <p:endCondLst>
+                    <p:cond evt="onStopAudio" delay="0">
+                      <p:tgtEl>
+                        <p:sldTgt/>
+                      </p:tgtEl>
+                    </p:cond>
+                  </p:endCondLst>
+                </p:cTn>
+                <p:tgtEl>
+                  <p:spTgt spid="4"/>
+                </p:tgtEl>
+              </p:cMediaNode>
+            </p:audio>
+          </p:childTnLst>
+        </p:cTn>
+      </p:par>
+    </p:tnLst>
+  </p:timing>
 </p:sld>
 </file>
 
@@ -7540,127 +9466,6 @@
           <p:cNvPr id="2" name="Title 1">
             <a:extLst>
               <a:ext uri="{FF2B5EF4-FFF2-40B4-BE49-F238E27FC236}">
-                <a16:creationId xmlns:a16="http://schemas.microsoft.com/office/drawing/2014/main" id="{7047F360-A800-4B9C-805A-F1D5E17D8AF2}"/>
-              </a:ext>
-            </a:extLst>
-          </p:cNvPr>
-          <p:cNvSpPr>
-            <a:spLocks noGrp="1"/>
-          </p:cNvSpPr>
-          <p:nvPr>
-            <p:ph type="title"/>
-          </p:nvPr>
-        </p:nvSpPr>
-        <p:spPr/>
-        <p:txBody>
-          <a:bodyPr/>
-          <a:lstStyle/>
-          <a:p>
-            <a:r>
-              <a:rPr lang="en-US" dirty="0"/>
-              <a:t>Missing values</a:t>
-            </a:r>
-          </a:p>
-        </p:txBody>
-      </p:sp>
-      <p:sp>
-        <p:nvSpPr>
-          <p:cNvPr id="3" name="Content Placeholder 2">
-            <a:extLst>
-              <a:ext uri="{FF2B5EF4-FFF2-40B4-BE49-F238E27FC236}">
-                <a16:creationId xmlns:a16="http://schemas.microsoft.com/office/drawing/2014/main" id="{B20EC234-9AFC-4CE6-93A5-E290CEA90F11}"/>
-              </a:ext>
-            </a:extLst>
-          </p:cNvPr>
-          <p:cNvSpPr>
-            <a:spLocks noGrp="1"/>
-          </p:cNvSpPr>
-          <p:nvPr>
-            <p:ph sz="quarter" idx="13"/>
-          </p:nvPr>
-        </p:nvSpPr>
-        <p:spPr/>
-        <p:txBody>
-          <a:bodyPr/>
-          <a:lstStyle/>
-          <a:p>
-            <a:r>
-              <a:rPr lang="en-US" dirty="0"/>
-              <a:t>Replaced missing values with the modes of those attributes</a:t>
-            </a:r>
-          </a:p>
-          <a:p>
-            <a:pPr lvl="1"/>
-            <a:r>
-              <a:rPr lang="en-US" dirty="0"/>
-              <a:t>Missing data in employment type with other</a:t>
-            </a:r>
-          </a:p>
-          <a:p>
-            <a:pPr lvl="1"/>
-            <a:r>
-              <a:rPr lang="en-US" dirty="0"/>
-              <a:t>Missing data in required-experience with not-applicable</a:t>
-            </a:r>
-          </a:p>
-          <a:p>
-            <a:pPr lvl="1"/>
-            <a:r>
-              <a:rPr lang="en-US" dirty="0"/>
-              <a:t>Missing data in required-education with unspecified</a:t>
-            </a:r>
-          </a:p>
-          <a:p>
-            <a:r>
-              <a:rPr lang="en-US" dirty="0"/>
-              <a:t>Dropped missing values in locations</a:t>
-            </a:r>
-          </a:p>
-          <a:p>
-            <a:pPr lvl="1"/>
-            <a:endParaRPr lang="en-US" dirty="0"/>
-          </a:p>
-          <a:p>
-            <a:pPr lvl="1"/>
-            <a:endParaRPr lang="en-US" dirty="0"/>
-          </a:p>
-        </p:txBody>
-      </p:sp>
-    </p:spTree>
-    <p:extLst>
-      <p:ext uri="{BB962C8B-B14F-4D97-AF65-F5344CB8AC3E}">
-        <p14:creationId xmlns:p14="http://schemas.microsoft.com/office/powerpoint/2010/main" val="4065138355"/>
-      </p:ext>
-    </p:extLst>
-  </p:cSld>
-  <p:clrMapOvr>
-    <a:masterClrMapping/>
-  </p:clrMapOvr>
-</p:sld>
-</file>
-
-<file path=ppt/slides/slide8.xml><?xml version="1.0" encoding="utf-8"?>
-<p:sld xmlns:a="http://schemas.openxmlformats.org/drawingml/2006/main" xmlns:r="http://schemas.openxmlformats.org/officeDocument/2006/relationships" xmlns:p="http://schemas.openxmlformats.org/presentationml/2006/main">
-  <p:cSld>
-    <p:spTree>
-      <p:nvGrpSpPr>
-        <p:cNvPr id="1" name=""/>
-        <p:cNvGrpSpPr/>
-        <p:nvPr/>
-      </p:nvGrpSpPr>
-      <p:grpSpPr>
-        <a:xfrm>
-          <a:off x="0" y="0"/>
-          <a:ext cx="0" cy="0"/>
-          <a:chOff x="0" y="0"/>
-          <a:chExt cx="0" cy="0"/>
-        </a:xfrm>
-      </p:grpSpPr>
-      <p:sp>
-        <p:nvSpPr>
-          <p:cNvPr id="2" name="Title 1">
-            <a:extLst>
-              <a:ext uri="{FF2B5EF4-FFF2-40B4-BE49-F238E27FC236}">
                 <a16:creationId xmlns:a16="http://schemas.microsoft.com/office/drawing/2014/main" id="{B03391D8-86BB-4302-A4B9-DE8A2E662226}"/>
               </a:ext>
             </a:extLst>
@@ -7732,7 +9537,7 @@
           </p:nvPr>
         </p:nvPicPr>
         <p:blipFill>
-          <a:blip r:embed="rId2"/>
+          <a:blip r:embed="rId5"/>
           <a:stretch>
             <a:fillRect/>
           </a:stretch>
@@ -7762,7 +9567,7 @@
           <p:nvPr/>
         </p:nvPicPr>
         <p:blipFill>
-          <a:blip r:embed="rId3"/>
+          <a:blip r:embed="rId6"/>
           <a:stretch>
             <a:fillRect/>
           </a:stretch>
@@ -7771,6 +9576,44 @@
           <a:xfrm>
             <a:off x="1508469" y="3243884"/>
             <a:ext cx="3182801" cy="2569533"/>
+          </a:xfrm>
+          <a:prstGeom prst="rect">
+            <a:avLst/>
+          </a:prstGeom>
+        </p:spPr>
+      </p:pic>
+      <p:pic>
+        <p:nvPicPr>
+          <p:cNvPr id="5" name="Audio 4">
+            <a:hlinkClick r:id="" action="ppaction://media"/>
+            <a:extLst>
+              <a:ext uri="{FF2B5EF4-FFF2-40B4-BE49-F238E27FC236}">
+                <a16:creationId xmlns:a16="http://schemas.microsoft.com/office/drawing/2014/main" id="{E76CFEE2-291C-C84D-8727-1A96D8CD1886}"/>
+              </a:ext>
+            </a:extLst>
+          </p:cNvPr>
+          <p:cNvPicPr>
+            <a:picLocks noChangeAspect="1"/>
+          </p:cNvPicPr>
+          <p:nvPr>
+            <a:audioFile r:link="rId2"/>
+            <p:extLst>
+              <p:ext uri="{DAA4B4D4-6D71-4841-9C94-3DE7FCFB9230}">
+                <p14:media xmlns:p14="http://schemas.microsoft.com/office/powerpoint/2010/main" r:embed="rId1"/>
+              </p:ext>
+            </p:extLst>
+          </p:nvPr>
+        </p:nvPicPr>
+        <p:blipFill>
+          <a:blip r:embed="rId7"/>
+          <a:stretch>
+            <a:fillRect/>
+          </a:stretch>
+        </p:blipFill>
+        <p:spPr>
+          <a:xfrm>
+            <a:off x="11226800" y="5892800"/>
+            <a:ext cx="812800" cy="812800"/>
           </a:xfrm>
           <a:prstGeom prst="rect">
             <a:avLst/>
@@ -7787,10 +9630,105 @@
   <p:clrMapOvr>
     <a:masterClrMapping/>
   </p:clrMapOvr>
+  <mc:AlternateContent xmlns:mc="http://schemas.openxmlformats.org/markup-compatibility/2006">
+    <mc:Choice xmlns:p14="http://schemas.microsoft.com/office/powerpoint/2010/main" Requires="p14">
+      <p:transition spd="slow" p14:dur="2000" advTm="51641"/>
+    </mc:Choice>
+    <mc:Fallback>
+      <p:transition spd="slow" advTm="51641"/>
+    </mc:Fallback>
+  </mc:AlternateContent>
+  <p:timing>
+    <p:tnLst>
+      <p:par>
+        <p:cTn id="1" dur="indefinite" restart="never" nodeType="tmRoot">
+          <p:childTnLst>
+            <p:seq concurrent="1" nextAc="seek">
+              <p:cTn id="2" dur="indefinite" nodeType="mainSeq">
+                <p:childTnLst>
+                  <p:par>
+                    <p:cTn id="3" fill="hold">
+                      <p:stCondLst>
+                        <p:cond delay="indefinite"/>
+                        <p:cond evt="onBegin" delay="0">
+                          <p:tn val="2"/>
+                        </p:cond>
+                      </p:stCondLst>
+                      <p:childTnLst>
+                        <p:par>
+                          <p:cTn id="4" fill="hold">
+                            <p:stCondLst>
+                              <p:cond delay="0"/>
+                            </p:stCondLst>
+                            <p:childTnLst>
+                              <p:par>
+                                <p:cTn id="5" presetID="1" presetClass="mediacall" presetSubtype="0" fill="hold" nodeType="afterEffect">
+                                  <p:stCondLst>
+                                    <p:cond delay="0"/>
+                                  </p:stCondLst>
+                                  <p:childTnLst>
+                                    <p:cmd type="call" cmd="playFrom(0.0)">
+                                      <p:cBhvr>
+                                        <p:cTn id="6" dur="1" fill="hold"/>
+                                        <p:tgtEl>
+                                          <p:spTgt spid="5"/>
+                                        </p:tgtEl>
+                                      </p:cBhvr>
+                                    </p:cmd>
+                                  </p:childTnLst>
+                                </p:cTn>
+                              </p:par>
+                            </p:childTnLst>
+                          </p:cTn>
+                        </p:par>
+                      </p:childTnLst>
+                    </p:cTn>
+                  </p:par>
+                </p:childTnLst>
+              </p:cTn>
+              <p:prevCondLst>
+                <p:cond evt="onPrev" delay="0">
+                  <p:tgtEl>
+                    <p:sldTgt/>
+                  </p:tgtEl>
+                </p:cond>
+              </p:prevCondLst>
+              <p:nextCondLst>
+                <p:cond evt="onNext" delay="0">
+                  <p:tgtEl>
+                    <p:sldTgt/>
+                  </p:tgtEl>
+                </p:cond>
+              </p:nextCondLst>
+            </p:seq>
+            <p:audio isNarration="1">
+              <p:cMediaNode vol="80000" showWhenStopped="0">
+                <p:cTn id="7" fill="hold" display="0">
+                  <p:stCondLst>
+                    <p:cond delay="indefinite"/>
+                  </p:stCondLst>
+                  <p:endCondLst>
+                    <p:cond evt="onStopAudio" delay="0">
+                      <p:tgtEl>
+                        <p:sldTgt/>
+                      </p:tgtEl>
+                    </p:cond>
+                  </p:endCondLst>
+                </p:cTn>
+                <p:tgtEl>
+                  <p:spTgt spid="5"/>
+                </p:tgtEl>
+              </p:cMediaNode>
+            </p:audio>
+          </p:childTnLst>
+        </p:cTn>
+      </p:par>
+    </p:tnLst>
+  </p:timing>
 </p:sld>
 </file>
 
-<file path=ppt/slides/slide9.xml><?xml version="1.0" encoding="utf-8"?>
+<file path=ppt/slides/slide8.xml><?xml version="1.0" encoding="utf-8"?>
 <p:sld xmlns:a="http://schemas.openxmlformats.org/drawingml/2006/main" xmlns:r="http://schemas.openxmlformats.org/officeDocument/2006/relationships" xmlns:p="http://schemas.openxmlformats.org/presentationml/2006/main">
   <p:cSld>
     <p:spTree>
@@ -7852,7 +9790,7 @@
           </p:nvPr>
         </p:nvPicPr>
         <p:blipFill>
-          <a:blip r:embed="rId2"/>
+          <a:blip r:embed="rId5"/>
           <a:stretch>
             <a:fillRect/>
           </a:stretch>
@@ -7884,7 +9822,7 @@
           </p:nvPr>
         </p:nvPicPr>
         <p:blipFill>
-          <a:blip r:embed="rId3"/>
+          <a:blip r:embed="rId6"/>
           <a:stretch>
             <a:fillRect/>
           </a:stretch>
@@ -7893,6 +9831,44 @@
           <a:xfrm>
             <a:off x="6774336" y="2366963"/>
             <a:ext cx="3901128" cy="3424237"/>
+          </a:xfrm>
+          <a:prstGeom prst="rect">
+            <a:avLst/>
+          </a:prstGeom>
+        </p:spPr>
+      </p:pic>
+      <p:pic>
+        <p:nvPicPr>
+          <p:cNvPr id="4" name="Audio 3">
+            <a:hlinkClick r:id="" action="ppaction://media"/>
+            <a:extLst>
+              <a:ext uri="{FF2B5EF4-FFF2-40B4-BE49-F238E27FC236}">
+                <a16:creationId xmlns:a16="http://schemas.microsoft.com/office/drawing/2014/main" id="{F86D936D-5374-3F41-B9D8-6D35069A8E6D}"/>
+              </a:ext>
+            </a:extLst>
+          </p:cNvPr>
+          <p:cNvPicPr>
+            <a:picLocks noChangeAspect="1"/>
+          </p:cNvPicPr>
+          <p:nvPr>
+            <a:audioFile r:link="rId2"/>
+            <p:extLst>
+              <p:ext uri="{DAA4B4D4-6D71-4841-9C94-3DE7FCFB9230}">
+                <p14:media xmlns:p14="http://schemas.microsoft.com/office/powerpoint/2010/main" r:embed="rId1"/>
+              </p:ext>
+            </p:extLst>
+          </p:nvPr>
+        </p:nvPicPr>
+        <p:blipFill>
+          <a:blip r:embed="rId7"/>
+          <a:stretch>
+            <a:fillRect/>
+          </a:stretch>
+        </p:blipFill>
+        <p:spPr>
+          <a:xfrm>
+            <a:off x="11226800" y="5892800"/>
+            <a:ext cx="812800" cy="812800"/>
           </a:xfrm>
           <a:prstGeom prst="rect">
             <a:avLst/>
@@ -7909,6 +9885,356 @@
   <p:clrMapOvr>
     <a:masterClrMapping/>
   </p:clrMapOvr>
+  <mc:AlternateContent xmlns:mc="http://schemas.openxmlformats.org/markup-compatibility/2006">
+    <mc:Choice xmlns:p14="http://schemas.microsoft.com/office/powerpoint/2010/main" Requires="p14">
+      <p:transition spd="slow" p14:dur="2000" advTm="31764"/>
+    </mc:Choice>
+    <mc:Fallback>
+      <p:transition spd="slow" advTm="31764"/>
+    </mc:Fallback>
+  </mc:AlternateContent>
+  <p:timing>
+    <p:tnLst>
+      <p:par>
+        <p:cTn id="1" dur="indefinite" restart="never" nodeType="tmRoot">
+          <p:childTnLst>
+            <p:seq concurrent="1" nextAc="seek">
+              <p:cTn id="2" dur="indefinite" nodeType="mainSeq">
+                <p:childTnLst>
+                  <p:par>
+                    <p:cTn id="3" fill="hold">
+                      <p:stCondLst>
+                        <p:cond delay="indefinite"/>
+                        <p:cond evt="onBegin" delay="0">
+                          <p:tn val="2"/>
+                        </p:cond>
+                      </p:stCondLst>
+                      <p:childTnLst>
+                        <p:par>
+                          <p:cTn id="4" fill="hold">
+                            <p:stCondLst>
+                              <p:cond delay="0"/>
+                            </p:stCondLst>
+                            <p:childTnLst>
+                              <p:par>
+                                <p:cTn id="5" presetID="1" presetClass="mediacall" presetSubtype="0" fill="hold" nodeType="afterEffect">
+                                  <p:stCondLst>
+                                    <p:cond delay="0"/>
+                                  </p:stCondLst>
+                                  <p:childTnLst>
+                                    <p:cmd type="call" cmd="playFrom(0.0)">
+                                      <p:cBhvr>
+                                        <p:cTn id="6" dur="1" fill="hold"/>
+                                        <p:tgtEl>
+                                          <p:spTgt spid="4"/>
+                                        </p:tgtEl>
+                                      </p:cBhvr>
+                                    </p:cmd>
+                                  </p:childTnLst>
+                                </p:cTn>
+                              </p:par>
+                            </p:childTnLst>
+                          </p:cTn>
+                        </p:par>
+                      </p:childTnLst>
+                    </p:cTn>
+                  </p:par>
+                </p:childTnLst>
+              </p:cTn>
+              <p:prevCondLst>
+                <p:cond evt="onPrev" delay="0">
+                  <p:tgtEl>
+                    <p:sldTgt/>
+                  </p:tgtEl>
+                </p:cond>
+              </p:prevCondLst>
+              <p:nextCondLst>
+                <p:cond evt="onNext" delay="0">
+                  <p:tgtEl>
+                    <p:sldTgt/>
+                  </p:tgtEl>
+                </p:cond>
+              </p:nextCondLst>
+            </p:seq>
+            <p:audio isNarration="1">
+              <p:cMediaNode vol="80000" showWhenStopped="0">
+                <p:cTn id="7" fill="hold" display="0">
+                  <p:stCondLst>
+                    <p:cond delay="indefinite"/>
+                  </p:stCondLst>
+                  <p:endCondLst>
+                    <p:cond evt="onStopAudio" delay="0">
+                      <p:tgtEl>
+                        <p:sldTgt/>
+                      </p:tgtEl>
+                    </p:cond>
+                  </p:endCondLst>
+                </p:cTn>
+                <p:tgtEl>
+                  <p:spTgt spid="4"/>
+                </p:tgtEl>
+              </p:cMediaNode>
+            </p:audio>
+          </p:childTnLst>
+        </p:cTn>
+      </p:par>
+    </p:tnLst>
+  </p:timing>
+</p:sld>
+</file>
+
+<file path=ppt/slides/slide9.xml><?xml version="1.0" encoding="utf-8"?>
+<p:sld xmlns:a="http://schemas.openxmlformats.org/drawingml/2006/main" xmlns:r="http://schemas.openxmlformats.org/officeDocument/2006/relationships" xmlns:p="http://schemas.openxmlformats.org/presentationml/2006/main">
+  <p:cSld>
+    <p:spTree>
+      <p:nvGrpSpPr>
+        <p:cNvPr id="1" name=""/>
+        <p:cNvGrpSpPr/>
+        <p:nvPr/>
+      </p:nvGrpSpPr>
+      <p:grpSpPr>
+        <a:xfrm>
+          <a:off x="0" y="0"/>
+          <a:ext cx="0" cy="0"/>
+          <a:chOff x="0" y="0"/>
+          <a:chExt cx="0" cy="0"/>
+        </a:xfrm>
+      </p:grpSpPr>
+      <p:sp>
+        <p:nvSpPr>
+          <p:cNvPr id="2" name="Title 1">
+            <a:extLst>
+              <a:ext uri="{FF2B5EF4-FFF2-40B4-BE49-F238E27FC236}">
+                <a16:creationId xmlns:a16="http://schemas.microsoft.com/office/drawing/2014/main" id="{07C823FD-67D4-455B-8E16-8582589D6AE4}"/>
+              </a:ext>
+            </a:extLst>
+          </p:cNvPr>
+          <p:cNvSpPr>
+            <a:spLocks noGrp="1"/>
+          </p:cNvSpPr>
+          <p:nvPr>
+            <p:ph type="title"/>
+          </p:nvPr>
+        </p:nvSpPr>
+        <p:spPr/>
+        <p:txBody>
+          <a:bodyPr/>
+          <a:lstStyle/>
+          <a:p>
+            <a:r>
+              <a:rPr lang="en-US" dirty="0"/>
+              <a:t>Required-education</a:t>
+            </a:r>
+          </a:p>
+        </p:txBody>
+      </p:sp>
+      <p:pic>
+        <p:nvPicPr>
+          <p:cNvPr id="6" name="Content Placeholder 5">
+            <a:extLst>
+              <a:ext uri="{FF2B5EF4-FFF2-40B4-BE49-F238E27FC236}">
+                <a16:creationId xmlns:a16="http://schemas.microsoft.com/office/drawing/2014/main" id="{E20BCBB8-C652-47A1-B2D4-5D477957E554}"/>
+              </a:ext>
+            </a:extLst>
+          </p:cNvPr>
+          <p:cNvPicPr>
+            <a:picLocks noGrp="1" noChangeAspect="1"/>
+          </p:cNvPicPr>
+          <p:nvPr>
+            <p:ph sz="quarter" idx="13"/>
+          </p:nvPr>
+        </p:nvPicPr>
+        <p:blipFill>
+          <a:blip r:embed="rId5"/>
+          <a:stretch>
+            <a:fillRect/>
+          </a:stretch>
+        </p:blipFill>
+        <p:spPr>
+          <a:xfrm>
+            <a:off x="1202635" y="1908313"/>
+            <a:ext cx="4224130" cy="4532244"/>
+          </a:xfrm>
+          <a:prstGeom prst="rect">
+            <a:avLst/>
+          </a:prstGeom>
+        </p:spPr>
+      </p:pic>
+      <p:pic>
+        <p:nvPicPr>
+          <p:cNvPr id="5" name="Content Placeholder 4">
+            <a:extLst>
+              <a:ext uri="{FF2B5EF4-FFF2-40B4-BE49-F238E27FC236}">
+                <a16:creationId xmlns:a16="http://schemas.microsoft.com/office/drawing/2014/main" id="{BF6EDF20-EBA1-4D38-9C86-95226BAC035B}"/>
+              </a:ext>
+            </a:extLst>
+          </p:cNvPr>
+          <p:cNvPicPr>
+            <a:picLocks noGrp="1" noChangeAspect="1"/>
+          </p:cNvPicPr>
+          <p:nvPr>
+            <p:ph sz="quarter" idx="14"/>
+          </p:nvPr>
+        </p:nvPicPr>
+        <p:blipFill>
+          <a:blip r:embed="rId6"/>
+          <a:stretch>
+            <a:fillRect/>
+          </a:stretch>
+        </p:blipFill>
+        <p:spPr>
+          <a:xfrm>
+            <a:off x="6096000" y="1908313"/>
+            <a:ext cx="5443329" cy="4532244"/>
+          </a:xfrm>
+          <a:prstGeom prst="rect">
+            <a:avLst/>
+          </a:prstGeom>
+        </p:spPr>
+      </p:pic>
+      <p:pic>
+        <p:nvPicPr>
+          <p:cNvPr id="4" name="Audio 3">
+            <a:hlinkClick r:id="" action="ppaction://media"/>
+            <a:extLst>
+              <a:ext uri="{FF2B5EF4-FFF2-40B4-BE49-F238E27FC236}">
+                <a16:creationId xmlns:a16="http://schemas.microsoft.com/office/drawing/2014/main" id="{F3B1FB7D-DD77-BA40-8F8B-19319D6D5B53}"/>
+              </a:ext>
+            </a:extLst>
+          </p:cNvPr>
+          <p:cNvPicPr>
+            <a:picLocks noChangeAspect="1"/>
+          </p:cNvPicPr>
+          <p:nvPr>
+            <a:audioFile r:link="rId2"/>
+            <p:extLst>
+              <p:ext uri="{DAA4B4D4-6D71-4841-9C94-3DE7FCFB9230}">
+                <p14:media xmlns:p14="http://schemas.microsoft.com/office/powerpoint/2010/main" r:embed="rId1"/>
+              </p:ext>
+            </p:extLst>
+          </p:nvPr>
+        </p:nvPicPr>
+        <p:blipFill>
+          <a:blip r:embed="rId7"/>
+          <a:stretch>
+            <a:fillRect/>
+          </a:stretch>
+        </p:blipFill>
+        <p:spPr>
+          <a:xfrm>
+            <a:off x="11226800" y="5892800"/>
+            <a:ext cx="812800" cy="812800"/>
+          </a:xfrm>
+          <a:prstGeom prst="rect">
+            <a:avLst/>
+          </a:prstGeom>
+        </p:spPr>
+      </p:pic>
+    </p:spTree>
+    <p:extLst>
+      <p:ext uri="{BB962C8B-B14F-4D97-AF65-F5344CB8AC3E}">
+        <p14:creationId xmlns:p14="http://schemas.microsoft.com/office/powerpoint/2010/main" val="3140331604"/>
+      </p:ext>
+    </p:extLst>
+  </p:cSld>
+  <p:clrMapOvr>
+    <a:masterClrMapping/>
+  </p:clrMapOvr>
+  <mc:AlternateContent xmlns:mc="http://schemas.openxmlformats.org/markup-compatibility/2006">
+    <mc:Choice xmlns:p14="http://schemas.microsoft.com/office/powerpoint/2010/main" Requires="p14">
+      <p:transition spd="slow" p14:dur="2000" advTm="39016"/>
+    </mc:Choice>
+    <mc:Fallback>
+      <p:transition spd="slow" advTm="39016"/>
+    </mc:Fallback>
+  </mc:AlternateContent>
+  <p:timing>
+    <p:tnLst>
+      <p:par>
+        <p:cTn id="1" dur="indefinite" restart="never" nodeType="tmRoot">
+          <p:childTnLst>
+            <p:seq concurrent="1" nextAc="seek">
+              <p:cTn id="2" dur="indefinite" nodeType="mainSeq">
+                <p:childTnLst>
+                  <p:par>
+                    <p:cTn id="3" fill="hold">
+                      <p:stCondLst>
+                        <p:cond delay="indefinite"/>
+                        <p:cond evt="onBegin" delay="0">
+                          <p:tn val="2"/>
+                        </p:cond>
+                      </p:stCondLst>
+                      <p:childTnLst>
+                        <p:par>
+                          <p:cTn id="4" fill="hold">
+                            <p:stCondLst>
+                              <p:cond delay="0"/>
+                            </p:stCondLst>
+                            <p:childTnLst>
+                              <p:par>
+                                <p:cTn id="5" presetID="1" presetClass="mediacall" presetSubtype="0" fill="hold" nodeType="afterEffect">
+                                  <p:stCondLst>
+                                    <p:cond delay="0"/>
+                                  </p:stCondLst>
+                                  <p:childTnLst>
+                                    <p:cmd type="call" cmd="playFrom(0.0)">
+                                      <p:cBhvr>
+                                        <p:cTn id="6" dur="1" fill="hold"/>
+                                        <p:tgtEl>
+                                          <p:spTgt spid="4"/>
+                                        </p:tgtEl>
+                                      </p:cBhvr>
+                                    </p:cmd>
+                                  </p:childTnLst>
+                                </p:cTn>
+                              </p:par>
+                            </p:childTnLst>
+                          </p:cTn>
+                        </p:par>
+                      </p:childTnLst>
+                    </p:cTn>
+                  </p:par>
+                </p:childTnLst>
+              </p:cTn>
+              <p:prevCondLst>
+                <p:cond evt="onPrev" delay="0">
+                  <p:tgtEl>
+                    <p:sldTgt/>
+                  </p:tgtEl>
+                </p:cond>
+              </p:prevCondLst>
+              <p:nextCondLst>
+                <p:cond evt="onNext" delay="0">
+                  <p:tgtEl>
+                    <p:sldTgt/>
+                  </p:tgtEl>
+                </p:cond>
+              </p:nextCondLst>
+            </p:seq>
+            <p:audio isNarration="1">
+              <p:cMediaNode vol="80000" showWhenStopped="0">
+                <p:cTn id="7" fill="hold" display="0">
+                  <p:stCondLst>
+                    <p:cond delay="indefinite"/>
+                  </p:stCondLst>
+                  <p:endCondLst>
+                    <p:cond evt="onStopAudio" delay="0">
+                      <p:tgtEl>
+                        <p:sldTgt/>
+                      </p:tgtEl>
+                    </p:cond>
+                  </p:endCondLst>
+                </p:cTn>
+                <p:tgtEl>
+                  <p:spTgt spid="4"/>
+                </p:tgtEl>
+              </p:cMediaNode>
+            </p:audio>
+          </p:childTnLst>
+        </p:cTn>
+      </p:par>
+    </p:tnLst>
+  </p:timing>
 </p:sld>
 </file>
 
@@ -8174,4 +10500,299 @@
     </a:ext>
   </a:extLst>
 </a:theme>
+</file>
+
+<file path=ppt/theme/theme2.xml><?xml version="1.0" encoding="utf-8"?>
+<a:theme xmlns:a="http://schemas.openxmlformats.org/drawingml/2006/main" name="Office Theme">
+  <a:themeElements>
+    <a:clrScheme name="Office">
+      <a:dk1>
+        <a:sysClr val="windowText" lastClr="000000"/>
+      </a:dk1>
+      <a:lt1>
+        <a:sysClr val="window" lastClr="FFFFFF"/>
+      </a:lt1>
+      <a:dk2>
+        <a:srgbClr val="44546A"/>
+      </a:dk2>
+      <a:lt2>
+        <a:srgbClr val="E7E6E6"/>
+      </a:lt2>
+      <a:accent1>
+        <a:srgbClr val="4472C4"/>
+      </a:accent1>
+      <a:accent2>
+        <a:srgbClr val="ED7D31"/>
+      </a:accent2>
+      <a:accent3>
+        <a:srgbClr val="A5A5A5"/>
+      </a:accent3>
+      <a:accent4>
+        <a:srgbClr val="FFC000"/>
+      </a:accent4>
+      <a:accent5>
+        <a:srgbClr val="5B9BD5"/>
+      </a:accent5>
+      <a:accent6>
+        <a:srgbClr val="70AD47"/>
+      </a:accent6>
+      <a:hlink>
+        <a:srgbClr val="0563C1"/>
+      </a:hlink>
+      <a:folHlink>
+        <a:srgbClr val="954F72"/>
+      </a:folHlink>
+    </a:clrScheme>
+    <a:fontScheme name="Office">
+      <a:majorFont>
+        <a:latin typeface="Calibri Light" panose="020F0302020204030204"/>
+        <a:ea typeface=""/>
+        <a:cs typeface=""/>
+        <a:font script="Jpan" typeface="游ゴシック Light"/>
+        <a:font script="Hang" typeface="맑은 고딕"/>
+        <a:font script="Hans" typeface="等线 Light"/>
+        <a:font script="Hant" typeface="新細明體"/>
+        <a:font script="Arab" typeface="Times New Roman"/>
+        <a:font script="Hebr" typeface="Times New Roman"/>
+        <a:font script="Thai" typeface="Angsana New"/>
+        <a:font script="Ethi" typeface="Nyala"/>
+        <a:font script="Beng" typeface="Vrinda"/>
+        <a:font script="Gujr" typeface="Shruti"/>
+        <a:font script="Khmr" typeface="MoolBoran"/>
+        <a:font script="Knda" typeface="Tunga"/>
+        <a:font script="Guru" typeface="Raavi"/>
+        <a:font script="Cans" typeface="Euphemia"/>
+        <a:font script="Cher" typeface="Plantagenet Cherokee"/>
+        <a:font script="Yiii" typeface="Microsoft Yi Baiti"/>
+        <a:font script="Tibt" typeface="Microsoft Himalaya"/>
+        <a:font script="Thaa" typeface="MV Boli"/>
+        <a:font script="Deva" typeface="Mangal"/>
+        <a:font script="Telu" typeface="Gautami"/>
+        <a:font script="Taml" typeface="Latha"/>
+        <a:font script="Syrc" typeface="Estrangelo Edessa"/>
+        <a:font script="Orya" typeface="Kalinga"/>
+        <a:font script="Mlym" typeface="Kartika"/>
+        <a:font script="Laoo" typeface="DokChampa"/>
+        <a:font script="Sinh" typeface="Iskoola Pota"/>
+        <a:font script="Mong" typeface="Mongolian Baiti"/>
+        <a:font script="Viet" typeface="Times New Roman"/>
+        <a:font script="Uigh" typeface="Microsoft Uighur"/>
+        <a:font script="Geor" typeface="Sylfaen"/>
+        <a:font script="Armn" typeface="Arial"/>
+        <a:font script="Bugi" typeface="Leelawadee UI"/>
+        <a:font script="Bopo" typeface="Microsoft JhengHei"/>
+        <a:font script="Java" typeface="Javanese Text"/>
+        <a:font script="Lisu" typeface="Segoe UI"/>
+        <a:font script="Mymr" typeface="Myanmar Text"/>
+        <a:font script="Nkoo" typeface="Ebrima"/>
+        <a:font script="Olck" typeface="Nirmala UI"/>
+        <a:font script="Osma" typeface="Ebrima"/>
+        <a:font script="Phag" typeface="Phagspa"/>
+        <a:font script="Syrn" typeface="Estrangelo Edessa"/>
+        <a:font script="Syrj" typeface="Estrangelo Edessa"/>
+        <a:font script="Syre" typeface="Estrangelo Edessa"/>
+        <a:font script="Sora" typeface="Nirmala UI"/>
+        <a:font script="Tale" typeface="Microsoft Tai Le"/>
+        <a:font script="Talu" typeface="Microsoft New Tai Lue"/>
+        <a:font script="Tfng" typeface="Ebrima"/>
+      </a:majorFont>
+      <a:minorFont>
+        <a:latin typeface="Calibri" panose="020F0502020204030204"/>
+        <a:ea typeface=""/>
+        <a:cs typeface=""/>
+        <a:font script="Jpan" typeface="游ゴシック"/>
+        <a:font script="Hang" typeface="맑은 고딕"/>
+        <a:font script="Hans" typeface="等线"/>
+        <a:font script="Hant" typeface="新細明體"/>
+        <a:font script="Arab" typeface="Arial"/>
+        <a:font script="Hebr" typeface="Arial"/>
+        <a:font script="Thai" typeface="Cordia New"/>
+        <a:font script="Ethi" typeface="Nyala"/>
+        <a:font script="Beng" typeface="Vrinda"/>
+        <a:font script="Gujr" typeface="Shruti"/>
+        <a:font script="Khmr" typeface="DaunPenh"/>
+        <a:font script="Knda" typeface="Tunga"/>
+        <a:font script="Guru" typeface="Raavi"/>
+        <a:font script="Cans" typeface="Euphemia"/>
+        <a:font script="Cher" typeface="Plantagenet Cherokee"/>
+        <a:font script="Yiii" typeface="Microsoft Yi Baiti"/>
+        <a:font script="Tibt" typeface="Microsoft Himalaya"/>
+        <a:font script="Thaa" typeface="MV Boli"/>
+        <a:font script="Deva" typeface="Mangal"/>
+        <a:font script="Telu" typeface="Gautami"/>
+        <a:font script="Taml" typeface="Latha"/>
+        <a:font script="Syrc" typeface="Estrangelo Edessa"/>
+        <a:font script="Orya" typeface="Kalinga"/>
+        <a:font script="Mlym" typeface="Kartika"/>
+        <a:font script="Laoo" typeface="DokChampa"/>
+        <a:font script="Sinh" typeface="Iskoola Pota"/>
+        <a:font script="Mong" typeface="Mongolian Baiti"/>
+        <a:font script="Viet" typeface="Arial"/>
+        <a:font script="Uigh" typeface="Microsoft Uighur"/>
+        <a:font script="Geor" typeface="Sylfaen"/>
+        <a:font script="Armn" typeface="Arial"/>
+        <a:font script="Bugi" typeface="Leelawadee UI"/>
+        <a:font script="Bopo" typeface="Microsoft JhengHei"/>
+        <a:font script="Java" typeface="Javanese Text"/>
+        <a:font script="Lisu" typeface="Segoe UI"/>
+        <a:font script="Mymr" typeface="Myanmar Text"/>
+        <a:font script="Nkoo" typeface="Ebrima"/>
+        <a:font script="Olck" typeface="Nirmala UI"/>
+        <a:font script="Osma" typeface="Ebrima"/>
+        <a:font script="Phag" typeface="Phagspa"/>
+        <a:font script="Syrn" typeface="Estrangelo Edessa"/>
+        <a:font script="Syrj" typeface="Estrangelo Edessa"/>
+        <a:font script="Syre" typeface="Estrangelo Edessa"/>
+        <a:font script="Sora" typeface="Nirmala UI"/>
+        <a:font script="Tale" typeface="Microsoft Tai Le"/>
+        <a:font script="Talu" typeface="Microsoft New Tai Lue"/>
+        <a:font script="Tfng" typeface="Ebrima"/>
+      </a:minorFont>
+    </a:fontScheme>
+    <a:fmtScheme name="Office">
+      <a:fillStyleLst>
+        <a:solidFill>
+          <a:schemeClr val="phClr"/>
+        </a:solidFill>
+        <a:gradFill rotWithShape="1">
+          <a:gsLst>
+            <a:gs pos="0">
+              <a:schemeClr val="phClr">
+                <a:lumMod val="110000"/>
+                <a:satMod val="105000"/>
+                <a:tint val="67000"/>
+              </a:schemeClr>
+            </a:gs>
+            <a:gs pos="50000">
+              <a:schemeClr val="phClr">
+                <a:lumMod val="105000"/>
+                <a:satMod val="103000"/>
+                <a:tint val="73000"/>
+              </a:schemeClr>
+            </a:gs>
+            <a:gs pos="100000">
+              <a:schemeClr val="phClr">
+                <a:lumMod val="105000"/>
+                <a:satMod val="109000"/>
+                <a:tint val="81000"/>
+              </a:schemeClr>
+            </a:gs>
+          </a:gsLst>
+          <a:lin ang="5400000" scaled="0"/>
+        </a:gradFill>
+        <a:gradFill rotWithShape="1">
+          <a:gsLst>
+            <a:gs pos="0">
+              <a:schemeClr val="phClr">
+                <a:satMod val="103000"/>
+                <a:lumMod val="102000"/>
+                <a:tint val="94000"/>
+              </a:schemeClr>
+            </a:gs>
+            <a:gs pos="50000">
+              <a:schemeClr val="phClr">
+                <a:satMod val="110000"/>
+                <a:lumMod val="100000"/>
+                <a:shade val="100000"/>
+              </a:schemeClr>
+            </a:gs>
+            <a:gs pos="100000">
+              <a:schemeClr val="phClr">
+                <a:lumMod val="99000"/>
+                <a:satMod val="120000"/>
+                <a:shade val="78000"/>
+              </a:schemeClr>
+            </a:gs>
+          </a:gsLst>
+          <a:lin ang="5400000" scaled="0"/>
+        </a:gradFill>
+      </a:fillStyleLst>
+      <a:lnStyleLst>
+        <a:ln w="6350" cap="flat" cmpd="sng" algn="ctr">
+          <a:solidFill>
+            <a:schemeClr val="phClr"/>
+          </a:solidFill>
+          <a:prstDash val="solid"/>
+          <a:miter lim="800000"/>
+        </a:ln>
+        <a:ln w="12700" cap="flat" cmpd="sng" algn="ctr">
+          <a:solidFill>
+            <a:schemeClr val="phClr"/>
+          </a:solidFill>
+          <a:prstDash val="solid"/>
+          <a:miter lim="800000"/>
+        </a:ln>
+        <a:ln w="19050" cap="flat" cmpd="sng" algn="ctr">
+          <a:solidFill>
+            <a:schemeClr val="phClr"/>
+          </a:solidFill>
+          <a:prstDash val="solid"/>
+          <a:miter lim="800000"/>
+        </a:ln>
+      </a:lnStyleLst>
+      <a:effectStyleLst>
+        <a:effectStyle>
+          <a:effectLst/>
+        </a:effectStyle>
+        <a:effectStyle>
+          <a:effectLst/>
+        </a:effectStyle>
+        <a:effectStyle>
+          <a:effectLst>
+            <a:outerShdw blurRad="57150" dist="19050" dir="5400000" algn="ctr" rotWithShape="0">
+              <a:srgbClr val="000000">
+                <a:alpha val="63000"/>
+              </a:srgbClr>
+            </a:outerShdw>
+          </a:effectLst>
+        </a:effectStyle>
+      </a:effectStyleLst>
+      <a:bgFillStyleLst>
+        <a:solidFill>
+          <a:schemeClr val="phClr"/>
+        </a:solidFill>
+        <a:solidFill>
+          <a:schemeClr val="phClr">
+            <a:tint val="95000"/>
+            <a:satMod val="170000"/>
+          </a:schemeClr>
+        </a:solidFill>
+        <a:gradFill rotWithShape="1">
+          <a:gsLst>
+            <a:gs pos="0">
+              <a:schemeClr val="phClr">
+                <a:tint val="93000"/>
+                <a:satMod val="150000"/>
+                <a:shade val="98000"/>
+                <a:lumMod val="102000"/>
+              </a:schemeClr>
+            </a:gs>
+            <a:gs pos="50000">
+              <a:schemeClr val="phClr">
+                <a:tint val="98000"/>
+                <a:satMod val="130000"/>
+                <a:shade val="90000"/>
+                <a:lumMod val="103000"/>
+              </a:schemeClr>
+            </a:gs>
+            <a:gs pos="100000">
+              <a:schemeClr val="phClr">
+                <a:shade val="63000"/>
+                <a:satMod val="120000"/>
+              </a:schemeClr>
+            </a:gs>
+          </a:gsLst>
+          <a:lin ang="5400000" scaled="0"/>
+        </a:gradFill>
+      </a:bgFillStyleLst>
+    </a:fmtScheme>
+  </a:themeElements>
+  <a:objectDefaults/>
+  <a:extraClrSchemeLst/>
+  <a:extLst>
+    <a:ext uri="{05A4C25C-085E-4340-85A3-A5531E510DB2}">
+      <thm15:themeFamily xmlns:thm15="http://schemas.microsoft.com/office/thememl/2012/main" name="Office Theme" id="{62F939B6-93AF-4DB8-9C6B-D6C7DFDC589F}" vid="{4A3C46E8-61CC-4603-A589-7422A47A8E4A}"/>
+    </a:ext>
+  </a:extLst>
+</a:theme>
 </file>
--- a/502projectPresentation.pptx
+++ b/502projectPresentation.pptx
@@ -4,24 +4,16 @@
   <p:sldMasterIdLst>
     <p:sldMasterId id="2147483648" r:id="rId1"/>
   </p:sldMasterIdLst>
-  <p:notesMasterIdLst>
-    <p:notesMasterId r:id="rId16"/>
-  </p:notesMasterIdLst>
   <p:sldIdLst>
     <p:sldId id="256" r:id="rId2"/>
     <p:sldId id="260" r:id="rId3"/>
     <p:sldId id="262" r:id="rId4"/>
-    <p:sldId id="277" r:id="rId5"/>
-    <p:sldId id="261" r:id="rId6"/>
-    <p:sldId id="275" r:id="rId7"/>
-    <p:sldId id="269" r:id="rId8"/>
-    <p:sldId id="270" r:id="rId9"/>
-    <p:sldId id="271" r:id="rId10"/>
-    <p:sldId id="272" r:id="rId11"/>
-    <p:sldId id="273" r:id="rId12"/>
-    <p:sldId id="278" r:id="rId13"/>
-    <p:sldId id="279" r:id="rId14"/>
-    <p:sldId id="280" r:id="rId15"/>
+    <p:sldId id="261" r:id="rId5"/>
+    <p:sldId id="269" r:id="rId6"/>
+    <p:sldId id="270" r:id="rId7"/>
+    <p:sldId id="271" r:id="rId8"/>
+    <p:sldId id="272" r:id="rId9"/>
+    <p:sldId id="273" r:id="rId10"/>
   </p:sldIdLst>
   <p:sldSz cx="12192000" cy="6858000"/>
   <p:notesSz cx="6858000" cy="9144000"/>
@@ -128,487 +120,6 @@
 </p:presentation>
 </file>
 
-<file path=ppt/notesMasters/notesMaster1.xml><?xml version="1.0" encoding="utf-8"?>
-<p:notesMaster xmlns:a="http://schemas.openxmlformats.org/drawingml/2006/main" xmlns:r="http://schemas.openxmlformats.org/officeDocument/2006/relationships" xmlns:p="http://schemas.openxmlformats.org/presentationml/2006/main">
-  <p:cSld>
-    <p:bg>
-      <p:bgRef idx="1001">
-        <a:schemeClr val="bg1"/>
-      </p:bgRef>
-    </p:bg>
-    <p:spTree>
-      <p:nvGrpSpPr>
-        <p:cNvPr id="1" name=""/>
-        <p:cNvGrpSpPr/>
-        <p:nvPr/>
-      </p:nvGrpSpPr>
-      <p:grpSpPr>
-        <a:xfrm>
-          <a:off x="0" y="0"/>
-          <a:ext cx="0" cy="0"/>
-          <a:chOff x="0" y="0"/>
-          <a:chExt cx="0" cy="0"/>
-        </a:xfrm>
-      </p:grpSpPr>
-      <p:sp>
-        <p:nvSpPr>
-          <p:cNvPr id="2" name="Header Placeholder 1"/>
-          <p:cNvSpPr>
-            <a:spLocks noGrp="1"/>
-          </p:cNvSpPr>
-          <p:nvPr>
-            <p:ph type="hdr" sz="quarter"/>
-          </p:nvPr>
-        </p:nvSpPr>
-        <p:spPr>
-          <a:xfrm>
-            <a:off x="0" y="0"/>
-            <a:ext cx="2971800" cy="458788"/>
-          </a:xfrm>
-          <a:prstGeom prst="rect">
-            <a:avLst/>
-          </a:prstGeom>
-        </p:spPr>
-        <p:txBody>
-          <a:bodyPr vert="horz" lIns="91440" tIns="45720" rIns="91440" bIns="45720" rtlCol="0"/>
-          <a:lstStyle>
-            <a:lvl1pPr algn="l">
-              <a:defRPr sz="1200"/>
-            </a:lvl1pPr>
-          </a:lstStyle>
-          <a:p>
-            <a:endParaRPr lang="en-US"/>
-          </a:p>
-        </p:txBody>
-      </p:sp>
-      <p:sp>
-        <p:nvSpPr>
-          <p:cNvPr id="3" name="Date Placeholder 2"/>
-          <p:cNvSpPr>
-            <a:spLocks noGrp="1"/>
-          </p:cNvSpPr>
-          <p:nvPr>
-            <p:ph type="dt" idx="1"/>
-          </p:nvPr>
-        </p:nvSpPr>
-        <p:spPr>
-          <a:xfrm>
-            <a:off x="3884613" y="0"/>
-            <a:ext cx="2971800" cy="458788"/>
-          </a:xfrm>
-          <a:prstGeom prst="rect">
-            <a:avLst/>
-          </a:prstGeom>
-        </p:spPr>
-        <p:txBody>
-          <a:bodyPr vert="horz" lIns="91440" tIns="45720" rIns="91440" bIns="45720" rtlCol="0"/>
-          <a:lstStyle>
-            <a:lvl1pPr algn="r">
-              <a:defRPr sz="1200"/>
-            </a:lvl1pPr>
-          </a:lstStyle>
-          <a:p>
-            <a:fld id="{18759216-F91D-3049-91AC-DB46DCEE8D80}" type="datetimeFigureOut">
-              <a:rPr lang="en-US" smtClean="0"/>
-              <a:t>12/12/21</a:t>
-            </a:fld>
-            <a:endParaRPr lang="en-US"/>
-          </a:p>
-        </p:txBody>
-      </p:sp>
-      <p:sp>
-        <p:nvSpPr>
-          <p:cNvPr id="4" name="Slide Image Placeholder 3"/>
-          <p:cNvSpPr>
-            <a:spLocks noGrp="1" noRot="1" noChangeAspect="1"/>
-          </p:cNvSpPr>
-          <p:nvPr>
-            <p:ph type="sldImg" idx="2"/>
-          </p:nvPr>
-        </p:nvSpPr>
-        <p:spPr>
-          <a:xfrm>
-            <a:off x="685800" y="1143000"/>
-            <a:ext cx="5486400" cy="3086100"/>
-          </a:xfrm>
-          <a:prstGeom prst="rect">
-            <a:avLst/>
-          </a:prstGeom>
-          <a:noFill/>
-          <a:ln w="12700">
-            <a:solidFill>
-              <a:prstClr val="black"/>
-            </a:solidFill>
-          </a:ln>
-        </p:spPr>
-        <p:txBody>
-          <a:bodyPr vert="horz" lIns="91440" tIns="45720" rIns="91440" bIns="45720" rtlCol="0" anchor="ctr"/>
-          <a:lstStyle/>
-          <a:p>
-            <a:endParaRPr lang="en-US"/>
-          </a:p>
-        </p:txBody>
-      </p:sp>
-      <p:sp>
-        <p:nvSpPr>
-          <p:cNvPr id="5" name="Notes Placeholder 4"/>
-          <p:cNvSpPr>
-            <a:spLocks noGrp="1"/>
-          </p:cNvSpPr>
-          <p:nvPr>
-            <p:ph type="body" sz="quarter" idx="3"/>
-          </p:nvPr>
-        </p:nvSpPr>
-        <p:spPr>
-          <a:xfrm>
-            <a:off x="685800" y="4400550"/>
-            <a:ext cx="5486400" cy="3600450"/>
-          </a:xfrm>
-          <a:prstGeom prst="rect">
-            <a:avLst/>
-          </a:prstGeom>
-        </p:spPr>
-        <p:txBody>
-          <a:bodyPr vert="horz" lIns="91440" tIns="45720" rIns="91440" bIns="45720" rtlCol="0"/>
-          <a:lstStyle/>
-          <a:p>
-            <a:pPr lvl="0"/>
-            <a:r>
-              <a:rPr lang="en-US"/>
-              <a:t>Click to edit Master text styles</a:t>
-            </a:r>
-          </a:p>
-          <a:p>
-            <a:pPr lvl="1"/>
-            <a:r>
-              <a:rPr lang="en-US"/>
-              <a:t>Second level</a:t>
-            </a:r>
-          </a:p>
-          <a:p>
-            <a:pPr lvl="2"/>
-            <a:r>
-              <a:rPr lang="en-US"/>
-              <a:t>Third level</a:t>
-            </a:r>
-          </a:p>
-          <a:p>
-            <a:pPr lvl="3"/>
-            <a:r>
-              <a:rPr lang="en-US"/>
-              <a:t>Fourth level</a:t>
-            </a:r>
-          </a:p>
-          <a:p>
-            <a:pPr lvl="4"/>
-            <a:r>
-              <a:rPr lang="en-US"/>
-              <a:t>Fifth level</a:t>
-            </a:r>
-          </a:p>
-        </p:txBody>
-      </p:sp>
-      <p:sp>
-        <p:nvSpPr>
-          <p:cNvPr id="6" name="Footer Placeholder 5"/>
-          <p:cNvSpPr>
-            <a:spLocks noGrp="1"/>
-          </p:cNvSpPr>
-          <p:nvPr>
-            <p:ph type="ftr" sz="quarter" idx="4"/>
-          </p:nvPr>
-        </p:nvSpPr>
-        <p:spPr>
-          <a:xfrm>
-            <a:off x="0" y="8685213"/>
-            <a:ext cx="2971800" cy="458787"/>
-          </a:xfrm>
-          <a:prstGeom prst="rect">
-            <a:avLst/>
-          </a:prstGeom>
-        </p:spPr>
-        <p:txBody>
-          <a:bodyPr vert="horz" lIns="91440" tIns="45720" rIns="91440" bIns="45720" rtlCol="0" anchor="b"/>
-          <a:lstStyle>
-            <a:lvl1pPr algn="l">
-              <a:defRPr sz="1200"/>
-            </a:lvl1pPr>
-          </a:lstStyle>
-          <a:p>
-            <a:endParaRPr lang="en-US"/>
-          </a:p>
-        </p:txBody>
-      </p:sp>
-      <p:sp>
-        <p:nvSpPr>
-          <p:cNvPr id="7" name="Slide Number Placeholder 6"/>
-          <p:cNvSpPr>
-            <a:spLocks noGrp="1"/>
-          </p:cNvSpPr>
-          <p:nvPr>
-            <p:ph type="sldNum" sz="quarter" idx="5"/>
-          </p:nvPr>
-        </p:nvSpPr>
-        <p:spPr>
-          <a:xfrm>
-            <a:off x="3884613" y="8685213"/>
-            <a:ext cx="2971800" cy="458787"/>
-          </a:xfrm>
-          <a:prstGeom prst="rect">
-            <a:avLst/>
-          </a:prstGeom>
-        </p:spPr>
-        <p:txBody>
-          <a:bodyPr vert="horz" lIns="91440" tIns="45720" rIns="91440" bIns="45720" rtlCol="0" anchor="b"/>
-          <a:lstStyle>
-            <a:lvl1pPr algn="r">
-              <a:defRPr sz="1200"/>
-            </a:lvl1pPr>
-          </a:lstStyle>
-          <a:p>
-            <a:fld id="{3988BA7C-F53B-5843-BFD1-F2A378DDFB22}" type="slidenum">
-              <a:rPr lang="en-US" smtClean="0"/>
-              <a:t>‹#›</a:t>
-            </a:fld>
-            <a:endParaRPr lang="en-US"/>
-          </a:p>
-        </p:txBody>
-      </p:sp>
-    </p:spTree>
-    <p:extLst>
-      <p:ext uri="{BB962C8B-B14F-4D97-AF65-F5344CB8AC3E}">
-        <p14:creationId xmlns:p14="http://schemas.microsoft.com/office/powerpoint/2010/main" val="484040028"/>
-      </p:ext>
-    </p:extLst>
-  </p:cSld>
-  <p:clrMap bg1="lt1" tx1="dk1" bg2="lt2" tx2="dk2" accent1="accent1" accent2="accent2" accent3="accent3" accent4="accent4" accent5="accent5" accent6="accent6" hlink="hlink" folHlink="folHlink"/>
-  <p:notesStyle>
-    <a:lvl1pPr marL="0" algn="l" defTabSz="914400" rtl="0" eaLnBrk="1" latinLnBrk="0" hangingPunct="1">
-      <a:defRPr sz="1200" kern="1200">
-        <a:solidFill>
-          <a:schemeClr val="tx1"/>
-        </a:solidFill>
-        <a:latin typeface="+mn-lt"/>
-        <a:ea typeface="+mn-ea"/>
-        <a:cs typeface="+mn-cs"/>
-      </a:defRPr>
-    </a:lvl1pPr>
-    <a:lvl2pPr marL="457200" algn="l" defTabSz="914400" rtl="0" eaLnBrk="1" latinLnBrk="0" hangingPunct="1">
-      <a:defRPr sz="1200" kern="1200">
-        <a:solidFill>
-          <a:schemeClr val="tx1"/>
-        </a:solidFill>
-        <a:latin typeface="+mn-lt"/>
-        <a:ea typeface="+mn-ea"/>
-        <a:cs typeface="+mn-cs"/>
-      </a:defRPr>
-    </a:lvl2pPr>
-    <a:lvl3pPr marL="914400" algn="l" defTabSz="914400" rtl="0" eaLnBrk="1" latinLnBrk="0" hangingPunct="1">
-      <a:defRPr sz="1200" kern="1200">
-        <a:solidFill>
-          <a:schemeClr val="tx1"/>
-        </a:solidFill>
-        <a:latin typeface="+mn-lt"/>
-        <a:ea typeface="+mn-ea"/>
-        <a:cs typeface="+mn-cs"/>
-      </a:defRPr>
-    </a:lvl3pPr>
-    <a:lvl4pPr marL="1371600" algn="l" defTabSz="914400" rtl="0" eaLnBrk="1" latinLnBrk="0" hangingPunct="1">
-      <a:defRPr sz="1200" kern="1200">
-        <a:solidFill>
-          <a:schemeClr val="tx1"/>
-        </a:solidFill>
-        <a:latin typeface="+mn-lt"/>
-        <a:ea typeface="+mn-ea"/>
-        <a:cs typeface="+mn-cs"/>
-      </a:defRPr>
-    </a:lvl4pPr>
-    <a:lvl5pPr marL="1828800" algn="l" defTabSz="914400" rtl="0" eaLnBrk="1" latinLnBrk="0" hangingPunct="1">
-      <a:defRPr sz="1200" kern="1200">
-        <a:solidFill>
-          <a:schemeClr val="tx1"/>
-        </a:solidFill>
-        <a:latin typeface="+mn-lt"/>
-        <a:ea typeface="+mn-ea"/>
-        <a:cs typeface="+mn-cs"/>
-      </a:defRPr>
-    </a:lvl5pPr>
-    <a:lvl6pPr marL="2286000" algn="l" defTabSz="914400" rtl="0" eaLnBrk="1" latinLnBrk="0" hangingPunct="1">
-      <a:defRPr sz="1200" kern="1200">
-        <a:solidFill>
-          <a:schemeClr val="tx1"/>
-        </a:solidFill>
-        <a:latin typeface="+mn-lt"/>
-        <a:ea typeface="+mn-ea"/>
-        <a:cs typeface="+mn-cs"/>
-      </a:defRPr>
-    </a:lvl6pPr>
-    <a:lvl7pPr marL="2743200" algn="l" defTabSz="914400" rtl="0" eaLnBrk="1" latinLnBrk="0" hangingPunct="1">
-      <a:defRPr sz="1200" kern="1200">
-        <a:solidFill>
-          <a:schemeClr val="tx1"/>
-        </a:solidFill>
-        <a:latin typeface="+mn-lt"/>
-        <a:ea typeface="+mn-ea"/>
-        <a:cs typeface="+mn-cs"/>
-      </a:defRPr>
-    </a:lvl7pPr>
-    <a:lvl8pPr marL="3200400" algn="l" defTabSz="914400" rtl="0" eaLnBrk="1" latinLnBrk="0" hangingPunct="1">
-      <a:defRPr sz="1200" kern="1200">
-        <a:solidFill>
-          <a:schemeClr val="tx1"/>
-        </a:solidFill>
-        <a:latin typeface="+mn-lt"/>
-        <a:ea typeface="+mn-ea"/>
-        <a:cs typeface="+mn-cs"/>
-      </a:defRPr>
-    </a:lvl8pPr>
-    <a:lvl9pPr marL="3657600" algn="l" defTabSz="914400" rtl="0" eaLnBrk="1" latinLnBrk="0" hangingPunct="1">
-      <a:defRPr sz="1200" kern="1200">
-        <a:solidFill>
-          <a:schemeClr val="tx1"/>
-        </a:solidFill>
-        <a:latin typeface="+mn-lt"/>
-        <a:ea typeface="+mn-ea"/>
-        <a:cs typeface="+mn-cs"/>
-      </a:defRPr>
-    </a:lvl9pPr>
-  </p:notesStyle>
-</p:notesMaster>
-</file>
-
-<file path=ppt/notesSlides/notesSlide1.xml><?xml version="1.0" encoding="utf-8"?>
-<p:notes xmlns:a="http://schemas.openxmlformats.org/drawingml/2006/main" xmlns:r="http://schemas.openxmlformats.org/officeDocument/2006/relationships" xmlns:p="http://schemas.openxmlformats.org/presentationml/2006/main">
-  <p:cSld>
-    <p:spTree>
-      <p:nvGrpSpPr>
-        <p:cNvPr id="1" name=""/>
-        <p:cNvGrpSpPr/>
-        <p:nvPr/>
-      </p:nvGrpSpPr>
-      <p:grpSpPr>
-        <a:xfrm>
-          <a:off x="0" y="0"/>
-          <a:ext cx="0" cy="0"/>
-          <a:chOff x="0" y="0"/>
-          <a:chExt cx="0" cy="0"/>
-        </a:xfrm>
-      </p:grpSpPr>
-      <p:sp>
-        <p:nvSpPr>
-          <p:cNvPr id="2" name="Slide Image Placeholder 1"/>
-          <p:cNvSpPr>
-            <a:spLocks noGrp="1" noRot="1" noChangeAspect="1"/>
-          </p:cNvSpPr>
-          <p:nvPr>
-            <p:ph type="sldImg"/>
-          </p:nvPr>
-        </p:nvSpPr>
-        <p:spPr/>
-      </p:sp>
-      <p:sp>
-        <p:nvSpPr>
-          <p:cNvPr id="3" name="Notes Placeholder 2"/>
-          <p:cNvSpPr>
-            <a:spLocks noGrp="1"/>
-          </p:cNvSpPr>
-          <p:nvPr>
-            <p:ph type="body" idx="1"/>
-          </p:nvPr>
-        </p:nvSpPr>
-        <p:spPr/>
-        <p:txBody>
-          <a:bodyPr/>
-          <a:lstStyle/>
-          <a:p>
-            <a:r>
-              <a:rPr lang="en-US" sz="1200" b="0" i="0" u="none" strike="noStrike" kern="1200" dirty="0">
-                <a:solidFill>
-                  <a:schemeClr val="tx1"/>
-                </a:solidFill>
-                <a:effectLst/>
-                <a:latin typeface="+mn-lt"/>
-                <a:ea typeface="+mn-ea"/>
-                <a:cs typeface="+mn-cs"/>
-              </a:rPr>
-              <a:t>In the head of the dataset, we can see that missing values are present as </a:t>
-            </a:r>
-            <a:r>
-              <a:rPr lang="en-US" sz="1200" b="0" i="1" u="none" strike="noStrike" kern="1200" dirty="0" err="1">
-                <a:solidFill>
-                  <a:schemeClr val="tx1"/>
-                </a:solidFill>
-                <a:effectLst/>
-                <a:latin typeface="+mn-lt"/>
-                <a:ea typeface="+mn-ea"/>
-                <a:cs typeface="+mn-cs"/>
-              </a:rPr>
-              <a:t>NaN</a:t>
-            </a:r>
-            <a:r>
-              <a:rPr lang="en-US" sz="1200" b="0" i="0" u="none" strike="noStrike" kern="1200" dirty="0">
-                <a:solidFill>
-                  <a:schemeClr val="tx1"/>
-                </a:solidFill>
-                <a:effectLst/>
-                <a:latin typeface="+mn-lt"/>
-                <a:ea typeface="+mn-ea"/>
-                <a:cs typeface="+mn-cs"/>
-              </a:rPr>
-              <a:t>. </a:t>
-            </a:r>
-            <a:r>
-              <a:rPr lang="en-US" sz="1200" b="0" i="0" u="none" strike="noStrike" kern="1200">
-                <a:solidFill>
-                  <a:schemeClr val="tx1"/>
-                </a:solidFill>
-                <a:effectLst/>
-                <a:latin typeface="+mn-lt"/>
-                <a:ea typeface="+mn-ea"/>
-                <a:cs typeface="+mn-cs"/>
-              </a:rPr>
-              <a:t>We will check all the missing values in the replace them with blank.</a:t>
-            </a:r>
-            <a:endParaRPr lang="en-US"/>
-          </a:p>
-        </p:txBody>
-      </p:sp>
-      <p:sp>
-        <p:nvSpPr>
-          <p:cNvPr id="4" name="Slide Number Placeholder 3"/>
-          <p:cNvSpPr>
-            <a:spLocks noGrp="1"/>
-          </p:cNvSpPr>
-          <p:nvPr>
-            <p:ph type="sldNum" sz="quarter" idx="5"/>
-          </p:nvPr>
-        </p:nvSpPr>
-        <p:spPr/>
-        <p:txBody>
-          <a:bodyPr/>
-          <a:lstStyle/>
-          <a:p>
-            <a:fld id="{3988BA7C-F53B-5843-BFD1-F2A378DDFB22}" type="slidenum">
-              <a:rPr lang="en-US" smtClean="0"/>
-              <a:t>5</a:t>
-            </a:fld>
-            <a:endParaRPr lang="en-US"/>
-          </a:p>
-        </p:txBody>
-      </p:sp>
-    </p:spTree>
-    <p:extLst>
-      <p:ext uri="{BB962C8B-B14F-4D97-AF65-F5344CB8AC3E}">
-        <p14:creationId xmlns:p14="http://schemas.microsoft.com/office/powerpoint/2010/main" val="3745389797"/>
-      </p:ext>
-    </p:extLst>
-  </p:cSld>
-  <p:clrMapOvr>
-    <a:masterClrMapping/>
-  </p:clrMapOvr>
-</p:notes>
-</file>
-
 <file path=ppt/slideLayouts/slideLayout1.xml><?xml version="1.0" encoding="utf-8"?>
 <p:sldLayout xmlns:a="http://schemas.openxmlformats.org/drawingml/2006/main" xmlns:r="http://schemas.openxmlformats.org/officeDocument/2006/relationships" xmlns:p="http://schemas.openxmlformats.org/presentationml/2006/main" type="title" preserve="1">
   <p:cSld name="Title Slide">
@@ -780,7 +291,7 @@
           <a:p>
             <a:fld id="{48A87A34-81AB-432B-8DAE-1953F412C126}" type="datetimeFigureOut">
               <a:rPr lang="en-US" dirty="0"/>
-              <a:t>12/12/21</a:t>
+              <a:t>12/11/2021</a:t>
             </a:fld>
             <a:endParaRPr lang="en-US" dirty="0"/>
           </a:p>
@@ -1087,7 +598,7 @@
           <a:p>
             <a:fld id="{48A87A34-81AB-432B-8DAE-1953F412C126}" type="datetimeFigureOut">
               <a:rPr lang="en-US" dirty="0"/>
-              <a:t>12/12/21</a:t>
+              <a:t>12/11/2021</a:t>
             </a:fld>
             <a:endParaRPr lang="en-US" dirty="0"/>
           </a:p>
@@ -1304,7 +815,7 @@
           <a:p>
             <a:fld id="{48A87A34-81AB-432B-8DAE-1953F412C126}" type="datetimeFigureOut">
               <a:rPr lang="en-US" dirty="0"/>
-              <a:t>12/12/21</a:t>
+              <a:t>12/11/2021</a:t>
             </a:fld>
             <a:endParaRPr lang="en-US" dirty="0"/>
           </a:p>
@@ -1590,7 +1101,7 @@
           <a:p>
             <a:fld id="{48A87A34-81AB-432B-8DAE-1953F412C126}" type="datetimeFigureOut">
               <a:rPr lang="en-US" dirty="0"/>
-              <a:t>12/12/21</a:t>
+              <a:t>12/11/2021</a:t>
             </a:fld>
             <a:endParaRPr lang="en-US" dirty="0"/>
           </a:p>
@@ -2039,7 +1550,7 @@
           <a:p>
             <a:fld id="{48A87A34-81AB-432B-8DAE-1953F412C126}" type="datetimeFigureOut">
               <a:rPr lang="en-US" dirty="0"/>
-              <a:t>12/12/21</a:t>
+              <a:t>12/11/2021</a:t>
             </a:fld>
             <a:endParaRPr lang="en-US" dirty="0"/>
           </a:p>
@@ -2610,7 +2121,7 @@
           <a:p>
             <a:fld id="{48A87A34-81AB-432B-8DAE-1953F412C126}" type="datetimeFigureOut">
               <a:rPr lang="en-US" dirty="0"/>
-              <a:t>12/12/21</a:t>
+              <a:t>12/11/2021</a:t>
             </a:fld>
             <a:endParaRPr lang="en-US" dirty="0"/>
           </a:p>
@@ -3457,7 +2968,7 @@
           <a:p>
             <a:fld id="{48A87A34-81AB-432B-8DAE-1953F412C126}" type="datetimeFigureOut">
               <a:rPr lang="en-US" dirty="0"/>
-              <a:t>12/12/21</a:t>
+              <a:t>12/11/2021</a:t>
             </a:fld>
             <a:endParaRPr lang="en-US" dirty="0"/>
           </a:p>
@@ -3657,7 +3168,7 @@
           <a:p>
             <a:fld id="{48A87A34-81AB-432B-8DAE-1953F412C126}" type="datetimeFigureOut">
               <a:rPr lang="en-US" dirty="0"/>
-              <a:t>12/12/21</a:t>
+              <a:t>12/11/2021</a:t>
             </a:fld>
             <a:endParaRPr lang="en-US" dirty="0"/>
           </a:p>
@@ -3866,7 +3377,7 @@
           <a:p>
             <a:fld id="{48A87A34-81AB-432B-8DAE-1953F412C126}" type="datetimeFigureOut">
               <a:rPr lang="en-US" dirty="0"/>
-              <a:t>12/12/21</a:t>
+              <a:t>12/11/2021</a:t>
             </a:fld>
             <a:endParaRPr lang="en-US" dirty="0"/>
           </a:p>
@@ -4066,7 +3577,7 @@
           <a:p>
             <a:fld id="{48A87A34-81AB-432B-8DAE-1953F412C126}" type="datetimeFigureOut">
               <a:rPr lang="en-US" dirty="0"/>
-              <a:t>12/12/21</a:t>
+              <a:t>12/11/2021</a:t>
             </a:fld>
             <a:endParaRPr lang="en-US" dirty="0"/>
           </a:p>
@@ -4341,7 +3852,7 @@
           <a:p>
             <a:fld id="{48A87A34-81AB-432B-8DAE-1953F412C126}" type="datetimeFigureOut">
               <a:rPr lang="en-US" dirty="0"/>
-              <a:t>12/12/21</a:t>
+              <a:t>12/11/2021</a:t>
             </a:fld>
             <a:endParaRPr lang="en-US" dirty="0"/>
           </a:p>
@@ -4603,7 +4114,7 @@
           <a:p>
             <a:fld id="{48A87A34-81AB-432B-8DAE-1953F412C126}" type="datetimeFigureOut">
               <a:rPr lang="en-US" dirty="0"/>
-              <a:t>12/12/21</a:t>
+              <a:t>12/11/2021</a:t>
             </a:fld>
             <a:endParaRPr lang="en-US" dirty="0"/>
           </a:p>
@@ -5013,7 +4524,7 @@
           <a:p>
             <a:fld id="{48A87A34-81AB-432B-8DAE-1953F412C126}" type="datetimeFigureOut">
               <a:rPr lang="en-US" dirty="0"/>
-              <a:t>12/12/21</a:t>
+              <a:t>12/11/2021</a:t>
             </a:fld>
             <a:endParaRPr lang="en-US" dirty="0"/>
           </a:p>
@@ -5156,7 +4667,7 @@
           <a:p>
             <a:fld id="{48A87A34-81AB-432B-8DAE-1953F412C126}" type="datetimeFigureOut">
               <a:rPr lang="en-US" dirty="0"/>
-              <a:t>12/12/21</a:t>
+              <a:t>12/11/2021</a:t>
             </a:fld>
             <a:endParaRPr lang="en-US" dirty="0"/>
           </a:p>
@@ -5276,7 +4787,7 @@
           <a:p>
             <a:fld id="{48A87A34-81AB-432B-8DAE-1953F412C126}" type="datetimeFigureOut">
               <a:rPr lang="en-US" dirty="0"/>
-              <a:t>12/12/21</a:t>
+              <a:t>12/11/2021</a:t>
             </a:fld>
             <a:endParaRPr lang="en-US" dirty="0"/>
           </a:p>
@@ -5550,7 +5061,7 @@
           <a:p>
             <a:fld id="{48A87A34-81AB-432B-8DAE-1953F412C126}" type="datetimeFigureOut">
               <a:rPr lang="en-US" dirty="0"/>
-              <a:t>12/12/21</a:t>
+              <a:t>12/11/2021</a:t>
             </a:fld>
             <a:endParaRPr lang="en-US" dirty="0"/>
           </a:p>
@@ -5857,7 +5368,7 @@
           <a:p>
             <a:fld id="{48A87A34-81AB-432B-8DAE-1953F412C126}" type="datetimeFigureOut">
               <a:rPr lang="en-US" dirty="0"/>
-              <a:t>12/12/21</a:t>
+              <a:t>12/11/2021</a:t>
             </a:fld>
             <a:endParaRPr lang="en-US" dirty="0"/>
           </a:p>
@@ -6106,7 +5617,7 @@
             <a:fld id="{48A87A34-81AB-432B-8DAE-1953F412C126}" type="datetimeFigureOut">
               <a:rPr lang="en-US" dirty="0"/>
               <a:pPr/>
-              <a:t>12/12/21</a:t>
+              <a:t>12/11/2021</a:t>
             </a:fld>
             <a:endParaRPr lang="en-US" dirty="0"/>
           </a:p>
@@ -6669,1060 +6180,6 @@
 </p:sld>
 </file>
 
-<file path=ppt/slides/slide10.xml><?xml version="1.0" encoding="utf-8"?>
-<p:sld xmlns:a="http://schemas.openxmlformats.org/drawingml/2006/main" xmlns:r="http://schemas.openxmlformats.org/officeDocument/2006/relationships" xmlns:p="http://schemas.openxmlformats.org/presentationml/2006/main">
-  <p:cSld>
-    <p:spTree>
-      <p:nvGrpSpPr>
-        <p:cNvPr id="1" name=""/>
-        <p:cNvGrpSpPr/>
-        <p:nvPr/>
-      </p:nvGrpSpPr>
-      <p:grpSpPr>
-        <a:xfrm>
-          <a:off x="0" y="0"/>
-          <a:ext cx="0" cy="0"/>
-          <a:chOff x="0" y="0"/>
-          <a:chExt cx="0" cy="0"/>
-        </a:xfrm>
-      </p:grpSpPr>
-      <p:sp>
-        <p:nvSpPr>
-          <p:cNvPr id="2" name="Title 1">
-            <a:extLst>
-              <a:ext uri="{FF2B5EF4-FFF2-40B4-BE49-F238E27FC236}">
-                <a16:creationId xmlns:a16="http://schemas.microsoft.com/office/drawing/2014/main" id="{FB047358-2DA0-4EBD-A009-371F287CBFA5}"/>
-              </a:ext>
-            </a:extLst>
-          </p:cNvPr>
-          <p:cNvSpPr>
-            <a:spLocks noGrp="1"/>
-          </p:cNvSpPr>
-          <p:nvPr>
-            <p:ph type="title"/>
-          </p:nvPr>
-        </p:nvSpPr>
-        <p:spPr/>
-        <p:txBody>
-          <a:bodyPr/>
-          <a:lstStyle/>
-          <a:p>
-            <a:r>
-              <a:rPr lang="en-US" dirty="0"/>
-              <a:t>Has-company-logo</a:t>
-            </a:r>
-          </a:p>
-        </p:txBody>
-      </p:sp>
-      <p:sp>
-        <p:nvSpPr>
-          <p:cNvPr id="3" name="Content Placeholder 2">
-            <a:extLst>
-              <a:ext uri="{FF2B5EF4-FFF2-40B4-BE49-F238E27FC236}">
-                <a16:creationId xmlns:a16="http://schemas.microsoft.com/office/drawing/2014/main" id="{8C9ECEE2-509A-48AD-84FE-5552C88B6F1B}"/>
-              </a:ext>
-            </a:extLst>
-          </p:cNvPr>
-          <p:cNvSpPr>
-            <a:spLocks noGrp="1"/>
-          </p:cNvSpPr>
-          <p:nvPr>
-            <p:ph sz="quarter" idx="13"/>
-          </p:nvPr>
-        </p:nvSpPr>
-        <p:spPr/>
-        <p:txBody>
-          <a:bodyPr/>
-          <a:lstStyle/>
-          <a:p>
-            <a:r>
-              <a:rPr lang="en-US" dirty="0"/>
-              <a:t>Correlation coefficient to the target variable: -0.25</a:t>
-            </a:r>
-          </a:p>
-          <a:p>
-            <a:r>
-              <a:rPr lang="en-US" dirty="0"/>
-              <a:t>Moderate negative correlation</a:t>
-            </a:r>
-          </a:p>
-          <a:p>
-            <a:endParaRPr lang="en-US" dirty="0"/>
-          </a:p>
-          <a:p>
-            <a:endParaRPr lang="en-US" dirty="0"/>
-          </a:p>
-          <a:p>
-            <a:endParaRPr lang="en-US" dirty="0"/>
-          </a:p>
-          <a:p>
-            <a:endParaRPr lang="en-US" dirty="0"/>
-          </a:p>
-          <a:p>
-            <a:endParaRPr lang="en-US" dirty="0"/>
-          </a:p>
-        </p:txBody>
-      </p:sp>
-      <p:pic>
-        <p:nvPicPr>
-          <p:cNvPr id="6" name="Content Placeholder 5">
-            <a:extLst>
-              <a:ext uri="{FF2B5EF4-FFF2-40B4-BE49-F238E27FC236}">
-                <a16:creationId xmlns:a16="http://schemas.microsoft.com/office/drawing/2014/main" id="{807D7759-7A50-4E5C-AA33-082B45705902}"/>
-              </a:ext>
-            </a:extLst>
-          </p:cNvPr>
-          <p:cNvPicPr>
-            <a:picLocks noGrp="1" noChangeAspect="1"/>
-          </p:cNvPicPr>
-          <p:nvPr>
-            <p:ph sz="quarter" idx="14"/>
-          </p:nvPr>
-        </p:nvPicPr>
-        <p:blipFill>
-          <a:blip r:embed="rId2"/>
-          <a:stretch>
-            <a:fillRect/>
-          </a:stretch>
-        </p:blipFill>
-        <p:spPr>
-          <a:xfrm>
-            <a:off x="6305550" y="2436019"/>
-            <a:ext cx="4838700" cy="3286125"/>
-          </a:xfrm>
-          <a:prstGeom prst="rect">
-            <a:avLst/>
-          </a:prstGeom>
-        </p:spPr>
-      </p:pic>
-      <p:pic>
-        <p:nvPicPr>
-          <p:cNvPr id="5" name="Picture 4">
-            <a:extLst>
-              <a:ext uri="{FF2B5EF4-FFF2-40B4-BE49-F238E27FC236}">
-                <a16:creationId xmlns:a16="http://schemas.microsoft.com/office/drawing/2014/main" id="{57651EA2-BE20-41B5-A5F7-82DF8ABEFE6E}"/>
-              </a:ext>
-            </a:extLst>
-          </p:cNvPr>
-          <p:cNvPicPr>
-            <a:picLocks noChangeAspect="1"/>
-          </p:cNvPicPr>
-          <p:nvPr/>
-        </p:nvPicPr>
-        <p:blipFill>
-          <a:blip r:embed="rId3"/>
-          <a:stretch>
-            <a:fillRect/>
-          </a:stretch>
-        </p:blipFill>
-        <p:spPr>
-          <a:xfrm>
-            <a:off x="1512611" y="3883507"/>
-            <a:ext cx="2447925" cy="1476375"/>
-          </a:xfrm>
-          <a:prstGeom prst="rect">
-            <a:avLst/>
-          </a:prstGeom>
-        </p:spPr>
-      </p:pic>
-    </p:spTree>
-    <p:extLst>
-      <p:ext uri="{BB962C8B-B14F-4D97-AF65-F5344CB8AC3E}">
-        <p14:creationId xmlns:p14="http://schemas.microsoft.com/office/powerpoint/2010/main" val="2657199537"/>
-      </p:ext>
-    </p:extLst>
-  </p:cSld>
-  <p:clrMapOvr>
-    <a:masterClrMapping/>
-  </p:clrMapOvr>
-</p:sld>
-</file>
-
-<file path=ppt/slides/slide11.xml><?xml version="1.0" encoding="utf-8"?>
-<p:sld xmlns:a="http://schemas.openxmlformats.org/drawingml/2006/main" xmlns:r="http://schemas.openxmlformats.org/officeDocument/2006/relationships" xmlns:p="http://schemas.openxmlformats.org/presentationml/2006/main">
-  <p:cSld>
-    <p:spTree>
-      <p:nvGrpSpPr>
-        <p:cNvPr id="1" name=""/>
-        <p:cNvGrpSpPr/>
-        <p:nvPr/>
-      </p:nvGrpSpPr>
-      <p:grpSpPr>
-        <a:xfrm>
-          <a:off x="0" y="0"/>
-          <a:ext cx="0" cy="0"/>
-          <a:chOff x="0" y="0"/>
-          <a:chExt cx="0" cy="0"/>
-        </a:xfrm>
-      </p:grpSpPr>
-      <p:sp>
-        <p:nvSpPr>
-          <p:cNvPr id="2" name="Title 1">
-            <a:extLst>
-              <a:ext uri="{FF2B5EF4-FFF2-40B4-BE49-F238E27FC236}">
-                <a16:creationId xmlns:a16="http://schemas.microsoft.com/office/drawing/2014/main" id="{8C1667CE-6146-4996-A275-E70D08A3DA7E}"/>
-              </a:ext>
-            </a:extLst>
-          </p:cNvPr>
-          <p:cNvSpPr>
-            <a:spLocks noGrp="1"/>
-          </p:cNvSpPr>
-          <p:nvPr>
-            <p:ph type="title"/>
-          </p:nvPr>
-        </p:nvSpPr>
-        <p:spPr/>
-        <p:txBody>
-          <a:bodyPr/>
-          <a:lstStyle/>
-          <a:p>
-            <a:r>
-              <a:rPr lang="en-US" dirty="0"/>
-              <a:t>Models and metrics</a:t>
-            </a:r>
-          </a:p>
-        </p:txBody>
-      </p:sp>
-      <p:sp>
-        <p:nvSpPr>
-          <p:cNvPr id="3" name="Content Placeholder 2">
-            <a:extLst>
-              <a:ext uri="{FF2B5EF4-FFF2-40B4-BE49-F238E27FC236}">
-                <a16:creationId xmlns:a16="http://schemas.microsoft.com/office/drawing/2014/main" id="{0EDF38FC-AA73-47FC-BD1D-3BDA1034344D}"/>
-              </a:ext>
-            </a:extLst>
-          </p:cNvPr>
-          <p:cNvSpPr>
-            <a:spLocks noGrp="1"/>
-          </p:cNvSpPr>
-          <p:nvPr>
-            <p:ph sz="quarter" idx="13"/>
-          </p:nvPr>
-        </p:nvSpPr>
-        <p:spPr/>
-        <p:txBody>
-          <a:bodyPr/>
-          <a:lstStyle/>
-          <a:p>
-            <a:r>
-              <a:rPr lang="en-US" dirty="0"/>
-              <a:t>Naïve </a:t>
-            </a:r>
-            <a:r>
-              <a:rPr lang="en-US" dirty="0" err="1"/>
-              <a:t>bayes</a:t>
-            </a:r>
-            <a:r>
-              <a:rPr lang="en-US" dirty="0"/>
-              <a:t> model</a:t>
-            </a:r>
-          </a:p>
-          <a:p>
-            <a:r>
-              <a:rPr lang="en-US" dirty="0"/>
-              <a:t>Decision tree classifier</a:t>
-            </a:r>
-          </a:p>
-          <a:p>
-            <a:r>
-              <a:rPr lang="en-US" dirty="0"/>
-              <a:t>K-nearest neighbors</a:t>
-            </a:r>
-          </a:p>
-          <a:p>
-            <a:r>
-              <a:rPr lang="en-US" dirty="0"/>
-              <a:t>Random forest</a:t>
-            </a:r>
-          </a:p>
-          <a:p>
-            <a:pPr marL="0" indent="0">
-              <a:buNone/>
-            </a:pPr>
-            <a:endParaRPr lang="en-US" dirty="0"/>
-          </a:p>
-        </p:txBody>
-      </p:sp>
-      <p:sp>
-        <p:nvSpPr>
-          <p:cNvPr id="4" name="Content Placeholder 3">
-            <a:extLst>
-              <a:ext uri="{FF2B5EF4-FFF2-40B4-BE49-F238E27FC236}">
-                <a16:creationId xmlns:a16="http://schemas.microsoft.com/office/drawing/2014/main" id="{6BFDE3A1-C0EC-4376-AFFE-4708B6FFA693}"/>
-              </a:ext>
-            </a:extLst>
-          </p:cNvPr>
-          <p:cNvSpPr>
-            <a:spLocks noGrp="1"/>
-          </p:cNvSpPr>
-          <p:nvPr>
-            <p:ph sz="quarter" idx="14"/>
-          </p:nvPr>
-        </p:nvSpPr>
-        <p:spPr/>
-        <p:txBody>
-          <a:bodyPr/>
-          <a:lstStyle/>
-          <a:p>
-            <a:r>
-              <a:rPr lang="en-US" dirty="0"/>
-              <a:t>ACCURACY</a:t>
-            </a:r>
-          </a:p>
-          <a:p>
-            <a:r>
-              <a:rPr lang="en-US" dirty="0"/>
-              <a:t>F1 SCORE</a:t>
-            </a:r>
-          </a:p>
-          <a:p>
-            <a:r>
-              <a:rPr lang="en-US" dirty="0"/>
-              <a:t>PRECISION</a:t>
-            </a:r>
-          </a:p>
-          <a:p>
-            <a:r>
-              <a:rPr lang="en-US" dirty="0"/>
-              <a:t>RECALL</a:t>
-            </a:r>
-          </a:p>
-          <a:p>
-            <a:r>
-              <a:rPr lang="en-US" dirty="0"/>
-              <a:t>Sensitivity</a:t>
-            </a:r>
-          </a:p>
-          <a:p>
-            <a:r>
-              <a:rPr lang="en-US" dirty="0"/>
-              <a:t>specificity</a:t>
-            </a:r>
-          </a:p>
-        </p:txBody>
-      </p:sp>
-    </p:spTree>
-    <p:extLst>
-      <p:ext uri="{BB962C8B-B14F-4D97-AF65-F5344CB8AC3E}">
-        <p14:creationId xmlns:p14="http://schemas.microsoft.com/office/powerpoint/2010/main" val="242248369"/>
-      </p:ext>
-    </p:extLst>
-  </p:cSld>
-  <p:clrMapOvr>
-    <a:masterClrMapping/>
-  </p:clrMapOvr>
-</p:sld>
-</file>
-
-<file path=ppt/slides/slide12.xml><?xml version="1.0" encoding="utf-8"?>
-<p:sld xmlns:a="http://schemas.openxmlformats.org/drawingml/2006/main" xmlns:r="http://schemas.openxmlformats.org/officeDocument/2006/relationships" xmlns:p="http://schemas.openxmlformats.org/presentationml/2006/main">
-  <p:cSld>
-    <p:spTree>
-      <p:nvGrpSpPr>
-        <p:cNvPr id="1" name=""/>
-        <p:cNvGrpSpPr/>
-        <p:nvPr/>
-      </p:nvGrpSpPr>
-      <p:grpSpPr>
-        <a:xfrm>
-          <a:off x="0" y="0"/>
-          <a:ext cx="0" cy="0"/>
-          <a:chOff x="0" y="0"/>
-          <a:chExt cx="0" cy="0"/>
-        </a:xfrm>
-      </p:grpSpPr>
-      <p:sp>
-        <p:nvSpPr>
-          <p:cNvPr id="2" name="Title 1">
-            <a:extLst>
-              <a:ext uri="{FF2B5EF4-FFF2-40B4-BE49-F238E27FC236}">
-                <a16:creationId xmlns:a16="http://schemas.microsoft.com/office/drawing/2014/main" id="{99337987-53D2-4514-9860-289E40CE40A2}"/>
-              </a:ext>
-            </a:extLst>
-          </p:cNvPr>
-          <p:cNvSpPr>
-            <a:spLocks noGrp="1"/>
-          </p:cNvSpPr>
-          <p:nvPr>
-            <p:ph type="title"/>
-          </p:nvPr>
-        </p:nvSpPr>
-        <p:spPr/>
-        <p:txBody>
-          <a:bodyPr/>
-          <a:lstStyle/>
-          <a:p>
-            <a:r>
-              <a:rPr lang="en-US" dirty="0"/>
-              <a:t>Model metrics</a:t>
-            </a:r>
-          </a:p>
-        </p:txBody>
-      </p:sp>
-      <p:sp>
-        <p:nvSpPr>
-          <p:cNvPr id="3" name="Text Placeholder 2">
-            <a:extLst>
-              <a:ext uri="{FF2B5EF4-FFF2-40B4-BE49-F238E27FC236}">
-                <a16:creationId xmlns:a16="http://schemas.microsoft.com/office/drawing/2014/main" id="{940F640B-798F-443D-A624-834B413040C7}"/>
-              </a:ext>
-            </a:extLst>
-          </p:cNvPr>
-          <p:cNvSpPr>
-            <a:spLocks noGrp="1"/>
-          </p:cNvSpPr>
-          <p:nvPr>
-            <p:ph type="body" idx="1"/>
-          </p:nvPr>
-        </p:nvSpPr>
-        <p:spPr>
-          <a:xfrm>
-            <a:off x="1146328" y="1988598"/>
-            <a:ext cx="4873474" cy="790113"/>
-          </a:xfrm>
-        </p:spPr>
-        <p:txBody>
-          <a:bodyPr/>
-          <a:lstStyle/>
-          <a:p>
-            <a:r>
-              <a:rPr lang="en-US" dirty="0"/>
-              <a:t>Naïve </a:t>
-            </a:r>
-            <a:r>
-              <a:rPr lang="en-US" dirty="0" err="1"/>
-              <a:t>bayes</a:t>
-            </a:r>
-            <a:r>
-              <a:rPr lang="en-US" dirty="0"/>
-              <a:t> model</a:t>
-            </a:r>
-          </a:p>
-        </p:txBody>
-      </p:sp>
-      <p:sp>
-        <p:nvSpPr>
-          <p:cNvPr id="4" name="Content Placeholder 3">
-            <a:extLst>
-              <a:ext uri="{FF2B5EF4-FFF2-40B4-BE49-F238E27FC236}">
-                <a16:creationId xmlns:a16="http://schemas.microsoft.com/office/drawing/2014/main" id="{7B0E05C6-4767-4000-8612-616A845A8892}"/>
-              </a:ext>
-            </a:extLst>
-          </p:cNvPr>
-          <p:cNvSpPr>
-            <a:spLocks noGrp="1"/>
-          </p:cNvSpPr>
-          <p:nvPr>
-            <p:ph sz="quarter" idx="13"/>
-          </p:nvPr>
-        </p:nvSpPr>
-        <p:spPr/>
-        <p:txBody>
-          <a:bodyPr>
-            <a:normAutofit lnSpcReduction="10000"/>
-          </a:bodyPr>
-          <a:lstStyle/>
-          <a:p>
-            <a:r>
-              <a:rPr lang="en-US" dirty="0"/>
-              <a:t>Accuracy   – 0.94</a:t>
-            </a:r>
-          </a:p>
-          <a:p>
-            <a:r>
-              <a:rPr lang="en-US" dirty="0"/>
-              <a:t>F1 score     – 0.97</a:t>
-            </a:r>
-          </a:p>
-          <a:p>
-            <a:r>
-              <a:rPr lang="en-US" dirty="0"/>
-              <a:t>Precision    – 0.94</a:t>
-            </a:r>
-          </a:p>
-          <a:p>
-            <a:r>
-              <a:rPr lang="en-US" dirty="0"/>
-              <a:t>Recall          – 1.00</a:t>
-            </a:r>
-          </a:p>
-          <a:p>
-            <a:r>
-              <a:rPr lang="en-US" dirty="0"/>
-              <a:t>Sensitivity    - 1.00</a:t>
-            </a:r>
-          </a:p>
-          <a:p>
-            <a:r>
-              <a:rPr lang="en-US" dirty="0"/>
-              <a:t>Specificity    - 0.00</a:t>
-            </a:r>
-          </a:p>
-        </p:txBody>
-      </p:sp>
-      <p:sp>
-        <p:nvSpPr>
-          <p:cNvPr id="5" name="Text Placeholder 4">
-            <a:extLst>
-              <a:ext uri="{FF2B5EF4-FFF2-40B4-BE49-F238E27FC236}">
-                <a16:creationId xmlns:a16="http://schemas.microsoft.com/office/drawing/2014/main" id="{A59BA660-0E7F-467A-B616-B4BCA92A2E39}"/>
-              </a:ext>
-            </a:extLst>
-          </p:cNvPr>
-          <p:cNvSpPr>
-            <a:spLocks noGrp="1"/>
-          </p:cNvSpPr>
-          <p:nvPr>
-            <p:ph type="body" sz="quarter" idx="3"/>
-          </p:nvPr>
-        </p:nvSpPr>
-        <p:spPr>
-          <a:xfrm>
-            <a:off x="6396423" y="2104008"/>
-            <a:ext cx="4881804" cy="674703"/>
-          </a:xfrm>
-        </p:spPr>
-        <p:txBody>
-          <a:bodyPr/>
-          <a:lstStyle/>
-          <a:p>
-            <a:r>
-              <a:rPr lang="en-US" dirty="0"/>
-              <a:t>Decision tree classifier</a:t>
-            </a:r>
-          </a:p>
-        </p:txBody>
-      </p:sp>
-      <p:sp>
-        <p:nvSpPr>
-          <p:cNvPr id="6" name="Content Placeholder 5">
-            <a:extLst>
-              <a:ext uri="{FF2B5EF4-FFF2-40B4-BE49-F238E27FC236}">
-                <a16:creationId xmlns:a16="http://schemas.microsoft.com/office/drawing/2014/main" id="{BF9CDF7E-490D-4640-A334-A6E89F213C18}"/>
-              </a:ext>
-            </a:extLst>
-          </p:cNvPr>
-          <p:cNvSpPr>
-            <a:spLocks noGrp="1"/>
-          </p:cNvSpPr>
-          <p:nvPr>
-            <p:ph sz="quarter" idx="14"/>
-          </p:nvPr>
-        </p:nvSpPr>
-        <p:spPr/>
-        <p:txBody>
-          <a:bodyPr>
-            <a:normAutofit lnSpcReduction="10000"/>
-          </a:bodyPr>
-          <a:lstStyle/>
-          <a:p>
-            <a:r>
-              <a:rPr lang="en-US" dirty="0"/>
-              <a:t>Accuracy   – 0.93</a:t>
-            </a:r>
-          </a:p>
-          <a:p>
-            <a:r>
-              <a:rPr lang="en-US" dirty="0"/>
-              <a:t>F1 score     – </a:t>
-            </a:r>
-          </a:p>
-          <a:p>
-            <a:r>
-              <a:rPr lang="en-US" dirty="0"/>
-              <a:t>Precision    – </a:t>
-            </a:r>
-          </a:p>
-          <a:p>
-            <a:r>
-              <a:rPr lang="en-US" dirty="0"/>
-              <a:t>Recall          – </a:t>
-            </a:r>
-          </a:p>
-          <a:p>
-            <a:r>
-              <a:rPr lang="en-US" dirty="0"/>
-              <a:t>Sensitivity    - 0.99</a:t>
-            </a:r>
-          </a:p>
-          <a:p>
-            <a:r>
-              <a:rPr lang="en-US" dirty="0"/>
-              <a:t>Specificity    - 0.03</a:t>
-            </a:r>
-          </a:p>
-          <a:p>
-            <a:endParaRPr lang="en-US" dirty="0"/>
-          </a:p>
-        </p:txBody>
-      </p:sp>
-    </p:spTree>
-    <p:extLst>
-      <p:ext uri="{BB962C8B-B14F-4D97-AF65-F5344CB8AC3E}">
-        <p14:creationId xmlns:p14="http://schemas.microsoft.com/office/powerpoint/2010/main" val="4181313595"/>
-      </p:ext>
-    </p:extLst>
-  </p:cSld>
-  <p:clrMapOvr>
-    <a:masterClrMapping/>
-  </p:clrMapOvr>
-</p:sld>
-</file>
-
-<file path=ppt/slides/slide13.xml><?xml version="1.0" encoding="utf-8"?>
-<p:sld xmlns:a="http://schemas.openxmlformats.org/drawingml/2006/main" xmlns:r="http://schemas.openxmlformats.org/officeDocument/2006/relationships" xmlns:p="http://schemas.openxmlformats.org/presentationml/2006/main">
-  <p:cSld>
-    <p:spTree>
-      <p:nvGrpSpPr>
-        <p:cNvPr id="1" name=""/>
-        <p:cNvGrpSpPr/>
-        <p:nvPr/>
-      </p:nvGrpSpPr>
-      <p:grpSpPr>
-        <a:xfrm>
-          <a:off x="0" y="0"/>
-          <a:ext cx="0" cy="0"/>
-          <a:chOff x="0" y="0"/>
-          <a:chExt cx="0" cy="0"/>
-        </a:xfrm>
-      </p:grpSpPr>
-      <p:sp>
-        <p:nvSpPr>
-          <p:cNvPr id="2" name="Title 1">
-            <a:extLst>
-              <a:ext uri="{FF2B5EF4-FFF2-40B4-BE49-F238E27FC236}">
-                <a16:creationId xmlns:a16="http://schemas.microsoft.com/office/drawing/2014/main" id="{6AF10020-8D1E-490F-BB92-270914E71716}"/>
-              </a:ext>
-            </a:extLst>
-          </p:cNvPr>
-          <p:cNvSpPr>
-            <a:spLocks noGrp="1"/>
-          </p:cNvSpPr>
-          <p:nvPr>
-            <p:ph type="title"/>
-          </p:nvPr>
-        </p:nvSpPr>
-        <p:spPr/>
-        <p:txBody>
-          <a:bodyPr/>
-          <a:lstStyle/>
-          <a:p>
-            <a:r>
-              <a:rPr lang="en-US" dirty="0"/>
-              <a:t>Model metrics</a:t>
-            </a:r>
-          </a:p>
-        </p:txBody>
-      </p:sp>
-      <p:sp>
-        <p:nvSpPr>
-          <p:cNvPr id="3" name="Text Placeholder 2">
-            <a:extLst>
-              <a:ext uri="{FF2B5EF4-FFF2-40B4-BE49-F238E27FC236}">
-                <a16:creationId xmlns:a16="http://schemas.microsoft.com/office/drawing/2014/main" id="{B235C4A0-2902-488E-80CA-3421F9F6F246}"/>
-              </a:ext>
-            </a:extLst>
-          </p:cNvPr>
-          <p:cNvSpPr>
-            <a:spLocks noGrp="1"/>
-          </p:cNvSpPr>
-          <p:nvPr>
-            <p:ph type="body" idx="1"/>
-          </p:nvPr>
-        </p:nvSpPr>
-        <p:spPr>
-          <a:xfrm>
-            <a:off x="1146328" y="1961966"/>
-            <a:ext cx="4873474" cy="763480"/>
-          </a:xfrm>
-        </p:spPr>
-        <p:txBody>
-          <a:bodyPr/>
-          <a:lstStyle/>
-          <a:p>
-            <a:r>
-              <a:rPr lang="en-US" dirty="0"/>
-              <a:t>K-nearest neighbor</a:t>
-            </a:r>
-          </a:p>
-        </p:txBody>
-      </p:sp>
-      <p:sp>
-        <p:nvSpPr>
-          <p:cNvPr id="4" name="Content Placeholder 3">
-            <a:extLst>
-              <a:ext uri="{FF2B5EF4-FFF2-40B4-BE49-F238E27FC236}">
-                <a16:creationId xmlns:a16="http://schemas.microsoft.com/office/drawing/2014/main" id="{E804492C-77D5-4379-BD86-7239D54280C4}"/>
-              </a:ext>
-            </a:extLst>
-          </p:cNvPr>
-          <p:cNvSpPr>
-            <a:spLocks noGrp="1"/>
-          </p:cNvSpPr>
-          <p:nvPr>
-            <p:ph sz="quarter" idx="13"/>
-          </p:nvPr>
-        </p:nvSpPr>
-        <p:spPr/>
-        <p:txBody>
-          <a:bodyPr>
-            <a:normAutofit lnSpcReduction="10000"/>
-          </a:bodyPr>
-          <a:lstStyle/>
-          <a:p>
-            <a:r>
-              <a:rPr lang="en-US" dirty="0"/>
-              <a:t>Accuracy   – 0.92</a:t>
-            </a:r>
-          </a:p>
-          <a:p>
-            <a:r>
-              <a:rPr lang="en-US" dirty="0"/>
-              <a:t>F1 score     – </a:t>
-            </a:r>
-          </a:p>
-          <a:p>
-            <a:r>
-              <a:rPr lang="en-US" dirty="0"/>
-              <a:t>Precision    – </a:t>
-            </a:r>
-          </a:p>
-          <a:p>
-            <a:r>
-              <a:rPr lang="en-US" dirty="0"/>
-              <a:t>Recall          –</a:t>
-            </a:r>
-          </a:p>
-          <a:p>
-            <a:r>
-              <a:rPr lang="en-US" dirty="0"/>
-              <a:t>Sensitivity    -0.96</a:t>
-            </a:r>
-          </a:p>
-          <a:p>
-            <a:r>
-              <a:rPr lang="en-US" dirty="0"/>
-              <a:t>Specificity    -0.17</a:t>
-            </a:r>
-          </a:p>
-          <a:p>
-            <a:endParaRPr lang="en-US" dirty="0"/>
-          </a:p>
-        </p:txBody>
-      </p:sp>
-      <p:sp>
-        <p:nvSpPr>
-          <p:cNvPr id="5" name="Text Placeholder 4">
-            <a:extLst>
-              <a:ext uri="{FF2B5EF4-FFF2-40B4-BE49-F238E27FC236}">
-                <a16:creationId xmlns:a16="http://schemas.microsoft.com/office/drawing/2014/main" id="{E96F494F-2251-48AA-B6B7-AFA0A669EED3}"/>
-              </a:ext>
-            </a:extLst>
-          </p:cNvPr>
-          <p:cNvSpPr>
-            <a:spLocks noGrp="1"/>
-          </p:cNvSpPr>
-          <p:nvPr>
-            <p:ph type="body" sz="quarter" idx="3"/>
-          </p:nvPr>
-        </p:nvSpPr>
-        <p:spPr>
-          <a:xfrm>
-            <a:off x="6396423" y="1961966"/>
-            <a:ext cx="4881804" cy="763480"/>
-          </a:xfrm>
-        </p:spPr>
-        <p:txBody>
-          <a:bodyPr/>
-          <a:lstStyle/>
-          <a:p>
-            <a:r>
-              <a:rPr lang="en-US" dirty="0"/>
-              <a:t>Random forest</a:t>
-            </a:r>
-          </a:p>
-        </p:txBody>
-      </p:sp>
-      <p:sp>
-        <p:nvSpPr>
-          <p:cNvPr id="6" name="Content Placeholder 5">
-            <a:extLst>
-              <a:ext uri="{FF2B5EF4-FFF2-40B4-BE49-F238E27FC236}">
-                <a16:creationId xmlns:a16="http://schemas.microsoft.com/office/drawing/2014/main" id="{5F12A429-9BE1-411C-A9F1-6E9D0FEF5C20}"/>
-              </a:ext>
-            </a:extLst>
-          </p:cNvPr>
-          <p:cNvSpPr>
-            <a:spLocks noGrp="1"/>
-          </p:cNvSpPr>
-          <p:nvPr>
-            <p:ph sz="quarter" idx="14"/>
-          </p:nvPr>
-        </p:nvSpPr>
-        <p:spPr/>
-        <p:txBody>
-          <a:bodyPr>
-            <a:normAutofit lnSpcReduction="10000"/>
-          </a:bodyPr>
-          <a:lstStyle/>
-          <a:p>
-            <a:r>
-              <a:rPr lang="en-US" dirty="0"/>
-              <a:t>Accuracy   – 0.94 </a:t>
-            </a:r>
-          </a:p>
-          <a:p>
-            <a:r>
-              <a:rPr lang="en-US" dirty="0"/>
-              <a:t>F1 score     – </a:t>
-            </a:r>
-          </a:p>
-          <a:p>
-            <a:r>
-              <a:rPr lang="en-US" dirty="0"/>
-              <a:t>Precision    – </a:t>
-            </a:r>
-          </a:p>
-          <a:p>
-            <a:r>
-              <a:rPr lang="en-US" dirty="0"/>
-              <a:t>Recall          –</a:t>
-            </a:r>
-          </a:p>
-          <a:p>
-            <a:r>
-              <a:rPr lang="en-US" dirty="0"/>
-              <a:t>Sensitivity    - 0.99</a:t>
-            </a:r>
-          </a:p>
-          <a:p>
-            <a:r>
-              <a:rPr lang="en-US" dirty="0"/>
-              <a:t>Specificity    - 0.02</a:t>
-            </a:r>
-          </a:p>
-          <a:p>
-            <a:endParaRPr lang="en-US" dirty="0"/>
-          </a:p>
-        </p:txBody>
-      </p:sp>
-    </p:spTree>
-    <p:extLst>
-      <p:ext uri="{BB962C8B-B14F-4D97-AF65-F5344CB8AC3E}">
-        <p14:creationId xmlns:p14="http://schemas.microsoft.com/office/powerpoint/2010/main" val="844643070"/>
-      </p:ext>
-    </p:extLst>
-  </p:cSld>
-  <p:clrMapOvr>
-    <a:masterClrMapping/>
-  </p:clrMapOvr>
-</p:sld>
-</file>
-
-<file path=ppt/slides/slide14.xml><?xml version="1.0" encoding="utf-8"?>
-<p:sld xmlns:a="http://schemas.openxmlformats.org/drawingml/2006/main" xmlns:r="http://schemas.openxmlformats.org/officeDocument/2006/relationships" xmlns:p="http://schemas.openxmlformats.org/presentationml/2006/main">
-  <p:cSld>
-    <p:spTree>
-      <p:nvGrpSpPr>
-        <p:cNvPr id="1" name=""/>
-        <p:cNvGrpSpPr/>
-        <p:nvPr/>
-      </p:nvGrpSpPr>
-      <p:grpSpPr>
-        <a:xfrm>
-          <a:off x="0" y="0"/>
-          <a:ext cx="0" cy="0"/>
-          <a:chOff x="0" y="0"/>
-          <a:chExt cx="0" cy="0"/>
-        </a:xfrm>
-      </p:grpSpPr>
-      <p:sp>
-        <p:nvSpPr>
-          <p:cNvPr id="2" name="Title 1">
-            <a:extLst>
-              <a:ext uri="{FF2B5EF4-FFF2-40B4-BE49-F238E27FC236}">
-                <a16:creationId xmlns:a16="http://schemas.microsoft.com/office/drawing/2014/main" id="{D80B8323-A94D-44D7-9382-8B16D48355A0}"/>
-              </a:ext>
-            </a:extLst>
-          </p:cNvPr>
-          <p:cNvSpPr>
-            <a:spLocks noGrp="1"/>
-          </p:cNvSpPr>
-          <p:nvPr>
-            <p:ph type="title"/>
-          </p:nvPr>
-        </p:nvSpPr>
-        <p:spPr/>
-        <p:txBody>
-          <a:bodyPr/>
-          <a:lstStyle/>
-          <a:p>
-            <a:r>
-              <a:rPr lang="en-US" dirty="0"/>
-              <a:t>Models and metrics</a:t>
-            </a:r>
-          </a:p>
-        </p:txBody>
-      </p:sp>
-      <p:sp>
-        <p:nvSpPr>
-          <p:cNvPr id="3" name="Text Placeholder 2">
-            <a:extLst>
-              <a:ext uri="{FF2B5EF4-FFF2-40B4-BE49-F238E27FC236}">
-                <a16:creationId xmlns:a16="http://schemas.microsoft.com/office/drawing/2014/main" id="{4D96C128-FA21-4A3E-BFCC-F6D349773D10}"/>
-              </a:ext>
-            </a:extLst>
-          </p:cNvPr>
-          <p:cNvSpPr>
-            <a:spLocks noGrp="1"/>
-          </p:cNvSpPr>
-          <p:nvPr>
-            <p:ph type="body" idx="1"/>
-          </p:nvPr>
-        </p:nvSpPr>
-        <p:spPr>
-          <a:xfrm>
-            <a:off x="1146328" y="2024109"/>
-            <a:ext cx="4873474" cy="763479"/>
-          </a:xfrm>
-        </p:spPr>
-        <p:txBody>
-          <a:bodyPr/>
-          <a:lstStyle/>
-          <a:p>
-            <a:r>
-              <a:rPr lang="en-US" dirty="0"/>
-              <a:t>Logistic regression</a:t>
-            </a:r>
-          </a:p>
-        </p:txBody>
-      </p:sp>
-      <p:sp>
-        <p:nvSpPr>
-          <p:cNvPr id="4" name="Content Placeholder 3">
-            <a:extLst>
-              <a:ext uri="{FF2B5EF4-FFF2-40B4-BE49-F238E27FC236}">
-                <a16:creationId xmlns:a16="http://schemas.microsoft.com/office/drawing/2014/main" id="{C2890C4C-1F16-4CA2-8A72-8691EBAEB654}"/>
-              </a:ext>
-            </a:extLst>
-          </p:cNvPr>
-          <p:cNvSpPr>
-            <a:spLocks noGrp="1"/>
-          </p:cNvSpPr>
-          <p:nvPr>
-            <p:ph sz="quarter" idx="13"/>
-          </p:nvPr>
-        </p:nvSpPr>
-        <p:spPr/>
-        <p:txBody>
-          <a:bodyPr>
-            <a:normAutofit lnSpcReduction="10000"/>
-          </a:bodyPr>
-          <a:lstStyle/>
-          <a:p>
-            <a:r>
-              <a:rPr lang="en-US" dirty="0"/>
-              <a:t>Accuracy   –  0.94 </a:t>
-            </a:r>
-          </a:p>
-          <a:p>
-            <a:r>
-              <a:rPr lang="en-US" dirty="0"/>
-              <a:t>F1 score     – </a:t>
-            </a:r>
-          </a:p>
-          <a:p>
-            <a:r>
-              <a:rPr lang="en-US" dirty="0"/>
-              <a:t>Precision    – </a:t>
-            </a:r>
-          </a:p>
-          <a:p>
-            <a:r>
-              <a:rPr lang="en-US" dirty="0"/>
-              <a:t>Recall          –</a:t>
-            </a:r>
-          </a:p>
-          <a:p>
-            <a:r>
-              <a:rPr lang="en-US" dirty="0"/>
-              <a:t>Sensitivity    - 1.00</a:t>
-            </a:r>
-          </a:p>
-          <a:p>
-            <a:r>
-              <a:rPr lang="en-US" dirty="0"/>
-              <a:t>Specificity    -0.00</a:t>
-            </a:r>
-          </a:p>
-          <a:p>
-            <a:endParaRPr lang="en-US" dirty="0"/>
-          </a:p>
-        </p:txBody>
-      </p:sp>
-      <p:sp>
-        <p:nvSpPr>
-          <p:cNvPr id="5" name="Text Placeholder 4">
-            <a:extLst>
-              <a:ext uri="{FF2B5EF4-FFF2-40B4-BE49-F238E27FC236}">
-                <a16:creationId xmlns:a16="http://schemas.microsoft.com/office/drawing/2014/main" id="{EE1976D3-042E-41A7-9EB9-70E9D26B0548}"/>
-              </a:ext>
-            </a:extLst>
-          </p:cNvPr>
-          <p:cNvSpPr>
-            <a:spLocks noGrp="1"/>
-          </p:cNvSpPr>
-          <p:nvPr>
-            <p:ph type="body" sz="quarter" idx="3"/>
-          </p:nvPr>
-        </p:nvSpPr>
-        <p:spPr/>
-        <p:txBody>
-          <a:bodyPr/>
-          <a:lstStyle/>
-          <a:p>
-            <a:endParaRPr lang="en-US"/>
-          </a:p>
-        </p:txBody>
-      </p:sp>
-      <p:sp>
-        <p:nvSpPr>
-          <p:cNvPr id="6" name="Content Placeholder 5">
-            <a:extLst>
-              <a:ext uri="{FF2B5EF4-FFF2-40B4-BE49-F238E27FC236}">
-                <a16:creationId xmlns:a16="http://schemas.microsoft.com/office/drawing/2014/main" id="{D1DD77DE-5419-43D9-B961-F75BE1F6E340}"/>
-              </a:ext>
-            </a:extLst>
-          </p:cNvPr>
-          <p:cNvSpPr>
-            <a:spLocks noGrp="1"/>
-          </p:cNvSpPr>
-          <p:nvPr>
-            <p:ph sz="quarter" idx="14"/>
-          </p:nvPr>
-        </p:nvSpPr>
-        <p:spPr/>
-        <p:txBody>
-          <a:bodyPr/>
-          <a:lstStyle/>
-          <a:p>
-            <a:endParaRPr lang="en-US"/>
-          </a:p>
-        </p:txBody>
-      </p:sp>
-    </p:spTree>
-    <p:extLst>
-      <p:ext uri="{BB962C8B-B14F-4D97-AF65-F5344CB8AC3E}">
-        <p14:creationId xmlns:p14="http://schemas.microsoft.com/office/powerpoint/2010/main" val="1175157030"/>
-      </p:ext>
-    </p:extLst>
-  </p:cSld>
-  <p:clrMapOvr>
-    <a:masterClrMapping/>
-  </p:clrMapOvr>
-</p:sld>
-</file>
-
 <file path=ppt/slides/slide2.xml><?xml version="1.0" encoding="utf-8"?>
 <p:sld xmlns:a="http://schemas.openxmlformats.org/drawingml/2006/main" xmlns:r="http://schemas.openxmlformats.org/officeDocument/2006/relationships" xmlns:p="http://schemas.openxmlformats.org/presentationml/2006/main">
   <p:cSld>
@@ -8115,7 +6572,7 @@
           <p:cNvPr id="2" name="Title 1">
             <a:extLst>
               <a:ext uri="{FF2B5EF4-FFF2-40B4-BE49-F238E27FC236}">
-                <a16:creationId xmlns:a16="http://schemas.microsoft.com/office/drawing/2014/main" id="{849A27B7-650C-44FE-86A0-E42D6706C3BE}"/>
+                <a16:creationId xmlns:a16="http://schemas.microsoft.com/office/drawing/2014/main" id="{37C5577F-C58C-407B-B0CE-8818A029A070}"/>
               </a:ext>
             </a:extLst>
           </p:cNvPr>
@@ -8133,7 +6590,7 @@
           <a:p>
             <a:r>
               <a:rPr lang="en-US" dirty="0"/>
-              <a:t>Interested attributes</a:t>
+              <a:t>Data pre-processing</a:t>
             </a:r>
           </a:p>
         </p:txBody>
@@ -8143,7 +6600,7 @@
           <p:cNvPr id="3" name="Content Placeholder 2">
             <a:extLst>
               <a:ext uri="{FF2B5EF4-FFF2-40B4-BE49-F238E27FC236}">
-                <a16:creationId xmlns:a16="http://schemas.microsoft.com/office/drawing/2014/main" id="{7BD7826E-42C4-44DF-885D-E2FD14D2611D}"/>
+                <a16:creationId xmlns:a16="http://schemas.microsoft.com/office/drawing/2014/main" id="{52D5CF02-FF2F-4723-989C-D273EDE04151}"/>
               </a:ext>
             </a:extLst>
           </p:cNvPr>
@@ -8161,45 +6618,47 @@
           <a:p>
             <a:r>
               <a:rPr lang="en-US" dirty="0"/>
-              <a:t>Employment-type</a:t>
-            </a:r>
-          </a:p>
-          <a:p>
-            <a:r>
-              <a:rPr lang="en-US" dirty="0"/>
-              <a:t>Required-education</a:t>
-            </a:r>
-          </a:p>
-          <a:p>
-            <a:r>
-              <a:rPr lang="en-US" dirty="0"/>
-              <a:t>Required-experience</a:t>
-            </a:r>
-          </a:p>
-          <a:p>
-            <a:r>
-              <a:rPr lang="en-US" dirty="0"/>
-              <a:t>Has-company-logo</a:t>
-            </a:r>
-          </a:p>
-          <a:p>
-            <a:r>
-              <a:rPr lang="en-US" dirty="0"/>
-              <a:t>Fraudulent</a:t>
-            </a:r>
-          </a:p>
-          <a:p>
-            <a:r>
-              <a:rPr lang="en-US" dirty="0"/>
-              <a:t>location – to select data only from united states</a:t>
-            </a:r>
+              <a:t>Replace nan to “   “ to specify they are missing values</a:t>
+            </a:r>
+          </a:p>
+          <a:p>
+            <a:r>
+              <a:rPr lang="en-US" dirty="0"/>
+              <a:t>From the location attribute separate country, state and city</a:t>
+            </a:r>
+          </a:p>
+          <a:p>
+            <a:r>
+              <a:rPr lang="en-US" dirty="0"/>
+              <a:t>Separate the united states </a:t>
+            </a:r>
+            <a:r>
+              <a:rPr lang="en-US" dirty="0" err="1"/>
+              <a:t>datas</a:t>
+            </a:r>
+            <a:r>
+              <a:rPr lang="en-US" dirty="0"/>
+              <a:t> from the dataset </a:t>
+            </a:r>
+          </a:p>
+          <a:p>
+            <a:r>
+              <a:rPr lang="en-US" dirty="0"/>
+              <a:t>10593 records in the us dataset</a:t>
+            </a:r>
+          </a:p>
+          <a:p>
+            <a:endParaRPr lang="en-US" dirty="0"/>
+          </a:p>
+          <a:p>
+            <a:endParaRPr lang="en-US" dirty="0"/>
           </a:p>
         </p:txBody>
       </p:sp>
     </p:spTree>
     <p:extLst>
       <p:ext uri="{BB962C8B-B14F-4D97-AF65-F5344CB8AC3E}">
-        <p14:creationId xmlns:p14="http://schemas.microsoft.com/office/powerpoint/2010/main" val="2276361983"/>
+        <p14:creationId xmlns:p14="http://schemas.microsoft.com/office/powerpoint/2010/main" val="3238387152"/>
       </p:ext>
     </p:extLst>
   </p:cSld>
@@ -8231,7 +6690,7 @@
           <p:cNvPr id="2" name="Title 1">
             <a:extLst>
               <a:ext uri="{FF2B5EF4-FFF2-40B4-BE49-F238E27FC236}">
-                <a16:creationId xmlns:a16="http://schemas.microsoft.com/office/drawing/2014/main" id="{37C5577F-C58C-407B-B0CE-8818A029A070}"/>
+                <a16:creationId xmlns:a16="http://schemas.microsoft.com/office/drawing/2014/main" id="{B03391D8-86BB-4302-A4B9-DE8A2E662226}"/>
               </a:ext>
             </a:extLst>
           </p:cNvPr>
@@ -8249,7 +6708,7 @@
           <a:p>
             <a:r>
               <a:rPr lang="en-US" dirty="0"/>
-              <a:t>Data pre-processing</a:t>
+              <a:t>Employment-type</a:t>
             </a:r>
           </a:p>
         </p:txBody>
@@ -8259,7 +6718,7 @@
           <p:cNvPr id="3" name="Content Placeholder 2">
             <a:extLst>
               <a:ext uri="{FF2B5EF4-FFF2-40B4-BE49-F238E27FC236}">
-                <a16:creationId xmlns:a16="http://schemas.microsoft.com/office/drawing/2014/main" id="{52D5CF02-FF2F-4723-989C-D273EDE04151}"/>
+                <a16:creationId xmlns:a16="http://schemas.microsoft.com/office/drawing/2014/main" id="{2330F26D-24A0-45AC-8835-ADDFF22D93E1}"/>
               </a:ext>
             </a:extLst>
           </p:cNvPr>
@@ -8270,68 +6729,87 @@
             <p:ph sz="quarter" idx="13"/>
           </p:nvPr>
         </p:nvSpPr>
-        <p:spPr>
-          <a:xfrm>
-            <a:off x="913774" y="2015232"/>
-            <a:ext cx="10363826" cy="3775968"/>
-          </a:xfrm>
-        </p:spPr>
-        <p:txBody>
-          <a:bodyPr/>
-          <a:lstStyle/>
-          <a:p>
-            <a:r>
-              <a:rPr lang="en-US" dirty="0"/>
-              <a:t>Replace nan to “   “ to specify they are missing values</a:t>
-            </a:r>
-          </a:p>
-          <a:p>
-            <a:r>
-              <a:rPr lang="en-US" dirty="0"/>
-              <a:t>From the location attribute separate country, state and city</a:t>
-            </a:r>
-          </a:p>
-          <a:p>
-            <a:r>
-              <a:rPr lang="en-US" dirty="0"/>
-              <a:t>Separate the united states data from the dataset </a:t>
-            </a:r>
-          </a:p>
-          <a:p>
-            <a:r>
-              <a:rPr lang="en-US" dirty="0"/>
-              <a:t>10593 records in the us dataset</a:t>
-            </a:r>
-          </a:p>
-          <a:p>
-            <a:r>
-              <a:rPr lang="en-US" dirty="0"/>
-              <a:t>Replaced missing values with the mode of the attributes</a:t>
-            </a:r>
-          </a:p>
-          <a:p>
-            <a:r>
-              <a:rPr lang="en-US" dirty="0"/>
-              <a:t>Converting the categorical variables to numeric with </a:t>
-            </a:r>
-            <a:r>
-              <a:rPr lang="en-US" dirty="0" err="1"/>
-              <a:t>cat.code</a:t>
-            </a:r>
-            <a:endParaRPr lang="en-US" dirty="0"/>
-          </a:p>
-          <a:p>
-            <a:endParaRPr lang="en-US" dirty="0"/>
-          </a:p>
-          <a:p>
-            <a:endParaRPr lang="en-US" dirty="0"/>
-          </a:p>
-        </p:txBody>
-      </p:sp>
+        <p:spPr/>
+        <p:txBody>
+          <a:bodyPr/>
+          <a:lstStyle/>
+          <a:p>
+            <a:r>
+              <a:rPr lang="en-US" dirty="0"/>
+              <a:t>Employment-type spreads from full-time to temporary</a:t>
+            </a:r>
+          </a:p>
+          <a:p>
+            <a:endParaRPr lang="en-US" dirty="0"/>
+          </a:p>
+        </p:txBody>
+      </p:sp>
+      <p:pic>
+        <p:nvPicPr>
+          <p:cNvPr id="7" name="Content Placeholder 6">
+            <a:extLst>
+              <a:ext uri="{FF2B5EF4-FFF2-40B4-BE49-F238E27FC236}">
+                <a16:creationId xmlns:a16="http://schemas.microsoft.com/office/drawing/2014/main" id="{D15D1497-497F-4412-A435-0A98CE057DE7}"/>
+              </a:ext>
+            </a:extLst>
+          </p:cNvPr>
+          <p:cNvPicPr>
+            <a:picLocks noGrp="1" noChangeAspect="1"/>
+          </p:cNvPicPr>
+          <p:nvPr>
+            <p:ph sz="quarter" idx="14"/>
+          </p:nvPr>
+        </p:nvPicPr>
+        <p:blipFill>
+          <a:blip r:embed="rId2"/>
+          <a:stretch>
+            <a:fillRect/>
+          </a:stretch>
+        </p:blipFill>
+        <p:spPr>
+          <a:xfrm>
+            <a:off x="6172199" y="2389310"/>
+            <a:ext cx="5317435" cy="3424107"/>
+          </a:xfrm>
+          <a:prstGeom prst="rect">
+            <a:avLst/>
+          </a:prstGeom>
+        </p:spPr>
+      </p:pic>
+      <p:pic>
+        <p:nvPicPr>
+          <p:cNvPr id="9" name="Picture 8">
+            <a:extLst>
+              <a:ext uri="{FF2B5EF4-FFF2-40B4-BE49-F238E27FC236}">
+                <a16:creationId xmlns:a16="http://schemas.microsoft.com/office/drawing/2014/main" id="{C84389F2-CB41-421B-B21E-B62DB5D49DB2}"/>
+              </a:ext>
+            </a:extLst>
+          </p:cNvPr>
+          <p:cNvPicPr>
+            <a:picLocks noChangeAspect="1"/>
+          </p:cNvPicPr>
+          <p:nvPr/>
+        </p:nvPicPr>
+        <p:blipFill>
+          <a:blip r:embed="rId3"/>
+          <a:stretch>
+            <a:fillRect/>
+          </a:stretch>
+        </p:blipFill>
+        <p:spPr>
+          <a:xfrm>
+            <a:off x="1508469" y="3243884"/>
+            <a:ext cx="3182801" cy="2569533"/>
+          </a:xfrm>
+          <a:prstGeom prst="rect">
+            <a:avLst/>
+          </a:prstGeom>
+        </p:spPr>
+      </p:pic>
     </p:spTree>
     <p:extLst>
       <p:ext uri="{BB962C8B-B14F-4D97-AF65-F5344CB8AC3E}">
-        <p14:creationId xmlns:p14="http://schemas.microsoft.com/office/powerpoint/2010/main" val="3238387152"/>
+        <p14:creationId xmlns:p14="http://schemas.microsoft.com/office/powerpoint/2010/main" val="2918409995"/>
       </p:ext>
     </p:extLst>
   </p:cSld>
@@ -8363,7 +6841,7 @@
           <p:cNvPr id="2" name="Title 1">
             <a:extLst>
               <a:ext uri="{FF2B5EF4-FFF2-40B4-BE49-F238E27FC236}">
-                <a16:creationId xmlns:a16="http://schemas.microsoft.com/office/drawing/2014/main" id="{7047F360-A800-4B9C-805A-F1D5E17D8AF2}"/>
+                <a16:creationId xmlns:a16="http://schemas.microsoft.com/office/drawing/2014/main" id="{2E8B028C-9658-4689-BE2F-F6A90021F243}"/>
               </a:ext>
             </a:extLst>
           </p:cNvPr>
@@ -8381,78 +6859,79 @@
           <a:p>
             <a:r>
               <a:rPr lang="en-US" dirty="0"/>
-              <a:t>Missing values</a:t>
-            </a:r>
-          </a:p>
-        </p:txBody>
-      </p:sp>
-      <p:sp>
-        <p:nvSpPr>
-          <p:cNvPr id="3" name="Content Placeholder 2">
+              <a:t>Required experience</a:t>
+            </a:r>
+          </a:p>
+        </p:txBody>
+      </p:sp>
+      <p:pic>
+        <p:nvPicPr>
+          <p:cNvPr id="7" name="Content Placeholder 6">
             <a:extLst>
               <a:ext uri="{FF2B5EF4-FFF2-40B4-BE49-F238E27FC236}">
-                <a16:creationId xmlns:a16="http://schemas.microsoft.com/office/drawing/2014/main" id="{B20EC234-9AFC-4CE6-93A5-E290CEA90F11}"/>
+                <a16:creationId xmlns:a16="http://schemas.microsoft.com/office/drawing/2014/main" id="{C8ABECBE-BC89-44AC-AFD8-808163AC93BA}"/>
               </a:ext>
             </a:extLst>
           </p:cNvPr>
-          <p:cNvSpPr>
-            <a:spLocks noGrp="1"/>
-          </p:cNvSpPr>
+          <p:cNvPicPr>
+            <a:picLocks noGrp="1" noChangeAspect="1"/>
+          </p:cNvPicPr>
           <p:nvPr>
             <p:ph sz="quarter" idx="13"/>
           </p:nvPr>
-        </p:nvSpPr>
-        <p:spPr/>
-        <p:txBody>
-          <a:bodyPr/>
-          <a:lstStyle/>
-          <a:p>
-            <a:r>
-              <a:rPr lang="en-US" dirty="0"/>
-              <a:t>Replaced missing values with the modes of those attributes</a:t>
-            </a:r>
-          </a:p>
-          <a:p>
-            <a:pPr lvl="1"/>
-            <a:r>
-              <a:rPr lang="en-US" dirty="0"/>
-              <a:t>Missing data in employment type with other</a:t>
-            </a:r>
-          </a:p>
-          <a:p>
-            <a:pPr lvl="1"/>
-            <a:r>
-              <a:rPr lang="en-US" dirty="0"/>
-              <a:t>Missing data in required-experience with not-applicable</a:t>
-            </a:r>
-          </a:p>
-          <a:p>
-            <a:pPr lvl="1"/>
-            <a:r>
-              <a:rPr lang="en-US" dirty="0"/>
-              <a:t>Missing data in required-education with unspecified</a:t>
-            </a:r>
-          </a:p>
-          <a:p>
-            <a:r>
-              <a:rPr lang="en-US" dirty="0"/>
-              <a:t>Dropped missing values in locations</a:t>
-            </a:r>
-          </a:p>
-          <a:p>
-            <a:pPr lvl="1"/>
-            <a:endParaRPr lang="en-US" dirty="0"/>
-          </a:p>
-          <a:p>
-            <a:pPr lvl="1"/>
-            <a:endParaRPr lang="en-US" dirty="0"/>
-          </a:p>
-        </p:txBody>
-      </p:sp>
+        </p:nvPicPr>
+        <p:blipFill>
+          <a:blip r:embed="rId2"/>
+          <a:stretch>
+            <a:fillRect/>
+          </a:stretch>
+        </p:blipFill>
+        <p:spPr>
+          <a:xfrm>
+            <a:off x="2176462" y="2421731"/>
+            <a:ext cx="2581275" cy="3314700"/>
+          </a:xfrm>
+          <a:prstGeom prst="rect">
+            <a:avLst/>
+          </a:prstGeom>
+        </p:spPr>
+      </p:pic>
+      <p:pic>
+        <p:nvPicPr>
+          <p:cNvPr id="5" name="Content Placeholder 4">
+            <a:extLst>
+              <a:ext uri="{FF2B5EF4-FFF2-40B4-BE49-F238E27FC236}">
+                <a16:creationId xmlns:a16="http://schemas.microsoft.com/office/drawing/2014/main" id="{987C1412-DFD0-4302-9180-A617CB62F198}"/>
+              </a:ext>
+            </a:extLst>
+          </p:cNvPr>
+          <p:cNvPicPr>
+            <a:picLocks noGrp="1" noChangeAspect="1"/>
+          </p:cNvPicPr>
+          <p:nvPr>
+            <p:ph sz="quarter" idx="14"/>
+          </p:nvPr>
+        </p:nvPicPr>
+        <p:blipFill>
+          <a:blip r:embed="rId3"/>
+          <a:stretch>
+            <a:fillRect/>
+          </a:stretch>
+        </p:blipFill>
+        <p:spPr>
+          <a:xfrm>
+            <a:off x="6774336" y="2366963"/>
+            <a:ext cx="3901128" cy="3424237"/>
+          </a:xfrm>
+          <a:prstGeom prst="rect">
+            <a:avLst/>
+          </a:prstGeom>
+        </p:spPr>
+      </p:pic>
     </p:spTree>
     <p:extLst>
       <p:ext uri="{BB962C8B-B14F-4D97-AF65-F5344CB8AC3E}">
-        <p14:creationId xmlns:p14="http://schemas.microsoft.com/office/powerpoint/2010/main" val="4065138355"/>
+        <p14:creationId xmlns:p14="http://schemas.microsoft.com/office/powerpoint/2010/main" val="345195931"/>
       </p:ext>
     </p:extLst>
   </p:cSld>
@@ -8484,7 +6963,7 @@
           <p:cNvPr id="2" name="Title 1">
             <a:extLst>
               <a:ext uri="{FF2B5EF4-FFF2-40B4-BE49-F238E27FC236}">
-                <a16:creationId xmlns:a16="http://schemas.microsoft.com/office/drawing/2014/main" id="{B03391D8-86BB-4302-A4B9-DE8A2E662226}"/>
+                <a16:creationId xmlns:a16="http://schemas.microsoft.com/office/drawing/2014/main" id="{07C823FD-67D4-455B-8E16-8582589D6AE4}"/>
               </a:ext>
             </a:extLst>
           </p:cNvPr>
@@ -8502,48 +6981,17 @@
           <a:p>
             <a:r>
               <a:rPr lang="en-US" dirty="0"/>
-              <a:t>Employment-type</a:t>
-            </a:r>
-          </a:p>
-        </p:txBody>
-      </p:sp>
-      <p:sp>
-        <p:nvSpPr>
-          <p:cNvPr id="3" name="Content Placeholder 2">
+              <a:t>Required-education</a:t>
+            </a:r>
+          </a:p>
+        </p:txBody>
+      </p:sp>
+      <p:pic>
+        <p:nvPicPr>
+          <p:cNvPr id="6" name="Content Placeholder 5">
             <a:extLst>
               <a:ext uri="{FF2B5EF4-FFF2-40B4-BE49-F238E27FC236}">
-                <a16:creationId xmlns:a16="http://schemas.microsoft.com/office/drawing/2014/main" id="{2330F26D-24A0-45AC-8835-ADDFF22D93E1}"/>
-              </a:ext>
-            </a:extLst>
-          </p:cNvPr>
-          <p:cNvSpPr>
-            <a:spLocks noGrp="1"/>
-          </p:cNvSpPr>
-          <p:nvPr>
-            <p:ph sz="quarter" idx="13"/>
-          </p:nvPr>
-        </p:nvSpPr>
-        <p:spPr/>
-        <p:txBody>
-          <a:bodyPr/>
-          <a:lstStyle/>
-          <a:p>
-            <a:r>
-              <a:rPr lang="en-US" dirty="0"/>
-              <a:t>Employment-type spreads from full-time to temporary</a:t>
-            </a:r>
-          </a:p>
-          <a:p>
-            <a:endParaRPr lang="en-US" dirty="0"/>
-          </a:p>
-        </p:txBody>
-      </p:sp>
-      <p:pic>
-        <p:nvPicPr>
-          <p:cNvPr id="7" name="Content Placeholder 6">
-            <a:extLst>
-              <a:ext uri="{FF2B5EF4-FFF2-40B4-BE49-F238E27FC236}">
-                <a16:creationId xmlns:a16="http://schemas.microsoft.com/office/drawing/2014/main" id="{D15D1497-497F-4412-A435-0A98CE057DE7}"/>
+                <a16:creationId xmlns:a16="http://schemas.microsoft.com/office/drawing/2014/main" id="{E20BCBB8-C652-47A1-B2D4-5D477957E554}"/>
               </a:ext>
             </a:extLst>
           </p:cNvPr>
@@ -8551,7 +6999,7 @@
             <a:picLocks noGrp="1" noChangeAspect="1"/>
           </p:cNvPicPr>
           <p:nvPr>
-            <p:ph sz="quarter" idx="14"/>
+            <p:ph sz="quarter" idx="13"/>
           </p:nvPr>
         </p:nvPicPr>
         <p:blipFill>
@@ -8562,8 +7010,8 @@
         </p:blipFill>
         <p:spPr>
           <a:xfrm>
-            <a:off x="6172199" y="2389310"/>
-            <a:ext cx="5317435" cy="3424107"/>
+            <a:off x="1202635" y="1908313"/>
+            <a:ext cx="4224130" cy="4532244"/>
           </a:xfrm>
           <a:prstGeom prst="rect">
             <a:avLst/>
@@ -8572,17 +7020,19 @@
       </p:pic>
       <p:pic>
         <p:nvPicPr>
-          <p:cNvPr id="9" name="Picture 8">
+          <p:cNvPr id="5" name="Content Placeholder 4">
             <a:extLst>
               <a:ext uri="{FF2B5EF4-FFF2-40B4-BE49-F238E27FC236}">
-                <a16:creationId xmlns:a16="http://schemas.microsoft.com/office/drawing/2014/main" id="{C84389F2-CB41-421B-B21E-B62DB5D49DB2}"/>
+                <a16:creationId xmlns:a16="http://schemas.microsoft.com/office/drawing/2014/main" id="{BF6EDF20-EBA1-4D38-9C86-95226BAC035B}"/>
               </a:ext>
             </a:extLst>
           </p:cNvPr>
           <p:cNvPicPr>
-            <a:picLocks noChangeAspect="1"/>
+            <a:picLocks noGrp="1" noChangeAspect="1"/>
           </p:cNvPicPr>
-          <p:nvPr/>
+          <p:nvPr>
+            <p:ph sz="quarter" idx="14"/>
+          </p:nvPr>
         </p:nvPicPr>
         <p:blipFill>
           <a:blip r:embed="rId3"/>
@@ -8592,8 +7042,8 @@
         </p:blipFill>
         <p:spPr>
           <a:xfrm>
-            <a:off x="1508469" y="3243884"/>
-            <a:ext cx="3182801" cy="2569533"/>
+            <a:off x="6096000" y="1908313"/>
+            <a:ext cx="5443329" cy="4532244"/>
           </a:xfrm>
           <a:prstGeom prst="rect">
             <a:avLst/>
@@ -8603,7 +7053,7 @@
     </p:spTree>
     <p:extLst>
       <p:ext uri="{BB962C8B-B14F-4D97-AF65-F5344CB8AC3E}">
-        <p14:creationId xmlns:p14="http://schemas.microsoft.com/office/powerpoint/2010/main" val="2918409995"/>
+        <p14:creationId xmlns:p14="http://schemas.microsoft.com/office/powerpoint/2010/main" val="3140331604"/>
       </p:ext>
     </p:extLst>
   </p:cSld>
@@ -8635,7 +7085,7 @@
           <p:cNvPr id="2" name="Title 1">
             <a:extLst>
               <a:ext uri="{FF2B5EF4-FFF2-40B4-BE49-F238E27FC236}">
-                <a16:creationId xmlns:a16="http://schemas.microsoft.com/office/drawing/2014/main" id="{2E8B028C-9658-4689-BE2F-F6A90021F243}"/>
+                <a16:creationId xmlns:a16="http://schemas.microsoft.com/office/drawing/2014/main" id="{FB047358-2DA0-4EBD-A009-371F287CBFA5}"/>
               </a:ext>
             </a:extLst>
           </p:cNvPr>
@@ -8653,17 +7103,66 @@
           <a:p>
             <a:r>
               <a:rPr lang="en-US" dirty="0"/>
-              <a:t>Required experience</a:t>
-            </a:r>
+              <a:t>Has-company-logo</a:t>
+            </a:r>
+          </a:p>
+        </p:txBody>
+      </p:sp>
+      <p:sp>
+        <p:nvSpPr>
+          <p:cNvPr id="3" name="Content Placeholder 2">
+            <a:extLst>
+              <a:ext uri="{FF2B5EF4-FFF2-40B4-BE49-F238E27FC236}">
+                <a16:creationId xmlns:a16="http://schemas.microsoft.com/office/drawing/2014/main" id="{8C9ECEE2-509A-48AD-84FE-5552C88B6F1B}"/>
+              </a:ext>
+            </a:extLst>
+          </p:cNvPr>
+          <p:cNvSpPr>
+            <a:spLocks noGrp="1"/>
+          </p:cNvSpPr>
+          <p:nvPr>
+            <p:ph sz="quarter" idx="13"/>
+          </p:nvPr>
+        </p:nvSpPr>
+        <p:spPr/>
+        <p:txBody>
+          <a:bodyPr/>
+          <a:lstStyle/>
+          <a:p>
+            <a:r>
+              <a:rPr lang="en-US" dirty="0"/>
+              <a:t>Correlation coefficient to the target variable: -0.25</a:t>
+            </a:r>
+          </a:p>
+          <a:p>
+            <a:r>
+              <a:rPr lang="en-US" dirty="0"/>
+              <a:t>Moderate negative correlation</a:t>
+            </a:r>
+          </a:p>
+          <a:p>
+            <a:endParaRPr lang="en-US" dirty="0"/>
+          </a:p>
+          <a:p>
+            <a:endParaRPr lang="en-US" dirty="0"/>
+          </a:p>
+          <a:p>
+            <a:endParaRPr lang="en-US" dirty="0"/>
+          </a:p>
+          <a:p>
+            <a:endParaRPr lang="en-US" dirty="0"/>
+          </a:p>
+          <a:p>
+            <a:endParaRPr lang="en-US" dirty="0"/>
           </a:p>
         </p:txBody>
       </p:sp>
       <p:pic>
         <p:nvPicPr>
-          <p:cNvPr id="7" name="Content Placeholder 6">
+          <p:cNvPr id="6" name="Content Placeholder 5">
             <a:extLst>
               <a:ext uri="{FF2B5EF4-FFF2-40B4-BE49-F238E27FC236}">
-                <a16:creationId xmlns:a16="http://schemas.microsoft.com/office/drawing/2014/main" id="{C8ABECBE-BC89-44AC-AFD8-808163AC93BA}"/>
+                <a16:creationId xmlns:a16="http://schemas.microsoft.com/office/drawing/2014/main" id="{807D7759-7A50-4E5C-AA33-082B45705902}"/>
               </a:ext>
             </a:extLst>
           </p:cNvPr>
@@ -8671,7 +7170,7 @@
             <a:picLocks noGrp="1" noChangeAspect="1"/>
           </p:cNvPicPr>
           <p:nvPr>
-            <p:ph sz="quarter" idx="13"/>
+            <p:ph sz="quarter" idx="14"/>
           </p:nvPr>
         </p:nvPicPr>
         <p:blipFill>
@@ -8682,8 +7181,8 @@
         </p:blipFill>
         <p:spPr>
           <a:xfrm>
-            <a:off x="2176462" y="2421731"/>
-            <a:ext cx="2581275" cy="3314700"/>
+            <a:off x="6305550" y="2436019"/>
+            <a:ext cx="4838700" cy="3286125"/>
           </a:xfrm>
           <a:prstGeom prst="rect">
             <a:avLst/>
@@ -8692,19 +7191,17 @@
       </p:pic>
       <p:pic>
         <p:nvPicPr>
-          <p:cNvPr id="5" name="Content Placeholder 4">
+          <p:cNvPr id="5" name="Picture 4">
             <a:extLst>
               <a:ext uri="{FF2B5EF4-FFF2-40B4-BE49-F238E27FC236}">
-                <a16:creationId xmlns:a16="http://schemas.microsoft.com/office/drawing/2014/main" id="{987C1412-DFD0-4302-9180-A617CB62F198}"/>
+                <a16:creationId xmlns:a16="http://schemas.microsoft.com/office/drawing/2014/main" id="{57651EA2-BE20-41B5-A5F7-82DF8ABEFE6E}"/>
               </a:ext>
             </a:extLst>
           </p:cNvPr>
           <p:cNvPicPr>
-            <a:picLocks noGrp="1" noChangeAspect="1"/>
+            <a:picLocks noChangeAspect="1"/>
           </p:cNvPicPr>
-          <p:nvPr>
-            <p:ph sz="quarter" idx="14"/>
-          </p:nvPr>
+          <p:nvPr/>
         </p:nvPicPr>
         <p:blipFill>
           <a:blip r:embed="rId3"/>
@@ -8714,8 +7211,8 @@
         </p:blipFill>
         <p:spPr>
           <a:xfrm>
-            <a:off x="6774336" y="2366963"/>
-            <a:ext cx="3901128" cy="3424237"/>
+            <a:off x="1512611" y="3883507"/>
+            <a:ext cx="2447925" cy="1476375"/>
           </a:xfrm>
           <a:prstGeom prst="rect">
             <a:avLst/>
@@ -8725,7 +7222,7 @@
     </p:spTree>
     <p:extLst>
       <p:ext uri="{BB962C8B-B14F-4D97-AF65-F5344CB8AC3E}">
-        <p14:creationId xmlns:p14="http://schemas.microsoft.com/office/powerpoint/2010/main" val="345195931"/>
+        <p14:creationId xmlns:p14="http://schemas.microsoft.com/office/powerpoint/2010/main" val="2657199537"/>
       </p:ext>
     </p:extLst>
   </p:cSld>
@@ -8757,7 +7254,7 @@
           <p:cNvPr id="2" name="Title 1">
             <a:extLst>
               <a:ext uri="{FF2B5EF4-FFF2-40B4-BE49-F238E27FC236}">
-                <a16:creationId xmlns:a16="http://schemas.microsoft.com/office/drawing/2014/main" id="{07C823FD-67D4-455B-8E16-8582589D6AE4}"/>
+                <a16:creationId xmlns:a16="http://schemas.microsoft.com/office/drawing/2014/main" id="{8C1667CE-6146-4996-A275-E70D08A3DA7E}"/>
               </a:ext>
             </a:extLst>
           </p:cNvPr>
@@ -8775,79 +7272,121 @@
           <a:p>
             <a:r>
               <a:rPr lang="en-US" dirty="0"/>
-              <a:t>Required-education</a:t>
-            </a:r>
-          </a:p>
-        </p:txBody>
-      </p:sp>
-      <p:pic>
-        <p:nvPicPr>
-          <p:cNvPr id="6" name="Content Placeholder 5">
+              <a:t>Models and metrics</a:t>
+            </a:r>
+          </a:p>
+        </p:txBody>
+      </p:sp>
+      <p:sp>
+        <p:nvSpPr>
+          <p:cNvPr id="3" name="Content Placeholder 2">
             <a:extLst>
               <a:ext uri="{FF2B5EF4-FFF2-40B4-BE49-F238E27FC236}">
-                <a16:creationId xmlns:a16="http://schemas.microsoft.com/office/drawing/2014/main" id="{E20BCBB8-C652-47A1-B2D4-5D477957E554}"/>
+                <a16:creationId xmlns:a16="http://schemas.microsoft.com/office/drawing/2014/main" id="{0EDF38FC-AA73-47FC-BD1D-3BDA1034344D}"/>
               </a:ext>
             </a:extLst>
           </p:cNvPr>
-          <p:cNvPicPr>
-            <a:picLocks noGrp="1" noChangeAspect="1"/>
-          </p:cNvPicPr>
+          <p:cNvSpPr>
+            <a:spLocks noGrp="1"/>
+          </p:cNvSpPr>
           <p:nvPr>
             <p:ph sz="quarter" idx="13"/>
           </p:nvPr>
-        </p:nvPicPr>
-        <p:blipFill>
-          <a:blip r:embed="rId2"/>
-          <a:stretch>
-            <a:fillRect/>
-          </a:stretch>
-        </p:blipFill>
-        <p:spPr>
-          <a:xfrm>
-            <a:off x="1202635" y="1908313"/>
-            <a:ext cx="4224130" cy="4532244"/>
-          </a:xfrm>
-          <a:prstGeom prst="rect">
-            <a:avLst/>
-          </a:prstGeom>
-        </p:spPr>
-      </p:pic>
-      <p:pic>
-        <p:nvPicPr>
-          <p:cNvPr id="5" name="Content Placeholder 4">
+        </p:nvSpPr>
+        <p:spPr/>
+        <p:txBody>
+          <a:bodyPr/>
+          <a:lstStyle/>
+          <a:p>
+            <a:r>
+              <a:rPr lang="en-US" dirty="0"/>
+              <a:t>Naïve </a:t>
+            </a:r>
+            <a:r>
+              <a:rPr lang="en-US" dirty="0" err="1"/>
+              <a:t>bayes</a:t>
+            </a:r>
+            <a:r>
+              <a:rPr lang="en-US" dirty="0"/>
+              <a:t> model</a:t>
+            </a:r>
+          </a:p>
+          <a:p>
+            <a:r>
+              <a:rPr lang="en-US" dirty="0"/>
+              <a:t>Decision tree classifier</a:t>
+            </a:r>
+          </a:p>
+          <a:p>
+            <a:r>
+              <a:rPr lang="en-US" dirty="0"/>
+              <a:t>K-nearest neighbors</a:t>
+            </a:r>
+          </a:p>
+          <a:p>
+            <a:r>
+              <a:rPr lang="en-US" dirty="0"/>
+              <a:t>Random forest</a:t>
+            </a:r>
+          </a:p>
+          <a:p>
+            <a:pPr marL="0" indent="0">
+              <a:buNone/>
+            </a:pPr>
+            <a:endParaRPr lang="en-US" dirty="0"/>
+          </a:p>
+        </p:txBody>
+      </p:sp>
+      <p:sp>
+        <p:nvSpPr>
+          <p:cNvPr id="4" name="Content Placeholder 3">
             <a:extLst>
               <a:ext uri="{FF2B5EF4-FFF2-40B4-BE49-F238E27FC236}">
-                <a16:creationId xmlns:a16="http://schemas.microsoft.com/office/drawing/2014/main" id="{BF6EDF20-EBA1-4D38-9C86-95226BAC035B}"/>
+                <a16:creationId xmlns:a16="http://schemas.microsoft.com/office/drawing/2014/main" id="{6BFDE3A1-C0EC-4376-AFFE-4708B6FFA693}"/>
               </a:ext>
             </a:extLst>
           </p:cNvPr>
-          <p:cNvPicPr>
-            <a:picLocks noGrp="1" noChangeAspect="1"/>
-          </p:cNvPicPr>
+          <p:cNvSpPr>
+            <a:spLocks noGrp="1"/>
+          </p:cNvSpPr>
           <p:nvPr>
             <p:ph sz="quarter" idx="14"/>
           </p:nvPr>
-        </p:nvPicPr>
-        <p:blipFill>
-          <a:blip r:embed="rId3"/>
-          <a:stretch>
-            <a:fillRect/>
-          </a:stretch>
-        </p:blipFill>
-        <p:spPr>
-          <a:xfrm>
-            <a:off x="6096000" y="1908313"/>
-            <a:ext cx="5443329" cy="4532244"/>
-          </a:xfrm>
-          <a:prstGeom prst="rect">
-            <a:avLst/>
-          </a:prstGeom>
-        </p:spPr>
-      </p:pic>
+        </p:nvSpPr>
+        <p:spPr/>
+        <p:txBody>
+          <a:bodyPr/>
+          <a:lstStyle/>
+          <a:p>
+            <a:r>
+              <a:rPr lang="en-US" dirty="0"/>
+              <a:t>ACCURACY</a:t>
+            </a:r>
+          </a:p>
+          <a:p>
+            <a:r>
+              <a:rPr lang="en-US" dirty="0"/>
+              <a:t>F1 SCORE</a:t>
+            </a:r>
+          </a:p>
+          <a:p>
+            <a:r>
+              <a:rPr lang="en-US" dirty="0"/>
+              <a:t>PRECISION</a:t>
+            </a:r>
+          </a:p>
+          <a:p>
+            <a:r>
+              <a:rPr lang="en-US" dirty="0"/>
+              <a:t>RECALL</a:t>
+            </a:r>
+          </a:p>
+        </p:txBody>
+      </p:sp>
     </p:spTree>
     <p:extLst>
       <p:ext uri="{BB962C8B-B14F-4D97-AF65-F5344CB8AC3E}">
-        <p14:creationId xmlns:p14="http://schemas.microsoft.com/office/powerpoint/2010/main" val="3140331604"/>
+        <p14:creationId xmlns:p14="http://schemas.microsoft.com/office/powerpoint/2010/main" val="242248369"/>
       </p:ext>
     </p:extLst>
   </p:cSld>
@@ -9119,299 +7658,4 @@
     </a:ext>
   </a:extLst>
 </a:theme>
-</file>
-
-<file path=ppt/theme/theme2.xml><?xml version="1.0" encoding="utf-8"?>
-<a:theme xmlns:a="http://schemas.openxmlformats.org/drawingml/2006/main" name="Office Theme">
-  <a:themeElements>
-    <a:clrScheme name="Office">
-      <a:dk1>
-        <a:sysClr val="windowText" lastClr="000000"/>
-      </a:dk1>
-      <a:lt1>
-        <a:sysClr val="window" lastClr="FFFFFF"/>
-      </a:lt1>
-      <a:dk2>
-        <a:srgbClr val="44546A"/>
-      </a:dk2>
-      <a:lt2>
-        <a:srgbClr val="E7E6E6"/>
-      </a:lt2>
-      <a:accent1>
-        <a:srgbClr val="4472C4"/>
-      </a:accent1>
-      <a:accent2>
-        <a:srgbClr val="ED7D31"/>
-      </a:accent2>
-      <a:accent3>
-        <a:srgbClr val="A5A5A5"/>
-      </a:accent3>
-      <a:accent4>
-        <a:srgbClr val="FFC000"/>
-      </a:accent4>
-      <a:accent5>
-        <a:srgbClr val="5B9BD5"/>
-      </a:accent5>
-      <a:accent6>
-        <a:srgbClr val="70AD47"/>
-      </a:accent6>
-      <a:hlink>
-        <a:srgbClr val="0563C1"/>
-      </a:hlink>
-      <a:folHlink>
-        <a:srgbClr val="954F72"/>
-      </a:folHlink>
-    </a:clrScheme>
-    <a:fontScheme name="Office">
-      <a:majorFont>
-        <a:latin typeface="Calibri Light" panose="020F0302020204030204"/>
-        <a:ea typeface=""/>
-        <a:cs typeface=""/>
-        <a:font script="Jpan" typeface="游ゴシック Light"/>
-        <a:font script="Hang" typeface="맑은 고딕"/>
-        <a:font script="Hans" typeface="等线 Light"/>
-        <a:font script="Hant" typeface="新細明體"/>
-        <a:font script="Arab" typeface="Times New Roman"/>
-        <a:font script="Hebr" typeface="Times New Roman"/>
-        <a:font script="Thai" typeface="Angsana New"/>
-        <a:font script="Ethi" typeface="Nyala"/>
-        <a:font script="Beng" typeface="Vrinda"/>
-        <a:font script="Gujr" typeface="Shruti"/>
-        <a:font script="Khmr" typeface="MoolBoran"/>
-        <a:font script="Knda" typeface="Tunga"/>
-        <a:font script="Guru" typeface="Raavi"/>
-        <a:font script="Cans" typeface="Euphemia"/>
-        <a:font script="Cher" typeface="Plantagenet Cherokee"/>
-        <a:font script="Yiii" typeface="Microsoft Yi Baiti"/>
-        <a:font script="Tibt" typeface="Microsoft Himalaya"/>
-        <a:font script="Thaa" typeface="MV Boli"/>
-        <a:font script="Deva" typeface="Mangal"/>
-        <a:font script="Telu" typeface="Gautami"/>
-        <a:font script="Taml" typeface="Latha"/>
-        <a:font script="Syrc" typeface="Estrangelo Edessa"/>
-        <a:font script="Orya" typeface="Kalinga"/>
-        <a:font script="Mlym" typeface="Kartika"/>
-        <a:font script="Laoo" typeface="DokChampa"/>
-        <a:font script="Sinh" typeface="Iskoola Pota"/>
-        <a:font script="Mong" typeface="Mongolian Baiti"/>
-        <a:font script="Viet" typeface="Times New Roman"/>
-        <a:font script="Uigh" typeface="Microsoft Uighur"/>
-        <a:font script="Geor" typeface="Sylfaen"/>
-        <a:font script="Armn" typeface="Arial"/>
-        <a:font script="Bugi" typeface="Leelawadee UI"/>
-        <a:font script="Bopo" typeface="Microsoft JhengHei"/>
-        <a:font script="Java" typeface="Javanese Text"/>
-        <a:font script="Lisu" typeface="Segoe UI"/>
-        <a:font script="Mymr" typeface="Myanmar Text"/>
-        <a:font script="Nkoo" typeface="Ebrima"/>
-        <a:font script="Olck" typeface="Nirmala UI"/>
-        <a:font script="Osma" typeface="Ebrima"/>
-        <a:font script="Phag" typeface="Phagspa"/>
-        <a:font script="Syrn" typeface="Estrangelo Edessa"/>
-        <a:font script="Syrj" typeface="Estrangelo Edessa"/>
-        <a:font script="Syre" typeface="Estrangelo Edessa"/>
-        <a:font script="Sora" typeface="Nirmala UI"/>
-        <a:font script="Tale" typeface="Microsoft Tai Le"/>
-        <a:font script="Talu" typeface="Microsoft New Tai Lue"/>
-        <a:font script="Tfng" typeface="Ebrima"/>
-      </a:majorFont>
-      <a:minorFont>
-        <a:latin typeface="Calibri" panose="020F0502020204030204"/>
-        <a:ea typeface=""/>
-        <a:cs typeface=""/>
-        <a:font script="Jpan" typeface="游ゴシック"/>
-        <a:font script="Hang" typeface="맑은 고딕"/>
-        <a:font script="Hans" typeface="等线"/>
-        <a:font script="Hant" typeface="新細明體"/>
-        <a:font script="Arab" typeface="Arial"/>
-        <a:font script="Hebr" typeface="Arial"/>
-        <a:font script="Thai" typeface="Cordia New"/>
-        <a:font script="Ethi" typeface="Nyala"/>
-        <a:font script="Beng" typeface="Vrinda"/>
-        <a:font script="Gujr" typeface="Shruti"/>
-        <a:font script="Khmr" typeface="DaunPenh"/>
-        <a:font script="Knda" typeface="Tunga"/>
-        <a:font script="Guru" typeface="Raavi"/>
-        <a:font script="Cans" typeface="Euphemia"/>
-        <a:font script="Cher" typeface="Plantagenet Cherokee"/>
-        <a:font script="Yiii" typeface="Microsoft Yi Baiti"/>
-        <a:font script="Tibt" typeface="Microsoft Himalaya"/>
-        <a:font script="Thaa" typeface="MV Boli"/>
-        <a:font script="Deva" typeface="Mangal"/>
-        <a:font script="Telu" typeface="Gautami"/>
-        <a:font script="Taml" typeface="Latha"/>
-        <a:font script="Syrc" typeface="Estrangelo Edessa"/>
-        <a:font script="Orya" typeface="Kalinga"/>
-        <a:font script="Mlym" typeface="Kartika"/>
-        <a:font script="Laoo" typeface="DokChampa"/>
-        <a:font script="Sinh" typeface="Iskoola Pota"/>
-        <a:font script="Mong" typeface="Mongolian Baiti"/>
-        <a:font script="Viet" typeface="Arial"/>
-        <a:font script="Uigh" typeface="Microsoft Uighur"/>
-        <a:font script="Geor" typeface="Sylfaen"/>
-        <a:font script="Armn" typeface="Arial"/>
-        <a:font script="Bugi" typeface="Leelawadee UI"/>
-        <a:font script="Bopo" typeface="Microsoft JhengHei"/>
-        <a:font script="Java" typeface="Javanese Text"/>
-        <a:font script="Lisu" typeface="Segoe UI"/>
-        <a:font script="Mymr" typeface="Myanmar Text"/>
-        <a:font script="Nkoo" typeface="Ebrima"/>
-        <a:font script="Olck" typeface="Nirmala UI"/>
-        <a:font script="Osma" typeface="Ebrima"/>
-        <a:font script="Phag" typeface="Phagspa"/>
-        <a:font script="Syrn" typeface="Estrangelo Edessa"/>
-        <a:font script="Syrj" typeface="Estrangelo Edessa"/>
-        <a:font script="Syre" typeface="Estrangelo Edessa"/>
-        <a:font script="Sora" typeface="Nirmala UI"/>
-        <a:font script="Tale" typeface="Microsoft Tai Le"/>
-        <a:font script="Talu" typeface="Microsoft New Tai Lue"/>
-        <a:font script="Tfng" typeface="Ebrima"/>
-      </a:minorFont>
-    </a:fontScheme>
-    <a:fmtScheme name="Office">
-      <a:fillStyleLst>
-        <a:solidFill>
-          <a:schemeClr val="phClr"/>
-        </a:solidFill>
-        <a:gradFill rotWithShape="1">
-          <a:gsLst>
-            <a:gs pos="0">
-              <a:schemeClr val="phClr">
-                <a:lumMod val="110000"/>
-                <a:satMod val="105000"/>
-                <a:tint val="67000"/>
-              </a:schemeClr>
-            </a:gs>
-            <a:gs pos="50000">
-              <a:schemeClr val="phClr">
-                <a:lumMod val="105000"/>
-                <a:satMod val="103000"/>
-                <a:tint val="73000"/>
-              </a:schemeClr>
-            </a:gs>
-            <a:gs pos="100000">
-              <a:schemeClr val="phClr">
-                <a:lumMod val="105000"/>
-                <a:satMod val="109000"/>
-                <a:tint val="81000"/>
-              </a:schemeClr>
-            </a:gs>
-          </a:gsLst>
-          <a:lin ang="5400000" scaled="0"/>
-        </a:gradFill>
-        <a:gradFill rotWithShape="1">
-          <a:gsLst>
-            <a:gs pos="0">
-              <a:schemeClr val="phClr">
-                <a:satMod val="103000"/>
-                <a:lumMod val="102000"/>
-                <a:tint val="94000"/>
-              </a:schemeClr>
-            </a:gs>
-            <a:gs pos="50000">
-              <a:schemeClr val="phClr">
-                <a:satMod val="110000"/>
-                <a:lumMod val="100000"/>
-                <a:shade val="100000"/>
-              </a:schemeClr>
-            </a:gs>
-            <a:gs pos="100000">
-              <a:schemeClr val="phClr">
-                <a:lumMod val="99000"/>
-                <a:satMod val="120000"/>
-                <a:shade val="78000"/>
-              </a:schemeClr>
-            </a:gs>
-          </a:gsLst>
-          <a:lin ang="5400000" scaled="0"/>
-        </a:gradFill>
-      </a:fillStyleLst>
-      <a:lnStyleLst>
-        <a:ln w="6350" cap="flat" cmpd="sng" algn="ctr">
-          <a:solidFill>
-            <a:schemeClr val="phClr"/>
-          </a:solidFill>
-          <a:prstDash val="solid"/>
-          <a:miter lim="800000"/>
-        </a:ln>
-        <a:ln w="12700" cap="flat" cmpd="sng" algn="ctr">
-          <a:solidFill>
-            <a:schemeClr val="phClr"/>
-          </a:solidFill>
-          <a:prstDash val="solid"/>
-          <a:miter lim="800000"/>
-        </a:ln>
-        <a:ln w="19050" cap="flat" cmpd="sng" algn="ctr">
-          <a:solidFill>
-            <a:schemeClr val="phClr"/>
-          </a:solidFill>
-          <a:prstDash val="solid"/>
-          <a:miter lim="800000"/>
-        </a:ln>
-      </a:lnStyleLst>
-      <a:effectStyleLst>
-        <a:effectStyle>
-          <a:effectLst/>
-        </a:effectStyle>
-        <a:effectStyle>
-          <a:effectLst/>
-        </a:effectStyle>
-        <a:effectStyle>
-          <a:effectLst>
-            <a:outerShdw blurRad="57150" dist="19050" dir="5400000" algn="ctr" rotWithShape="0">
-              <a:srgbClr val="000000">
-                <a:alpha val="63000"/>
-              </a:srgbClr>
-            </a:outerShdw>
-          </a:effectLst>
-        </a:effectStyle>
-      </a:effectStyleLst>
-      <a:bgFillStyleLst>
-        <a:solidFill>
-          <a:schemeClr val="phClr"/>
-        </a:solidFill>
-        <a:solidFill>
-          <a:schemeClr val="phClr">
-            <a:tint val="95000"/>
-            <a:satMod val="170000"/>
-          </a:schemeClr>
-        </a:solidFill>
-        <a:gradFill rotWithShape="1">
-          <a:gsLst>
-            <a:gs pos="0">
-              <a:schemeClr val="phClr">
-                <a:tint val="93000"/>
-                <a:satMod val="150000"/>
-                <a:shade val="98000"/>
-                <a:lumMod val="102000"/>
-              </a:schemeClr>
-            </a:gs>
-            <a:gs pos="50000">
-              <a:schemeClr val="phClr">
-                <a:tint val="98000"/>
-                <a:satMod val="130000"/>
-                <a:shade val="90000"/>
-                <a:lumMod val="103000"/>
-              </a:schemeClr>
-            </a:gs>
-            <a:gs pos="100000">
-              <a:schemeClr val="phClr">
-                <a:shade val="63000"/>
-                <a:satMod val="120000"/>
-              </a:schemeClr>
-            </a:gs>
-          </a:gsLst>
-          <a:lin ang="5400000" scaled="0"/>
-        </a:gradFill>
-      </a:bgFillStyleLst>
-    </a:fmtScheme>
-  </a:themeElements>
-  <a:objectDefaults/>
-  <a:extraClrSchemeLst/>
-  <a:extLst>
-    <a:ext uri="{05A4C25C-085E-4340-85A3-A5531E510DB2}">
-      <thm15:themeFamily xmlns:thm15="http://schemas.microsoft.com/office/thememl/2012/main" name="Office Theme" id="{62F939B6-93AF-4DB8-9C6B-D6C7DFDC589F}" vid="{4A3C46E8-61CC-4603-A589-7422A47A8E4A}"/>
-    </a:ext>
-  </a:extLst>
-</a:theme>
 </file>
--- a/502projectPresentation.pptx
+++ b/502projectPresentation.pptx
@@ -6,14 +6,18 @@
   </p:sldMasterIdLst>
   <p:sldIdLst>
     <p:sldId id="256" r:id="rId2"/>
-    <p:sldId id="260" r:id="rId3"/>
-    <p:sldId id="262" r:id="rId4"/>
-    <p:sldId id="261" r:id="rId5"/>
-    <p:sldId id="269" r:id="rId6"/>
-    <p:sldId id="270" r:id="rId7"/>
-    <p:sldId id="271" r:id="rId8"/>
-    <p:sldId id="272" r:id="rId9"/>
-    <p:sldId id="273" r:id="rId10"/>
+    <p:sldId id="281" r:id="rId3"/>
+    <p:sldId id="260" r:id="rId4"/>
+    <p:sldId id="262" r:id="rId5"/>
+    <p:sldId id="277" r:id="rId6"/>
+    <p:sldId id="261" r:id="rId7"/>
+    <p:sldId id="275" r:id="rId8"/>
+    <p:sldId id="269" r:id="rId9"/>
+    <p:sldId id="270" r:id="rId10"/>
+    <p:sldId id="271" r:id="rId11"/>
+    <p:sldId id="272" r:id="rId12"/>
+    <p:sldId id="273" r:id="rId13"/>
+    <p:sldId id="283" r:id="rId14"/>
   </p:sldIdLst>
   <p:sldSz cx="12192000" cy="6858000"/>
   <p:notesSz cx="6858000" cy="9144000"/>
@@ -6080,7 +6084,14 @@
           <a:p>
             <a:r>
               <a:rPr lang="en-US" dirty="0"/>
-              <a:t>Predictive Analysis of fake job postings in the us</a:t>
+              <a:t>Analysis and predictions on fraudulent job postings </a:t>
+            </a:r>
+            <a:br>
+              <a:rPr lang="en-US" dirty="0"/>
+            </a:br>
+            <a:r>
+              <a:rPr lang="en-US" dirty="0"/>
+              <a:t>in the us</a:t>
             </a:r>
           </a:p>
         </p:txBody>
@@ -6171,6 +6182,563 @@
     <p:extLst>
       <p:ext uri="{BB962C8B-B14F-4D97-AF65-F5344CB8AC3E}">
         <p14:creationId xmlns:p14="http://schemas.microsoft.com/office/powerpoint/2010/main" val="2171018901"/>
+      </p:ext>
+    </p:extLst>
+  </p:cSld>
+  <p:clrMapOvr>
+    <a:masterClrMapping/>
+  </p:clrMapOvr>
+</p:sld>
+</file>
+
+<file path=ppt/slides/slide10.xml><?xml version="1.0" encoding="utf-8"?>
+<p:sld xmlns:a="http://schemas.openxmlformats.org/drawingml/2006/main" xmlns:r="http://schemas.openxmlformats.org/officeDocument/2006/relationships" xmlns:p="http://schemas.openxmlformats.org/presentationml/2006/main">
+  <p:cSld>
+    <p:spTree>
+      <p:nvGrpSpPr>
+        <p:cNvPr id="1" name=""/>
+        <p:cNvGrpSpPr/>
+        <p:nvPr/>
+      </p:nvGrpSpPr>
+      <p:grpSpPr>
+        <a:xfrm>
+          <a:off x="0" y="0"/>
+          <a:ext cx="0" cy="0"/>
+          <a:chOff x="0" y="0"/>
+          <a:chExt cx="0" cy="0"/>
+        </a:xfrm>
+      </p:grpSpPr>
+      <p:sp>
+        <p:nvSpPr>
+          <p:cNvPr id="2" name="Title 1">
+            <a:extLst>
+              <a:ext uri="{FF2B5EF4-FFF2-40B4-BE49-F238E27FC236}">
+                <a16:creationId xmlns:a16="http://schemas.microsoft.com/office/drawing/2014/main" id="{07C823FD-67D4-455B-8E16-8582589D6AE4}"/>
+              </a:ext>
+            </a:extLst>
+          </p:cNvPr>
+          <p:cNvSpPr>
+            <a:spLocks noGrp="1"/>
+          </p:cNvSpPr>
+          <p:nvPr>
+            <p:ph type="title"/>
+          </p:nvPr>
+        </p:nvSpPr>
+        <p:spPr/>
+        <p:txBody>
+          <a:bodyPr/>
+          <a:lstStyle/>
+          <a:p>
+            <a:r>
+              <a:rPr lang="en-US" dirty="0"/>
+              <a:t>Required-education</a:t>
+            </a:r>
+          </a:p>
+        </p:txBody>
+      </p:sp>
+      <p:pic>
+        <p:nvPicPr>
+          <p:cNvPr id="6" name="Content Placeholder 5">
+            <a:extLst>
+              <a:ext uri="{FF2B5EF4-FFF2-40B4-BE49-F238E27FC236}">
+                <a16:creationId xmlns:a16="http://schemas.microsoft.com/office/drawing/2014/main" id="{E20BCBB8-C652-47A1-B2D4-5D477957E554}"/>
+              </a:ext>
+            </a:extLst>
+          </p:cNvPr>
+          <p:cNvPicPr>
+            <a:picLocks noGrp="1" noChangeAspect="1"/>
+          </p:cNvPicPr>
+          <p:nvPr>
+            <p:ph sz="quarter" idx="13"/>
+          </p:nvPr>
+        </p:nvPicPr>
+        <p:blipFill>
+          <a:blip r:embed="rId2"/>
+          <a:stretch>
+            <a:fillRect/>
+          </a:stretch>
+        </p:blipFill>
+        <p:spPr>
+          <a:xfrm>
+            <a:off x="1202635" y="1908313"/>
+            <a:ext cx="4224130" cy="4532244"/>
+          </a:xfrm>
+          <a:prstGeom prst="rect">
+            <a:avLst/>
+          </a:prstGeom>
+        </p:spPr>
+      </p:pic>
+      <p:pic>
+        <p:nvPicPr>
+          <p:cNvPr id="5" name="Content Placeholder 4">
+            <a:extLst>
+              <a:ext uri="{FF2B5EF4-FFF2-40B4-BE49-F238E27FC236}">
+                <a16:creationId xmlns:a16="http://schemas.microsoft.com/office/drawing/2014/main" id="{BF6EDF20-EBA1-4D38-9C86-95226BAC035B}"/>
+              </a:ext>
+            </a:extLst>
+          </p:cNvPr>
+          <p:cNvPicPr>
+            <a:picLocks noGrp="1" noChangeAspect="1"/>
+          </p:cNvPicPr>
+          <p:nvPr>
+            <p:ph sz="quarter" idx="14"/>
+          </p:nvPr>
+        </p:nvPicPr>
+        <p:blipFill>
+          <a:blip r:embed="rId3"/>
+          <a:stretch>
+            <a:fillRect/>
+          </a:stretch>
+        </p:blipFill>
+        <p:spPr>
+          <a:xfrm>
+            <a:off x="6096000" y="1908313"/>
+            <a:ext cx="5443329" cy="4532244"/>
+          </a:xfrm>
+          <a:prstGeom prst="rect">
+            <a:avLst/>
+          </a:prstGeom>
+        </p:spPr>
+      </p:pic>
+    </p:spTree>
+    <p:extLst>
+      <p:ext uri="{BB962C8B-B14F-4D97-AF65-F5344CB8AC3E}">
+        <p14:creationId xmlns:p14="http://schemas.microsoft.com/office/powerpoint/2010/main" val="3140331604"/>
+      </p:ext>
+    </p:extLst>
+  </p:cSld>
+  <p:clrMapOvr>
+    <a:masterClrMapping/>
+  </p:clrMapOvr>
+</p:sld>
+</file>
+
+<file path=ppt/slides/slide11.xml><?xml version="1.0" encoding="utf-8"?>
+<p:sld xmlns:a="http://schemas.openxmlformats.org/drawingml/2006/main" xmlns:r="http://schemas.openxmlformats.org/officeDocument/2006/relationships" xmlns:p="http://schemas.openxmlformats.org/presentationml/2006/main">
+  <p:cSld>
+    <p:spTree>
+      <p:nvGrpSpPr>
+        <p:cNvPr id="1" name=""/>
+        <p:cNvGrpSpPr/>
+        <p:nvPr/>
+      </p:nvGrpSpPr>
+      <p:grpSpPr>
+        <a:xfrm>
+          <a:off x="0" y="0"/>
+          <a:ext cx="0" cy="0"/>
+          <a:chOff x="0" y="0"/>
+          <a:chExt cx="0" cy="0"/>
+        </a:xfrm>
+      </p:grpSpPr>
+      <p:sp>
+        <p:nvSpPr>
+          <p:cNvPr id="2" name="Title 1">
+            <a:extLst>
+              <a:ext uri="{FF2B5EF4-FFF2-40B4-BE49-F238E27FC236}">
+                <a16:creationId xmlns:a16="http://schemas.microsoft.com/office/drawing/2014/main" id="{FB047358-2DA0-4EBD-A009-371F287CBFA5}"/>
+              </a:ext>
+            </a:extLst>
+          </p:cNvPr>
+          <p:cNvSpPr>
+            <a:spLocks noGrp="1"/>
+          </p:cNvSpPr>
+          <p:nvPr>
+            <p:ph type="title"/>
+          </p:nvPr>
+        </p:nvSpPr>
+        <p:spPr/>
+        <p:txBody>
+          <a:bodyPr/>
+          <a:lstStyle/>
+          <a:p>
+            <a:r>
+              <a:rPr lang="en-US" dirty="0"/>
+              <a:t>Has-company-logo</a:t>
+            </a:r>
+          </a:p>
+        </p:txBody>
+      </p:sp>
+      <p:sp>
+        <p:nvSpPr>
+          <p:cNvPr id="3" name="Content Placeholder 2">
+            <a:extLst>
+              <a:ext uri="{FF2B5EF4-FFF2-40B4-BE49-F238E27FC236}">
+                <a16:creationId xmlns:a16="http://schemas.microsoft.com/office/drawing/2014/main" id="{8C9ECEE2-509A-48AD-84FE-5552C88B6F1B}"/>
+              </a:ext>
+            </a:extLst>
+          </p:cNvPr>
+          <p:cNvSpPr>
+            <a:spLocks noGrp="1"/>
+          </p:cNvSpPr>
+          <p:nvPr>
+            <p:ph sz="quarter" idx="13"/>
+          </p:nvPr>
+        </p:nvSpPr>
+        <p:spPr/>
+        <p:txBody>
+          <a:bodyPr/>
+          <a:lstStyle/>
+          <a:p>
+            <a:r>
+              <a:rPr lang="en-US" dirty="0"/>
+              <a:t>Correlation coefficient to the target variable: -0.25</a:t>
+            </a:r>
+          </a:p>
+          <a:p>
+            <a:r>
+              <a:rPr lang="en-US" dirty="0"/>
+              <a:t>Moderate negative correlation</a:t>
+            </a:r>
+          </a:p>
+          <a:p>
+            <a:endParaRPr lang="en-US" dirty="0"/>
+          </a:p>
+          <a:p>
+            <a:endParaRPr lang="en-US" dirty="0"/>
+          </a:p>
+          <a:p>
+            <a:endParaRPr lang="en-US" dirty="0"/>
+          </a:p>
+          <a:p>
+            <a:endParaRPr lang="en-US" dirty="0"/>
+          </a:p>
+          <a:p>
+            <a:endParaRPr lang="en-US" dirty="0"/>
+          </a:p>
+        </p:txBody>
+      </p:sp>
+      <p:pic>
+        <p:nvPicPr>
+          <p:cNvPr id="6" name="Content Placeholder 5">
+            <a:extLst>
+              <a:ext uri="{FF2B5EF4-FFF2-40B4-BE49-F238E27FC236}">
+                <a16:creationId xmlns:a16="http://schemas.microsoft.com/office/drawing/2014/main" id="{807D7759-7A50-4E5C-AA33-082B45705902}"/>
+              </a:ext>
+            </a:extLst>
+          </p:cNvPr>
+          <p:cNvPicPr>
+            <a:picLocks noGrp="1" noChangeAspect="1"/>
+          </p:cNvPicPr>
+          <p:nvPr>
+            <p:ph sz="quarter" idx="14"/>
+          </p:nvPr>
+        </p:nvPicPr>
+        <p:blipFill>
+          <a:blip r:embed="rId2"/>
+          <a:stretch>
+            <a:fillRect/>
+          </a:stretch>
+        </p:blipFill>
+        <p:spPr>
+          <a:xfrm>
+            <a:off x="6305550" y="2436019"/>
+            <a:ext cx="4838700" cy="3286125"/>
+          </a:xfrm>
+          <a:prstGeom prst="rect">
+            <a:avLst/>
+          </a:prstGeom>
+        </p:spPr>
+      </p:pic>
+      <p:pic>
+        <p:nvPicPr>
+          <p:cNvPr id="5" name="Picture 4">
+            <a:extLst>
+              <a:ext uri="{FF2B5EF4-FFF2-40B4-BE49-F238E27FC236}">
+                <a16:creationId xmlns:a16="http://schemas.microsoft.com/office/drawing/2014/main" id="{57651EA2-BE20-41B5-A5F7-82DF8ABEFE6E}"/>
+              </a:ext>
+            </a:extLst>
+          </p:cNvPr>
+          <p:cNvPicPr>
+            <a:picLocks noChangeAspect="1"/>
+          </p:cNvPicPr>
+          <p:nvPr/>
+        </p:nvPicPr>
+        <p:blipFill>
+          <a:blip r:embed="rId3"/>
+          <a:stretch>
+            <a:fillRect/>
+          </a:stretch>
+        </p:blipFill>
+        <p:spPr>
+          <a:xfrm>
+            <a:off x="1512611" y="3883507"/>
+            <a:ext cx="2447925" cy="1476375"/>
+          </a:xfrm>
+          <a:prstGeom prst="rect">
+            <a:avLst/>
+          </a:prstGeom>
+        </p:spPr>
+      </p:pic>
+    </p:spTree>
+    <p:extLst>
+      <p:ext uri="{BB962C8B-B14F-4D97-AF65-F5344CB8AC3E}">
+        <p14:creationId xmlns:p14="http://schemas.microsoft.com/office/powerpoint/2010/main" val="2657199537"/>
+      </p:ext>
+    </p:extLst>
+  </p:cSld>
+  <p:clrMapOvr>
+    <a:masterClrMapping/>
+  </p:clrMapOvr>
+</p:sld>
+</file>
+
+<file path=ppt/slides/slide12.xml><?xml version="1.0" encoding="utf-8"?>
+<p:sld xmlns:a="http://schemas.openxmlformats.org/drawingml/2006/main" xmlns:r="http://schemas.openxmlformats.org/officeDocument/2006/relationships" xmlns:p="http://schemas.openxmlformats.org/presentationml/2006/main">
+  <p:cSld>
+    <p:spTree>
+      <p:nvGrpSpPr>
+        <p:cNvPr id="1" name=""/>
+        <p:cNvGrpSpPr/>
+        <p:nvPr/>
+      </p:nvGrpSpPr>
+      <p:grpSpPr>
+        <a:xfrm>
+          <a:off x="0" y="0"/>
+          <a:ext cx="0" cy="0"/>
+          <a:chOff x="0" y="0"/>
+          <a:chExt cx="0" cy="0"/>
+        </a:xfrm>
+      </p:grpSpPr>
+      <p:sp>
+        <p:nvSpPr>
+          <p:cNvPr id="2" name="Title 1">
+            <a:extLst>
+              <a:ext uri="{FF2B5EF4-FFF2-40B4-BE49-F238E27FC236}">
+                <a16:creationId xmlns:a16="http://schemas.microsoft.com/office/drawing/2014/main" id="{8C1667CE-6146-4996-A275-E70D08A3DA7E}"/>
+              </a:ext>
+            </a:extLst>
+          </p:cNvPr>
+          <p:cNvSpPr>
+            <a:spLocks noGrp="1"/>
+          </p:cNvSpPr>
+          <p:nvPr>
+            <p:ph type="title"/>
+          </p:nvPr>
+        </p:nvSpPr>
+        <p:spPr/>
+        <p:txBody>
+          <a:bodyPr/>
+          <a:lstStyle/>
+          <a:p>
+            <a:r>
+              <a:rPr lang="en-US" dirty="0"/>
+              <a:t>Models and metrics</a:t>
+            </a:r>
+          </a:p>
+        </p:txBody>
+      </p:sp>
+      <p:sp>
+        <p:nvSpPr>
+          <p:cNvPr id="3" name="Content Placeholder 2">
+            <a:extLst>
+              <a:ext uri="{FF2B5EF4-FFF2-40B4-BE49-F238E27FC236}">
+                <a16:creationId xmlns:a16="http://schemas.microsoft.com/office/drawing/2014/main" id="{0EDF38FC-AA73-47FC-BD1D-3BDA1034344D}"/>
+              </a:ext>
+            </a:extLst>
+          </p:cNvPr>
+          <p:cNvSpPr>
+            <a:spLocks noGrp="1"/>
+          </p:cNvSpPr>
+          <p:nvPr>
+            <p:ph sz="quarter" idx="13"/>
+          </p:nvPr>
+        </p:nvSpPr>
+        <p:spPr/>
+        <p:txBody>
+          <a:bodyPr/>
+          <a:lstStyle/>
+          <a:p>
+            <a:r>
+              <a:rPr lang="en-US" dirty="0"/>
+              <a:t>Naïve </a:t>
+            </a:r>
+            <a:r>
+              <a:rPr lang="en-US" dirty="0" err="1"/>
+              <a:t>bayes</a:t>
+            </a:r>
+            <a:r>
+              <a:rPr lang="en-US" dirty="0"/>
+              <a:t> model</a:t>
+            </a:r>
+          </a:p>
+          <a:p>
+            <a:r>
+              <a:rPr lang="en-US" dirty="0"/>
+              <a:t>Decision tree classifier</a:t>
+            </a:r>
+          </a:p>
+          <a:p>
+            <a:r>
+              <a:rPr lang="en-US" dirty="0"/>
+              <a:t>K-nearest neighbors</a:t>
+            </a:r>
+          </a:p>
+          <a:p>
+            <a:r>
+              <a:rPr lang="en-US" dirty="0"/>
+              <a:t>Random forest</a:t>
+            </a:r>
+          </a:p>
+          <a:p>
+            <a:pPr marL="0" indent="0">
+              <a:buNone/>
+            </a:pPr>
+            <a:endParaRPr lang="en-US" dirty="0"/>
+          </a:p>
+        </p:txBody>
+      </p:sp>
+      <p:sp>
+        <p:nvSpPr>
+          <p:cNvPr id="4" name="Content Placeholder 3">
+            <a:extLst>
+              <a:ext uri="{FF2B5EF4-FFF2-40B4-BE49-F238E27FC236}">
+                <a16:creationId xmlns:a16="http://schemas.microsoft.com/office/drawing/2014/main" id="{6BFDE3A1-C0EC-4376-AFFE-4708B6FFA693}"/>
+              </a:ext>
+            </a:extLst>
+          </p:cNvPr>
+          <p:cNvSpPr>
+            <a:spLocks noGrp="1"/>
+          </p:cNvSpPr>
+          <p:nvPr>
+            <p:ph sz="quarter" idx="14"/>
+          </p:nvPr>
+        </p:nvSpPr>
+        <p:spPr/>
+        <p:txBody>
+          <a:bodyPr/>
+          <a:lstStyle/>
+          <a:p>
+            <a:r>
+              <a:rPr lang="en-US" dirty="0"/>
+              <a:t>ACCURACY</a:t>
+            </a:r>
+          </a:p>
+          <a:p>
+            <a:r>
+              <a:rPr lang="en-US" dirty="0"/>
+              <a:t>F1 SCORE</a:t>
+            </a:r>
+          </a:p>
+          <a:p>
+            <a:r>
+              <a:rPr lang="en-US" dirty="0"/>
+              <a:t>PRECISION</a:t>
+            </a:r>
+          </a:p>
+          <a:p>
+            <a:r>
+              <a:rPr lang="en-US" dirty="0"/>
+              <a:t>RECALL</a:t>
+            </a:r>
+          </a:p>
+          <a:p>
+            <a:r>
+              <a:rPr lang="en-US" dirty="0"/>
+              <a:t>Sensitivity</a:t>
+            </a:r>
+          </a:p>
+          <a:p>
+            <a:r>
+              <a:rPr lang="en-US" dirty="0"/>
+              <a:t>specificity</a:t>
+            </a:r>
+          </a:p>
+        </p:txBody>
+      </p:sp>
+    </p:spTree>
+    <p:extLst>
+      <p:ext uri="{BB962C8B-B14F-4D97-AF65-F5344CB8AC3E}">
+        <p14:creationId xmlns:p14="http://schemas.microsoft.com/office/powerpoint/2010/main" val="242248369"/>
+      </p:ext>
+    </p:extLst>
+  </p:cSld>
+  <p:clrMapOvr>
+    <a:masterClrMapping/>
+  </p:clrMapOvr>
+</p:sld>
+</file>
+
+<file path=ppt/slides/slide13.xml><?xml version="1.0" encoding="utf-8"?>
+<p:sld xmlns:a="http://schemas.openxmlformats.org/drawingml/2006/main" xmlns:r="http://schemas.openxmlformats.org/officeDocument/2006/relationships" xmlns:p="http://schemas.openxmlformats.org/presentationml/2006/main">
+  <p:cSld>
+    <p:spTree>
+      <p:nvGrpSpPr>
+        <p:cNvPr id="1" name=""/>
+        <p:cNvGrpSpPr/>
+        <p:nvPr/>
+      </p:nvGrpSpPr>
+      <p:grpSpPr>
+        <a:xfrm>
+          <a:off x="0" y="0"/>
+          <a:ext cx="0" cy="0"/>
+          <a:chOff x="0" y="0"/>
+          <a:chExt cx="0" cy="0"/>
+        </a:xfrm>
+      </p:grpSpPr>
+      <p:sp>
+        <p:nvSpPr>
+          <p:cNvPr id="2" name="Title 1">
+            <a:extLst>
+              <a:ext uri="{FF2B5EF4-FFF2-40B4-BE49-F238E27FC236}">
+                <a16:creationId xmlns:a16="http://schemas.microsoft.com/office/drawing/2014/main" id="{9CDD20C7-9FB2-4A8C-8DA1-63C13BA750A4}"/>
+              </a:ext>
+            </a:extLst>
+          </p:cNvPr>
+          <p:cNvSpPr>
+            <a:spLocks noGrp="1"/>
+          </p:cNvSpPr>
+          <p:nvPr>
+            <p:ph type="title"/>
+          </p:nvPr>
+        </p:nvSpPr>
+        <p:spPr/>
+        <p:txBody>
+          <a:bodyPr/>
+          <a:lstStyle/>
+          <a:p>
+            <a:r>
+              <a:rPr lang="en-US" dirty="0"/>
+              <a:t>Models evaluation </a:t>
+            </a:r>
+          </a:p>
+        </p:txBody>
+      </p:sp>
+      <p:pic>
+        <p:nvPicPr>
+          <p:cNvPr id="4" name="Content Placeholder 3">
+            <a:extLst>
+              <a:ext uri="{FF2B5EF4-FFF2-40B4-BE49-F238E27FC236}">
+                <a16:creationId xmlns:a16="http://schemas.microsoft.com/office/drawing/2014/main" id="{D8601364-B70C-48BB-B86A-BE91E7108B15}"/>
+              </a:ext>
+            </a:extLst>
+          </p:cNvPr>
+          <p:cNvPicPr>
+            <a:picLocks noGrp="1" noChangeAspect="1"/>
+          </p:cNvPicPr>
+          <p:nvPr>
+            <p:ph sz="quarter" idx="13"/>
+          </p:nvPr>
+        </p:nvPicPr>
+        <p:blipFill>
+          <a:blip r:embed="rId2"/>
+          <a:stretch>
+            <a:fillRect/>
+          </a:stretch>
+        </p:blipFill>
+        <p:spPr>
+          <a:xfrm>
+            <a:off x="1251752" y="2366963"/>
+            <a:ext cx="9507984" cy="3872520"/>
+          </a:xfrm>
+          <a:prstGeom prst="rect">
+            <a:avLst/>
+          </a:prstGeom>
+        </p:spPr>
+      </p:pic>
+    </p:spTree>
+    <p:extLst>
+      <p:ext uri="{BB962C8B-B14F-4D97-AF65-F5344CB8AC3E}">
+        <p14:creationId xmlns:p14="http://schemas.microsoft.com/office/powerpoint/2010/main" val="388279846"/>
       </p:ext>
     </p:extLst>
   </p:cSld>
@@ -6202,7 +6770,7 @@
           <p:cNvPr id="2" name="Title 1">
             <a:extLst>
               <a:ext uri="{FF2B5EF4-FFF2-40B4-BE49-F238E27FC236}">
-                <a16:creationId xmlns:a16="http://schemas.microsoft.com/office/drawing/2014/main" id="{DEE266BD-3782-4B7F-990A-A24004111E89}"/>
+                <a16:creationId xmlns:a16="http://schemas.microsoft.com/office/drawing/2014/main" id="{0503AAEB-42EE-4D93-B415-1BDB5BD368C1}"/>
               </a:ext>
             </a:extLst>
           </p:cNvPr>
@@ -6220,7 +6788,7 @@
           <a:p>
             <a:r>
               <a:rPr lang="en-US" dirty="0"/>
-              <a:t>Attributes of the Dataset</a:t>
+              <a:t>  dataset objective</a:t>
             </a:r>
           </a:p>
         </p:txBody>
@@ -6230,7 +6798,7 @@
           <p:cNvPr id="3" name="Content Placeholder 2">
             <a:extLst>
               <a:ext uri="{FF2B5EF4-FFF2-40B4-BE49-F238E27FC236}">
-                <a16:creationId xmlns:a16="http://schemas.microsoft.com/office/drawing/2014/main" id="{5C85FC12-A088-4AA8-B622-1AD53A134007}"/>
+                <a16:creationId xmlns:a16="http://schemas.microsoft.com/office/drawing/2014/main" id="{8593799A-E4FD-47BF-BC3C-78187D07974E}"/>
               </a:ext>
             </a:extLst>
           </p:cNvPr>
@@ -6241,182 +6809,88 @@
             <p:ph sz="quarter" idx="13"/>
           </p:nvPr>
         </p:nvSpPr>
-        <p:spPr>
-          <a:xfrm>
-            <a:off x="913774" y="2139518"/>
-            <a:ext cx="4448339" cy="4003830"/>
-          </a:xfrm>
-        </p:spPr>
-        <p:txBody>
-          <a:bodyPr>
-            <a:normAutofit fontScale="92500" lnSpcReduction="10000"/>
-          </a:bodyPr>
-          <a:lstStyle/>
-          <a:p>
-            <a:r>
-              <a:rPr lang="en-US" dirty="0"/>
-              <a:t>JOB-ID                                                                     </a:t>
-            </a:r>
-          </a:p>
-          <a:p>
-            <a:r>
-              <a:rPr lang="en-US" dirty="0"/>
-              <a:t>TITLE                                                                         </a:t>
-            </a:r>
-          </a:p>
-          <a:p>
-            <a:r>
-              <a:rPr lang="en-US" dirty="0"/>
-              <a:t>LOCATION                                                                 </a:t>
-            </a:r>
-          </a:p>
-          <a:p>
-            <a:r>
-              <a:rPr lang="en-US" dirty="0"/>
-              <a:t>DEPARTMENT                                                              </a:t>
-            </a:r>
-          </a:p>
-          <a:p>
-            <a:r>
-              <a:rPr lang="en-US" dirty="0"/>
-              <a:t>SALARY-RANGE                                                         </a:t>
-            </a:r>
-          </a:p>
-          <a:p>
-            <a:r>
-              <a:rPr lang="en-US" dirty="0"/>
-              <a:t>COMPANY-PROFILE                                                    </a:t>
-            </a:r>
-          </a:p>
-          <a:p>
-            <a:r>
-              <a:rPr lang="en-US" dirty="0"/>
-              <a:t>DESCRIPTION                                                             </a:t>
-            </a:r>
-          </a:p>
-          <a:p>
-            <a:r>
-              <a:rPr lang="en-US" dirty="0"/>
-              <a:t>REQUIREMENTS                                                         </a:t>
-            </a:r>
-          </a:p>
-          <a:p>
-            <a:r>
-              <a:rPr lang="en-US" dirty="0"/>
-              <a:t> BENEFITS                                                                 </a:t>
-            </a:r>
-          </a:p>
-        </p:txBody>
-      </p:sp>
-      <p:sp>
-        <p:nvSpPr>
-          <p:cNvPr id="4" name="Content Placeholder 3">
+        <p:spPr/>
+        <p:txBody>
+          <a:bodyPr/>
+          <a:lstStyle/>
+          <a:p>
+            <a:r>
+              <a:rPr lang="en-US" dirty="0"/>
+              <a:t>Online recruitment fraud</a:t>
+            </a:r>
+          </a:p>
+          <a:p>
+            <a:r>
+              <a:rPr lang="en-US" dirty="0"/>
+              <a:t>More traffic in the job market because of </a:t>
+            </a:r>
+            <a:r>
+              <a:rPr lang="en-US" dirty="0" err="1"/>
+              <a:t>covid</a:t>
+            </a:r>
+            <a:endParaRPr lang="en-US" dirty="0"/>
+          </a:p>
+          <a:p>
+            <a:r>
+              <a:rPr lang="en-US" dirty="0"/>
+              <a:t>Not only helps job seekers but also companies </a:t>
+            </a:r>
+          </a:p>
+        </p:txBody>
+      </p:sp>
+      <p:pic>
+        <p:nvPicPr>
+          <p:cNvPr id="1026" name="Picture 2" descr="Are Employers Required to Post Job Openings? - HR Daily Advisor">
             <a:extLst>
               <a:ext uri="{FF2B5EF4-FFF2-40B4-BE49-F238E27FC236}">
-                <a16:creationId xmlns:a16="http://schemas.microsoft.com/office/drawing/2014/main" id="{542E6B94-3D98-4CA9-92F6-8543EBF0EF24}"/>
+                <a16:creationId xmlns:a16="http://schemas.microsoft.com/office/drawing/2014/main" id="{19068998-7533-47CC-81FC-C640C705E6DF}"/>
               </a:ext>
             </a:extLst>
           </p:cNvPr>
-          <p:cNvSpPr>
-            <a:spLocks noGrp="1"/>
-          </p:cNvSpPr>
+          <p:cNvPicPr>
+            <a:picLocks noGrp="1" noChangeAspect="1" noChangeArrowheads="1"/>
+          </p:cNvPicPr>
           <p:nvPr>
             <p:ph sz="quarter" idx="14"/>
           </p:nvPr>
-        </p:nvSpPr>
-        <p:spPr>
-          <a:xfrm>
-            <a:off x="5868140" y="2139518"/>
-            <a:ext cx="5409460" cy="4003830"/>
-          </a:xfrm>
-        </p:spPr>
-        <p:txBody>
-          <a:bodyPr>
-            <a:normAutofit fontScale="92500" lnSpcReduction="10000"/>
-          </a:bodyPr>
-          <a:lstStyle/>
-          <a:p>
-            <a:r>
-              <a:rPr lang="en-US" dirty="0" err="1"/>
-              <a:t>TELECOMMuTING</a:t>
-            </a:r>
-            <a:endParaRPr lang="en-US" dirty="0"/>
-          </a:p>
-          <a:p>
-            <a:r>
-              <a:rPr lang="en-US" dirty="0"/>
-              <a:t>HAS-COMPANY-LOGO</a:t>
-            </a:r>
-          </a:p>
-          <a:p>
-            <a:r>
-              <a:rPr lang="en-US" dirty="0"/>
-              <a:t>HAS-QUESTIONS</a:t>
-            </a:r>
-          </a:p>
-          <a:p>
-            <a:r>
-              <a:rPr lang="en-US" dirty="0"/>
-              <a:t>EMPLOYMENT-TYPE</a:t>
-            </a:r>
-          </a:p>
-          <a:p>
-            <a:r>
-              <a:rPr lang="en-US" dirty="0"/>
-              <a:t>REQUIRED-EXPERIENCE</a:t>
-            </a:r>
-          </a:p>
-          <a:p>
-            <a:r>
-              <a:rPr lang="en-US" dirty="0"/>
-              <a:t>REQUIRED-EDUCATION</a:t>
-            </a:r>
-          </a:p>
-          <a:p>
-            <a:r>
-              <a:rPr lang="en-US" dirty="0"/>
-              <a:t>INDUSTRY</a:t>
-            </a:r>
-          </a:p>
-          <a:p>
-            <a:r>
-              <a:rPr lang="en-US" dirty="0"/>
-              <a:t>FUNCTION</a:t>
-            </a:r>
-          </a:p>
-          <a:p>
-            <a:r>
-              <a:rPr lang="en-US" dirty="0"/>
-              <a:t>FRAUDULENT</a:t>
-            </a:r>
-          </a:p>
-          <a:p>
-            <a:endParaRPr lang="en-US" dirty="0"/>
-          </a:p>
-          <a:p>
-            <a:endParaRPr lang="en-US" dirty="0"/>
-          </a:p>
-          <a:p>
-            <a:endParaRPr lang="en-US" dirty="0"/>
-          </a:p>
-          <a:p>
-            <a:endParaRPr lang="en-US" dirty="0"/>
-          </a:p>
-          <a:p>
-            <a:endParaRPr lang="en-US" dirty="0"/>
-          </a:p>
-          <a:p>
-            <a:endParaRPr lang="en-US" dirty="0"/>
-          </a:p>
-          <a:p>
-            <a:endParaRPr lang="en-US" dirty="0"/>
-          </a:p>
-        </p:txBody>
-      </p:sp>
+        </p:nvPicPr>
+        <p:blipFill>
+          <a:blip r:embed="rId2">
+            <a:extLst>
+              <a:ext uri="{28A0092B-C50C-407E-A947-70E740481C1C}">
+                <a14:useLocalDpi xmlns:a14="http://schemas.microsoft.com/office/drawing/2010/main" val="0"/>
+              </a:ext>
+            </a:extLst>
+          </a:blip>
+          <a:srcRect/>
+          <a:stretch>
+            <a:fillRect/>
+          </a:stretch>
+        </p:blipFill>
+        <p:spPr bwMode="auto">
+          <a:xfrm>
+            <a:off x="6172200" y="2380288"/>
+            <a:ext cx="5105400" cy="3397586"/>
+          </a:xfrm>
+          <a:prstGeom prst="rect">
+            <a:avLst/>
+          </a:prstGeom>
+          <a:noFill/>
+          <a:extLst>
+            <a:ext uri="{909E8E84-426E-40DD-AFC4-6F175D3DCCD1}">
+              <a14:hiddenFill xmlns:a14="http://schemas.microsoft.com/office/drawing/2010/main">
+                <a:solidFill>
+                  <a:srgbClr val="FFFFFF"/>
+                </a:solidFill>
+              </a14:hiddenFill>
+            </a:ext>
+          </a:extLst>
+        </p:spPr>
+      </p:pic>
     </p:spTree>
     <p:extLst>
       <p:ext uri="{BB962C8B-B14F-4D97-AF65-F5344CB8AC3E}">
-        <p14:creationId xmlns:p14="http://schemas.microsoft.com/office/powerpoint/2010/main" val="113368331"/>
+        <p14:creationId xmlns:p14="http://schemas.microsoft.com/office/powerpoint/2010/main" val="2200640131"/>
       </p:ext>
     </p:extLst>
   </p:cSld>
@@ -6448,7 +6922,7 @@
           <p:cNvPr id="2" name="Title 1">
             <a:extLst>
               <a:ext uri="{FF2B5EF4-FFF2-40B4-BE49-F238E27FC236}">
-                <a16:creationId xmlns:a16="http://schemas.microsoft.com/office/drawing/2014/main" id="{39DE830E-E2C3-4278-9F0E-3B46AD0E7A1B}"/>
+                <a16:creationId xmlns:a16="http://schemas.microsoft.com/office/drawing/2014/main" id="{DEE266BD-3782-4B7F-990A-A24004111E89}"/>
               </a:ext>
             </a:extLst>
           </p:cNvPr>
@@ -6466,7 +6940,7 @@
           <a:p>
             <a:r>
               <a:rPr lang="en-US" dirty="0"/>
-              <a:t>Preliminary analysis</a:t>
+              <a:t>Attributes of the Dataset</a:t>
             </a:r>
           </a:p>
         </p:txBody>
@@ -6476,7 +6950,7 @@
           <p:cNvPr id="3" name="Content Placeholder 2">
             <a:extLst>
               <a:ext uri="{FF2B5EF4-FFF2-40B4-BE49-F238E27FC236}">
-                <a16:creationId xmlns:a16="http://schemas.microsoft.com/office/drawing/2014/main" id="{AA8A9778-8A76-45C3-9497-4B2E44B42CF5}"/>
+                <a16:creationId xmlns:a16="http://schemas.microsoft.com/office/drawing/2014/main" id="{5C85FC12-A088-4AA8-B622-1AD53A134007}"/>
               </a:ext>
             </a:extLst>
           </p:cNvPr>
@@ -6487,50 +6961,172 @@
             <p:ph sz="quarter" idx="13"/>
           </p:nvPr>
         </p:nvSpPr>
-        <p:spPr/>
-        <p:txBody>
-          <a:bodyPr/>
-          <a:lstStyle/>
-          <a:p>
-            <a:r>
-              <a:rPr lang="en-US" dirty="0"/>
-              <a:t>17880 records with 18 attributes</a:t>
-            </a:r>
-          </a:p>
-          <a:p>
-            <a:r>
-              <a:rPr lang="en-US" dirty="0"/>
-              <a:t>Location of records spread across the world including us and </a:t>
-            </a:r>
+        <p:spPr>
+          <a:xfrm>
+            <a:off x="913774" y="2139518"/>
+            <a:ext cx="4448339" cy="4003830"/>
+          </a:xfrm>
+        </p:spPr>
+        <p:txBody>
+          <a:bodyPr>
+            <a:normAutofit fontScale="92500" lnSpcReduction="10000"/>
+          </a:bodyPr>
+          <a:lstStyle/>
+          <a:p>
+            <a:r>
+              <a:rPr lang="en-US" dirty="0"/>
+              <a:t>JOB-ID                                                                     </a:t>
+            </a:r>
+          </a:p>
+          <a:p>
+            <a:r>
+              <a:rPr lang="en-US" dirty="0"/>
+              <a:t>TITLE                                                                         </a:t>
+            </a:r>
+          </a:p>
+          <a:p>
+            <a:r>
+              <a:rPr lang="en-US" dirty="0"/>
+              <a:t>LOCATION                                                                 </a:t>
+            </a:r>
+          </a:p>
+          <a:p>
+            <a:r>
+              <a:rPr lang="en-US" dirty="0"/>
+              <a:t>DEPARTMENT                                                              </a:t>
+            </a:r>
+          </a:p>
+          <a:p>
+            <a:r>
+              <a:rPr lang="en-US" dirty="0"/>
+              <a:t>SALARY-RANGE                                                         </a:t>
+            </a:r>
+          </a:p>
+          <a:p>
+            <a:r>
+              <a:rPr lang="en-US" dirty="0"/>
+              <a:t>COMPANY-PROFILE                                                    </a:t>
+            </a:r>
+          </a:p>
+          <a:p>
+            <a:r>
+              <a:rPr lang="en-US" dirty="0"/>
+              <a:t>DESCRIPTION                                                             </a:t>
+            </a:r>
+          </a:p>
+          <a:p>
+            <a:r>
+              <a:rPr lang="en-US" dirty="0"/>
+              <a:t>REQUIREMENTS                                                         </a:t>
+            </a:r>
+          </a:p>
+          <a:p>
+            <a:r>
+              <a:rPr lang="en-US" dirty="0"/>
+              <a:t> BENEFITS                                                                 </a:t>
+            </a:r>
+          </a:p>
+        </p:txBody>
+      </p:sp>
+      <p:sp>
+        <p:nvSpPr>
+          <p:cNvPr id="4" name="Content Placeholder 3">
+            <a:extLst>
+              <a:ext uri="{FF2B5EF4-FFF2-40B4-BE49-F238E27FC236}">
+                <a16:creationId xmlns:a16="http://schemas.microsoft.com/office/drawing/2014/main" id="{542E6B94-3D98-4CA9-92F6-8543EBF0EF24}"/>
+              </a:ext>
+            </a:extLst>
+          </p:cNvPr>
+          <p:cNvSpPr>
+            <a:spLocks noGrp="1"/>
+          </p:cNvSpPr>
+          <p:nvPr>
+            <p:ph sz="quarter" idx="14"/>
+          </p:nvPr>
+        </p:nvSpPr>
+        <p:spPr>
+          <a:xfrm>
+            <a:off x="5868140" y="2139518"/>
+            <a:ext cx="5409460" cy="4003830"/>
+          </a:xfrm>
+        </p:spPr>
+        <p:txBody>
+          <a:bodyPr>
+            <a:normAutofit fontScale="92500" lnSpcReduction="10000"/>
+          </a:bodyPr>
+          <a:lstStyle/>
+          <a:p>
             <a:r>
               <a:rPr lang="en-US" dirty="0" err="1"/>
-              <a:t>nz</a:t>
-            </a:r>
-            <a:endParaRPr lang="en-US" dirty="0"/>
-          </a:p>
-          <a:p>
-            <a:r>
-              <a:rPr lang="en-US" dirty="0"/>
-              <a:t>Target attribute – fraudulent</a:t>
-            </a:r>
-          </a:p>
-          <a:p>
-            <a:r>
-              <a:rPr lang="en-US" dirty="0"/>
-              <a:t>More missing values in salary-range and department</a:t>
-            </a:r>
-          </a:p>
-          <a:p>
-            <a:r>
-              <a:rPr lang="en-US" dirty="0"/>
-              <a:t>No missing values in the target variable</a:t>
-            </a:r>
-          </a:p>
-          <a:p>
-            <a:r>
-              <a:rPr lang="en-US" dirty="0"/>
-              <a:t>Data types of the records are integers and objects</a:t>
-            </a:r>
+              <a:t>TELECOMMuTING</a:t>
+            </a:r>
+            <a:endParaRPr lang="en-US" dirty="0"/>
+          </a:p>
+          <a:p>
+            <a:r>
+              <a:rPr lang="en-US" dirty="0"/>
+              <a:t>HAS-COMPANY-LOGO</a:t>
+            </a:r>
+          </a:p>
+          <a:p>
+            <a:r>
+              <a:rPr lang="en-US" dirty="0"/>
+              <a:t>HAS-QUESTIONS</a:t>
+            </a:r>
+          </a:p>
+          <a:p>
+            <a:r>
+              <a:rPr lang="en-US" dirty="0"/>
+              <a:t>EMPLOYMENT-TYPE</a:t>
+            </a:r>
+          </a:p>
+          <a:p>
+            <a:r>
+              <a:rPr lang="en-US" dirty="0"/>
+              <a:t>REQUIRED-EXPERIENCE</a:t>
+            </a:r>
+          </a:p>
+          <a:p>
+            <a:r>
+              <a:rPr lang="en-US" dirty="0"/>
+              <a:t>REQUIRED-EDUCATION</a:t>
+            </a:r>
+          </a:p>
+          <a:p>
+            <a:r>
+              <a:rPr lang="en-US" dirty="0"/>
+              <a:t>INDUSTRY</a:t>
+            </a:r>
+          </a:p>
+          <a:p>
+            <a:r>
+              <a:rPr lang="en-US" dirty="0"/>
+              <a:t>FUNCTION</a:t>
+            </a:r>
+          </a:p>
+          <a:p>
+            <a:r>
+              <a:rPr lang="en-US" dirty="0"/>
+              <a:t>FRAUDULENT</a:t>
+            </a:r>
+          </a:p>
+          <a:p>
+            <a:endParaRPr lang="en-US" dirty="0"/>
+          </a:p>
+          <a:p>
+            <a:endParaRPr lang="en-US" dirty="0"/>
+          </a:p>
+          <a:p>
+            <a:endParaRPr lang="en-US" dirty="0"/>
+          </a:p>
+          <a:p>
+            <a:endParaRPr lang="en-US" dirty="0"/>
+          </a:p>
+          <a:p>
+            <a:endParaRPr lang="en-US" dirty="0"/>
+          </a:p>
+          <a:p>
+            <a:endParaRPr lang="en-US" dirty="0"/>
           </a:p>
           <a:p>
             <a:endParaRPr lang="en-US" dirty="0"/>
@@ -6540,7 +7136,7 @@
     </p:spTree>
     <p:extLst>
       <p:ext uri="{BB962C8B-B14F-4D97-AF65-F5344CB8AC3E}">
-        <p14:creationId xmlns:p14="http://schemas.microsoft.com/office/powerpoint/2010/main" val="3378125380"/>
+        <p14:creationId xmlns:p14="http://schemas.microsoft.com/office/powerpoint/2010/main" val="113368331"/>
       </p:ext>
     </p:extLst>
   </p:cSld>
@@ -6572,7 +7168,7 @@
           <p:cNvPr id="2" name="Title 1">
             <a:extLst>
               <a:ext uri="{FF2B5EF4-FFF2-40B4-BE49-F238E27FC236}">
-                <a16:creationId xmlns:a16="http://schemas.microsoft.com/office/drawing/2014/main" id="{37C5577F-C58C-407B-B0CE-8818A029A070}"/>
+                <a16:creationId xmlns:a16="http://schemas.microsoft.com/office/drawing/2014/main" id="{39DE830E-E2C3-4278-9F0E-3B46AD0E7A1B}"/>
               </a:ext>
             </a:extLst>
           </p:cNvPr>
@@ -6590,7 +7186,7 @@
           <a:p>
             <a:r>
               <a:rPr lang="en-US" dirty="0"/>
-              <a:t>Data pre-processing</a:t>
+              <a:t>Preliminary analysis</a:t>
             </a:r>
           </a:p>
         </p:txBody>
@@ -6600,7 +7196,7 @@
           <p:cNvPr id="3" name="Content Placeholder 2">
             <a:extLst>
               <a:ext uri="{FF2B5EF4-FFF2-40B4-BE49-F238E27FC236}">
-                <a16:creationId xmlns:a16="http://schemas.microsoft.com/office/drawing/2014/main" id="{52D5CF02-FF2F-4723-989C-D273EDE04151}"/>
+                <a16:creationId xmlns:a16="http://schemas.microsoft.com/office/drawing/2014/main" id="{AA8A9778-8A76-45C3-9497-4B2E44B42CF5}"/>
               </a:ext>
             </a:extLst>
           </p:cNvPr>
@@ -6618,37 +7214,43 @@
           <a:p>
             <a:r>
               <a:rPr lang="en-US" dirty="0"/>
-              <a:t>Replace nan to “   “ to specify they are missing values</a:t>
-            </a:r>
-          </a:p>
-          <a:p>
-            <a:r>
-              <a:rPr lang="en-US" dirty="0"/>
-              <a:t>From the location attribute separate country, state and city</a:t>
-            </a:r>
-          </a:p>
-          <a:p>
-            <a:r>
-              <a:rPr lang="en-US" dirty="0"/>
-              <a:t>Separate the united states </a:t>
+              <a:t>17880 records with 18 attributes</a:t>
+            </a:r>
+          </a:p>
+          <a:p>
+            <a:r>
+              <a:rPr lang="en-US" dirty="0"/>
+              <a:t>Location of records spread across the world including us and </a:t>
             </a:r>
             <a:r>
               <a:rPr lang="en-US" dirty="0" err="1"/>
-              <a:t>datas</a:t>
-            </a:r>
-            <a:r>
-              <a:rPr lang="en-US" dirty="0"/>
-              <a:t> from the dataset </a:t>
-            </a:r>
-          </a:p>
-          <a:p>
-            <a:r>
-              <a:rPr lang="en-US" dirty="0"/>
-              <a:t>10593 records in the us dataset</a:t>
-            </a:r>
-          </a:p>
-          <a:p>
-            <a:endParaRPr lang="en-US" dirty="0"/>
+              <a:t>nz</a:t>
+            </a:r>
+            <a:endParaRPr lang="en-US" dirty="0"/>
+          </a:p>
+          <a:p>
+            <a:r>
+              <a:rPr lang="en-US" dirty="0"/>
+              <a:t>Target attribute – fraudulent</a:t>
+            </a:r>
+          </a:p>
+          <a:p>
+            <a:r>
+              <a:rPr lang="en-US" dirty="0"/>
+              <a:t>More missing values in salary-range and department</a:t>
+            </a:r>
+          </a:p>
+          <a:p>
+            <a:r>
+              <a:rPr lang="en-US" dirty="0"/>
+              <a:t>No missing values in the target variable</a:t>
+            </a:r>
+          </a:p>
+          <a:p>
+            <a:r>
+              <a:rPr lang="en-US" dirty="0"/>
+              <a:t>Data types of the records are integers and objects</a:t>
+            </a:r>
           </a:p>
           <a:p>
             <a:endParaRPr lang="en-US" dirty="0"/>
@@ -6658,7 +7260,7 @@
     </p:spTree>
     <p:extLst>
       <p:ext uri="{BB962C8B-B14F-4D97-AF65-F5344CB8AC3E}">
-        <p14:creationId xmlns:p14="http://schemas.microsoft.com/office/powerpoint/2010/main" val="3238387152"/>
+        <p14:creationId xmlns:p14="http://schemas.microsoft.com/office/powerpoint/2010/main" val="3378125380"/>
       </p:ext>
     </p:extLst>
   </p:cSld>
@@ -6690,7 +7292,7 @@
           <p:cNvPr id="2" name="Title 1">
             <a:extLst>
               <a:ext uri="{FF2B5EF4-FFF2-40B4-BE49-F238E27FC236}">
-                <a16:creationId xmlns:a16="http://schemas.microsoft.com/office/drawing/2014/main" id="{B03391D8-86BB-4302-A4B9-DE8A2E662226}"/>
+                <a16:creationId xmlns:a16="http://schemas.microsoft.com/office/drawing/2014/main" id="{849A27B7-650C-44FE-86A0-E42D6706C3BE}"/>
               </a:ext>
             </a:extLst>
           </p:cNvPr>
@@ -6708,7 +7310,7 @@
           <a:p>
             <a:r>
               <a:rPr lang="en-US" dirty="0"/>
-              <a:t>Employment-type</a:t>
+              <a:t>Interested attributes</a:t>
             </a:r>
           </a:p>
         </p:txBody>
@@ -6718,7 +7320,7 @@
           <p:cNvPr id="3" name="Content Placeholder 2">
             <a:extLst>
               <a:ext uri="{FF2B5EF4-FFF2-40B4-BE49-F238E27FC236}">
-                <a16:creationId xmlns:a16="http://schemas.microsoft.com/office/drawing/2014/main" id="{2330F26D-24A0-45AC-8835-ADDFF22D93E1}"/>
+                <a16:creationId xmlns:a16="http://schemas.microsoft.com/office/drawing/2014/main" id="{7BD7826E-42C4-44DF-885D-E2FD14D2611D}"/>
               </a:ext>
             </a:extLst>
           </p:cNvPr>
@@ -6736,80 +7338,45 @@
           <a:p>
             <a:r>
               <a:rPr lang="en-US" dirty="0"/>
-              <a:t>Employment-type spreads from full-time to temporary</a:t>
-            </a:r>
-          </a:p>
-          <a:p>
-            <a:endParaRPr lang="en-US" dirty="0"/>
-          </a:p>
-        </p:txBody>
-      </p:sp>
-      <p:pic>
-        <p:nvPicPr>
-          <p:cNvPr id="7" name="Content Placeholder 6">
-            <a:extLst>
-              <a:ext uri="{FF2B5EF4-FFF2-40B4-BE49-F238E27FC236}">
-                <a16:creationId xmlns:a16="http://schemas.microsoft.com/office/drawing/2014/main" id="{D15D1497-497F-4412-A435-0A98CE057DE7}"/>
-              </a:ext>
-            </a:extLst>
-          </p:cNvPr>
-          <p:cNvPicPr>
-            <a:picLocks noGrp="1" noChangeAspect="1"/>
-          </p:cNvPicPr>
-          <p:nvPr>
-            <p:ph sz="quarter" idx="14"/>
-          </p:nvPr>
-        </p:nvPicPr>
-        <p:blipFill>
-          <a:blip r:embed="rId2"/>
-          <a:stretch>
-            <a:fillRect/>
-          </a:stretch>
-        </p:blipFill>
-        <p:spPr>
-          <a:xfrm>
-            <a:off x="6172199" y="2389310"/>
-            <a:ext cx="5317435" cy="3424107"/>
-          </a:xfrm>
-          <a:prstGeom prst="rect">
-            <a:avLst/>
-          </a:prstGeom>
-        </p:spPr>
-      </p:pic>
-      <p:pic>
-        <p:nvPicPr>
-          <p:cNvPr id="9" name="Picture 8">
-            <a:extLst>
-              <a:ext uri="{FF2B5EF4-FFF2-40B4-BE49-F238E27FC236}">
-                <a16:creationId xmlns:a16="http://schemas.microsoft.com/office/drawing/2014/main" id="{C84389F2-CB41-421B-B21E-B62DB5D49DB2}"/>
-              </a:ext>
-            </a:extLst>
-          </p:cNvPr>
-          <p:cNvPicPr>
-            <a:picLocks noChangeAspect="1"/>
-          </p:cNvPicPr>
-          <p:nvPr/>
-        </p:nvPicPr>
-        <p:blipFill>
-          <a:blip r:embed="rId3"/>
-          <a:stretch>
-            <a:fillRect/>
-          </a:stretch>
-        </p:blipFill>
-        <p:spPr>
-          <a:xfrm>
-            <a:off x="1508469" y="3243884"/>
-            <a:ext cx="3182801" cy="2569533"/>
-          </a:xfrm>
-          <a:prstGeom prst="rect">
-            <a:avLst/>
-          </a:prstGeom>
-        </p:spPr>
-      </p:pic>
+              <a:t>Employment-type</a:t>
+            </a:r>
+          </a:p>
+          <a:p>
+            <a:r>
+              <a:rPr lang="en-US" dirty="0"/>
+              <a:t>Required-education</a:t>
+            </a:r>
+          </a:p>
+          <a:p>
+            <a:r>
+              <a:rPr lang="en-US" dirty="0"/>
+              <a:t>Required-experience</a:t>
+            </a:r>
+          </a:p>
+          <a:p>
+            <a:r>
+              <a:rPr lang="en-US" dirty="0"/>
+              <a:t>Has-company-logo</a:t>
+            </a:r>
+          </a:p>
+          <a:p>
+            <a:r>
+              <a:rPr lang="en-US" dirty="0"/>
+              <a:t>Fraudulent</a:t>
+            </a:r>
+          </a:p>
+          <a:p>
+            <a:r>
+              <a:rPr lang="en-US" dirty="0"/>
+              <a:t>location – to select data only from united states</a:t>
+            </a:r>
+          </a:p>
+        </p:txBody>
+      </p:sp>
     </p:spTree>
     <p:extLst>
       <p:ext uri="{BB962C8B-B14F-4D97-AF65-F5344CB8AC3E}">
-        <p14:creationId xmlns:p14="http://schemas.microsoft.com/office/powerpoint/2010/main" val="2918409995"/>
+        <p14:creationId xmlns:p14="http://schemas.microsoft.com/office/powerpoint/2010/main" val="2276361983"/>
       </p:ext>
     </p:extLst>
   </p:cSld>
@@ -6841,7 +7408,7 @@
           <p:cNvPr id="2" name="Title 1">
             <a:extLst>
               <a:ext uri="{FF2B5EF4-FFF2-40B4-BE49-F238E27FC236}">
-                <a16:creationId xmlns:a16="http://schemas.microsoft.com/office/drawing/2014/main" id="{2E8B028C-9658-4689-BE2F-F6A90021F243}"/>
+                <a16:creationId xmlns:a16="http://schemas.microsoft.com/office/drawing/2014/main" id="{37C5577F-C58C-407B-B0CE-8818A029A070}"/>
               </a:ext>
             </a:extLst>
           </p:cNvPr>
@@ -6859,79 +7426,89 @@
           <a:p>
             <a:r>
               <a:rPr lang="en-US" dirty="0"/>
-              <a:t>Required experience</a:t>
-            </a:r>
-          </a:p>
-        </p:txBody>
-      </p:sp>
-      <p:pic>
-        <p:nvPicPr>
-          <p:cNvPr id="7" name="Content Placeholder 6">
+              <a:t>Data pre-processing</a:t>
+            </a:r>
+          </a:p>
+        </p:txBody>
+      </p:sp>
+      <p:sp>
+        <p:nvSpPr>
+          <p:cNvPr id="3" name="Content Placeholder 2">
             <a:extLst>
               <a:ext uri="{FF2B5EF4-FFF2-40B4-BE49-F238E27FC236}">
-                <a16:creationId xmlns:a16="http://schemas.microsoft.com/office/drawing/2014/main" id="{C8ABECBE-BC89-44AC-AFD8-808163AC93BA}"/>
+                <a16:creationId xmlns:a16="http://schemas.microsoft.com/office/drawing/2014/main" id="{52D5CF02-FF2F-4723-989C-D273EDE04151}"/>
               </a:ext>
             </a:extLst>
           </p:cNvPr>
-          <p:cNvPicPr>
-            <a:picLocks noGrp="1" noChangeAspect="1"/>
-          </p:cNvPicPr>
+          <p:cNvSpPr>
+            <a:spLocks noGrp="1"/>
+          </p:cNvSpPr>
           <p:nvPr>
             <p:ph sz="quarter" idx="13"/>
           </p:nvPr>
-        </p:nvPicPr>
-        <p:blipFill>
-          <a:blip r:embed="rId2"/>
-          <a:stretch>
-            <a:fillRect/>
-          </a:stretch>
-        </p:blipFill>
-        <p:spPr>
-          <a:xfrm>
-            <a:off x="2176462" y="2421731"/>
-            <a:ext cx="2581275" cy="3314700"/>
-          </a:xfrm>
-          <a:prstGeom prst="rect">
-            <a:avLst/>
-          </a:prstGeom>
-        </p:spPr>
-      </p:pic>
-      <p:pic>
-        <p:nvPicPr>
-          <p:cNvPr id="5" name="Content Placeholder 4">
-            <a:extLst>
-              <a:ext uri="{FF2B5EF4-FFF2-40B4-BE49-F238E27FC236}">
-                <a16:creationId xmlns:a16="http://schemas.microsoft.com/office/drawing/2014/main" id="{987C1412-DFD0-4302-9180-A617CB62F198}"/>
-              </a:ext>
-            </a:extLst>
-          </p:cNvPr>
-          <p:cNvPicPr>
-            <a:picLocks noGrp="1" noChangeAspect="1"/>
-          </p:cNvPicPr>
-          <p:nvPr>
-            <p:ph sz="quarter" idx="14"/>
-          </p:nvPr>
-        </p:nvPicPr>
-        <p:blipFill>
-          <a:blip r:embed="rId3"/>
-          <a:stretch>
-            <a:fillRect/>
-          </a:stretch>
-        </p:blipFill>
-        <p:spPr>
-          <a:xfrm>
-            <a:off x="6774336" y="2366963"/>
-            <a:ext cx="3901128" cy="3424237"/>
-          </a:xfrm>
-          <a:prstGeom prst="rect">
-            <a:avLst/>
-          </a:prstGeom>
-        </p:spPr>
-      </p:pic>
+        </p:nvSpPr>
+        <p:spPr>
+          <a:xfrm>
+            <a:off x="913774" y="2015232"/>
+            <a:ext cx="10363826" cy="3775968"/>
+          </a:xfrm>
+        </p:spPr>
+        <p:txBody>
+          <a:bodyPr/>
+          <a:lstStyle/>
+          <a:p>
+            <a:r>
+              <a:rPr lang="en-US" dirty="0"/>
+              <a:t>Replace nan to “   “ to specify they are missing values</a:t>
+            </a:r>
+          </a:p>
+          <a:p>
+            <a:r>
+              <a:rPr lang="en-US" dirty="0"/>
+              <a:t>From the location attribute separate country, state and city</a:t>
+            </a:r>
+          </a:p>
+          <a:p>
+            <a:r>
+              <a:rPr lang="en-US" dirty="0"/>
+              <a:t>Separate the united states data from the dataset </a:t>
+            </a:r>
+          </a:p>
+          <a:p>
+            <a:r>
+              <a:rPr lang="en-US" dirty="0"/>
+              <a:t>10593 records in the us dataset</a:t>
+            </a:r>
+          </a:p>
+          <a:p>
+            <a:r>
+              <a:rPr lang="en-US" dirty="0"/>
+              <a:t>Replaced missing values with the mode of the attributes</a:t>
+            </a:r>
+          </a:p>
+          <a:p>
+            <a:r>
+              <a:rPr lang="en-US" dirty="0"/>
+              <a:t>Converting the categorical variables to numeric with </a:t>
+            </a:r>
+            <a:r>
+              <a:rPr lang="en-US" dirty="0" err="1"/>
+              <a:t>cat.code</a:t>
+            </a:r>
+            <a:endParaRPr lang="en-US" dirty="0"/>
+          </a:p>
+          <a:p>
+            <a:endParaRPr lang="en-US" dirty="0"/>
+          </a:p>
+          <a:p>
+            <a:endParaRPr lang="en-US" dirty="0"/>
+          </a:p>
+        </p:txBody>
+      </p:sp>
     </p:spTree>
     <p:extLst>
       <p:ext uri="{BB962C8B-B14F-4D97-AF65-F5344CB8AC3E}">
-        <p14:creationId xmlns:p14="http://schemas.microsoft.com/office/powerpoint/2010/main" val="345195931"/>
+        <p14:creationId xmlns:p14="http://schemas.microsoft.com/office/powerpoint/2010/main" val="3238387152"/>
       </p:ext>
     </p:extLst>
   </p:cSld>
@@ -6963,7 +7540,7 @@
           <p:cNvPr id="2" name="Title 1">
             <a:extLst>
               <a:ext uri="{FF2B5EF4-FFF2-40B4-BE49-F238E27FC236}">
-                <a16:creationId xmlns:a16="http://schemas.microsoft.com/office/drawing/2014/main" id="{07C823FD-67D4-455B-8E16-8582589D6AE4}"/>
+                <a16:creationId xmlns:a16="http://schemas.microsoft.com/office/drawing/2014/main" id="{7047F360-A800-4B9C-805A-F1D5E17D8AF2}"/>
               </a:ext>
             </a:extLst>
           </p:cNvPr>
@@ -6981,79 +7558,78 @@
           <a:p>
             <a:r>
               <a:rPr lang="en-US" dirty="0"/>
-              <a:t>Required-education</a:t>
-            </a:r>
-          </a:p>
-        </p:txBody>
-      </p:sp>
-      <p:pic>
-        <p:nvPicPr>
-          <p:cNvPr id="6" name="Content Placeholder 5">
+              <a:t>Missing values</a:t>
+            </a:r>
+          </a:p>
+        </p:txBody>
+      </p:sp>
+      <p:sp>
+        <p:nvSpPr>
+          <p:cNvPr id="3" name="Content Placeholder 2">
             <a:extLst>
               <a:ext uri="{FF2B5EF4-FFF2-40B4-BE49-F238E27FC236}">
-                <a16:creationId xmlns:a16="http://schemas.microsoft.com/office/drawing/2014/main" id="{E20BCBB8-C652-47A1-B2D4-5D477957E554}"/>
+                <a16:creationId xmlns:a16="http://schemas.microsoft.com/office/drawing/2014/main" id="{B20EC234-9AFC-4CE6-93A5-E290CEA90F11}"/>
               </a:ext>
             </a:extLst>
           </p:cNvPr>
-          <p:cNvPicPr>
-            <a:picLocks noGrp="1" noChangeAspect="1"/>
-          </p:cNvPicPr>
+          <p:cNvSpPr>
+            <a:spLocks noGrp="1"/>
+          </p:cNvSpPr>
           <p:nvPr>
             <p:ph sz="quarter" idx="13"/>
           </p:nvPr>
-        </p:nvPicPr>
-        <p:blipFill>
-          <a:blip r:embed="rId2"/>
-          <a:stretch>
-            <a:fillRect/>
-          </a:stretch>
-        </p:blipFill>
-        <p:spPr>
-          <a:xfrm>
-            <a:off x="1202635" y="1908313"/>
-            <a:ext cx="4224130" cy="4532244"/>
-          </a:xfrm>
-          <a:prstGeom prst="rect">
-            <a:avLst/>
-          </a:prstGeom>
-        </p:spPr>
-      </p:pic>
-      <p:pic>
-        <p:nvPicPr>
-          <p:cNvPr id="5" name="Content Placeholder 4">
-            <a:extLst>
-              <a:ext uri="{FF2B5EF4-FFF2-40B4-BE49-F238E27FC236}">
-                <a16:creationId xmlns:a16="http://schemas.microsoft.com/office/drawing/2014/main" id="{BF6EDF20-EBA1-4D38-9C86-95226BAC035B}"/>
-              </a:ext>
-            </a:extLst>
-          </p:cNvPr>
-          <p:cNvPicPr>
-            <a:picLocks noGrp="1" noChangeAspect="1"/>
-          </p:cNvPicPr>
-          <p:nvPr>
-            <p:ph sz="quarter" idx="14"/>
-          </p:nvPr>
-        </p:nvPicPr>
-        <p:blipFill>
-          <a:blip r:embed="rId3"/>
-          <a:stretch>
-            <a:fillRect/>
-          </a:stretch>
-        </p:blipFill>
-        <p:spPr>
-          <a:xfrm>
-            <a:off x="6096000" y="1908313"/>
-            <a:ext cx="5443329" cy="4532244"/>
-          </a:xfrm>
-          <a:prstGeom prst="rect">
-            <a:avLst/>
-          </a:prstGeom>
-        </p:spPr>
-      </p:pic>
+        </p:nvSpPr>
+        <p:spPr/>
+        <p:txBody>
+          <a:bodyPr/>
+          <a:lstStyle/>
+          <a:p>
+            <a:r>
+              <a:rPr lang="en-US" dirty="0"/>
+              <a:t>Replaced missing values with the modes of those attributes</a:t>
+            </a:r>
+          </a:p>
+          <a:p>
+            <a:pPr lvl="1"/>
+            <a:r>
+              <a:rPr lang="en-US" dirty="0"/>
+              <a:t>Missing data in employment type with other</a:t>
+            </a:r>
+          </a:p>
+          <a:p>
+            <a:pPr lvl="1"/>
+            <a:r>
+              <a:rPr lang="en-US" dirty="0"/>
+              <a:t>Missing data in required-experience with not-applicable</a:t>
+            </a:r>
+          </a:p>
+          <a:p>
+            <a:pPr lvl="1"/>
+            <a:r>
+              <a:rPr lang="en-US" dirty="0"/>
+              <a:t>Missing data in required-education with unspecified</a:t>
+            </a:r>
+          </a:p>
+          <a:p>
+            <a:r>
+              <a:rPr lang="en-US" dirty="0"/>
+              <a:t>Dropped missing values in locations</a:t>
+            </a:r>
+          </a:p>
+          <a:p>
+            <a:pPr lvl="1"/>
+            <a:endParaRPr lang="en-US" dirty="0"/>
+          </a:p>
+          <a:p>
+            <a:pPr lvl="1"/>
+            <a:endParaRPr lang="en-US" dirty="0"/>
+          </a:p>
+        </p:txBody>
+      </p:sp>
     </p:spTree>
     <p:extLst>
       <p:ext uri="{BB962C8B-B14F-4D97-AF65-F5344CB8AC3E}">
-        <p14:creationId xmlns:p14="http://schemas.microsoft.com/office/powerpoint/2010/main" val="3140331604"/>
+        <p14:creationId xmlns:p14="http://schemas.microsoft.com/office/powerpoint/2010/main" val="4065138355"/>
       </p:ext>
     </p:extLst>
   </p:cSld>
@@ -7085,7 +7661,7 @@
           <p:cNvPr id="2" name="Title 1">
             <a:extLst>
               <a:ext uri="{FF2B5EF4-FFF2-40B4-BE49-F238E27FC236}">
-                <a16:creationId xmlns:a16="http://schemas.microsoft.com/office/drawing/2014/main" id="{FB047358-2DA0-4EBD-A009-371F287CBFA5}"/>
+                <a16:creationId xmlns:a16="http://schemas.microsoft.com/office/drawing/2014/main" id="{B03391D8-86BB-4302-A4B9-DE8A2E662226}"/>
               </a:ext>
             </a:extLst>
           </p:cNvPr>
@@ -7103,7 +7679,7 @@
           <a:p>
             <a:r>
               <a:rPr lang="en-US" dirty="0"/>
-              <a:t>Has-company-logo</a:t>
+              <a:t>Employment-type</a:t>
             </a:r>
           </a:p>
         </p:txBody>
@@ -7113,7 +7689,7 @@
           <p:cNvPr id="3" name="Content Placeholder 2">
             <a:extLst>
               <a:ext uri="{FF2B5EF4-FFF2-40B4-BE49-F238E27FC236}">
-                <a16:creationId xmlns:a16="http://schemas.microsoft.com/office/drawing/2014/main" id="{8C9ECEE2-509A-48AD-84FE-5552C88B6F1B}"/>
+                <a16:creationId xmlns:a16="http://schemas.microsoft.com/office/drawing/2014/main" id="{2330F26D-24A0-45AC-8835-ADDFF22D93E1}"/>
               </a:ext>
             </a:extLst>
           </p:cNvPr>
@@ -7131,26 +7707,8 @@
           <a:p>
             <a:r>
               <a:rPr lang="en-US" dirty="0"/>
-              <a:t>Correlation coefficient to the target variable: -0.25</a:t>
-            </a:r>
-          </a:p>
-          <a:p>
-            <a:r>
-              <a:rPr lang="en-US" dirty="0"/>
-              <a:t>Moderate negative correlation</a:t>
-            </a:r>
-          </a:p>
-          <a:p>
-            <a:endParaRPr lang="en-US" dirty="0"/>
-          </a:p>
-          <a:p>
-            <a:endParaRPr lang="en-US" dirty="0"/>
-          </a:p>
-          <a:p>
-            <a:endParaRPr lang="en-US" dirty="0"/>
-          </a:p>
-          <a:p>
-            <a:endParaRPr lang="en-US" dirty="0"/>
+              <a:t>Employment-type spreads from full-time to temporary</a:t>
+            </a:r>
           </a:p>
           <a:p>
             <a:endParaRPr lang="en-US" dirty="0"/>
@@ -7159,10 +7717,10 @@
       </p:sp>
       <p:pic>
         <p:nvPicPr>
-          <p:cNvPr id="6" name="Content Placeholder 5">
+          <p:cNvPr id="7" name="Content Placeholder 6">
             <a:extLst>
               <a:ext uri="{FF2B5EF4-FFF2-40B4-BE49-F238E27FC236}">
-                <a16:creationId xmlns:a16="http://schemas.microsoft.com/office/drawing/2014/main" id="{807D7759-7A50-4E5C-AA33-082B45705902}"/>
+                <a16:creationId xmlns:a16="http://schemas.microsoft.com/office/drawing/2014/main" id="{D15D1497-497F-4412-A435-0A98CE057DE7}"/>
               </a:ext>
             </a:extLst>
           </p:cNvPr>
@@ -7181,8 +7739,8 @@
         </p:blipFill>
         <p:spPr>
           <a:xfrm>
-            <a:off x="6305550" y="2436019"/>
-            <a:ext cx="4838700" cy="3286125"/>
+            <a:off x="6172199" y="2389310"/>
+            <a:ext cx="5317435" cy="3424107"/>
           </a:xfrm>
           <a:prstGeom prst="rect">
             <a:avLst/>
@@ -7191,10 +7749,10 @@
       </p:pic>
       <p:pic>
         <p:nvPicPr>
-          <p:cNvPr id="5" name="Picture 4">
+          <p:cNvPr id="9" name="Picture 8">
             <a:extLst>
               <a:ext uri="{FF2B5EF4-FFF2-40B4-BE49-F238E27FC236}">
-                <a16:creationId xmlns:a16="http://schemas.microsoft.com/office/drawing/2014/main" id="{57651EA2-BE20-41B5-A5F7-82DF8ABEFE6E}"/>
+                <a16:creationId xmlns:a16="http://schemas.microsoft.com/office/drawing/2014/main" id="{C84389F2-CB41-421B-B21E-B62DB5D49DB2}"/>
               </a:ext>
             </a:extLst>
           </p:cNvPr>
@@ -7211,8 +7769,8 @@
         </p:blipFill>
         <p:spPr>
           <a:xfrm>
-            <a:off x="1512611" y="3883507"/>
-            <a:ext cx="2447925" cy="1476375"/>
+            <a:off x="1508469" y="3243884"/>
+            <a:ext cx="3182801" cy="2569533"/>
           </a:xfrm>
           <a:prstGeom prst="rect">
             <a:avLst/>
@@ -7222,7 +7780,7 @@
     </p:spTree>
     <p:extLst>
       <p:ext uri="{BB962C8B-B14F-4D97-AF65-F5344CB8AC3E}">
-        <p14:creationId xmlns:p14="http://schemas.microsoft.com/office/powerpoint/2010/main" val="2657199537"/>
+        <p14:creationId xmlns:p14="http://schemas.microsoft.com/office/powerpoint/2010/main" val="2918409995"/>
       </p:ext>
     </p:extLst>
   </p:cSld>
@@ -7254,7 +7812,7 @@
           <p:cNvPr id="2" name="Title 1">
             <a:extLst>
               <a:ext uri="{FF2B5EF4-FFF2-40B4-BE49-F238E27FC236}">
-                <a16:creationId xmlns:a16="http://schemas.microsoft.com/office/drawing/2014/main" id="{8C1667CE-6146-4996-A275-E70D08A3DA7E}"/>
+                <a16:creationId xmlns:a16="http://schemas.microsoft.com/office/drawing/2014/main" id="{2E8B028C-9658-4689-BE2F-F6A90021F243}"/>
               </a:ext>
             </a:extLst>
           </p:cNvPr>
@@ -7272,121 +7830,79 @@
           <a:p>
             <a:r>
               <a:rPr lang="en-US" dirty="0"/>
-              <a:t>Models and metrics</a:t>
-            </a:r>
-          </a:p>
-        </p:txBody>
-      </p:sp>
-      <p:sp>
-        <p:nvSpPr>
-          <p:cNvPr id="3" name="Content Placeholder 2">
+              <a:t>Required experience</a:t>
+            </a:r>
+          </a:p>
+        </p:txBody>
+      </p:sp>
+      <p:pic>
+        <p:nvPicPr>
+          <p:cNvPr id="7" name="Content Placeholder 6">
             <a:extLst>
               <a:ext uri="{FF2B5EF4-FFF2-40B4-BE49-F238E27FC236}">
-                <a16:creationId xmlns:a16="http://schemas.microsoft.com/office/drawing/2014/main" id="{0EDF38FC-AA73-47FC-BD1D-3BDA1034344D}"/>
+                <a16:creationId xmlns:a16="http://schemas.microsoft.com/office/drawing/2014/main" id="{C8ABECBE-BC89-44AC-AFD8-808163AC93BA}"/>
               </a:ext>
             </a:extLst>
           </p:cNvPr>
-          <p:cNvSpPr>
-            <a:spLocks noGrp="1"/>
-          </p:cNvSpPr>
+          <p:cNvPicPr>
+            <a:picLocks noGrp="1" noChangeAspect="1"/>
+          </p:cNvPicPr>
           <p:nvPr>
             <p:ph sz="quarter" idx="13"/>
           </p:nvPr>
-        </p:nvSpPr>
-        <p:spPr/>
-        <p:txBody>
-          <a:bodyPr/>
-          <a:lstStyle/>
-          <a:p>
-            <a:r>
-              <a:rPr lang="en-US" dirty="0"/>
-              <a:t>Naïve </a:t>
-            </a:r>
-            <a:r>
-              <a:rPr lang="en-US" dirty="0" err="1"/>
-              <a:t>bayes</a:t>
-            </a:r>
-            <a:r>
-              <a:rPr lang="en-US" dirty="0"/>
-              <a:t> model</a:t>
-            </a:r>
-          </a:p>
-          <a:p>
-            <a:r>
-              <a:rPr lang="en-US" dirty="0"/>
-              <a:t>Decision tree classifier</a:t>
-            </a:r>
-          </a:p>
-          <a:p>
-            <a:r>
-              <a:rPr lang="en-US" dirty="0"/>
-              <a:t>K-nearest neighbors</a:t>
-            </a:r>
-          </a:p>
-          <a:p>
-            <a:r>
-              <a:rPr lang="en-US" dirty="0"/>
-              <a:t>Random forest</a:t>
-            </a:r>
-          </a:p>
-          <a:p>
-            <a:pPr marL="0" indent="0">
-              <a:buNone/>
-            </a:pPr>
-            <a:endParaRPr lang="en-US" dirty="0"/>
-          </a:p>
-        </p:txBody>
-      </p:sp>
-      <p:sp>
-        <p:nvSpPr>
-          <p:cNvPr id="4" name="Content Placeholder 3">
+        </p:nvPicPr>
+        <p:blipFill>
+          <a:blip r:embed="rId2"/>
+          <a:stretch>
+            <a:fillRect/>
+          </a:stretch>
+        </p:blipFill>
+        <p:spPr>
+          <a:xfrm>
+            <a:off x="2176462" y="2421731"/>
+            <a:ext cx="2581275" cy="3314700"/>
+          </a:xfrm>
+          <a:prstGeom prst="rect">
+            <a:avLst/>
+          </a:prstGeom>
+        </p:spPr>
+      </p:pic>
+      <p:pic>
+        <p:nvPicPr>
+          <p:cNvPr id="5" name="Content Placeholder 4">
             <a:extLst>
               <a:ext uri="{FF2B5EF4-FFF2-40B4-BE49-F238E27FC236}">
-                <a16:creationId xmlns:a16="http://schemas.microsoft.com/office/drawing/2014/main" id="{6BFDE3A1-C0EC-4376-AFFE-4708B6FFA693}"/>
+                <a16:creationId xmlns:a16="http://schemas.microsoft.com/office/drawing/2014/main" id="{987C1412-DFD0-4302-9180-A617CB62F198}"/>
               </a:ext>
             </a:extLst>
           </p:cNvPr>
-          <p:cNvSpPr>
-            <a:spLocks noGrp="1"/>
-          </p:cNvSpPr>
+          <p:cNvPicPr>
+            <a:picLocks noGrp="1" noChangeAspect="1"/>
+          </p:cNvPicPr>
           <p:nvPr>
             <p:ph sz="quarter" idx="14"/>
           </p:nvPr>
-        </p:nvSpPr>
-        <p:spPr/>
-        <p:txBody>
-          <a:bodyPr/>
-          <a:lstStyle/>
-          <a:p>
-            <a:r>
-              <a:rPr lang="en-US" dirty="0"/>
-              <a:t>ACCURACY</a:t>
-            </a:r>
-          </a:p>
-          <a:p>
-            <a:r>
-              <a:rPr lang="en-US" dirty="0"/>
-              <a:t>F1 SCORE</a:t>
-            </a:r>
-          </a:p>
-          <a:p>
-            <a:r>
-              <a:rPr lang="en-US" dirty="0"/>
-              <a:t>PRECISION</a:t>
-            </a:r>
-          </a:p>
-          <a:p>
-            <a:r>
-              <a:rPr lang="en-US" dirty="0"/>
-              <a:t>RECALL</a:t>
-            </a:r>
-          </a:p>
-        </p:txBody>
-      </p:sp>
+        </p:nvPicPr>
+        <p:blipFill>
+          <a:blip r:embed="rId3"/>
+          <a:stretch>
+            <a:fillRect/>
+          </a:stretch>
+        </p:blipFill>
+        <p:spPr>
+          <a:xfrm>
+            <a:off x="6774336" y="2366963"/>
+            <a:ext cx="3901128" cy="3424237"/>
+          </a:xfrm>
+          <a:prstGeom prst="rect">
+            <a:avLst/>
+          </a:prstGeom>
+        </p:spPr>
+      </p:pic>
     </p:spTree>
     <p:extLst>
       <p:ext uri="{BB962C8B-B14F-4D97-AF65-F5344CB8AC3E}">
-        <p14:creationId xmlns:p14="http://schemas.microsoft.com/office/powerpoint/2010/main" val="242248369"/>
+        <p14:creationId xmlns:p14="http://schemas.microsoft.com/office/powerpoint/2010/main" val="345195931"/>
       </p:ext>
     </p:extLst>
   </p:cSld>
